--- a/slides/block6.pptx
+++ b/slides/block6.pptx
@@ -5,15 +5,21 @@
     <p:sldMasterId id="2147483648" r:id="rId1"/>
   </p:sldMasterIdLst>
   <p:notesMasterIdLst>
-    <p:notesMasterId r:id="rId8"/>
+    <p:notesMasterId r:id="rId14"/>
   </p:notesMasterIdLst>
   <p:sldIdLst>
     <p:sldId id="256" r:id="rId2"/>
-    <p:sldId id="279" r:id="rId3"/>
+    <p:sldId id="294" r:id="rId3"/>
     <p:sldId id="296" r:id="rId4"/>
     <p:sldId id="297" r:id="rId5"/>
     <p:sldId id="298" r:id="rId6"/>
-    <p:sldId id="291" r:id="rId7"/>
+    <p:sldId id="299" r:id="rId7"/>
+    <p:sldId id="300" r:id="rId8"/>
+    <p:sldId id="301" r:id="rId9"/>
+    <p:sldId id="304" r:id="rId10"/>
+    <p:sldId id="302" r:id="rId11"/>
+    <p:sldId id="303" r:id="rId12"/>
+    <p:sldId id="291" r:id="rId13"/>
   </p:sldIdLst>
   <p:sldSz cx="12192000" cy="6858000"/>
   <p:notesSz cx="6858000" cy="9144000"/>
@@ -3810,12 +3816,8 @@
           <a:lstStyle/>
           <a:p>
             <a:r>
-              <a:rPr lang="en-KW"/>
-              <a:t>Block 6: </a:t>
-            </a:r>
-            <a:r>
               <a:rPr lang="en-KW" dirty="0"/>
-              <a:t>Non-Linear Modeling</a:t>
+              <a:t>Block 6: Feature Selection</a:t>
             </a:r>
           </a:p>
         </p:txBody>
@@ -3858,6 +3860,574 @@
     <p:extLst>
       <p:ext uri="{BB962C8B-B14F-4D97-AF65-F5344CB8AC3E}">
         <p14:creationId xmlns:p14="http://schemas.microsoft.com/office/powerpoint/2010/main" val="2124809095"/>
+      </p:ext>
+    </p:extLst>
+  </p:cSld>
+  <p:clrMapOvr>
+    <a:masterClrMapping/>
+  </p:clrMapOvr>
+</p:sld>
+</file>
+
+<file path=ppt/slides/slide10.xml><?xml version="1.0" encoding="utf-8"?>
+<p:sld xmlns:a="http://schemas.openxmlformats.org/drawingml/2006/main" xmlns:r="http://schemas.openxmlformats.org/officeDocument/2006/relationships" xmlns:p="http://schemas.openxmlformats.org/presentationml/2006/main">
+  <p:cSld>
+    <p:spTree>
+      <p:nvGrpSpPr>
+        <p:cNvPr id="1" name=""/>
+        <p:cNvGrpSpPr/>
+        <p:nvPr/>
+      </p:nvGrpSpPr>
+      <p:grpSpPr>
+        <a:xfrm>
+          <a:off x="0" y="0"/>
+          <a:ext cx="0" cy="0"/>
+          <a:chOff x="0" y="0"/>
+          <a:chExt cx="0" cy="0"/>
+        </a:xfrm>
+      </p:grpSpPr>
+      <p:sp>
+        <p:nvSpPr>
+          <p:cNvPr id="2" name="Title 1">
+            <a:extLst>
+              <a:ext uri="{FF2B5EF4-FFF2-40B4-BE49-F238E27FC236}">
+                <a16:creationId xmlns:a16="http://schemas.microsoft.com/office/drawing/2014/main" id="{17CB2817-6D91-1A8C-2B48-4188BE54E2E3}"/>
+              </a:ext>
+            </a:extLst>
+          </p:cNvPr>
+          <p:cNvSpPr>
+            <a:spLocks noGrp="1"/>
+          </p:cNvSpPr>
+          <p:nvPr>
+            <p:ph type="title"/>
+          </p:nvPr>
+        </p:nvSpPr>
+        <p:spPr/>
+        <p:txBody>
+          <a:bodyPr/>
+          <a:lstStyle/>
+          <a:p>
+            <a:r>
+              <a:rPr lang="en-KW" dirty="0"/>
+              <a:t>Pros and Cons</a:t>
+            </a:r>
+          </a:p>
+        </p:txBody>
+      </p:sp>
+      <mc:AlternateContent xmlns:mc="http://schemas.openxmlformats.org/markup-compatibility/2006">
+        <mc:Choice xmlns:a14="http://schemas.microsoft.com/office/drawing/2010/main" Requires="a14">
+          <p:sp>
+            <p:nvSpPr>
+              <p:cNvPr id="3" name="Content Placeholder 2">
+                <a:extLst>
+                  <a:ext uri="{FF2B5EF4-FFF2-40B4-BE49-F238E27FC236}">
+                    <a16:creationId xmlns:a16="http://schemas.microsoft.com/office/drawing/2014/main" id="{45C9CBE2-BE35-72B1-F361-F38276B929B3}"/>
+                  </a:ext>
+                </a:extLst>
+              </p:cNvPr>
+              <p:cNvSpPr>
+                <a:spLocks noGrp="1"/>
+              </p:cNvSpPr>
+              <p:nvPr>
+                <p:ph idx="1"/>
+              </p:nvPr>
+            </p:nvSpPr>
+            <p:spPr>
+              <a:xfrm>
+                <a:off x="838200" y="1825625"/>
+                <a:ext cx="10515600" cy="4667250"/>
+              </a:xfrm>
+            </p:spPr>
+            <p:txBody>
+              <a:bodyPr>
+                <a:normAutofit/>
+              </a:bodyPr>
+              <a:lstStyle/>
+              <a:p>
+                <a:r>
+                  <a:rPr lang="en-KW" dirty="0">
+                    <a:solidFill>
+                      <a:srgbClr val="00B0F0"/>
+                    </a:solidFill>
+                  </a:rPr>
+                  <a:t>True generalization: </a:t>
+                </a:r>
+                <a:r>
+                  <a:rPr lang="en-KW" dirty="0"/>
+                  <a:t>evaluates the generalization performance of your feature selection + model as one unit</a:t>
+                </a:r>
+              </a:p>
+              <a:p>
+                <a:r>
+                  <a:rPr lang="en-KW" dirty="0">
+                    <a:solidFill>
+                      <a:srgbClr val="FF0000"/>
+                    </a:solidFill>
+                  </a:rPr>
+                  <a:t>Can be expensive: </a:t>
+                </a:r>
+                <a:r>
+                  <a:rPr lang="en-KW" dirty="0"/>
+                  <a:t>e.g., brute force feature selection + nested 5-fold CV</a:t>
+                </a:r>
+              </a:p>
+              <a:p>
+                <a:pPr marL="457200" lvl="1" indent="0" algn="ctr">
+                  <a:buNone/>
+                </a:pPr>
+                <a14:m>
+                  <m:oMath xmlns:m="http://schemas.openxmlformats.org/officeDocument/2006/math">
+                    <m:sSup>
+                      <m:sSupPr>
+                        <m:ctrlPr>
+                          <a:rPr lang="en-US" b="1" i="1" smtClean="0">
+                            <a:latin typeface="Cambria Math" panose="02040503050406030204" pitchFamily="18" charset="0"/>
+                          </a:rPr>
+                        </m:ctrlPr>
+                      </m:sSupPr>
+                      <m:e>
+                        <m:r>
+                          <a:rPr lang="en-US" b="1" i="1" smtClean="0">
+                            <a:latin typeface="Cambria Math" panose="02040503050406030204" pitchFamily="18" charset="0"/>
+                          </a:rPr>
+                          <m:t>(</m:t>
+                        </m:r>
+                        <m:r>
+                          <a:rPr lang="en-US" b="1" i="1" smtClean="0">
+                            <a:latin typeface="Cambria Math" panose="02040503050406030204" pitchFamily="18" charset="0"/>
+                          </a:rPr>
+                          <m:t>𝟐</m:t>
+                        </m:r>
+                      </m:e>
+                      <m:sup>
+                        <m:r>
+                          <a:rPr lang="en-US" b="1" i="1" smtClean="0">
+                            <a:latin typeface="Cambria Math" panose="02040503050406030204" pitchFamily="18" charset="0"/>
+                          </a:rPr>
+                          <m:t>𝑲</m:t>
+                        </m:r>
+                      </m:sup>
+                    </m:sSup>
+                    <m:r>
+                      <a:rPr lang="en-US" b="1" i="1" smtClean="0">
+                        <a:latin typeface="Cambria Math" panose="02040503050406030204" pitchFamily="18" charset="0"/>
+                      </a:rPr>
+                      <m:t>−</m:t>
+                    </m:r>
+                    <m:r>
+                      <a:rPr lang="en-US" b="1" i="1" smtClean="0">
+                        <a:latin typeface="Cambria Math" panose="02040503050406030204" pitchFamily="18" charset="0"/>
+                      </a:rPr>
+                      <m:t>𝟏</m:t>
+                    </m:r>
+                    <m:r>
+                      <a:rPr lang="en-US" b="1" i="1" smtClean="0">
+                        <a:latin typeface="Cambria Math" panose="02040503050406030204" pitchFamily="18" charset="0"/>
+                      </a:rPr>
+                      <m:t>)×</m:t>
+                    </m:r>
+                    <m:r>
+                      <a:rPr lang="en-US" b="1" i="1" smtClean="0">
+                        <a:latin typeface="Cambria Math" panose="02040503050406030204" pitchFamily="18" charset="0"/>
+                      </a:rPr>
+                      <m:t>𝟓</m:t>
+                    </m:r>
+                    <m:r>
+                      <a:rPr lang="en-US" b="1" i="1" smtClean="0">
+                        <a:latin typeface="Cambria Math" panose="02040503050406030204" pitchFamily="18" charset="0"/>
+                      </a:rPr>
+                      <m:t>×</m:t>
+                    </m:r>
+                    <m:r>
+                      <a:rPr lang="en-US" b="1" i="1" smtClean="0">
+                        <a:latin typeface="Cambria Math" panose="02040503050406030204" pitchFamily="18" charset="0"/>
+                      </a:rPr>
+                      <m:t>𝟓</m:t>
+                    </m:r>
+                  </m:oMath>
+                </a14:m>
+                <a:r>
+                  <a:rPr lang="en-KW" b="0" dirty="0"/>
+                  <a:t> </a:t>
+                </a:r>
+                <a:r>
+                  <a:rPr lang="en-KW" dirty="0"/>
+                  <a:t>model evaluations</a:t>
+                </a:r>
+              </a:p>
+              <a:p>
+                <a:r>
+                  <a:rPr lang="en-KW" dirty="0">
+                    <a:solidFill>
+                      <a:srgbClr val="FF0000"/>
+                    </a:solidFill>
+                  </a:rPr>
+                  <a:t>Data hungry: </a:t>
+                </a:r>
+                <a:r>
+                  <a:rPr lang="en-KW" dirty="0"/>
+                  <a:t>requires enough data to do double-splitting</a:t>
+                </a:r>
+              </a:p>
+              <a:p>
+                <a:r>
+                  <a:rPr lang="en-KW" dirty="0"/>
+                  <a:t>Alternatives:</a:t>
+                </a:r>
+              </a:p>
+              <a:p>
+                <a:pPr lvl="1"/>
+                <a:r>
+                  <a:rPr lang="en-KW" dirty="0"/>
+                  <a:t>Split dataset into a development set and a final test set. Do all feature selection on development and test one time on the final test set.</a:t>
+                </a:r>
+              </a:p>
+              <a:p>
+                <a:pPr lvl="1"/>
+                <a:r>
+                  <a:rPr lang="en-KW" dirty="0"/>
+                  <a:t>Do a random train-validation splits on the training set, rather than full CV</a:t>
+                </a:r>
+              </a:p>
+              <a:p>
+                <a:endParaRPr lang="en-KW" dirty="0"/>
+              </a:p>
+            </p:txBody>
+          </p:sp>
+        </mc:Choice>
+        <mc:Fallback>
+          <p:sp>
+            <p:nvSpPr>
+              <p:cNvPr id="3" name="Content Placeholder 2">
+                <a:extLst>
+                  <a:ext uri="{FF2B5EF4-FFF2-40B4-BE49-F238E27FC236}">
+                    <a16:creationId xmlns:a16="http://schemas.microsoft.com/office/drawing/2014/main" id="{45C9CBE2-BE35-72B1-F361-F38276B929B3}"/>
+                  </a:ext>
+                </a:extLst>
+              </p:cNvPr>
+              <p:cNvSpPr>
+                <a:spLocks noGrp="1" noRot="1" noChangeAspect="1" noMove="1" noResize="1" noEditPoints="1" noAdjustHandles="1" noChangeArrowheads="1" noChangeShapeType="1" noTextEdit="1"/>
+              </p:cNvSpPr>
+              <p:nvPr>
+                <p:ph idx="1"/>
+              </p:nvPr>
+            </p:nvSpPr>
+            <p:spPr>
+              <a:xfrm>
+                <a:off x="838200" y="1825625"/>
+                <a:ext cx="10515600" cy="4667250"/>
+              </a:xfrm>
+              <a:blipFill>
+                <a:blip r:embed="rId2"/>
+                <a:stretch>
+                  <a:fillRect l="-1086" t="-2168" r="-965" b="-1897"/>
+                </a:stretch>
+              </a:blipFill>
+            </p:spPr>
+            <p:txBody>
+              <a:bodyPr/>
+              <a:lstStyle/>
+              <a:p>
+                <a:r>
+                  <a:rPr lang="en-KW">
+                    <a:noFill/>
+                  </a:rPr>
+                  <a:t> </a:t>
+                </a:r>
+              </a:p>
+            </p:txBody>
+          </p:sp>
+        </mc:Fallback>
+      </mc:AlternateContent>
+    </p:spTree>
+    <p:extLst>
+      <p:ext uri="{BB962C8B-B14F-4D97-AF65-F5344CB8AC3E}">
+        <p14:creationId xmlns:p14="http://schemas.microsoft.com/office/powerpoint/2010/main" val="3633076564"/>
+      </p:ext>
+    </p:extLst>
+  </p:cSld>
+  <p:clrMapOvr>
+    <a:masterClrMapping/>
+  </p:clrMapOvr>
+</p:sld>
+</file>
+
+<file path=ppt/slides/slide11.xml><?xml version="1.0" encoding="utf-8"?>
+<p:sld xmlns:a="http://schemas.openxmlformats.org/drawingml/2006/main" xmlns:r="http://schemas.openxmlformats.org/officeDocument/2006/relationships" xmlns:p="http://schemas.openxmlformats.org/presentationml/2006/main">
+  <p:cSld>
+    <p:spTree>
+      <p:nvGrpSpPr>
+        <p:cNvPr id="1" name=""/>
+        <p:cNvGrpSpPr/>
+        <p:nvPr/>
+      </p:nvGrpSpPr>
+      <p:grpSpPr>
+        <a:xfrm>
+          <a:off x="0" y="0"/>
+          <a:ext cx="0" cy="0"/>
+          <a:chOff x="0" y="0"/>
+          <a:chExt cx="0" cy="0"/>
+        </a:xfrm>
+      </p:grpSpPr>
+      <p:sp>
+        <p:nvSpPr>
+          <p:cNvPr id="2" name="Title 1">
+            <a:extLst>
+              <a:ext uri="{FF2B5EF4-FFF2-40B4-BE49-F238E27FC236}">
+                <a16:creationId xmlns:a16="http://schemas.microsoft.com/office/drawing/2014/main" id="{F18E23C6-E083-5F96-3421-025E002268F7}"/>
+              </a:ext>
+            </a:extLst>
+          </p:cNvPr>
+          <p:cNvSpPr>
+            <a:spLocks noGrp="1"/>
+          </p:cNvSpPr>
+          <p:nvPr>
+            <p:ph type="title"/>
+          </p:nvPr>
+        </p:nvSpPr>
+        <p:spPr/>
+        <p:txBody>
+          <a:bodyPr/>
+          <a:lstStyle/>
+          <a:p>
+            <a:r>
+              <a:rPr lang="en-KW" dirty="0"/>
+              <a:t>Examples of Both</a:t>
+            </a:r>
+          </a:p>
+        </p:txBody>
+      </p:sp>
+      <p:sp>
+        <p:nvSpPr>
+          <p:cNvPr id="3" name="Content Placeholder 2">
+            <a:extLst>
+              <a:ext uri="{FF2B5EF4-FFF2-40B4-BE49-F238E27FC236}">
+                <a16:creationId xmlns:a16="http://schemas.microsoft.com/office/drawing/2014/main" id="{32B12227-0390-D950-C699-1CB8191DB3C2}"/>
+              </a:ext>
+            </a:extLst>
+          </p:cNvPr>
+          <p:cNvSpPr>
+            <a:spLocks noGrp="1"/>
+          </p:cNvSpPr>
+          <p:nvPr>
+            <p:ph idx="1"/>
+          </p:nvPr>
+        </p:nvSpPr>
+        <p:spPr/>
+        <p:txBody>
+          <a:bodyPr/>
+          <a:lstStyle/>
+          <a:p>
+            <a:pPr marL="0" indent="0">
+              <a:buNone/>
+            </a:pPr>
+            <a:r>
+              <a:rPr lang="en-US" b="0" i="0" u="none" strike="noStrike" dirty="0">
+                <a:solidFill>
+                  <a:schemeClr val="tx1"/>
+                </a:solidFill>
+                <a:effectLst/>
+                <a:latin typeface="Source Sans Pro" panose="020B0503030403020204" pitchFamily="34" charset="0"/>
+              </a:rPr>
+              <a:t>Bader F Al-Anzi, Mohammad Khajah, Saja A </a:t>
+            </a:r>
+            <a:r>
+              <a:rPr lang="en-US" b="0" i="0" u="none" strike="noStrike" dirty="0" err="1">
+                <a:solidFill>
+                  <a:schemeClr val="tx1"/>
+                </a:solidFill>
+                <a:effectLst/>
+                <a:latin typeface="Source Sans Pro" panose="020B0503030403020204" pitchFamily="34" charset="0"/>
+              </a:rPr>
+              <a:t>Fakhraldeen</a:t>
+            </a:r>
+            <a:r>
+              <a:rPr lang="en-US" b="0" i="0" u="none" strike="noStrike" dirty="0">
+                <a:solidFill>
+                  <a:schemeClr val="tx1"/>
+                </a:solidFill>
+                <a:effectLst/>
+                <a:latin typeface="Source Sans Pro" panose="020B0503030403020204" pitchFamily="34" charset="0"/>
+              </a:rPr>
+              <a:t>, Predicting and explaining the impact of genetic disruptions and interactions on organismal viability, </a:t>
+            </a:r>
+            <a:r>
+              <a:rPr lang="en-US" b="0" i="1" u="none" strike="noStrike" dirty="0">
+                <a:solidFill>
+                  <a:schemeClr val="tx1"/>
+                </a:solidFill>
+                <a:effectLst/>
+                <a:latin typeface="Source Sans Pro" panose="020B0503030403020204" pitchFamily="34" charset="0"/>
+              </a:rPr>
+              <a:t>Bioinformatics</a:t>
+            </a:r>
+            <a:r>
+              <a:rPr lang="en-US" b="0" i="0" u="none" strike="noStrike" dirty="0">
+                <a:solidFill>
+                  <a:schemeClr val="tx1"/>
+                </a:solidFill>
+                <a:effectLst/>
+                <a:latin typeface="Source Sans Pro" panose="020B0503030403020204" pitchFamily="34" charset="0"/>
+              </a:rPr>
+              <a:t>, Volume 38, Issue 17, September 2022, Pages 4088–4099.</a:t>
+            </a:r>
+            <a:endParaRPr lang="en-US" b="0" i="0" u="none" strike="noStrike" dirty="0">
+              <a:solidFill>
+                <a:srgbClr val="006FB7"/>
+              </a:solidFill>
+              <a:effectLst/>
+              <a:latin typeface="Source Sans Pro" panose="020B0503030403020204" pitchFamily="34" charset="0"/>
+            </a:endParaRPr>
+          </a:p>
+          <a:p>
+            <a:pPr marL="0" indent="0">
+              <a:buNone/>
+            </a:pPr>
+            <a:endParaRPr lang="en-US" b="0" dirty="0">
+              <a:solidFill>
+                <a:srgbClr val="006FB7"/>
+              </a:solidFill>
+              <a:latin typeface="Source Sans Pro" panose="020B0503030403020204" pitchFamily="34" charset="0"/>
+            </a:endParaRPr>
+          </a:p>
+          <a:p>
+            <a:pPr marL="0" indent="0">
+              <a:buNone/>
+            </a:pPr>
+            <a:r>
+              <a:rPr lang="en-KW" b="0" dirty="0">
+                <a:solidFill>
+                  <a:schemeClr val="tx1"/>
+                </a:solidFill>
+              </a:rPr>
+              <a:t>Hesham A Almansouri, Mohammad M Khajah, Nasser B Alsnayen, Machine learning model for predicting cyber-criminal characteristics, </a:t>
+            </a:r>
+            <a:r>
+              <a:rPr lang="en-KW" b="0" i="1" dirty="0">
+                <a:solidFill>
+                  <a:schemeClr val="tx1"/>
+                </a:solidFill>
+              </a:rPr>
+              <a:t>Kuwait Journal of Science</a:t>
+            </a:r>
+            <a:r>
+              <a:rPr lang="en-KW" b="0" dirty="0">
+                <a:solidFill>
+                  <a:schemeClr val="tx1"/>
+                </a:solidFill>
+              </a:rPr>
+              <a:t>, Volume 53, Issue 1, 2025.</a:t>
+            </a:r>
+            <a:endParaRPr lang="en-US" b="0" dirty="0">
+              <a:solidFill>
+                <a:schemeClr val="tx1"/>
+              </a:solidFill>
+            </a:endParaRPr>
+          </a:p>
+        </p:txBody>
+      </p:sp>
+    </p:spTree>
+    <p:extLst>
+      <p:ext uri="{BB962C8B-B14F-4D97-AF65-F5344CB8AC3E}">
+        <p14:creationId xmlns:p14="http://schemas.microsoft.com/office/powerpoint/2010/main" val="1927058333"/>
+      </p:ext>
+    </p:extLst>
+  </p:cSld>
+  <p:clrMapOvr>
+    <a:masterClrMapping/>
+  </p:clrMapOvr>
+</p:sld>
+</file>
+
+<file path=ppt/slides/slide12.xml><?xml version="1.0" encoding="utf-8"?>
+<p:sld xmlns:a="http://schemas.openxmlformats.org/drawingml/2006/main" xmlns:r="http://schemas.openxmlformats.org/officeDocument/2006/relationships" xmlns:p="http://schemas.openxmlformats.org/presentationml/2006/main">
+  <p:cSld>
+    <p:spTree>
+      <p:nvGrpSpPr>
+        <p:cNvPr id="1" name=""/>
+        <p:cNvGrpSpPr/>
+        <p:nvPr/>
+      </p:nvGrpSpPr>
+      <p:grpSpPr>
+        <a:xfrm>
+          <a:off x="0" y="0"/>
+          <a:ext cx="0" cy="0"/>
+          <a:chOff x="0" y="0"/>
+          <a:chExt cx="0" cy="0"/>
+        </a:xfrm>
+      </p:grpSpPr>
+      <p:sp>
+        <p:nvSpPr>
+          <p:cNvPr id="2" name="Title 1">
+            <a:extLst>
+              <a:ext uri="{FF2B5EF4-FFF2-40B4-BE49-F238E27FC236}">
+                <a16:creationId xmlns:a16="http://schemas.microsoft.com/office/drawing/2014/main" id="{6ED6C579-3AE1-385E-B13A-F32CA337EF0B}"/>
+              </a:ext>
+            </a:extLst>
+          </p:cNvPr>
+          <p:cNvSpPr>
+            <a:spLocks noGrp="1"/>
+          </p:cNvSpPr>
+          <p:nvPr>
+            <p:ph type="title"/>
+          </p:nvPr>
+        </p:nvSpPr>
+        <p:spPr/>
+        <p:txBody>
+          <a:bodyPr/>
+          <a:lstStyle/>
+          <a:p>
+            <a:r>
+              <a:rPr lang="en-KW" dirty="0"/>
+              <a:t>Coding</a:t>
+            </a:r>
+          </a:p>
+        </p:txBody>
+      </p:sp>
+      <p:sp>
+        <p:nvSpPr>
+          <p:cNvPr id="3" name="Content Placeholder 2">
+            <a:extLst>
+              <a:ext uri="{FF2B5EF4-FFF2-40B4-BE49-F238E27FC236}">
+                <a16:creationId xmlns:a16="http://schemas.microsoft.com/office/drawing/2014/main" id="{D2AAE37E-50B3-DD2F-83D9-D2C97D23793D}"/>
+              </a:ext>
+            </a:extLst>
+          </p:cNvPr>
+          <p:cNvSpPr>
+            <a:spLocks noGrp="1"/>
+          </p:cNvSpPr>
+          <p:nvPr>
+            <p:ph idx="1"/>
+          </p:nvPr>
+        </p:nvSpPr>
+        <p:spPr/>
+        <p:txBody>
+          <a:bodyPr/>
+          <a:lstStyle/>
+          <a:p>
+            <a:r>
+              <a:rPr lang="en-KW" dirty="0"/>
+              <a:t>Brute force feature selection</a:t>
+            </a:r>
+          </a:p>
+          <a:p>
+            <a:r>
+              <a:rPr lang="en-KW" dirty="0"/>
+              <a:t>Greedy feature selection</a:t>
+            </a:r>
+          </a:p>
+          <a:p>
+            <a:r>
+              <a:rPr lang="en-KW" dirty="0"/>
+              <a:t>Apply to our model</a:t>
+            </a:r>
+          </a:p>
+        </p:txBody>
+      </p:sp>
+    </p:spTree>
+    <p:extLst>
+      <p:ext uri="{BB962C8B-B14F-4D97-AF65-F5344CB8AC3E}">
+        <p14:creationId xmlns:p14="http://schemas.microsoft.com/office/powerpoint/2010/main" val="1760064608"/>
       </p:ext>
     </p:extLst>
   </p:cSld>
@@ -3889,7 +4459,7 @@
           <p:cNvPr id="2" name="Title 1">
             <a:extLst>
               <a:ext uri="{FF2B5EF4-FFF2-40B4-BE49-F238E27FC236}">
-                <a16:creationId xmlns:a16="http://schemas.microsoft.com/office/drawing/2014/main" id="{7B0B8F52-D0B1-380B-3F64-8BC098481C16}"/>
+                <a16:creationId xmlns:a16="http://schemas.microsoft.com/office/drawing/2014/main" id="{C911F27D-8077-42A9-80B0-7559A9018BFB}"/>
               </a:ext>
             </a:extLst>
           </p:cNvPr>
@@ -3906,19 +4476,18 @@
           <a:lstStyle/>
           <a:p>
             <a:r>
-              <a:rPr lang="en-US" dirty="0"/>
-              <a:t>Relationship Looks Non-Linear</a:t>
-            </a:r>
-            <a:endParaRPr lang="en-KW" dirty="0"/>
-          </a:p>
-        </p:txBody>
-      </p:sp>
-      <p:sp>
-        <p:nvSpPr>
-          <p:cNvPr id="24" name="Content Placeholder 23">
-            <a:extLst>
-              <a:ext uri="{FF2B5EF4-FFF2-40B4-BE49-F238E27FC236}">
-                <a16:creationId xmlns:a16="http://schemas.microsoft.com/office/drawing/2014/main" id="{C39BCD28-80F7-7C37-B8B3-C282F06DCA78}"/>
+              <a:rPr lang="en-KW" dirty="0"/>
+              <a:t>Do We Need All Features?</a:t>
+            </a:r>
+          </a:p>
+        </p:txBody>
+      </p:sp>
+      <p:sp>
+        <p:nvSpPr>
+          <p:cNvPr id="6" name="Content Placeholder 5">
+            <a:extLst>
+              <a:ext uri="{FF2B5EF4-FFF2-40B4-BE49-F238E27FC236}">
+                <a16:creationId xmlns:a16="http://schemas.microsoft.com/office/drawing/2014/main" id="{732013C7-C3A8-A0FA-83CF-19BC8036F242}"/>
               </a:ext>
             </a:extLst>
           </p:cNvPr>
@@ -3929,105 +4498,88 @@
             <p:ph idx="1"/>
           </p:nvPr>
         </p:nvSpPr>
-        <p:spPr>
-          <a:xfrm>
-            <a:off x="838200" y="4224759"/>
-            <a:ext cx="10515600" cy="1952204"/>
-          </a:xfrm>
-        </p:spPr>
+        <p:spPr/>
         <p:txBody>
           <a:bodyPr/>
           <a:lstStyle/>
+          <a:p>
+            <a:r>
+              <a:rPr lang="en-KW" dirty="0"/>
+              <a:t>Not all features may be necessary:</a:t>
+            </a:r>
+          </a:p>
+          <a:p>
+            <a:pPr lvl="1"/>
+            <a:r>
+              <a:rPr lang="en-KW" dirty="0"/>
+              <a:t>Some might be correlated with each other</a:t>
+            </a:r>
+          </a:p>
+          <a:p>
+            <a:pPr lvl="1"/>
+            <a:r>
+              <a:rPr lang="en-KW" dirty="0"/>
+              <a:t>Some might not be informative</a:t>
+            </a:r>
+          </a:p>
+          <a:p>
+            <a:pPr lvl="1"/>
+            <a:r>
+              <a:rPr lang="en-KW" dirty="0"/>
+              <a:t>Some might lead to overfitting</a:t>
+            </a:r>
+          </a:p>
+          <a:p>
+            <a:pPr lvl="1"/>
+            <a:endParaRPr lang="en-KW" dirty="0"/>
+          </a:p>
           <a:p>
             <a:pPr marL="0" indent="0">
               <a:buNone/>
             </a:pPr>
             <a:r>
               <a:rPr lang="en-KW" dirty="0"/>
-              <a:t>Can we use a better model without throwing away everything we have already?</a:t>
-            </a:r>
-          </a:p>
-          <a:p>
-            <a:pPr marL="0" indent="0" algn="ctr">
-              <a:buNone/>
-            </a:pPr>
+              <a:t>We’ll cover two strategies to deal with this:</a:t>
+            </a:r>
+          </a:p>
+          <a:p>
             <a:r>
               <a:rPr lang="en-KW" dirty="0">
                 <a:solidFill>
                   <a:srgbClr val="00B0F0"/>
                 </a:solidFill>
               </a:rPr>
-              <a:t>MPG = exp(z)</a:t>
-            </a:r>
-          </a:p>
-          <a:p>
-            <a:pPr marL="0" indent="0" algn="ctr">
-              <a:buNone/>
-            </a:pPr>
+              <a:t>Brute-force: </a:t>
+            </a:r>
+            <a:r>
+              <a:rPr lang="en-KW" dirty="0"/>
+              <a:t>consider all possible combinations of input feature sets</a:t>
+            </a:r>
+          </a:p>
+          <a:p>
             <a:r>
               <a:rPr lang="en-KW" dirty="0">
                 <a:solidFill>
                   <a:srgbClr val="00B0F0"/>
                 </a:solidFill>
               </a:rPr>
-              <a:t>z = </a:t>
-            </a:r>
-            <a:r>
-              <a:rPr lang="en-KW" sz="2800" b="1" dirty="0">
-                <a:solidFill>
-                  <a:srgbClr val="00B0F0"/>
-                </a:solidFill>
-              </a:rPr>
-              <a:t>b0 + b1 * HP + b2 * Displacement + ...</a:t>
-            </a:r>
-            <a:endParaRPr lang="en-KW" dirty="0">
-              <a:solidFill>
-                <a:srgbClr val="00B0F0"/>
-              </a:solidFill>
-            </a:endParaRPr>
-          </a:p>
-        </p:txBody>
-      </p:sp>
-      <p:pic>
-        <p:nvPicPr>
-          <p:cNvPr id="30" name="Graphic 29">
-            <a:extLst>
-              <a:ext uri="{FF2B5EF4-FFF2-40B4-BE49-F238E27FC236}">
-                <a16:creationId xmlns:a16="http://schemas.microsoft.com/office/drawing/2014/main" id="{E73EC9C3-2D77-FCCB-05C9-CB208A3B6420}"/>
-              </a:ext>
-            </a:extLst>
-          </p:cNvPr>
-          <p:cNvPicPr>
-            <a:picLocks noChangeAspect="1"/>
-          </p:cNvPicPr>
-          <p:nvPr/>
-        </p:nvPicPr>
-        <p:blipFill>
-          <a:blip r:embed="rId2">
-            <a:extLst>
-              <a:ext uri="{96DAC541-7B7A-43D3-8B79-37D633B846F1}">
-                <asvg:svgBlip xmlns:asvg="http://schemas.microsoft.com/office/drawing/2016/SVG/main" r:embed="rId3"/>
-              </a:ext>
-            </a:extLst>
-          </a:blip>
-          <a:stretch>
-            <a:fillRect/>
-          </a:stretch>
-        </p:blipFill>
-        <p:spPr>
-          <a:xfrm>
-            <a:off x="838200" y="1981621"/>
-            <a:ext cx="10284438" cy="1952204"/>
-          </a:xfrm>
-          <a:prstGeom prst="rect">
-            <a:avLst/>
-          </a:prstGeom>
-        </p:spPr>
-      </p:pic>
+              <a:t>Greedy: </a:t>
+            </a:r>
+            <a:r>
+              <a:rPr lang="en-KW" dirty="0"/>
+              <a:t>sequentially add the “next best” input feature</a:t>
+            </a:r>
+          </a:p>
+          <a:p>
+            <a:pPr lvl="1"/>
+            <a:endParaRPr lang="en-KW" dirty="0"/>
+          </a:p>
+        </p:txBody>
+      </p:sp>
     </p:spTree>
     <p:extLst>
       <p:ext uri="{BB962C8B-B14F-4D97-AF65-F5344CB8AC3E}">
-        <p14:creationId xmlns:p14="http://schemas.microsoft.com/office/powerpoint/2010/main" val="2416573351"/>
+        <p14:creationId xmlns:p14="http://schemas.microsoft.com/office/powerpoint/2010/main" val="539345841"/>
       </p:ext>
     </p:extLst>
   </p:cSld>
@@ -4059,7 +4611,7 @@
           <p:cNvPr id="2" name="Title 1">
             <a:extLst>
               <a:ext uri="{FF2B5EF4-FFF2-40B4-BE49-F238E27FC236}">
-                <a16:creationId xmlns:a16="http://schemas.microsoft.com/office/drawing/2014/main" id="{929474EB-FDFA-1B01-264D-A2135B1930F3}"/>
+                <a16:creationId xmlns:a16="http://schemas.microsoft.com/office/drawing/2014/main" id="{9342BB68-D655-9630-46C0-0C7EF88E47EC}"/>
               </a:ext>
             </a:extLst>
           </p:cNvPr>
@@ -4077,1355 +4629,627 @@
           <a:p>
             <a:r>
               <a:rPr lang="en-KW" dirty="0"/>
-              <a:t>Chain Rule of Calculus</a:t>
-            </a:r>
-          </a:p>
-        </p:txBody>
-      </p:sp>
-      <mc:AlternateContent xmlns:mc="http://schemas.openxmlformats.org/markup-compatibility/2006" xmlns:a14="http://schemas.microsoft.com/office/drawing/2010/main">
-        <mc:Choice Requires="a14">
-          <p:sp>
-            <p:nvSpPr>
-              <p:cNvPr id="6" name="TextBox 5">
+              <a:t>Brute-Force Feature Selection</a:t>
+            </a:r>
+          </a:p>
+        </p:txBody>
+      </p:sp>
+      <p:sp>
+        <p:nvSpPr>
+          <p:cNvPr id="3" name="Content Placeholder 2">
+            <a:extLst>
+              <a:ext uri="{FF2B5EF4-FFF2-40B4-BE49-F238E27FC236}">
+                <a16:creationId xmlns:a16="http://schemas.microsoft.com/office/drawing/2014/main" id="{114EF813-28E0-986E-F995-5C58106E6369}"/>
+              </a:ext>
+            </a:extLst>
+          </p:cNvPr>
+          <p:cNvSpPr>
+            <a:spLocks noGrp="1"/>
+          </p:cNvSpPr>
+          <p:nvPr>
+            <p:ph idx="1"/>
+          </p:nvPr>
+        </p:nvSpPr>
+        <p:spPr>
+          <a:xfrm>
+            <a:off x="838200" y="1825625"/>
+            <a:ext cx="5257800" cy="4667250"/>
+          </a:xfrm>
+        </p:spPr>
+        <p:txBody>
+          <a:bodyPr>
+            <a:normAutofit fontScale="92500" lnSpcReduction="20000"/>
+          </a:bodyPr>
+          <a:lstStyle/>
+          <a:p>
+            <a:r>
+              <a:rPr lang="en-KW" dirty="0"/>
+              <a:t>If you have K possible input features, there are 2</a:t>
+            </a:r>
+            <a:r>
+              <a:rPr lang="en-KW" baseline="30000" dirty="0"/>
+              <a:t>K</a:t>
+            </a:r>
+            <a:r>
+              <a:rPr lang="en-KW" dirty="0"/>
+              <a:t> – 1 possible input feature sets</a:t>
+            </a:r>
+          </a:p>
+          <a:p>
+            <a:r>
+              <a:rPr lang="en-KW" dirty="0"/>
+              <a:t>So we need to train &amp; evlauate 2</a:t>
+            </a:r>
+            <a:r>
+              <a:rPr lang="en-KW" baseline="30000" dirty="0"/>
+              <a:t>K</a:t>
+            </a:r>
+            <a:r>
+              <a:rPr lang="en-KW" dirty="0"/>
+              <a:t> – 1 models </a:t>
+            </a:r>
+          </a:p>
+          <a:p>
+            <a:r>
+              <a:rPr lang="en-KW" dirty="0"/>
+              <a:t>For each possible input set, evaluate the performance (more on this later)</a:t>
+            </a:r>
+          </a:p>
+          <a:p>
+            <a:r>
+              <a:rPr lang="en-KW" dirty="0"/>
+              <a:t>Pick the input set that yields best performance</a:t>
+            </a:r>
+          </a:p>
+          <a:p>
+            <a:pPr marL="0" indent="0">
+              <a:buNone/>
+            </a:pPr>
+            <a:r>
+              <a:rPr lang="en-KW" dirty="0">
+                <a:solidFill>
+                  <a:srgbClr val="7030A0"/>
+                </a:solidFill>
+              </a:rPr>
+              <a:t>Guaranteed to be optimal but scales poorly as the features increase</a:t>
+            </a:r>
+          </a:p>
+          <a:p>
+            <a:endParaRPr lang="en-KW" dirty="0"/>
+          </a:p>
+        </p:txBody>
+      </p:sp>
+      <p:graphicFrame>
+        <p:nvGraphicFramePr>
+          <p:cNvPr id="7" name="Table 6">
+            <a:extLst>
+              <a:ext uri="{FF2B5EF4-FFF2-40B4-BE49-F238E27FC236}">
+                <a16:creationId xmlns:a16="http://schemas.microsoft.com/office/drawing/2014/main" id="{CBD04E1D-C11D-CDAE-BA50-A3F040C96EEE}"/>
+              </a:ext>
+            </a:extLst>
+          </p:cNvPr>
+          <p:cNvGraphicFramePr>
+            <a:graphicFrameLocks noGrp="1"/>
+          </p:cNvGraphicFramePr>
+          <p:nvPr>
+            <p:extLst>
+              <p:ext uri="{D42A27DB-BD31-4B8C-83A1-F6EECF244321}">
+                <p14:modId xmlns:p14="http://schemas.microsoft.com/office/powerpoint/2010/main" val="239199756"/>
+              </p:ext>
+            </p:extLst>
+          </p:nvPr>
+        </p:nvGraphicFramePr>
+        <p:xfrm>
+          <a:off x="6096000" y="1825625"/>
+          <a:ext cx="5257800" cy="2992120"/>
+        </p:xfrm>
+        <a:graphic>
+          <a:graphicData uri="http://schemas.openxmlformats.org/drawingml/2006/table">
+            <a:tbl>
+              <a:tblPr firstRow="1" bandRow="1"/>
+              <a:tblGrid>
+                <a:gridCol w="1752600">
+                  <a:extLst>
+                    <a:ext uri="{9D8B030D-6E8A-4147-A177-3AD203B41FA5}">
+                      <a16:colId xmlns:a16="http://schemas.microsoft.com/office/drawing/2014/main" val="2262788811"/>
+                    </a:ext>
+                  </a:extLst>
+                </a:gridCol>
+                <a:gridCol w="1974273">
+                  <a:extLst>
+                    <a:ext uri="{9D8B030D-6E8A-4147-A177-3AD203B41FA5}">
+                      <a16:colId xmlns:a16="http://schemas.microsoft.com/office/drawing/2014/main" val="2763455597"/>
+                    </a:ext>
+                  </a:extLst>
+                </a:gridCol>
+                <a:gridCol w="1530927">
+                  <a:extLst>
+                    <a:ext uri="{9D8B030D-6E8A-4147-A177-3AD203B41FA5}">
+                      <a16:colId xmlns:a16="http://schemas.microsoft.com/office/drawing/2014/main" val="995306338"/>
+                    </a:ext>
+                  </a:extLst>
+                </a:gridCol>
+              </a:tblGrid>
+              <a:tr h="370840">
+                <a:tc>
+                  <a:txBody>
+                    <a:bodyPr/>
+                    <a:lstStyle/>
+                    <a:p>
+                      <a:pPr algn="ctr"/>
+                      <a:r>
+                        <a:rPr lang="en-KW" sz="2000" b="1" dirty="0"/>
+                        <a:t>Horsepower</a:t>
+                      </a:r>
+                    </a:p>
+                  </a:txBody>
+                  <a:tcPr/>
+                </a:tc>
+                <a:tc>
+                  <a:txBody>
+                    <a:bodyPr/>
+                    <a:lstStyle/>
+                    <a:p>
+                      <a:pPr algn="ctr"/>
+                      <a:r>
+                        <a:rPr lang="en-KW" sz="2000" b="1" dirty="0"/>
+                        <a:t>Displacement</a:t>
+                      </a:r>
+                    </a:p>
+                  </a:txBody>
+                  <a:tcPr/>
+                </a:tc>
+                <a:tc>
+                  <a:txBody>
+                    <a:bodyPr/>
+                    <a:lstStyle/>
+                    <a:p>
+                      <a:pPr algn="ctr"/>
+                      <a:r>
+                        <a:rPr lang="en-KW" sz="2000" b="1" dirty="0"/>
+                        <a:t>Cylinders</a:t>
+                      </a:r>
+                    </a:p>
+                  </a:txBody>
+                  <a:tcPr/>
+                </a:tc>
                 <a:extLst>
-                  <a:ext uri="{FF2B5EF4-FFF2-40B4-BE49-F238E27FC236}">
-                    <a16:creationId xmlns:a16="http://schemas.microsoft.com/office/drawing/2014/main" id="{DA9B563E-FBA8-83A4-A5BD-00C6BEA9C887}"/>
+                  <a:ext uri="{0D108BD9-81ED-4DB2-BD59-A6C34878D82A}">
+                    <a16:rowId xmlns:a16="http://schemas.microsoft.com/office/drawing/2014/main" val="3875252136"/>
                   </a:ext>
                 </a:extLst>
-              </p:cNvPr>
-              <p:cNvSpPr txBox="1"/>
-              <p:nvPr/>
-            </p:nvSpPr>
-            <p:spPr>
-              <a:xfrm>
-                <a:off x="838201" y="1853244"/>
-                <a:ext cx="10515600" cy="954107"/>
-              </a:xfrm>
-              <a:prstGeom prst="rect">
-                <a:avLst/>
-              </a:prstGeom>
-              <a:noFill/>
-            </p:spPr>
-            <p:txBody>
-              <a:bodyPr wrap="square">
-                <a:spAutoFit/>
-              </a:bodyPr>
-              <a:lstStyle/>
-              <a:p>
-                <a14:m>
-                  <m:oMath xmlns:m="http://schemas.openxmlformats.org/officeDocument/2006/math">
-                    <m:sSub>
-                      <m:sSubPr>
-                        <m:ctrlPr>
-                          <a:rPr lang="en-US" sz="2800" b="0" i="1" smtClean="0">
-                            <a:solidFill>
-                              <a:srgbClr val="7030A0"/>
-                            </a:solidFill>
-                            <a:latin typeface="Cambria Math" panose="02040503050406030204" pitchFamily="18" charset="0"/>
-                          </a:rPr>
-                        </m:ctrlPr>
-                      </m:sSubPr>
-                      <m:e>
-                        <m:r>
-                          <a:rPr lang="en-US" sz="2800" b="0" i="1" smtClean="0">
-                            <a:solidFill>
-                              <a:srgbClr val="7030A0"/>
-                            </a:solidFill>
-                            <a:latin typeface="Cambria Math" panose="02040503050406030204" pitchFamily="18" charset="0"/>
-                          </a:rPr>
-                          <m:t>ℒ</m:t>
-                        </m:r>
-                      </m:e>
-                      <m:sub>
-                        <m:r>
-                          <a:rPr lang="en-US" sz="2800" b="0" i="1" smtClean="0">
-                            <a:solidFill>
-                              <a:srgbClr val="7030A0"/>
-                            </a:solidFill>
-                            <a:latin typeface="Cambria Math" panose="02040503050406030204" pitchFamily="18" charset="0"/>
-                          </a:rPr>
-                          <m:t>𝑖</m:t>
-                        </m:r>
-                      </m:sub>
-                    </m:sSub>
-                    <m:r>
-                      <a:rPr lang="en-US" sz="2800" b="1" i="1" smtClean="0">
-                        <a:solidFill>
-                          <a:srgbClr val="7030A0"/>
-                        </a:solidFill>
-                        <a:latin typeface="Cambria Math" panose="02040503050406030204" pitchFamily="18" charset="0"/>
-                      </a:rPr>
-                      <m:t>=</m:t>
-                    </m:r>
-                    <m:sSup>
-                      <m:sSupPr>
-                        <m:ctrlPr>
-                          <a:rPr lang="en-US" sz="2800" b="1" i="1" smtClean="0">
-                            <a:solidFill>
-                              <a:srgbClr val="7030A0"/>
-                            </a:solidFill>
-                            <a:latin typeface="Cambria Math" panose="02040503050406030204" pitchFamily="18" charset="0"/>
-                          </a:rPr>
-                        </m:ctrlPr>
-                      </m:sSupPr>
-                      <m:e>
-                        <m:d>
-                          <m:dPr>
-                            <m:ctrlPr>
-                              <a:rPr lang="en-US" sz="2800" b="1" i="1" smtClean="0">
-                                <a:solidFill>
-                                  <a:srgbClr val="7030A0"/>
-                                </a:solidFill>
-                                <a:latin typeface="Cambria Math" panose="02040503050406030204" pitchFamily="18" charset="0"/>
-                              </a:rPr>
-                            </m:ctrlPr>
-                          </m:dPr>
-                          <m:e>
-                            <m:r>
-                              <a:rPr lang="en-US" sz="2800" b="0" i="1" smtClean="0">
-                                <a:solidFill>
-                                  <a:srgbClr val="7030A0"/>
-                                </a:solidFill>
-                                <a:latin typeface="Cambria Math" panose="02040503050406030204" pitchFamily="18" charset="0"/>
-                              </a:rPr>
-                              <m:t>𝑓</m:t>
-                            </m:r>
-                            <m:d>
-                              <m:dPr>
-                                <m:ctrlPr>
-                                  <a:rPr lang="en-US" sz="2800" b="0" i="1" smtClean="0">
-                                    <a:solidFill>
-                                      <a:srgbClr val="7030A0"/>
-                                    </a:solidFill>
-                                    <a:latin typeface="Cambria Math" panose="02040503050406030204" pitchFamily="18" charset="0"/>
-                                  </a:rPr>
-                                </m:ctrlPr>
-                              </m:dPr>
-                              <m:e>
-                                <m:sSub>
-                                  <m:sSubPr>
-                                    <m:ctrlPr>
-                                      <a:rPr lang="en-US" sz="2800" b="0" i="1" smtClean="0">
-                                        <a:solidFill>
-                                          <a:srgbClr val="7030A0"/>
-                                        </a:solidFill>
-                                        <a:latin typeface="Cambria Math" panose="02040503050406030204" pitchFamily="18" charset="0"/>
-                                      </a:rPr>
-                                    </m:ctrlPr>
-                                  </m:sSubPr>
-                                  <m:e>
-                                    <m:r>
-                                      <a:rPr lang="en-US" sz="2800" b="0" i="1" smtClean="0">
-                                        <a:solidFill>
-                                          <a:srgbClr val="7030A0"/>
-                                        </a:solidFill>
-                                        <a:latin typeface="Cambria Math" panose="02040503050406030204" pitchFamily="18" charset="0"/>
-                                      </a:rPr>
-                                      <m:t>𝑧</m:t>
-                                    </m:r>
-                                  </m:e>
-                                  <m:sub>
-                                    <m:r>
-                                      <a:rPr lang="en-US" sz="2800" b="0" i="1" smtClean="0">
-                                        <a:solidFill>
-                                          <a:srgbClr val="7030A0"/>
-                                        </a:solidFill>
-                                        <a:latin typeface="Cambria Math" panose="02040503050406030204" pitchFamily="18" charset="0"/>
-                                      </a:rPr>
-                                      <m:t>𝑖</m:t>
-                                    </m:r>
-                                  </m:sub>
-                                </m:sSub>
-                              </m:e>
-                            </m:d>
-                            <m:r>
-                              <a:rPr lang="en-US" sz="2800" b="0" i="1" smtClean="0">
-                                <a:solidFill>
-                                  <a:srgbClr val="7030A0"/>
-                                </a:solidFill>
-                                <a:latin typeface="Cambria Math" panose="02040503050406030204" pitchFamily="18" charset="0"/>
-                              </a:rPr>
-                              <m:t>−</m:t>
-                            </m:r>
-                            <m:sSub>
-                              <m:sSubPr>
-                                <m:ctrlPr>
-                                  <a:rPr lang="en-US" sz="2800" b="0" i="1" smtClean="0">
-                                    <a:solidFill>
-                                      <a:srgbClr val="7030A0"/>
-                                    </a:solidFill>
-                                    <a:latin typeface="Cambria Math" panose="02040503050406030204" pitchFamily="18" charset="0"/>
-                                  </a:rPr>
-                                </m:ctrlPr>
-                              </m:sSubPr>
-                              <m:e>
-                                <m:r>
-                                  <a:rPr lang="en-US" sz="2800" b="0" i="1" smtClean="0">
-                                    <a:solidFill>
-                                      <a:srgbClr val="7030A0"/>
-                                    </a:solidFill>
-                                    <a:latin typeface="Cambria Math" panose="02040503050406030204" pitchFamily="18" charset="0"/>
-                                  </a:rPr>
-                                  <m:t>𝑦</m:t>
-                                </m:r>
-                              </m:e>
-                              <m:sub>
-                                <m:r>
-                                  <a:rPr lang="en-US" sz="2800" b="0" i="1" smtClean="0">
-                                    <a:solidFill>
-                                      <a:srgbClr val="7030A0"/>
-                                    </a:solidFill>
-                                    <a:latin typeface="Cambria Math" panose="02040503050406030204" pitchFamily="18" charset="0"/>
-                                  </a:rPr>
-                                  <m:t>𝑖</m:t>
-                                </m:r>
-                              </m:sub>
-                            </m:sSub>
-                          </m:e>
-                        </m:d>
-                      </m:e>
-                      <m:sup>
-                        <m:r>
-                          <a:rPr lang="en-US" sz="2800" b="0" i="1" smtClean="0">
-                            <a:solidFill>
-                              <a:srgbClr val="7030A0"/>
-                            </a:solidFill>
-                            <a:latin typeface="Cambria Math" panose="02040503050406030204" pitchFamily="18" charset="0"/>
-                          </a:rPr>
-                          <m:t>2</m:t>
-                        </m:r>
-                      </m:sup>
-                    </m:sSup>
-                  </m:oMath>
-                </a14:m>
-                <a:r>
-                  <a:rPr lang="en-US" sz="2800" b="1" i="1" dirty="0">
-                    <a:solidFill>
-                      <a:srgbClr val="7030A0"/>
-                    </a:solidFill>
-                    <a:latin typeface="Cambria Math" panose="02040503050406030204" pitchFamily="18" charset="0"/>
-                  </a:rPr>
-                  <a:t>	</a:t>
-                </a:r>
-                <a14:m>
-                  <m:oMath xmlns:m="http://schemas.openxmlformats.org/officeDocument/2006/math">
-                    <m:r>
-                      <a:rPr lang="en-US" sz="2800" b="0" i="1" smtClean="0">
-                        <a:solidFill>
-                          <a:srgbClr val="7030A0"/>
-                        </a:solidFill>
-                        <a:latin typeface="Cambria Math" panose="02040503050406030204" pitchFamily="18" charset="0"/>
-                      </a:rPr>
-                      <m:t>𝑓</m:t>
-                    </m:r>
-                    <m:d>
-                      <m:dPr>
-                        <m:ctrlPr>
-                          <a:rPr lang="en-US" sz="2800" b="0" i="1" smtClean="0">
-                            <a:solidFill>
-                              <a:srgbClr val="7030A0"/>
-                            </a:solidFill>
-                            <a:latin typeface="Cambria Math" panose="02040503050406030204" pitchFamily="18" charset="0"/>
-                          </a:rPr>
-                        </m:ctrlPr>
-                      </m:dPr>
-                      <m:e>
-                        <m:sSub>
-                          <m:sSubPr>
-                            <m:ctrlPr>
-                              <a:rPr lang="en-US" sz="2800" b="0" i="1" smtClean="0">
-                                <a:solidFill>
-                                  <a:srgbClr val="7030A0"/>
-                                </a:solidFill>
-                                <a:latin typeface="Cambria Math" panose="02040503050406030204" pitchFamily="18" charset="0"/>
-                              </a:rPr>
-                            </m:ctrlPr>
-                          </m:sSubPr>
-                          <m:e>
-                            <m:r>
-                              <a:rPr lang="en-US" sz="2800" b="0" i="1" smtClean="0">
-                                <a:solidFill>
-                                  <a:srgbClr val="7030A0"/>
-                                </a:solidFill>
-                                <a:latin typeface="Cambria Math" panose="02040503050406030204" pitchFamily="18" charset="0"/>
-                              </a:rPr>
-                              <m:t>𝑧</m:t>
-                            </m:r>
-                          </m:e>
-                          <m:sub>
-                            <m:r>
-                              <a:rPr lang="en-US" sz="2800" b="0" i="1" smtClean="0">
-                                <a:solidFill>
-                                  <a:srgbClr val="7030A0"/>
-                                </a:solidFill>
-                                <a:latin typeface="Cambria Math" panose="02040503050406030204" pitchFamily="18" charset="0"/>
-                              </a:rPr>
-                              <m:t>𝑖</m:t>
-                            </m:r>
-                          </m:sub>
-                        </m:sSub>
-                      </m:e>
-                    </m:d>
-                    <m:r>
-                      <a:rPr lang="en-US" sz="2800" b="0" i="1" smtClean="0">
-                        <a:solidFill>
-                          <a:srgbClr val="7030A0"/>
-                        </a:solidFill>
-                        <a:latin typeface="Cambria Math" panose="02040503050406030204" pitchFamily="18" charset="0"/>
-                      </a:rPr>
-                      <m:t>=</m:t>
-                    </m:r>
-                    <m:func>
-                      <m:funcPr>
-                        <m:ctrlPr>
-                          <a:rPr lang="en-US" sz="2800" b="0" i="1" smtClean="0">
-                            <a:solidFill>
-                              <a:srgbClr val="7030A0"/>
-                            </a:solidFill>
-                            <a:latin typeface="Cambria Math" panose="02040503050406030204" pitchFamily="18" charset="0"/>
-                          </a:rPr>
-                        </m:ctrlPr>
-                      </m:funcPr>
-                      <m:fName>
-                        <m:r>
-                          <m:rPr>
-                            <m:sty m:val="p"/>
-                          </m:rPr>
-                          <a:rPr lang="en-US" sz="2800" b="0" i="0" smtClean="0">
-                            <a:solidFill>
-                              <a:srgbClr val="7030A0"/>
-                            </a:solidFill>
-                            <a:latin typeface="Cambria Math" panose="02040503050406030204" pitchFamily="18" charset="0"/>
-                          </a:rPr>
-                          <m:t>exp</m:t>
-                        </m:r>
-                      </m:fName>
-                      <m:e>
-                        <m:d>
-                          <m:dPr>
-                            <m:ctrlPr>
-                              <a:rPr lang="en-US" sz="2800" b="0" i="1" smtClean="0">
-                                <a:solidFill>
-                                  <a:srgbClr val="7030A0"/>
-                                </a:solidFill>
-                                <a:latin typeface="Cambria Math" panose="02040503050406030204" pitchFamily="18" charset="0"/>
-                              </a:rPr>
-                            </m:ctrlPr>
-                          </m:dPr>
-                          <m:e>
-                            <m:sSub>
-                              <m:sSubPr>
-                                <m:ctrlPr>
-                                  <a:rPr lang="en-US" sz="2800" b="0" i="1" smtClean="0">
-                                    <a:solidFill>
-                                      <a:srgbClr val="7030A0"/>
-                                    </a:solidFill>
-                                    <a:latin typeface="Cambria Math" panose="02040503050406030204" pitchFamily="18" charset="0"/>
-                                  </a:rPr>
-                                </m:ctrlPr>
-                              </m:sSubPr>
-                              <m:e>
-                                <m:r>
-                                  <a:rPr lang="en-US" sz="2800" b="0" i="1" smtClean="0">
-                                    <a:solidFill>
-                                      <a:srgbClr val="7030A0"/>
-                                    </a:solidFill>
-                                    <a:latin typeface="Cambria Math" panose="02040503050406030204" pitchFamily="18" charset="0"/>
-                                  </a:rPr>
-                                  <m:t>𝑧</m:t>
-                                </m:r>
-                              </m:e>
-                              <m:sub>
-                                <m:r>
-                                  <a:rPr lang="en-US" sz="2800" b="0" i="1" smtClean="0">
-                                    <a:solidFill>
-                                      <a:srgbClr val="7030A0"/>
-                                    </a:solidFill>
-                                    <a:latin typeface="Cambria Math" panose="02040503050406030204" pitchFamily="18" charset="0"/>
-                                  </a:rPr>
-                                  <m:t>𝑖</m:t>
-                                </m:r>
-                              </m:sub>
-                            </m:sSub>
-                          </m:e>
-                        </m:d>
-                      </m:e>
-                    </m:func>
-                  </m:oMath>
-                </a14:m>
-                <a:r>
-                  <a:rPr lang="en-US" sz="2800" i="1" dirty="0">
-                    <a:solidFill>
-                      <a:srgbClr val="7030A0"/>
-                    </a:solidFill>
-                    <a:latin typeface="Cambria Math" panose="02040503050406030204" pitchFamily="18" charset="0"/>
-                  </a:rPr>
-                  <a:t>	</a:t>
-                </a:r>
-                <a:r>
-                  <a:rPr lang="en-US" sz="2800" dirty="0">
-                    <a:solidFill>
-                      <a:srgbClr val="7030A0"/>
-                    </a:solidFill>
-                  </a:rPr>
-                  <a:t> </a:t>
-                </a:r>
-                <a14:m>
-                  <m:oMath xmlns:m="http://schemas.openxmlformats.org/officeDocument/2006/math">
-                    <m:sSub>
-                      <m:sSubPr>
-                        <m:ctrlPr>
-                          <a:rPr lang="en-US" sz="2800" i="1">
-                            <a:solidFill>
-                              <a:srgbClr val="7030A0"/>
-                            </a:solidFill>
-                            <a:latin typeface="Cambria Math" panose="02040503050406030204" pitchFamily="18" charset="0"/>
-                          </a:rPr>
-                        </m:ctrlPr>
-                      </m:sSubPr>
-                      <m:e>
-                        <m:r>
-                          <a:rPr lang="en-US" sz="2800" i="1">
-                            <a:solidFill>
-                              <a:srgbClr val="7030A0"/>
-                            </a:solidFill>
-                            <a:latin typeface="Cambria Math" panose="02040503050406030204" pitchFamily="18" charset="0"/>
-                          </a:rPr>
-                          <m:t>𝑧</m:t>
-                        </m:r>
-                      </m:e>
-                      <m:sub>
-                        <m:r>
-                          <a:rPr lang="en-US" sz="2800" i="1">
-                            <a:solidFill>
-                              <a:srgbClr val="7030A0"/>
-                            </a:solidFill>
-                            <a:latin typeface="Cambria Math" panose="02040503050406030204" pitchFamily="18" charset="0"/>
-                          </a:rPr>
-                          <m:t>𝑖</m:t>
-                        </m:r>
-                      </m:sub>
-                    </m:sSub>
-                    <m:r>
-                      <a:rPr lang="en-US" sz="2800" b="1" i="1">
-                        <a:solidFill>
-                          <a:srgbClr val="7030A0"/>
-                        </a:solidFill>
-                        <a:latin typeface="Cambria Math" panose="02040503050406030204" pitchFamily="18" charset="0"/>
-                      </a:rPr>
-                      <m:t>=</m:t>
-                    </m:r>
-                    <m:sSub>
-                      <m:sSubPr>
-                        <m:ctrlPr>
-                          <a:rPr lang="en-US" sz="2800" i="1">
-                            <a:solidFill>
-                              <a:srgbClr val="7030A0"/>
-                            </a:solidFill>
-                            <a:latin typeface="Cambria Math" panose="02040503050406030204" pitchFamily="18" charset="0"/>
-                          </a:rPr>
-                        </m:ctrlPr>
-                      </m:sSubPr>
-                      <m:e>
-                        <m:r>
-                          <a:rPr lang="en-US" sz="2800" i="1">
-                            <a:solidFill>
-                              <a:srgbClr val="7030A0"/>
-                            </a:solidFill>
-                            <a:latin typeface="Cambria Math" panose="02040503050406030204" pitchFamily="18" charset="0"/>
-                          </a:rPr>
-                          <m:t>𝑏</m:t>
-                        </m:r>
-                      </m:e>
-                      <m:sub>
-                        <m:r>
-                          <a:rPr lang="en-US" sz="2800" i="1">
-                            <a:solidFill>
-                              <a:srgbClr val="7030A0"/>
-                            </a:solidFill>
-                            <a:latin typeface="Cambria Math" panose="02040503050406030204" pitchFamily="18" charset="0"/>
-                          </a:rPr>
-                          <m:t>0</m:t>
-                        </m:r>
-                      </m:sub>
-                    </m:sSub>
-                    <m:r>
-                      <a:rPr lang="en-US" sz="2800" i="1">
-                        <a:solidFill>
-                          <a:srgbClr val="7030A0"/>
-                        </a:solidFill>
-                        <a:latin typeface="Cambria Math" panose="02040503050406030204" pitchFamily="18" charset="0"/>
-                      </a:rPr>
-                      <m:t>+</m:t>
-                    </m:r>
-                    <m:sSub>
-                      <m:sSubPr>
-                        <m:ctrlPr>
-                          <a:rPr lang="en-US" sz="2800" i="1">
-                            <a:solidFill>
-                              <a:srgbClr val="7030A0"/>
-                            </a:solidFill>
-                            <a:latin typeface="Cambria Math" panose="02040503050406030204" pitchFamily="18" charset="0"/>
-                          </a:rPr>
-                        </m:ctrlPr>
-                      </m:sSubPr>
-                      <m:e>
-                        <m:r>
-                          <a:rPr lang="en-US" sz="2800" i="1">
-                            <a:solidFill>
-                              <a:srgbClr val="7030A0"/>
-                            </a:solidFill>
-                            <a:latin typeface="Cambria Math" panose="02040503050406030204" pitchFamily="18" charset="0"/>
-                          </a:rPr>
-                          <m:t>𝑏</m:t>
-                        </m:r>
-                      </m:e>
-                      <m:sub>
-                        <m:r>
-                          <a:rPr lang="en-US" sz="2800" i="1">
-                            <a:solidFill>
-                              <a:srgbClr val="7030A0"/>
-                            </a:solidFill>
-                            <a:latin typeface="Cambria Math" panose="02040503050406030204" pitchFamily="18" charset="0"/>
-                          </a:rPr>
-                          <m:t>1</m:t>
-                        </m:r>
-                      </m:sub>
-                    </m:sSub>
-                    <m:sSub>
-                      <m:sSubPr>
-                        <m:ctrlPr>
-                          <a:rPr lang="en-US" sz="2800" i="1">
-                            <a:solidFill>
-                              <a:srgbClr val="7030A0"/>
-                            </a:solidFill>
-                            <a:latin typeface="Cambria Math" panose="02040503050406030204" pitchFamily="18" charset="0"/>
-                          </a:rPr>
-                        </m:ctrlPr>
-                      </m:sSubPr>
-                      <m:e>
-                        <m:r>
-                          <a:rPr lang="en-US" sz="2800" i="1">
-                            <a:solidFill>
-                              <a:srgbClr val="7030A0"/>
-                            </a:solidFill>
-                            <a:latin typeface="Cambria Math" panose="02040503050406030204" pitchFamily="18" charset="0"/>
-                          </a:rPr>
-                          <m:t>𝑥</m:t>
-                        </m:r>
-                      </m:e>
-                      <m:sub>
-                        <m:r>
-                          <a:rPr lang="en-US" sz="2800" i="1">
-                            <a:solidFill>
-                              <a:srgbClr val="7030A0"/>
-                            </a:solidFill>
-                            <a:latin typeface="Cambria Math" panose="02040503050406030204" pitchFamily="18" charset="0"/>
-                          </a:rPr>
-                          <m:t>𝑖</m:t>
-                        </m:r>
-                        <m:r>
-                          <a:rPr lang="en-US" sz="2800" i="1">
-                            <a:solidFill>
-                              <a:srgbClr val="7030A0"/>
-                            </a:solidFill>
-                            <a:latin typeface="Cambria Math" panose="02040503050406030204" pitchFamily="18" charset="0"/>
-                          </a:rPr>
-                          <m:t>1</m:t>
-                        </m:r>
-                      </m:sub>
-                    </m:sSub>
-                    <m:r>
-                      <a:rPr lang="en-US" sz="2800" i="1">
-                        <a:solidFill>
-                          <a:srgbClr val="7030A0"/>
-                        </a:solidFill>
-                        <a:latin typeface="Cambria Math" panose="02040503050406030204" pitchFamily="18" charset="0"/>
-                      </a:rPr>
-                      <m:t>+…</m:t>
-                    </m:r>
-                  </m:oMath>
-                </a14:m>
-                <a:endParaRPr lang="en-US" sz="2800" b="1" i="1" dirty="0">
-                  <a:solidFill>
-                    <a:srgbClr val="7030A0"/>
-                  </a:solidFill>
-                  <a:latin typeface="Cambria Math" panose="02040503050406030204" pitchFamily="18" charset="0"/>
-                </a:endParaRPr>
-              </a:p>
-              <a:p>
-                <a:pPr algn="ctr"/>
-                <a:endParaRPr lang="en-KW" sz="2800" b="1" dirty="0">
-                  <a:solidFill>
-                    <a:srgbClr val="7030A0"/>
-                  </a:solidFill>
-                </a:endParaRPr>
-              </a:p>
-            </p:txBody>
-          </p:sp>
-        </mc:Choice>
-        <mc:Fallback xmlns="">
-          <p:sp>
-            <p:nvSpPr>
-              <p:cNvPr id="6" name="TextBox 5">
+              </a:tr>
+              <a:tr h="370840">
+                <a:tc>
+                  <a:txBody>
+                    <a:bodyPr/>
+                    <a:lstStyle/>
+                    <a:p>
+                      <a:pPr algn="ctr"/>
+                      <a:r>
+                        <a:rPr lang="en-KW" b="1" dirty="0">
+                          <a:solidFill>
+                            <a:srgbClr val="FF0000"/>
+                          </a:solidFill>
+                        </a:rPr>
+                        <a:t>0</a:t>
+                      </a:r>
+                    </a:p>
+                  </a:txBody>
+                  <a:tcPr/>
+                </a:tc>
+                <a:tc>
+                  <a:txBody>
+                    <a:bodyPr/>
+                    <a:lstStyle/>
+                    <a:p>
+                      <a:pPr algn="ctr"/>
+                      <a:r>
+                        <a:rPr lang="en-KW" b="1" dirty="0">
+                          <a:solidFill>
+                            <a:srgbClr val="FF0000"/>
+                          </a:solidFill>
+                        </a:rPr>
+                        <a:t>0</a:t>
+                      </a:r>
+                    </a:p>
+                  </a:txBody>
+                  <a:tcPr/>
+                </a:tc>
+                <a:tc>
+                  <a:txBody>
+                    <a:bodyPr/>
+                    <a:lstStyle/>
+                    <a:p>
+                      <a:pPr algn="ctr"/>
+                      <a:r>
+                        <a:rPr lang="en-KW" b="1" dirty="0"/>
+                        <a:t>1</a:t>
+                      </a:r>
+                    </a:p>
+                  </a:txBody>
+                  <a:tcPr/>
+                </a:tc>
                 <a:extLst>
-                  <a:ext uri="{FF2B5EF4-FFF2-40B4-BE49-F238E27FC236}">
-                    <a16:creationId xmlns:a16="http://schemas.microsoft.com/office/drawing/2014/main" id="{DA9B563E-FBA8-83A4-A5BD-00C6BEA9C887}"/>
+                  <a:ext uri="{0D108BD9-81ED-4DB2-BD59-A6C34878D82A}">
+                    <a16:rowId xmlns:a16="http://schemas.microsoft.com/office/drawing/2014/main" val="896953073"/>
                   </a:ext>
                 </a:extLst>
-              </p:cNvPr>
-              <p:cNvSpPr txBox="1">
-                <a:spLocks noRot="1" noChangeAspect="1" noMove="1" noResize="1" noEditPoints="1" noAdjustHandles="1" noChangeArrowheads="1" noChangeShapeType="1" noTextEdit="1"/>
-              </p:cNvSpPr>
-              <p:nvPr/>
-            </p:nvSpPr>
-            <p:spPr>
-              <a:xfrm>
-                <a:off x="838201" y="1853244"/>
-                <a:ext cx="10515600" cy="954107"/>
-              </a:xfrm>
-              <a:prstGeom prst="rect">
-                <a:avLst/>
-              </a:prstGeom>
-              <a:blipFill>
-                <a:blip r:embed="rId2"/>
-                <a:stretch>
-                  <a:fillRect l="-362"/>
-                </a:stretch>
-              </a:blipFill>
-            </p:spPr>
-            <p:txBody>
-              <a:bodyPr/>
-              <a:lstStyle/>
-              <a:p>
-                <a:r>
-                  <a:rPr lang="en-KW">
-                    <a:noFill/>
-                  </a:rPr>
-                  <a:t> </a:t>
-                </a:r>
-              </a:p>
-            </p:txBody>
-          </p:sp>
-        </mc:Fallback>
-      </mc:AlternateContent>
-      <mc:AlternateContent xmlns:mc="http://schemas.openxmlformats.org/markup-compatibility/2006" xmlns:a14="http://schemas.microsoft.com/office/drawing/2010/main">
-        <mc:Choice Requires="a14">
-          <p:sp>
-            <p:nvSpPr>
-              <p:cNvPr id="35" name="TextBox 34">
+              </a:tr>
+              <a:tr h="370840">
+                <a:tc>
+                  <a:txBody>
+                    <a:bodyPr/>
+                    <a:lstStyle/>
+                    <a:p>
+                      <a:pPr algn="ctr"/>
+                      <a:r>
+                        <a:rPr lang="en-KW" b="1" dirty="0">
+                          <a:solidFill>
+                            <a:srgbClr val="FF0000"/>
+                          </a:solidFill>
+                        </a:rPr>
+                        <a:t>0</a:t>
+                      </a:r>
+                    </a:p>
+                  </a:txBody>
+                  <a:tcPr/>
+                </a:tc>
+                <a:tc>
+                  <a:txBody>
+                    <a:bodyPr/>
+                    <a:lstStyle/>
+                    <a:p>
+                      <a:pPr algn="ctr"/>
+                      <a:r>
+                        <a:rPr lang="en-KW" b="1" dirty="0">
+                          <a:solidFill>
+                            <a:srgbClr val="0070C0"/>
+                          </a:solidFill>
+                        </a:rPr>
+                        <a:t>1</a:t>
+                      </a:r>
+                    </a:p>
+                  </a:txBody>
+                  <a:tcPr/>
+                </a:tc>
+                <a:tc>
+                  <a:txBody>
+                    <a:bodyPr/>
+                    <a:lstStyle/>
+                    <a:p>
+                      <a:pPr algn="ctr"/>
+                      <a:r>
+                        <a:rPr lang="en-KW" b="1" dirty="0">
+                          <a:solidFill>
+                            <a:srgbClr val="FF0000"/>
+                          </a:solidFill>
+                        </a:rPr>
+                        <a:t>0</a:t>
+                      </a:r>
+                    </a:p>
+                  </a:txBody>
+                  <a:tcPr/>
+                </a:tc>
                 <a:extLst>
-                  <a:ext uri="{FF2B5EF4-FFF2-40B4-BE49-F238E27FC236}">
-                    <a16:creationId xmlns:a16="http://schemas.microsoft.com/office/drawing/2014/main" id="{FE6ADA48-1C80-F987-3ACE-56540353BBE2}"/>
+                  <a:ext uri="{0D108BD9-81ED-4DB2-BD59-A6C34878D82A}">
+                    <a16:rowId xmlns:a16="http://schemas.microsoft.com/office/drawing/2014/main" val="3964385298"/>
                   </a:ext>
                 </a:extLst>
-              </p:cNvPr>
-              <p:cNvSpPr txBox="1"/>
-              <p:nvPr/>
-            </p:nvSpPr>
-            <p:spPr>
-              <a:xfrm>
-                <a:off x="4123265" y="3125044"/>
-                <a:ext cx="4851402" cy="1851212"/>
-              </a:xfrm>
-              <a:prstGeom prst="rect">
-                <a:avLst/>
-              </a:prstGeom>
-              <a:noFill/>
-            </p:spPr>
-            <p:txBody>
-              <a:bodyPr wrap="square">
-                <a:spAutoFit/>
-              </a:bodyPr>
-              <a:lstStyle/>
-              <a:p>
-                <a:pPr/>
-                <a14:m>
-                  <m:oMathPara xmlns:m="http://schemas.openxmlformats.org/officeDocument/2006/math">
-                    <m:oMathParaPr>
-                      <m:jc m:val="left"/>
-                    </m:oMathParaPr>
-                    <m:oMath xmlns:m="http://schemas.openxmlformats.org/officeDocument/2006/math">
-                      <m:f>
-                        <m:fPr>
-                          <m:ctrlPr>
-                            <a:rPr lang="en-US" sz="2800" b="1" i="1" smtClean="0">
-                              <a:solidFill>
-                                <a:srgbClr val="7030A0"/>
-                              </a:solidFill>
-                              <a:latin typeface="Cambria Math" panose="02040503050406030204" pitchFamily="18" charset="0"/>
-                            </a:rPr>
-                          </m:ctrlPr>
-                        </m:fPr>
-                        <m:num>
-                          <m:r>
-                            <a:rPr lang="en-US" sz="2800" b="0" i="1">
-                              <a:solidFill>
-                                <a:srgbClr val="7030A0"/>
-                              </a:solidFill>
-                              <a:latin typeface="Cambria Math" panose="02040503050406030204" pitchFamily="18" charset="0"/>
-                            </a:rPr>
-                            <m:t>𝜕</m:t>
-                          </m:r>
-                          <m:sSub>
-                            <m:sSubPr>
-                              <m:ctrlPr>
-                                <a:rPr lang="en-US" sz="2800" b="0" i="1" smtClean="0">
-                                  <a:solidFill>
-                                    <a:srgbClr val="7030A0"/>
-                                  </a:solidFill>
-                                  <a:latin typeface="Cambria Math" panose="02040503050406030204" pitchFamily="18" charset="0"/>
-                                </a:rPr>
-                              </m:ctrlPr>
-                            </m:sSubPr>
-                            <m:e>
-                              <m:r>
-                                <a:rPr lang="en-US" sz="2800" b="0" i="1">
-                                  <a:solidFill>
-                                    <a:srgbClr val="7030A0"/>
-                                  </a:solidFill>
-                                  <a:latin typeface="Cambria Math" panose="02040503050406030204" pitchFamily="18" charset="0"/>
-                                </a:rPr>
-                                <m:t>ℒ</m:t>
-                              </m:r>
-                            </m:e>
-                            <m:sub>
-                              <m:r>
-                                <a:rPr lang="en-US" sz="2800" b="0" i="1" smtClean="0">
-                                  <a:solidFill>
-                                    <a:srgbClr val="7030A0"/>
-                                  </a:solidFill>
-                                  <a:latin typeface="Cambria Math" panose="02040503050406030204" pitchFamily="18" charset="0"/>
-                                </a:rPr>
-                                <m:t>𝑖</m:t>
-                              </m:r>
-                            </m:sub>
-                          </m:sSub>
-                        </m:num>
-                        <m:den>
-                          <m:r>
-                            <a:rPr lang="en-US" sz="2800" b="0" i="1" smtClean="0">
-                              <a:solidFill>
-                                <a:srgbClr val="7030A0"/>
-                              </a:solidFill>
-                              <a:latin typeface="Cambria Math" panose="02040503050406030204" pitchFamily="18" charset="0"/>
-                            </a:rPr>
-                            <m:t>𝜕</m:t>
-                          </m:r>
-                          <m:sSub>
-                            <m:sSubPr>
-                              <m:ctrlPr>
-                                <a:rPr lang="en-US" sz="2800" i="1" smtClean="0">
-                                  <a:solidFill>
-                                    <a:srgbClr val="7030A0"/>
-                                  </a:solidFill>
-                                  <a:latin typeface="Cambria Math" panose="02040503050406030204" pitchFamily="18" charset="0"/>
-                                </a:rPr>
-                              </m:ctrlPr>
-                            </m:sSubPr>
-                            <m:e>
-                              <m:r>
-                                <a:rPr lang="en-US" sz="2800" b="0" i="1" smtClean="0">
-                                  <a:solidFill>
-                                    <a:srgbClr val="7030A0"/>
-                                  </a:solidFill>
-                                  <a:latin typeface="Cambria Math" panose="02040503050406030204" pitchFamily="18" charset="0"/>
-                                </a:rPr>
-                                <m:t>𝑏</m:t>
-                              </m:r>
-                            </m:e>
-                            <m:sub>
-                              <m:r>
-                                <a:rPr lang="en-US" sz="2800" b="0" i="1" smtClean="0">
-                                  <a:solidFill>
-                                    <a:srgbClr val="7030A0"/>
-                                  </a:solidFill>
-                                  <a:latin typeface="Cambria Math" panose="02040503050406030204" pitchFamily="18" charset="0"/>
-                                </a:rPr>
-                                <m:t>𝑘</m:t>
-                              </m:r>
-                            </m:sub>
-                          </m:sSub>
-                        </m:den>
-                      </m:f>
-                      <m:r>
-                        <a:rPr lang="en-US" sz="2800" b="1" i="1" smtClean="0">
+              </a:tr>
+              <a:tr h="370840">
+                <a:tc>
+                  <a:txBody>
+                    <a:bodyPr/>
+                    <a:lstStyle/>
+                    <a:p>
+                      <a:pPr algn="ctr"/>
+                      <a:r>
+                        <a:rPr lang="en-KW" b="1" dirty="0">
                           <a:solidFill>
-                            <a:srgbClr val="7030A0"/>
+                            <a:srgbClr val="FF0000"/>
                           </a:solidFill>
-                          <a:latin typeface="Cambria Math" panose="02040503050406030204" pitchFamily="18" charset="0"/>
                         </a:rPr>
-                        <m:t>=</m:t>
-                      </m:r>
-                      <m:f>
-                        <m:fPr>
-                          <m:ctrlPr>
-                            <a:rPr lang="en-US" sz="2800" b="1" i="1" smtClean="0">
-                              <a:solidFill>
-                                <a:srgbClr val="0070C0"/>
-                              </a:solidFill>
-                              <a:latin typeface="Cambria Math" panose="02040503050406030204" pitchFamily="18" charset="0"/>
-                            </a:rPr>
-                          </m:ctrlPr>
-                        </m:fPr>
-                        <m:num>
-                          <m:r>
-                            <a:rPr lang="en-US" sz="2800" b="0" i="1">
-                              <a:solidFill>
-                                <a:srgbClr val="0070C0"/>
-                              </a:solidFill>
-                              <a:latin typeface="Cambria Math" panose="02040503050406030204" pitchFamily="18" charset="0"/>
-                            </a:rPr>
-                            <m:t>𝜕</m:t>
-                          </m:r>
-                          <m:sSub>
-                            <m:sSubPr>
-                              <m:ctrlPr>
-                                <a:rPr lang="en-US" sz="2800" i="1">
-                                  <a:solidFill>
-                                    <a:srgbClr val="0070C0"/>
-                                  </a:solidFill>
-                                  <a:latin typeface="Cambria Math" panose="02040503050406030204" pitchFamily="18" charset="0"/>
-                                </a:rPr>
-                              </m:ctrlPr>
-                            </m:sSubPr>
-                            <m:e>
-                              <m:r>
-                                <a:rPr lang="en-US" sz="2800" i="1">
-                                  <a:solidFill>
-                                    <a:srgbClr val="0070C0"/>
-                                  </a:solidFill>
-                                  <a:latin typeface="Cambria Math" panose="02040503050406030204" pitchFamily="18" charset="0"/>
-                                </a:rPr>
-                                <m:t>ℒ</m:t>
-                              </m:r>
-                            </m:e>
-                            <m:sub>
-                              <m:r>
-                                <a:rPr lang="en-US" sz="2800" i="1">
-                                  <a:solidFill>
-                                    <a:srgbClr val="0070C0"/>
-                                  </a:solidFill>
-                                  <a:latin typeface="Cambria Math" panose="02040503050406030204" pitchFamily="18" charset="0"/>
-                                </a:rPr>
-                                <m:t>𝑖</m:t>
-                              </m:r>
-                            </m:sub>
-                          </m:sSub>
-                        </m:num>
-                        <m:den>
-                          <m:r>
-                            <a:rPr lang="en-US" sz="2800" b="0" i="1" smtClean="0">
-                              <a:solidFill>
-                                <a:srgbClr val="0070C0"/>
-                              </a:solidFill>
-                              <a:latin typeface="Cambria Math" panose="02040503050406030204" pitchFamily="18" charset="0"/>
-                            </a:rPr>
-                            <m:t>𝜕</m:t>
-                          </m:r>
-                          <m:r>
-                            <a:rPr lang="en-US" sz="2800" b="0" i="1" smtClean="0">
-                              <a:solidFill>
-                                <a:srgbClr val="0070C0"/>
-                              </a:solidFill>
-                              <a:latin typeface="Cambria Math" panose="02040503050406030204" pitchFamily="18" charset="0"/>
-                            </a:rPr>
-                            <m:t>𝑓</m:t>
-                          </m:r>
-                          <m:r>
-                            <a:rPr lang="en-US" sz="2800" b="0" i="1" smtClean="0">
-                              <a:solidFill>
-                                <a:srgbClr val="0070C0"/>
-                              </a:solidFill>
-                              <a:latin typeface="Cambria Math" panose="02040503050406030204" pitchFamily="18" charset="0"/>
-                            </a:rPr>
-                            <m:t>(</m:t>
-                          </m:r>
-                          <m:sSub>
-                            <m:sSubPr>
-                              <m:ctrlPr>
-                                <a:rPr lang="en-US" sz="2800" b="0" i="1" smtClean="0">
-                                  <a:solidFill>
-                                    <a:srgbClr val="0070C0"/>
-                                  </a:solidFill>
-                                  <a:latin typeface="Cambria Math" panose="02040503050406030204" pitchFamily="18" charset="0"/>
-                                </a:rPr>
-                              </m:ctrlPr>
-                            </m:sSubPr>
-                            <m:e>
-                              <m:r>
-                                <a:rPr lang="en-US" sz="2800" b="0" i="1" smtClean="0">
-                                  <a:solidFill>
-                                    <a:srgbClr val="0070C0"/>
-                                  </a:solidFill>
-                                  <a:latin typeface="Cambria Math" panose="02040503050406030204" pitchFamily="18" charset="0"/>
-                                </a:rPr>
-                                <m:t>𝑧</m:t>
-                              </m:r>
-                            </m:e>
-                            <m:sub>
-                              <m:r>
-                                <a:rPr lang="en-US" sz="2800" b="0" i="1" smtClean="0">
-                                  <a:solidFill>
-                                    <a:srgbClr val="0070C0"/>
-                                  </a:solidFill>
-                                  <a:latin typeface="Cambria Math" panose="02040503050406030204" pitchFamily="18" charset="0"/>
-                                </a:rPr>
-                                <m:t>𝑖</m:t>
-                              </m:r>
-                            </m:sub>
-                          </m:sSub>
-                          <m:r>
-                            <a:rPr lang="en-US" sz="2800" b="0" i="1" smtClean="0">
-                              <a:solidFill>
-                                <a:srgbClr val="0070C0"/>
-                              </a:solidFill>
-                              <a:latin typeface="Cambria Math" panose="02040503050406030204" pitchFamily="18" charset="0"/>
-                            </a:rPr>
-                            <m:t>)</m:t>
-                          </m:r>
-                        </m:den>
-                      </m:f>
-                      <m:f>
-                        <m:fPr>
-                          <m:ctrlPr>
-                            <a:rPr lang="en-US" sz="2800" b="1" i="1" smtClean="0">
-                              <a:solidFill>
-                                <a:schemeClr val="accent2"/>
-                              </a:solidFill>
-                              <a:latin typeface="Cambria Math" panose="02040503050406030204" pitchFamily="18" charset="0"/>
-                            </a:rPr>
-                          </m:ctrlPr>
-                        </m:fPr>
-                        <m:num>
-                          <m:r>
-                            <a:rPr lang="en-US" sz="2800" b="0" i="1" smtClean="0">
-                              <a:solidFill>
-                                <a:schemeClr val="accent2"/>
-                              </a:solidFill>
-                              <a:latin typeface="Cambria Math" panose="02040503050406030204" pitchFamily="18" charset="0"/>
-                            </a:rPr>
-                            <m:t>𝜕</m:t>
-                          </m:r>
-                          <m:r>
-                            <a:rPr lang="en-US" sz="2800" b="0" i="1" smtClean="0">
-                              <a:solidFill>
-                                <a:schemeClr val="accent2"/>
-                              </a:solidFill>
-                              <a:latin typeface="Cambria Math" panose="02040503050406030204" pitchFamily="18" charset="0"/>
-                            </a:rPr>
-                            <m:t>𝑓</m:t>
-                          </m:r>
-                          <m:r>
-                            <a:rPr lang="en-US" sz="2800" b="0" i="1" smtClean="0">
-                              <a:solidFill>
-                                <a:schemeClr val="accent2"/>
-                              </a:solidFill>
-                              <a:latin typeface="Cambria Math" panose="02040503050406030204" pitchFamily="18" charset="0"/>
-                            </a:rPr>
-                            <m:t>(</m:t>
-                          </m:r>
-                          <m:sSub>
-                            <m:sSubPr>
-                              <m:ctrlPr>
-                                <a:rPr lang="en-US" sz="2800" b="0" i="1" smtClean="0">
-                                  <a:solidFill>
-                                    <a:schemeClr val="accent2"/>
-                                  </a:solidFill>
-                                  <a:latin typeface="Cambria Math" panose="02040503050406030204" pitchFamily="18" charset="0"/>
-                                </a:rPr>
-                              </m:ctrlPr>
-                            </m:sSubPr>
-                            <m:e>
-                              <m:r>
-                                <a:rPr lang="en-US" sz="2800" b="0" i="1" smtClean="0">
-                                  <a:solidFill>
-                                    <a:schemeClr val="accent2"/>
-                                  </a:solidFill>
-                                  <a:latin typeface="Cambria Math" panose="02040503050406030204" pitchFamily="18" charset="0"/>
-                                </a:rPr>
-                                <m:t>𝑧</m:t>
-                              </m:r>
-                            </m:e>
-                            <m:sub>
-                              <m:r>
-                                <a:rPr lang="en-US" sz="2800" b="0" i="1" smtClean="0">
-                                  <a:solidFill>
-                                    <a:schemeClr val="accent2"/>
-                                  </a:solidFill>
-                                  <a:latin typeface="Cambria Math" panose="02040503050406030204" pitchFamily="18" charset="0"/>
-                                </a:rPr>
-                                <m:t>𝑖</m:t>
-                              </m:r>
-                            </m:sub>
-                          </m:sSub>
-                          <m:r>
-                            <a:rPr lang="en-US" sz="2800" b="0" i="1" smtClean="0">
-                              <a:solidFill>
-                                <a:schemeClr val="accent2"/>
-                              </a:solidFill>
-                              <a:latin typeface="Cambria Math" panose="02040503050406030204" pitchFamily="18" charset="0"/>
-                            </a:rPr>
-                            <m:t>)</m:t>
-                          </m:r>
-                        </m:num>
-                        <m:den>
-                          <m:r>
-                            <a:rPr lang="en-US" sz="2800" b="0" i="1" smtClean="0">
-                              <a:solidFill>
-                                <a:schemeClr val="accent2"/>
-                              </a:solidFill>
-                              <a:latin typeface="Cambria Math" panose="02040503050406030204" pitchFamily="18" charset="0"/>
-                            </a:rPr>
-                            <m:t>𝜕</m:t>
-                          </m:r>
-                          <m:sSub>
-                            <m:sSubPr>
-                              <m:ctrlPr>
-                                <a:rPr lang="en-US" sz="2800" i="1" smtClean="0">
-                                  <a:solidFill>
-                                    <a:schemeClr val="accent2"/>
-                                  </a:solidFill>
-                                  <a:latin typeface="Cambria Math" panose="02040503050406030204" pitchFamily="18" charset="0"/>
-                                </a:rPr>
-                              </m:ctrlPr>
-                            </m:sSubPr>
-                            <m:e>
-                              <m:r>
-                                <a:rPr lang="en-US" sz="2800" b="0" i="1" smtClean="0">
-                                  <a:solidFill>
-                                    <a:schemeClr val="accent2"/>
-                                  </a:solidFill>
-                                  <a:latin typeface="Cambria Math" panose="02040503050406030204" pitchFamily="18" charset="0"/>
-                                </a:rPr>
-                                <m:t>𝑏</m:t>
-                              </m:r>
-                            </m:e>
-                            <m:sub>
-                              <m:r>
-                                <a:rPr lang="en-US" sz="2800" b="0" i="1" smtClean="0">
-                                  <a:solidFill>
-                                    <a:schemeClr val="accent2"/>
-                                  </a:solidFill>
-                                  <a:latin typeface="Cambria Math" panose="02040503050406030204" pitchFamily="18" charset="0"/>
-                                </a:rPr>
-                                <m:t>𝑘</m:t>
-                              </m:r>
-                            </m:sub>
-                          </m:sSub>
-                        </m:den>
-                      </m:f>
-                    </m:oMath>
-                  </m:oMathPara>
-                </a14:m>
-                <a:endParaRPr lang="en-KW" sz="2800" dirty="0"/>
-              </a:p>
-              <a:p>
-                <a:endParaRPr lang="en-KW" sz="2800" dirty="0"/>
-              </a:p>
-              <a:p>
-                <a:r>
-                  <a:rPr lang="en-US" sz="2800" dirty="0">
-                    <a:solidFill>
-                      <a:srgbClr val="7030A0"/>
-                    </a:solidFill>
-                  </a:rPr>
-                  <a:t>         </a:t>
-                </a:r>
-                <a14:m>
-                  <m:oMath xmlns:m="http://schemas.openxmlformats.org/officeDocument/2006/math">
-                    <m:r>
-                      <a:rPr lang="en-US" sz="2800" b="0" i="1" smtClean="0">
-                        <a:solidFill>
-                          <a:srgbClr val="7030A0"/>
-                        </a:solidFill>
-                        <a:latin typeface="Cambria Math" panose="02040503050406030204" pitchFamily="18" charset="0"/>
-                      </a:rPr>
-                      <m:t>=</m:t>
-                    </m:r>
-                    <m:r>
-                      <a:rPr lang="en-US" sz="2800" b="0" i="1" smtClean="0">
-                        <a:solidFill>
-                          <a:srgbClr val="0070C0"/>
-                        </a:solidFill>
-                        <a:latin typeface="Cambria Math" panose="02040503050406030204" pitchFamily="18" charset="0"/>
-                      </a:rPr>
-                      <m:t>2</m:t>
-                    </m:r>
-                    <m:d>
-                      <m:dPr>
-                        <m:ctrlPr>
-                          <a:rPr lang="en-US" sz="2800" b="0" i="1">
-                            <a:solidFill>
-                              <a:srgbClr val="0070C0"/>
-                            </a:solidFill>
-                            <a:latin typeface="Cambria Math" panose="02040503050406030204" pitchFamily="18" charset="0"/>
-                          </a:rPr>
-                        </m:ctrlPr>
-                      </m:dPr>
-                      <m:e>
-                        <m:r>
-                          <a:rPr lang="en-US" sz="2800" b="0" i="1">
-                            <a:solidFill>
-                              <a:srgbClr val="0070C0"/>
-                            </a:solidFill>
-                            <a:latin typeface="Cambria Math" panose="02040503050406030204" pitchFamily="18" charset="0"/>
-                          </a:rPr>
-                          <m:t>𝑓</m:t>
-                        </m:r>
-                        <m:d>
-                          <m:dPr>
-                            <m:ctrlPr>
-                              <a:rPr lang="en-US" sz="2800" b="0" i="1">
-                                <a:solidFill>
-                                  <a:srgbClr val="0070C0"/>
-                                </a:solidFill>
-                                <a:latin typeface="Cambria Math" panose="02040503050406030204" pitchFamily="18" charset="0"/>
-                              </a:rPr>
-                            </m:ctrlPr>
-                          </m:dPr>
-                          <m:e>
-                            <m:sSub>
-                              <m:sSubPr>
-                                <m:ctrlPr>
-                                  <a:rPr lang="en-US" sz="2800" b="0" i="1">
-                                    <a:solidFill>
-                                      <a:srgbClr val="0070C0"/>
-                                    </a:solidFill>
-                                    <a:latin typeface="Cambria Math" panose="02040503050406030204" pitchFamily="18" charset="0"/>
-                                  </a:rPr>
-                                </m:ctrlPr>
-                              </m:sSubPr>
-                              <m:e>
-                                <m:r>
-                                  <a:rPr lang="en-US" sz="2800" b="0" i="1">
-                                    <a:solidFill>
-                                      <a:srgbClr val="0070C0"/>
-                                    </a:solidFill>
-                                    <a:latin typeface="Cambria Math" panose="02040503050406030204" pitchFamily="18" charset="0"/>
-                                  </a:rPr>
-                                  <m:t>𝑧</m:t>
-                                </m:r>
-                              </m:e>
-                              <m:sub>
-                                <m:r>
-                                  <a:rPr lang="en-US" sz="2800" b="0" i="1">
-                                    <a:solidFill>
-                                      <a:srgbClr val="0070C0"/>
-                                    </a:solidFill>
-                                    <a:latin typeface="Cambria Math" panose="02040503050406030204" pitchFamily="18" charset="0"/>
-                                  </a:rPr>
-                                  <m:t>𝑖</m:t>
-                                </m:r>
-                              </m:sub>
-                            </m:sSub>
-                          </m:e>
-                        </m:d>
-                        <m:r>
-                          <a:rPr lang="en-US" sz="2800" b="0" i="1">
-                            <a:solidFill>
-                              <a:srgbClr val="0070C0"/>
-                            </a:solidFill>
-                            <a:latin typeface="Cambria Math" panose="02040503050406030204" pitchFamily="18" charset="0"/>
-                          </a:rPr>
-                          <m:t>−</m:t>
-                        </m:r>
-                        <m:sSub>
-                          <m:sSubPr>
-                            <m:ctrlPr>
-                              <a:rPr lang="en-US" sz="2800" b="0" i="1">
-                                <a:solidFill>
-                                  <a:srgbClr val="0070C0"/>
-                                </a:solidFill>
-                                <a:latin typeface="Cambria Math" panose="02040503050406030204" pitchFamily="18" charset="0"/>
-                              </a:rPr>
-                            </m:ctrlPr>
-                          </m:sSubPr>
-                          <m:e>
-                            <m:r>
-                              <a:rPr lang="en-US" sz="2800" b="0" i="1">
-                                <a:solidFill>
-                                  <a:srgbClr val="0070C0"/>
-                                </a:solidFill>
-                                <a:latin typeface="Cambria Math" panose="02040503050406030204" pitchFamily="18" charset="0"/>
-                              </a:rPr>
-                              <m:t>𝑦</m:t>
-                            </m:r>
-                          </m:e>
-                          <m:sub>
-                            <m:r>
-                              <a:rPr lang="en-US" sz="2800" b="0" i="1">
-                                <a:solidFill>
-                                  <a:srgbClr val="0070C0"/>
-                                </a:solidFill>
-                                <a:latin typeface="Cambria Math" panose="02040503050406030204" pitchFamily="18" charset="0"/>
-                              </a:rPr>
-                              <m:t>𝑖</m:t>
-                            </m:r>
-                          </m:sub>
-                        </m:sSub>
-                      </m:e>
-                    </m:d>
-                    <m:sSub>
-                      <m:sSubPr>
-                        <m:ctrlPr>
-                          <a:rPr lang="en-US" sz="2800" b="0" i="1" smtClean="0">
-                            <a:solidFill>
-                              <a:schemeClr val="accent2"/>
-                            </a:solidFill>
-                            <a:latin typeface="Cambria Math" panose="02040503050406030204" pitchFamily="18" charset="0"/>
-                          </a:rPr>
-                        </m:ctrlPr>
-                      </m:sSubPr>
-                      <m:e>
-                        <m:r>
-                          <a:rPr lang="en-US" sz="2800" b="0" i="1" smtClean="0">
-                            <a:solidFill>
-                              <a:schemeClr val="accent2"/>
-                            </a:solidFill>
-                            <a:latin typeface="Cambria Math" panose="02040503050406030204" pitchFamily="18" charset="0"/>
-                          </a:rPr>
-                          <m:t>𝑥</m:t>
-                        </m:r>
-                      </m:e>
-                      <m:sub>
-                        <m:r>
-                          <a:rPr lang="en-US" sz="2800" b="0" i="1" smtClean="0">
-                            <a:solidFill>
-                              <a:schemeClr val="accent2"/>
-                            </a:solidFill>
-                            <a:latin typeface="Cambria Math" panose="02040503050406030204" pitchFamily="18" charset="0"/>
-                          </a:rPr>
-                          <m:t>𝑖</m:t>
-                        </m:r>
-                        <m:r>
-                          <a:rPr lang="en-US" sz="2800" b="0" i="1">
-                            <a:solidFill>
-                              <a:schemeClr val="accent2"/>
-                            </a:solidFill>
-                            <a:latin typeface="Cambria Math" panose="02040503050406030204" pitchFamily="18" charset="0"/>
-                          </a:rPr>
-                          <m:t>𝑘</m:t>
-                        </m:r>
-                      </m:sub>
-                    </m:sSub>
-                    <m:r>
-                      <a:rPr lang="en-US" sz="2800" b="0" i="1" smtClean="0">
-                        <a:solidFill>
-                          <a:schemeClr val="accent2"/>
-                        </a:solidFill>
-                        <a:latin typeface="Cambria Math" panose="02040503050406030204" pitchFamily="18" charset="0"/>
-                      </a:rPr>
-                      <m:t>𝑓</m:t>
-                    </m:r>
-                    <m:r>
-                      <a:rPr lang="en-US" sz="2800" b="0" i="1" smtClean="0">
-                        <a:solidFill>
-                          <a:schemeClr val="accent2"/>
-                        </a:solidFill>
-                        <a:latin typeface="Cambria Math" panose="02040503050406030204" pitchFamily="18" charset="0"/>
-                      </a:rPr>
-                      <m:t>(</m:t>
-                    </m:r>
-                    <m:sSub>
-                      <m:sSubPr>
-                        <m:ctrlPr>
-                          <a:rPr lang="en-US" sz="2800" b="0" i="1" smtClean="0">
-                            <a:solidFill>
-                              <a:schemeClr val="accent2"/>
-                            </a:solidFill>
-                            <a:latin typeface="Cambria Math" panose="02040503050406030204" pitchFamily="18" charset="0"/>
-                          </a:rPr>
-                        </m:ctrlPr>
-                      </m:sSubPr>
-                      <m:e>
-                        <m:r>
-                          <a:rPr lang="en-US" sz="2800" b="0" i="1" smtClean="0">
-                            <a:solidFill>
-                              <a:schemeClr val="accent2"/>
-                            </a:solidFill>
-                            <a:latin typeface="Cambria Math" panose="02040503050406030204" pitchFamily="18" charset="0"/>
-                          </a:rPr>
-                          <m:t>𝑧</m:t>
-                        </m:r>
-                      </m:e>
-                      <m:sub>
-                        <m:r>
-                          <a:rPr lang="en-US" sz="2800" b="0" i="1" smtClean="0">
-                            <a:solidFill>
-                              <a:schemeClr val="accent2"/>
-                            </a:solidFill>
-                            <a:latin typeface="Cambria Math" panose="02040503050406030204" pitchFamily="18" charset="0"/>
-                          </a:rPr>
-                          <m:t>𝑖</m:t>
-                        </m:r>
-                      </m:sub>
-                    </m:sSub>
-                    <m:r>
-                      <a:rPr lang="en-US" sz="2800" b="0" i="1" smtClean="0">
-                        <a:solidFill>
-                          <a:schemeClr val="accent2"/>
-                        </a:solidFill>
-                        <a:latin typeface="Cambria Math" panose="02040503050406030204" pitchFamily="18" charset="0"/>
-                      </a:rPr>
-                      <m:t>)</m:t>
-                    </m:r>
-                  </m:oMath>
-                </a14:m>
-                <a:endParaRPr lang="en-KW" sz="2800" dirty="0"/>
-              </a:p>
-            </p:txBody>
-          </p:sp>
-        </mc:Choice>
-        <mc:Fallback xmlns="">
-          <p:sp>
-            <p:nvSpPr>
-              <p:cNvPr id="35" name="TextBox 34">
+                        <a:t>0</a:t>
+                      </a:r>
+                    </a:p>
+                  </a:txBody>
+                  <a:tcPr/>
+                </a:tc>
+                <a:tc>
+                  <a:txBody>
+                    <a:bodyPr/>
+                    <a:lstStyle/>
+                    <a:p>
+                      <a:pPr algn="ctr"/>
+                      <a:r>
+                        <a:rPr lang="en-KW" b="1" dirty="0">
+                          <a:solidFill>
+                            <a:srgbClr val="0070C0"/>
+                          </a:solidFill>
+                        </a:rPr>
+                        <a:t>1</a:t>
+                      </a:r>
+                    </a:p>
+                  </a:txBody>
+                  <a:tcPr/>
+                </a:tc>
+                <a:tc>
+                  <a:txBody>
+                    <a:bodyPr/>
+                    <a:lstStyle/>
+                    <a:p>
+                      <a:pPr algn="ctr"/>
+                      <a:r>
+                        <a:rPr lang="en-KW" b="1" dirty="0">
+                          <a:solidFill>
+                            <a:srgbClr val="0070C0"/>
+                          </a:solidFill>
+                        </a:rPr>
+                        <a:t>1</a:t>
+                      </a:r>
+                    </a:p>
+                  </a:txBody>
+                  <a:tcPr/>
+                </a:tc>
                 <a:extLst>
-                  <a:ext uri="{FF2B5EF4-FFF2-40B4-BE49-F238E27FC236}">
-                    <a16:creationId xmlns:a16="http://schemas.microsoft.com/office/drawing/2014/main" id="{FE6ADA48-1C80-F987-3ACE-56540353BBE2}"/>
+                  <a:ext uri="{0D108BD9-81ED-4DB2-BD59-A6C34878D82A}">
+                    <a16:rowId xmlns:a16="http://schemas.microsoft.com/office/drawing/2014/main" val="1169810469"/>
                   </a:ext>
                 </a:extLst>
-              </p:cNvPr>
-              <p:cNvSpPr txBox="1">
-                <a:spLocks noRot="1" noChangeAspect="1" noMove="1" noResize="1" noEditPoints="1" noAdjustHandles="1" noChangeArrowheads="1" noChangeShapeType="1" noTextEdit="1"/>
-              </p:cNvSpPr>
-              <p:nvPr/>
-            </p:nvSpPr>
-            <p:spPr>
-              <a:xfrm>
-                <a:off x="4123265" y="3125044"/>
-                <a:ext cx="4851402" cy="1851212"/>
-              </a:xfrm>
-              <a:prstGeom prst="rect">
-                <a:avLst/>
-              </a:prstGeom>
-              <a:blipFill>
-                <a:blip r:embed="rId3"/>
-                <a:stretch>
-                  <a:fillRect l="-522" b="-4795"/>
-                </a:stretch>
-              </a:blipFill>
-            </p:spPr>
-            <p:txBody>
-              <a:bodyPr/>
-              <a:lstStyle/>
-              <a:p>
-                <a:r>
-                  <a:rPr lang="en-KW">
-                    <a:noFill/>
-                  </a:rPr>
-                  <a:t> </a:t>
-                </a:r>
-              </a:p>
-            </p:txBody>
-          </p:sp>
-        </mc:Fallback>
-      </mc:AlternateContent>
+              </a:tr>
+              <a:tr h="370840">
+                <a:tc>
+                  <a:txBody>
+                    <a:bodyPr/>
+                    <a:lstStyle/>
+                    <a:p>
+                      <a:pPr algn="ctr"/>
+                      <a:r>
+                        <a:rPr lang="en-KW" b="1" dirty="0">
+                          <a:solidFill>
+                            <a:srgbClr val="0070C0"/>
+                          </a:solidFill>
+                        </a:rPr>
+                        <a:t>1</a:t>
+                      </a:r>
+                    </a:p>
+                  </a:txBody>
+                  <a:tcPr/>
+                </a:tc>
+                <a:tc>
+                  <a:txBody>
+                    <a:bodyPr/>
+                    <a:lstStyle/>
+                    <a:p>
+                      <a:pPr algn="ctr"/>
+                      <a:r>
+                        <a:rPr lang="en-KW" b="1" dirty="0">
+                          <a:solidFill>
+                            <a:srgbClr val="FF0000"/>
+                          </a:solidFill>
+                        </a:rPr>
+                        <a:t>0</a:t>
+                      </a:r>
+                    </a:p>
+                  </a:txBody>
+                  <a:tcPr/>
+                </a:tc>
+                <a:tc>
+                  <a:txBody>
+                    <a:bodyPr/>
+                    <a:lstStyle/>
+                    <a:p>
+                      <a:pPr algn="ctr"/>
+                      <a:r>
+                        <a:rPr lang="en-KW" b="1" dirty="0">
+                          <a:solidFill>
+                            <a:srgbClr val="FF0000"/>
+                          </a:solidFill>
+                        </a:rPr>
+                        <a:t>0</a:t>
+                      </a:r>
+                    </a:p>
+                  </a:txBody>
+                  <a:tcPr/>
+                </a:tc>
+                <a:extLst>
+                  <a:ext uri="{0D108BD9-81ED-4DB2-BD59-A6C34878D82A}">
+                    <a16:rowId xmlns:a16="http://schemas.microsoft.com/office/drawing/2014/main" val="2752267089"/>
+                  </a:ext>
+                </a:extLst>
+              </a:tr>
+              <a:tr h="370840">
+                <a:tc>
+                  <a:txBody>
+                    <a:bodyPr/>
+                    <a:lstStyle/>
+                    <a:p>
+                      <a:pPr algn="ctr"/>
+                      <a:r>
+                        <a:rPr lang="en-KW" b="1" dirty="0">
+                          <a:solidFill>
+                            <a:srgbClr val="0070C0"/>
+                          </a:solidFill>
+                        </a:rPr>
+                        <a:t>1</a:t>
+                      </a:r>
+                    </a:p>
+                  </a:txBody>
+                  <a:tcPr/>
+                </a:tc>
+                <a:tc>
+                  <a:txBody>
+                    <a:bodyPr/>
+                    <a:lstStyle/>
+                    <a:p>
+                      <a:pPr algn="ctr"/>
+                      <a:r>
+                        <a:rPr lang="en-KW" b="1" dirty="0">
+                          <a:solidFill>
+                            <a:srgbClr val="FF0000"/>
+                          </a:solidFill>
+                        </a:rPr>
+                        <a:t>0</a:t>
+                      </a:r>
+                    </a:p>
+                  </a:txBody>
+                  <a:tcPr/>
+                </a:tc>
+                <a:tc>
+                  <a:txBody>
+                    <a:bodyPr/>
+                    <a:lstStyle/>
+                    <a:p>
+                      <a:pPr algn="ctr"/>
+                      <a:r>
+                        <a:rPr lang="en-KW" b="1" dirty="0">
+                          <a:solidFill>
+                            <a:srgbClr val="0070C0"/>
+                          </a:solidFill>
+                        </a:rPr>
+                        <a:t>1</a:t>
+                      </a:r>
+                    </a:p>
+                  </a:txBody>
+                  <a:tcPr/>
+                </a:tc>
+                <a:extLst>
+                  <a:ext uri="{0D108BD9-81ED-4DB2-BD59-A6C34878D82A}">
+                    <a16:rowId xmlns:a16="http://schemas.microsoft.com/office/drawing/2014/main" val="1956398294"/>
+                  </a:ext>
+                </a:extLst>
+              </a:tr>
+              <a:tr h="370840">
+                <a:tc>
+                  <a:txBody>
+                    <a:bodyPr/>
+                    <a:lstStyle/>
+                    <a:p>
+                      <a:pPr algn="ctr"/>
+                      <a:r>
+                        <a:rPr lang="en-KW" b="1" dirty="0">
+                          <a:solidFill>
+                            <a:srgbClr val="0070C0"/>
+                          </a:solidFill>
+                        </a:rPr>
+                        <a:t>1</a:t>
+                      </a:r>
+                    </a:p>
+                  </a:txBody>
+                  <a:tcPr/>
+                </a:tc>
+                <a:tc>
+                  <a:txBody>
+                    <a:bodyPr/>
+                    <a:lstStyle/>
+                    <a:p>
+                      <a:pPr algn="ctr"/>
+                      <a:r>
+                        <a:rPr lang="en-KW" b="1" dirty="0">
+                          <a:solidFill>
+                            <a:srgbClr val="0070C0"/>
+                          </a:solidFill>
+                        </a:rPr>
+                        <a:t>1</a:t>
+                      </a:r>
+                    </a:p>
+                  </a:txBody>
+                  <a:tcPr/>
+                </a:tc>
+                <a:tc>
+                  <a:txBody>
+                    <a:bodyPr/>
+                    <a:lstStyle/>
+                    <a:p>
+                      <a:pPr algn="ctr"/>
+                      <a:r>
+                        <a:rPr lang="en-KW" b="1" dirty="0">
+                          <a:solidFill>
+                            <a:srgbClr val="FF0000"/>
+                          </a:solidFill>
+                        </a:rPr>
+                        <a:t>0</a:t>
+                      </a:r>
+                    </a:p>
+                  </a:txBody>
+                  <a:tcPr/>
+                </a:tc>
+                <a:extLst>
+                  <a:ext uri="{0D108BD9-81ED-4DB2-BD59-A6C34878D82A}">
+                    <a16:rowId xmlns:a16="http://schemas.microsoft.com/office/drawing/2014/main" val="476699736"/>
+                  </a:ext>
+                </a:extLst>
+              </a:tr>
+              <a:tr h="370840">
+                <a:tc>
+                  <a:txBody>
+                    <a:bodyPr/>
+                    <a:lstStyle/>
+                    <a:p>
+                      <a:pPr algn="ctr"/>
+                      <a:r>
+                        <a:rPr lang="en-KW" b="1" dirty="0">
+                          <a:solidFill>
+                            <a:srgbClr val="0070C0"/>
+                          </a:solidFill>
+                        </a:rPr>
+                        <a:t>1</a:t>
+                      </a:r>
+                    </a:p>
+                  </a:txBody>
+                  <a:tcPr/>
+                </a:tc>
+                <a:tc>
+                  <a:txBody>
+                    <a:bodyPr/>
+                    <a:lstStyle/>
+                    <a:p>
+                      <a:pPr algn="ctr"/>
+                      <a:r>
+                        <a:rPr lang="en-KW" b="1" dirty="0">
+                          <a:solidFill>
+                            <a:srgbClr val="0070C0"/>
+                          </a:solidFill>
+                        </a:rPr>
+                        <a:t>1</a:t>
+                      </a:r>
+                    </a:p>
+                  </a:txBody>
+                  <a:tcPr/>
+                </a:tc>
+                <a:tc>
+                  <a:txBody>
+                    <a:bodyPr/>
+                    <a:lstStyle/>
+                    <a:p>
+                      <a:pPr algn="ctr"/>
+                      <a:r>
+                        <a:rPr lang="en-KW" b="1" dirty="0">
+                          <a:solidFill>
+                            <a:srgbClr val="0070C0"/>
+                          </a:solidFill>
+                        </a:rPr>
+                        <a:t>1</a:t>
+                      </a:r>
+                    </a:p>
+                  </a:txBody>
+                  <a:tcPr/>
+                </a:tc>
+                <a:extLst>
+                  <a:ext uri="{0D108BD9-81ED-4DB2-BD59-A6C34878D82A}">
+                    <a16:rowId xmlns:a16="http://schemas.microsoft.com/office/drawing/2014/main" val="549379524"/>
+                  </a:ext>
+                </a:extLst>
+              </a:tr>
+            </a:tbl>
+          </a:graphicData>
+        </a:graphic>
+      </p:graphicFrame>
     </p:spTree>
     <p:extLst>
       <p:ext uri="{BB962C8B-B14F-4D97-AF65-F5344CB8AC3E}">
-        <p14:creationId xmlns:p14="http://schemas.microsoft.com/office/powerpoint/2010/main" val="2589372605"/>
+        <p14:creationId xmlns:p14="http://schemas.microsoft.com/office/powerpoint/2010/main" val="3539865891"/>
       </p:ext>
     </p:extLst>
   </p:cSld>
@@ -5457,7 +5281,7 @@
           <p:cNvPr id="2" name="Title 1">
             <a:extLst>
               <a:ext uri="{FF2B5EF4-FFF2-40B4-BE49-F238E27FC236}">
-                <a16:creationId xmlns:a16="http://schemas.microsoft.com/office/drawing/2014/main" id="{68DDD63D-6491-CFF4-5AFC-92688C491E49}"/>
+                <a16:creationId xmlns:a16="http://schemas.microsoft.com/office/drawing/2014/main" id="{4A0FDBB4-F7F4-6952-51E7-1DDDFDF8637B}"/>
               </a:ext>
             </a:extLst>
           </p:cNvPr>
@@ -5473,1024 +5297,1731 @@
           <a:bodyPr/>
           <a:lstStyle/>
           <a:p>
-            <a:pPr algn="l" defTabSz="914400" rtl="0" eaLnBrk="1" latinLnBrk="0" hangingPunct="1">
-              <a:lnSpc>
-                <a:spcPct val="90000"/>
-              </a:lnSpc>
-              <a:spcBef>
-                <a:spcPct val="0"/>
-              </a:spcBef>
+            <a:r>
+              <a:rPr lang="en-KW" dirty="0"/>
+              <a:t>Greedy Feature Selection</a:t>
+            </a:r>
+          </a:p>
+        </p:txBody>
+      </p:sp>
+      <p:sp>
+        <p:nvSpPr>
+          <p:cNvPr id="3" name="Content Placeholder 2">
+            <a:extLst>
+              <a:ext uri="{FF2B5EF4-FFF2-40B4-BE49-F238E27FC236}">
+                <a16:creationId xmlns:a16="http://schemas.microsoft.com/office/drawing/2014/main" id="{CCE12F2B-E2B9-402E-F3F7-59D62687C7E7}"/>
+              </a:ext>
+            </a:extLst>
+          </p:cNvPr>
+          <p:cNvSpPr>
+            <a:spLocks noGrp="1"/>
+          </p:cNvSpPr>
+          <p:nvPr>
+            <p:ph idx="1"/>
+          </p:nvPr>
+        </p:nvSpPr>
+        <p:spPr>
+          <a:xfrm>
+            <a:off x="6431946" y="1825625"/>
+            <a:ext cx="4921853" cy="4667250"/>
+          </a:xfrm>
+        </p:spPr>
+        <p:txBody>
+          <a:bodyPr>
+            <a:normAutofit/>
+          </a:bodyPr>
+          <a:lstStyle/>
+          <a:p>
+            <a:pPr marL="514350" indent="-514350">
+              <a:buFont typeface="+mj-lt"/>
+              <a:buAutoNum type="arabicPeriod"/>
+            </a:pPr>
+            <a:r>
+              <a:rPr lang="en-KW" dirty="0"/>
+              <a:t>Pick the best feature</a:t>
+            </a:r>
+          </a:p>
+          <a:p>
+            <a:pPr marL="514350" indent="-514350">
+              <a:buFont typeface="+mj-lt"/>
+              <a:buAutoNum type="arabicPeriod"/>
+            </a:pPr>
+            <a:r>
+              <a:rPr lang="en-KW" dirty="0"/>
+              <a:t>Given the picked feature, pick the best remaining feature that improves by at least x% </a:t>
+            </a:r>
+          </a:p>
+          <a:p>
+            <a:pPr marL="514350" indent="-514350">
+              <a:buFont typeface="+mj-lt"/>
+              <a:buAutoNum type="arabicPeriod"/>
+            </a:pPr>
+            <a:r>
+              <a:rPr lang="en-KW" dirty="0"/>
+              <a:t>Repeat until there are no features to add</a:t>
+            </a:r>
+            <a:endParaRPr lang="en-KW" dirty="0">
+              <a:solidFill>
+                <a:srgbClr val="7030A0"/>
+              </a:solidFill>
+            </a:endParaRPr>
+          </a:p>
+          <a:p>
+            <a:pPr marL="0" indent="0">
               <a:buNone/>
             </a:pPr>
             <a:r>
-              <a:rPr lang="en-US" dirty="0"/>
-              <a:t>Gradient Calculation</a:t>
-            </a:r>
-            <a:endParaRPr lang="en-KW" dirty="0"/>
-          </a:p>
-        </p:txBody>
-      </p:sp>
-      <mc:AlternateContent xmlns:mc="http://schemas.openxmlformats.org/markup-compatibility/2006" xmlns:a14="http://schemas.microsoft.com/office/drawing/2010/main">
-        <mc:Choice Requires="a14">
-          <p:sp>
-            <p:nvSpPr>
-              <p:cNvPr id="5" name="Content Placeholder 4">
-                <a:extLst>
-                  <a:ext uri="{FF2B5EF4-FFF2-40B4-BE49-F238E27FC236}">
-                    <a16:creationId xmlns:a16="http://schemas.microsoft.com/office/drawing/2014/main" id="{B75581BD-AE10-AD73-4773-FA8A5C7ED9DB}"/>
-                  </a:ext>
-                </a:extLst>
-              </p:cNvPr>
-              <p:cNvSpPr txBox="1">
-                <a:spLocks noGrp="1"/>
-              </p:cNvSpPr>
-              <p:nvPr>
-                <p:ph idx="1"/>
-              </p:nvPr>
-            </p:nvSpPr>
-            <p:spPr>
-              <a:xfrm>
-                <a:off x="838200" y="1825625"/>
-                <a:ext cx="10515600" cy="3612784"/>
-              </a:xfrm>
-              <a:prstGeom prst="rect">
-                <a:avLst/>
-              </a:prstGeom>
-              <a:noFill/>
-            </p:spPr>
-            <p:txBody>
-              <a:bodyPr wrap="square">
-                <a:spAutoFit/>
-              </a:bodyPr>
-              <a:lstStyle/>
-              <a:p>
-                <a:pPr marL="0" indent="0">
-                  <a:buNone/>
-                </a:pPr>
-                <a:r>
-                  <a:rPr lang="en-US" dirty="0"/>
-                  <a:t>Matrix form:</a:t>
-                </a:r>
-              </a:p>
-              <a:p>
-                <a:pPr marL="0" indent="0">
-                  <a:buNone/>
-                </a:pPr>
-                <a:endParaRPr lang="en-US" i="1" dirty="0">
-                  <a:solidFill>
-                    <a:srgbClr val="7030A0"/>
-                  </a:solidFill>
-                  <a:latin typeface="Cambria Math" panose="02040503050406030204" pitchFamily="18" charset="0"/>
-                </a:endParaRPr>
-              </a:p>
-              <a:p>
-                <a:pPr marL="0" indent="0">
-                  <a:buNone/>
-                </a:pPr>
-                <a14:m>
-                  <m:oMathPara xmlns:m="http://schemas.openxmlformats.org/officeDocument/2006/math">
-                    <m:oMathParaPr>
-                      <m:jc m:val="centerGroup"/>
-                    </m:oMathParaPr>
-                    <m:oMath xmlns:m="http://schemas.openxmlformats.org/officeDocument/2006/math">
-                      <m:sSup>
-                        <m:sSupPr>
-                          <m:ctrlPr>
-                            <a:rPr lang="en-US" sz="2800" b="1" i="1" smtClean="0">
-                              <a:solidFill>
-                                <a:srgbClr val="7030A0"/>
-                              </a:solidFill>
-                              <a:latin typeface="Cambria Math" panose="02040503050406030204" pitchFamily="18" charset="0"/>
-                            </a:rPr>
-                          </m:ctrlPr>
-                        </m:sSupPr>
-                        <m:e>
-                          <m:f>
-                            <m:fPr>
-                              <m:ctrlPr>
-                                <a:rPr lang="en-US" sz="2800" b="1" i="1" smtClean="0">
-                                  <a:solidFill>
-                                    <a:srgbClr val="7030A0"/>
-                                  </a:solidFill>
-                                  <a:latin typeface="Cambria Math" panose="02040503050406030204" pitchFamily="18" charset="0"/>
-                                </a:rPr>
-                              </m:ctrlPr>
-                            </m:fPr>
-                            <m:num>
-                              <m:r>
-                                <a:rPr lang="en-US" sz="2800" b="0" i="1" smtClean="0">
-                                  <a:solidFill>
-                                    <a:srgbClr val="7030A0"/>
-                                  </a:solidFill>
-                                  <a:latin typeface="Cambria Math" panose="02040503050406030204" pitchFamily="18" charset="0"/>
-                                </a:rPr>
-                                <m:t>𝜕</m:t>
-                              </m:r>
-                              <m:r>
-                                <a:rPr lang="en-US" sz="2800" b="0" i="1">
-                                  <a:solidFill>
-                                    <a:srgbClr val="7030A0"/>
-                                  </a:solidFill>
-                                  <a:latin typeface="Cambria Math" panose="02040503050406030204" pitchFamily="18" charset="0"/>
-                                </a:rPr>
-                                <m:t>ℒ</m:t>
-                              </m:r>
-                            </m:num>
-                            <m:den>
-                              <m:r>
-                                <a:rPr lang="en-US" sz="2800" b="0" i="1" smtClean="0">
-                                  <a:solidFill>
-                                    <a:srgbClr val="7030A0"/>
-                                  </a:solidFill>
-                                  <a:latin typeface="Cambria Math" panose="02040503050406030204" pitchFamily="18" charset="0"/>
-                                </a:rPr>
-                                <m:t>𝜕</m:t>
-                              </m:r>
-                              <m:r>
-                                <a:rPr lang="en-US" sz="2800" b="1" i="1" smtClean="0">
-                                  <a:solidFill>
-                                    <a:srgbClr val="7030A0"/>
-                                  </a:solidFill>
-                                  <a:latin typeface="Cambria Math" panose="02040503050406030204" pitchFamily="18" charset="0"/>
-                                </a:rPr>
-                                <m:t>𝒃</m:t>
-                              </m:r>
-                            </m:den>
-                          </m:f>
-                          <m:r>
-                            <a:rPr lang="en-US" sz="2800" b="1" i="0" smtClean="0">
-                              <a:solidFill>
-                                <a:srgbClr val="7030A0"/>
-                              </a:solidFill>
-                              <a:latin typeface="Cambria Math" panose="02040503050406030204" pitchFamily="18" charset="0"/>
-                            </a:rPr>
-                            <m:t>=</m:t>
-                          </m:r>
-                          <m:f>
-                            <m:fPr>
-                              <m:ctrlPr>
-                                <a:rPr lang="en-US" sz="2800" b="1" i="1" smtClean="0">
-                                  <a:solidFill>
-                                    <a:srgbClr val="7030A0"/>
-                                  </a:solidFill>
-                                  <a:latin typeface="Cambria Math" panose="02040503050406030204" pitchFamily="18" charset="0"/>
-                                </a:rPr>
-                              </m:ctrlPr>
-                            </m:fPr>
-                            <m:num>
-                              <m:r>
-                                <a:rPr lang="en-US" sz="2800" b="0" i="1" smtClean="0">
-                                  <a:solidFill>
-                                    <a:srgbClr val="7030A0"/>
-                                  </a:solidFill>
-                                  <a:latin typeface="Cambria Math" panose="02040503050406030204" pitchFamily="18" charset="0"/>
-                                </a:rPr>
-                                <m:t>2</m:t>
-                              </m:r>
-                            </m:num>
-                            <m:den>
-                              <m:r>
-                                <a:rPr lang="en-US" sz="2800" b="0" i="1" smtClean="0">
-                                  <a:solidFill>
-                                    <a:srgbClr val="7030A0"/>
-                                  </a:solidFill>
-                                  <a:latin typeface="Cambria Math" panose="02040503050406030204" pitchFamily="18" charset="0"/>
-                                </a:rPr>
-                                <m:t>𝑁</m:t>
-                              </m:r>
-                            </m:den>
-                          </m:f>
-                          <m:d>
-                            <m:dPr>
-                              <m:begChr m:val="["/>
-                              <m:endChr m:val="]"/>
-                              <m:ctrlPr>
-                                <a:rPr lang="en-KW" sz="2800" i="1" smtClean="0">
-                                  <a:solidFill>
-                                    <a:srgbClr val="7030A0"/>
-                                  </a:solidFill>
-                                  <a:latin typeface="Cambria Math" panose="02040503050406030204" pitchFamily="18" charset="0"/>
-                                </a:rPr>
-                              </m:ctrlPr>
-                            </m:dPr>
-                            <m:e>
-                              <m:m>
-                                <m:mPr>
-                                  <m:mcs>
-                                    <m:mc>
-                                      <m:mcPr>
-                                        <m:count m:val="3"/>
-                                        <m:mcJc m:val="center"/>
-                                      </m:mcPr>
-                                    </m:mc>
-                                  </m:mcs>
-                                  <m:ctrlPr>
-                                    <a:rPr lang="en-KW" sz="2800" i="1" smtClean="0">
-                                      <a:solidFill>
-                                        <a:srgbClr val="7030A0"/>
-                                      </a:solidFill>
-                                      <a:latin typeface="Cambria Math" panose="02040503050406030204" pitchFamily="18" charset="0"/>
-                                    </a:rPr>
-                                  </m:ctrlPr>
-                                </m:mPr>
-                                <m:mr>
-                                  <m:e>
-                                    <m:sSub>
-                                      <m:sSubPr>
-                                        <m:ctrlPr>
-                                          <a:rPr lang="en-US" sz="2800" b="0" i="1">
-                                            <a:solidFill>
-                                              <a:srgbClr val="7030A0"/>
-                                            </a:solidFill>
-                                            <a:latin typeface="Cambria Math" panose="02040503050406030204" pitchFamily="18" charset="0"/>
-                                          </a:rPr>
-                                        </m:ctrlPr>
-                                      </m:sSubPr>
-                                      <m:e>
-                                        <m:r>
-                                          <a:rPr lang="en-US" sz="2800" b="0" i="1" smtClean="0">
-                                            <a:solidFill>
-                                              <a:srgbClr val="7030A0"/>
-                                            </a:solidFill>
-                                            <a:latin typeface="Cambria Math" panose="02040503050406030204" pitchFamily="18" charset="0"/>
-                                          </a:rPr>
-                                          <m:t>𝑥</m:t>
-                                        </m:r>
-                                      </m:e>
-                                      <m:sub>
-                                        <m:r>
-                                          <a:rPr lang="en-US" sz="2800" b="0" i="1" smtClean="0">
-                                            <a:solidFill>
-                                              <a:srgbClr val="7030A0"/>
-                                            </a:solidFill>
-                                            <a:latin typeface="Cambria Math" panose="02040503050406030204" pitchFamily="18" charset="0"/>
-                                          </a:rPr>
-                                          <m:t>11</m:t>
-                                        </m:r>
-                                      </m:sub>
-                                    </m:sSub>
-                                    <m:r>
-                                      <a:rPr lang="en-US" sz="2800" b="0" i="1">
-                                        <a:solidFill>
-                                          <a:srgbClr val="7030A0"/>
-                                        </a:solidFill>
-                                        <a:latin typeface="Cambria Math" panose="02040503050406030204" pitchFamily="18" charset="0"/>
-                                      </a:rPr>
-                                      <m:t>𝑓</m:t>
-                                    </m:r>
-                                    <m:d>
-                                      <m:dPr>
-                                        <m:ctrlPr>
-                                          <a:rPr lang="en-US" sz="2800" b="0" i="1">
-                                            <a:solidFill>
-                                              <a:srgbClr val="7030A0"/>
-                                            </a:solidFill>
-                                            <a:latin typeface="Cambria Math" panose="02040503050406030204" pitchFamily="18" charset="0"/>
-                                          </a:rPr>
-                                        </m:ctrlPr>
-                                      </m:dPr>
-                                      <m:e>
-                                        <m:sSub>
-                                          <m:sSubPr>
-                                            <m:ctrlPr>
-                                              <a:rPr lang="en-US" sz="2800" b="0" i="1">
-                                                <a:solidFill>
-                                                  <a:srgbClr val="7030A0"/>
-                                                </a:solidFill>
-                                                <a:latin typeface="Cambria Math" panose="02040503050406030204" pitchFamily="18" charset="0"/>
-                                              </a:rPr>
-                                            </m:ctrlPr>
-                                          </m:sSubPr>
-                                          <m:e>
-                                            <m:r>
-                                              <a:rPr lang="en-US" sz="2800" b="0" i="1">
-                                                <a:solidFill>
-                                                  <a:srgbClr val="7030A0"/>
-                                                </a:solidFill>
-                                                <a:latin typeface="Cambria Math" panose="02040503050406030204" pitchFamily="18" charset="0"/>
-                                              </a:rPr>
-                                              <m:t>𝑧</m:t>
-                                            </m:r>
-                                          </m:e>
-                                          <m:sub>
-                                            <m:r>
-                                              <a:rPr lang="en-US" sz="2800" b="0" i="1" smtClean="0">
-                                                <a:solidFill>
-                                                  <a:srgbClr val="7030A0"/>
-                                                </a:solidFill>
-                                                <a:latin typeface="Cambria Math" panose="02040503050406030204" pitchFamily="18" charset="0"/>
-                                              </a:rPr>
-                                              <m:t>1</m:t>
-                                            </m:r>
-                                          </m:sub>
-                                        </m:sSub>
-                                      </m:e>
-                                    </m:d>
-                                  </m:e>
-                                  <m:e>
-                                    <m:r>
-                                      <a:rPr lang="en-US" sz="2800" b="1" i="1" smtClean="0">
-                                        <a:solidFill>
-                                          <a:srgbClr val="7030A0"/>
-                                        </a:solidFill>
-                                        <a:latin typeface="Cambria Math" panose="02040503050406030204" pitchFamily="18" charset="0"/>
-                                      </a:rPr>
-                                      <m:t>…</m:t>
-                                    </m:r>
-                                  </m:e>
-                                  <m:e>
-                                    <m:sSub>
-                                      <m:sSubPr>
-                                        <m:ctrlPr>
-                                          <a:rPr lang="en-US" sz="2800" b="0" i="1" smtClean="0">
-                                            <a:solidFill>
-                                              <a:srgbClr val="7030A0"/>
-                                            </a:solidFill>
-                                            <a:latin typeface="Cambria Math" panose="02040503050406030204" pitchFamily="18" charset="0"/>
-                                          </a:rPr>
-                                        </m:ctrlPr>
-                                      </m:sSubPr>
-                                      <m:e>
-                                        <m:r>
-                                          <a:rPr lang="en-US" sz="2800" b="0" i="1" smtClean="0">
-                                            <a:solidFill>
-                                              <a:srgbClr val="7030A0"/>
-                                            </a:solidFill>
-                                            <a:latin typeface="Cambria Math" panose="02040503050406030204" pitchFamily="18" charset="0"/>
-                                          </a:rPr>
-                                          <m:t>𝑥</m:t>
-                                        </m:r>
-                                      </m:e>
-                                      <m:sub>
-                                        <m:r>
-                                          <a:rPr lang="en-US" sz="2800" b="0" i="1" smtClean="0">
-                                            <a:solidFill>
-                                              <a:srgbClr val="7030A0"/>
-                                            </a:solidFill>
-                                            <a:latin typeface="Cambria Math" panose="02040503050406030204" pitchFamily="18" charset="0"/>
-                                          </a:rPr>
-                                          <m:t>1</m:t>
-                                        </m:r>
-                                        <m:r>
-                                          <a:rPr lang="en-US" sz="2800" b="0" i="1" smtClean="0">
-                                            <a:solidFill>
-                                              <a:srgbClr val="7030A0"/>
-                                            </a:solidFill>
-                                            <a:latin typeface="Cambria Math" panose="02040503050406030204" pitchFamily="18" charset="0"/>
-                                          </a:rPr>
-                                          <m:t>𝐾</m:t>
-                                        </m:r>
-                                      </m:sub>
-                                    </m:sSub>
-                                    <m:r>
-                                      <a:rPr lang="en-US" sz="2800" b="0" i="1">
-                                        <a:solidFill>
-                                          <a:srgbClr val="7030A0"/>
-                                        </a:solidFill>
-                                        <a:latin typeface="Cambria Math" panose="02040503050406030204" pitchFamily="18" charset="0"/>
-                                      </a:rPr>
-                                      <m:t>𝑓</m:t>
-                                    </m:r>
-                                    <m:d>
-                                      <m:dPr>
-                                        <m:ctrlPr>
-                                          <a:rPr lang="en-US" sz="2800" b="0" i="1">
-                                            <a:solidFill>
-                                              <a:srgbClr val="7030A0"/>
-                                            </a:solidFill>
-                                            <a:latin typeface="Cambria Math" panose="02040503050406030204" pitchFamily="18" charset="0"/>
-                                          </a:rPr>
-                                        </m:ctrlPr>
-                                      </m:dPr>
-                                      <m:e>
-                                        <m:sSub>
-                                          <m:sSubPr>
-                                            <m:ctrlPr>
-                                              <a:rPr lang="en-US" sz="2800" b="0" i="1">
-                                                <a:solidFill>
-                                                  <a:srgbClr val="7030A0"/>
-                                                </a:solidFill>
-                                                <a:latin typeface="Cambria Math" panose="02040503050406030204" pitchFamily="18" charset="0"/>
-                                              </a:rPr>
-                                            </m:ctrlPr>
-                                          </m:sSubPr>
-                                          <m:e>
-                                            <m:r>
-                                              <a:rPr lang="en-US" sz="2800" b="0" i="1">
-                                                <a:solidFill>
-                                                  <a:srgbClr val="7030A0"/>
-                                                </a:solidFill>
-                                                <a:latin typeface="Cambria Math" panose="02040503050406030204" pitchFamily="18" charset="0"/>
-                                              </a:rPr>
-                                              <m:t>𝑧</m:t>
-                                            </m:r>
-                                          </m:e>
-                                          <m:sub>
-                                            <m:r>
-                                              <a:rPr lang="en-US" sz="2800" b="0" i="1">
-                                                <a:solidFill>
-                                                  <a:srgbClr val="7030A0"/>
-                                                </a:solidFill>
-                                                <a:latin typeface="Cambria Math" panose="02040503050406030204" pitchFamily="18" charset="0"/>
-                                              </a:rPr>
-                                              <m:t>1</m:t>
-                                            </m:r>
-                                          </m:sub>
-                                        </m:sSub>
-                                      </m:e>
-                                    </m:d>
-                                  </m:e>
-                                </m:mr>
-                                <m:mr>
-                                  <m:e>
-                                    <m:r>
-                                      <a:rPr lang="en-US" sz="2800" b="1" i="1" smtClean="0">
-                                        <a:solidFill>
-                                          <a:srgbClr val="7030A0"/>
-                                        </a:solidFill>
-                                        <a:latin typeface="Cambria Math" panose="02040503050406030204" pitchFamily="18" charset="0"/>
-                                      </a:rPr>
-                                      <m:t>…</m:t>
-                                    </m:r>
-                                  </m:e>
-                                  <m:e>
-                                    <m:r>
-                                      <a:rPr lang="en-US" sz="2800" b="1" i="1" smtClean="0">
-                                        <a:solidFill>
-                                          <a:srgbClr val="7030A0"/>
-                                        </a:solidFill>
-                                        <a:latin typeface="Cambria Math" panose="02040503050406030204" pitchFamily="18" charset="0"/>
-                                      </a:rPr>
-                                      <m:t>…</m:t>
-                                    </m:r>
-                                  </m:e>
-                                  <m:e>
-                                    <m:r>
-                                      <a:rPr lang="en-US" sz="2800" b="0" i="1" smtClean="0">
-                                        <a:solidFill>
-                                          <a:srgbClr val="7030A0"/>
-                                        </a:solidFill>
-                                        <a:latin typeface="Cambria Math" panose="02040503050406030204" pitchFamily="18" charset="0"/>
-                                      </a:rPr>
-                                      <m:t>…</m:t>
-                                    </m:r>
-                                  </m:e>
-                                </m:mr>
-                                <m:mr>
-                                  <m:e>
-                                    <m:sSub>
-                                      <m:sSubPr>
-                                        <m:ctrlPr>
-                                          <a:rPr lang="en-US" sz="2800" b="0" i="1" smtClean="0">
-                                            <a:solidFill>
-                                              <a:srgbClr val="7030A0"/>
-                                            </a:solidFill>
-                                            <a:latin typeface="Cambria Math" panose="02040503050406030204" pitchFamily="18" charset="0"/>
-                                          </a:rPr>
-                                        </m:ctrlPr>
-                                      </m:sSubPr>
-                                      <m:e>
-                                        <m:r>
-                                          <a:rPr lang="en-US" sz="2800" b="0" i="1" smtClean="0">
-                                            <a:solidFill>
-                                              <a:srgbClr val="7030A0"/>
-                                            </a:solidFill>
-                                            <a:latin typeface="Cambria Math" panose="02040503050406030204" pitchFamily="18" charset="0"/>
-                                          </a:rPr>
-                                          <m:t>𝑥</m:t>
-                                        </m:r>
-                                      </m:e>
-                                      <m:sub>
-                                        <m:r>
-                                          <a:rPr lang="en-US" sz="2800" b="0" i="1" smtClean="0">
-                                            <a:solidFill>
-                                              <a:srgbClr val="7030A0"/>
-                                            </a:solidFill>
-                                            <a:latin typeface="Cambria Math" panose="02040503050406030204" pitchFamily="18" charset="0"/>
-                                          </a:rPr>
-                                          <m:t>𝑁</m:t>
-                                        </m:r>
-                                        <m:r>
-                                          <a:rPr lang="en-US" sz="2800" b="0" i="1" smtClean="0">
-                                            <a:solidFill>
-                                              <a:srgbClr val="7030A0"/>
-                                            </a:solidFill>
-                                            <a:latin typeface="Cambria Math" panose="02040503050406030204" pitchFamily="18" charset="0"/>
-                                          </a:rPr>
-                                          <m:t>1</m:t>
-                                        </m:r>
-                                      </m:sub>
-                                    </m:sSub>
-                                    <m:r>
-                                      <a:rPr lang="en-US" sz="2800" b="0" i="1">
-                                        <a:solidFill>
-                                          <a:srgbClr val="7030A0"/>
-                                        </a:solidFill>
-                                        <a:latin typeface="Cambria Math" panose="02040503050406030204" pitchFamily="18" charset="0"/>
-                                      </a:rPr>
-                                      <m:t>𝑓</m:t>
-                                    </m:r>
-                                    <m:d>
-                                      <m:dPr>
-                                        <m:ctrlPr>
-                                          <a:rPr lang="en-US" sz="2800" b="0" i="1">
-                                            <a:solidFill>
-                                              <a:srgbClr val="7030A0"/>
-                                            </a:solidFill>
-                                            <a:latin typeface="Cambria Math" panose="02040503050406030204" pitchFamily="18" charset="0"/>
-                                          </a:rPr>
-                                        </m:ctrlPr>
-                                      </m:dPr>
-                                      <m:e>
-                                        <m:sSub>
-                                          <m:sSubPr>
-                                            <m:ctrlPr>
-                                              <a:rPr lang="en-US" sz="2800" b="0" i="1">
-                                                <a:solidFill>
-                                                  <a:srgbClr val="7030A0"/>
-                                                </a:solidFill>
-                                                <a:latin typeface="Cambria Math" panose="02040503050406030204" pitchFamily="18" charset="0"/>
-                                              </a:rPr>
-                                            </m:ctrlPr>
-                                          </m:sSubPr>
-                                          <m:e>
-                                            <m:r>
-                                              <a:rPr lang="en-US" sz="2800" b="0" i="1">
-                                                <a:solidFill>
-                                                  <a:srgbClr val="7030A0"/>
-                                                </a:solidFill>
-                                                <a:latin typeface="Cambria Math" panose="02040503050406030204" pitchFamily="18" charset="0"/>
-                                              </a:rPr>
-                                              <m:t>𝑧</m:t>
-                                            </m:r>
-                                          </m:e>
-                                          <m:sub>
-                                            <m:r>
-                                              <a:rPr lang="en-US" sz="2800" b="0" i="1">
-                                                <a:solidFill>
-                                                  <a:srgbClr val="7030A0"/>
-                                                </a:solidFill>
-                                                <a:latin typeface="Cambria Math" panose="02040503050406030204" pitchFamily="18" charset="0"/>
-                                              </a:rPr>
-                                              <m:t>𝑁</m:t>
-                                            </m:r>
-                                          </m:sub>
-                                        </m:sSub>
-                                      </m:e>
-                                    </m:d>
-                                  </m:e>
-                                  <m:e>
-                                    <m:r>
-                                      <a:rPr lang="en-US" sz="2800" b="1" i="1" smtClean="0">
-                                        <a:solidFill>
-                                          <a:srgbClr val="7030A0"/>
-                                        </a:solidFill>
-                                        <a:latin typeface="Cambria Math" panose="02040503050406030204" pitchFamily="18" charset="0"/>
-                                      </a:rPr>
-                                      <m:t>…</m:t>
-                                    </m:r>
-                                  </m:e>
-                                  <m:e>
-                                    <m:sSub>
-                                      <m:sSubPr>
-                                        <m:ctrlPr>
-                                          <a:rPr lang="en-US" sz="2800" b="0" i="1" smtClean="0">
-                                            <a:solidFill>
-                                              <a:srgbClr val="7030A0"/>
-                                            </a:solidFill>
-                                            <a:latin typeface="Cambria Math" panose="02040503050406030204" pitchFamily="18" charset="0"/>
-                                          </a:rPr>
-                                        </m:ctrlPr>
-                                      </m:sSubPr>
-                                      <m:e>
-                                        <m:r>
-                                          <a:rPr lang="en-US" sz="2800" b="0" i="1" smtClean="0">
-                                            <a:solidFill>
-                                              <a:srgbClr val="7030A0"/>
-                                            </a:solidFill>
-                                            <a:latin typeface="Cambria Math" panose="02040503050406030204" pitchFamily="18" charset="0"/>
-                                          </a:rPr>
-                                          <m:t>𝑥</m:t>
-                                        </m:r>
-                                      </m:e>
-                                      <m:sub>
-                                        <m:r>
-                                          <a:rPr lang="en-US" sz="2800" b="0" i="1" smtClean="0">
-                                            <a:solidFill>
-                                              <a:srgbClr val="7030A0"/>
-                                            </a:solidFill>
-                                            <a:latin typeface="Cambria Math" panose="02040503050406030204" pitchFamily="18" charset="0"/>
-                                          </a:rPr>
-                                          <m:t>𝑁𝐾</m:t>
-                                        </m:r>
-                                      </m:sub>
-                                    </m:sSub>
-                                    <m:r>
-                                      <a:rPr lang="en-US" sz="2800" b="0" i="1">
-                                        <a:solidFill>
-                                          <a:srgbClr val="7030A0"/>
-                                        </a:solidFill>
-                                        <a:latin typeface="Cambria Math" panose="02040503050406030204" pitchFamily="18" charset="0"/>
-                                      </a:rPr>
-                                      <m:t>𝑓</m:t>
-                                    </m:r>
-                                    <m:d>
-                                      <m:dPr>
-                                        <m:ctrlPr>
-                                          <a:rPr lang="en-US" sz="2800" b="0" i="1">
-                                            <a:solidFill>
-                                              <a:srgbClr val="7030A0"/>
-                                            </a:solidFill>
-                                            <a:latin typeface="Cambria Math" panose="02040503050406030204" pitchFamily="18" charset="0"/>
-                                          </a:rPr>
-                                        </m:ctrlPr>
-                                      </m:dPr>
-                                      <m:e>
-                                        <m:sSub>
-                                          <m:sSubPr>
-                                            <m:ctrlPr>
-                                              <a:rPr lang="en-US" sz="2800" b="0" i="1">
-                                                <a:solidFill>
-                                                  <a:srgbClr val="7030A0"/>
-                                                </a:solidFill>
-                                                <a:latin typeface="Cambria Math" panose="02040503050406030204" pitchFamily="18" charset="0"/>
-                                              </a:rPr>
-                                            </m:ctrlPr>
-                                          </m:sSubPr>
-                                          <m:e>
-                                            <m:r>
-                                              <a:rPr lang="en-US" sz="2800" b="0" i="1">
-                                                <a:solidFill>
-                                                  <a:srgbClr val="7030A0"/>
-                                                </a:solidFill>
-                                                <a:latin typeface="Cambria Math" panose="02040503050406030204" pitchFamily="18" charset="0"/>
-                                              </a:rPr>
-                                              <m:t>𝑧</m:t>
-                                            </m:r>
-                                          </m:e>
-                                          <m:sub>
-                                            <m:r>
-                                              <a:rPr lang="en-US" sz="2800" b="0" i="1" smtClean="0">
-                                                <a:solidFill>
-                                                  <a:srgbClr val="7030A0"/>
-                                                </a:solidFill>
-                                                <a:latin typeface="Cambria Math" panose="02040503050406030204" pitchFamily="18" charset="0"/>
-                                              </a:rPr>
-                                              <m:t>𝑁</m:t>
-                                            </m:r>
-                                          </m:sub>
-                                        </m:sSub>
-                                      </m:e>
-                                    </m:d>
-                                  </m:e>
-                                </m:mr>
-                              </m:m>
-                            </m:e>
-                          </m:d>
-                        </m:e>
-                        <m:sup>
-                          <m:r>
-                            <a:rPr lang="en-US" sz="2800" b="0" i="1" smtClean="0">
-                              <a:solidFill>
-                                <a:srgbClr val="7030A0"/>
-                              </a:solidFill>
-                              <a:latin typeface="Cambria Math" panose="02040503050406030204" pitchFamily="18" charset="0"/>
-                            </a:rPr>
-                            <m:t>𝑇</m:t>
-                          </m:r>
-                        </m:sup>
-                      </m:sSup>
-                      <m:d>
-                        <m:dPr>
-                          <m:begChr m:val="["/>
-                          <m:endChr m:val="]"/>
-                          <m:ctrlPr>
-                            <a:rPr lang="en-US" sz="2800" b="1" i="1" smtClean="0">
-                              <a:solidFill>
-                                <a:srgbClr val="7030A0"/>
-                              </a:solidFill>
-                              <a:latin typeface="Cambria Math" panose="02040503050406030204" pitchFamily="18" charset="0"/>
-                            </a:rPr>
-                          </m:ctrlPr>
-                        </m:dPr>
-                        <m:e>
-                          <m:m>
-                            <m:mPr>
-                              <m:mcs>
-                                <m:mc>
-                                  <m:mcPr>
-                                    <m:count m:val="1"/>
-                                    <m:mcJc m:val="center"/>
-                                  </m:mcPr>
-                                </m:mc>
-                              </m:mcs>
-                              <m:ctrlPr>
-                                <a:rPr lang="en-US" sz="2800" b="1" i="1" smtClean="0">
-                                  <a:solidFill>
-                                    <a:srgbClr val="7030A0"/>
-                                  </a:solidFill>
-                                  <a:latin typeface="Cambria Math" panose="02040503050406030204" pitchFamily="18" charset="0"/>
-                                </a:rPr>
-                              </m:ctrlPr>
-                            </m:mPr>
-                            <m:mr>
-                              <m:e>
-                                <m:r>
-                                  <a:rPr lang="en-US" sz="2800" b="0" i="1">
-                                    <a:solidFill>
-                                      <a:srgbClr val="7030A0"/>
-                                    </a:solidFill>
-                                    <a:latin typeface="Cambria Math" panose="02040503050406030204" pitchFamily="18" charset="0"/>
-                                  </a:rPr>
-                                  <m:t>𝑓</m:t>
-                                </m:r>
-                                <m:d>
-                                  <m:dPr>
-                                    <m:ctrlPr>
-                                      <a:rPr lang="en-US" sz="2800" b="0" i="1">
-                                        <a:solidFill>
-                                          <a:srgbClr val="7030A0"/>
-                                        </a:solidFill>
-                                        <a:latin typeface="Cambria Math" panose="02040503050406030204" pitchFamily="18" charset="0"/>
-                                      </a:rPr>
-                                    </m:ctrlPr>
-                                  </m:dPr>
-                                  <m:e>
-                                    <m:sSub>
-                                      <m:sSubPr>
-                                        <m:ctrlPr>
-                                          <a:rPr lang="en-US" sz="2800" b="0" i="1">
-                                            <a:solidFill>
-                                              <a:srgbClr val="7030A0"/>
-                                            </a:solidFill>
-                                            <a:latin typeface="Cambria Math" panose="02040503050406030204" pitchFamily="18" charset="0"/>
-                                          </a:rPr>
-                                        </m:ctrlPr>
-                                      </m:sSubPr>
-                                      <m:e>
-                                        <m:r>
-                                          <a:rPr lang="en-US" sz="2800" b="0" i="1">
-                                            <a:solidFill>
-                                              <a:srgbClr val="7030A0"/>
-                                            </a:solidFill>
-                                            <a:latin typeface="Cambria Math" panose="02040503050406030204" pitchFamily="18" charset="0"/>
-                                          </a:rPr>
-                                          <m:t>𝑧</m:t>
-                                        </m:r>
-                                      </m:e>
-                                      <m:sub>
-                                        <m:r>
-                                          <a:rPr lang="en-US" sz="2800" b="0" i="1" smtClean="0">
-                                            <a:solidFill>
-                                              <a:srgbClr val="7030A0"/>
-                                            </a:solidFill>
-                                            <a:latin typeface="Cambria Math" panose="02040503050406030204" pitchFamily="18" charset="0"/>
-                                          </a:rPr>
-                                          <m:t>1</m:t>
-                                        </m:r>
-                                      </m:sub>
-                                    </m:sSub>
-                                  </m:e>
-                                </m:d>
-                                <m:r>
-                                  <a:rPr lang="en-US" sz="2800" b="0" i="1">
-                                    <a:solidFill>
-                                      <a:srgbClr val="7030A0"/>
-                                    </a:solidFill>
-                                    <a:latin typeface="Cambria Math" panose="02040503050406030204" pitchFamily="18" charset="0"/>
-                                  </a:rPr>
-                                  <m:t>−</m:t>
-                                </m:r>
-                                <m:sSub>
-                                  <m:sSubPr>
-                                    <m:ctrlPr>
-                                      <a:rPr lang="en-US" sz="2800" b="0" i="1">
-                                        <a:solidFill>
-                                          <a:srgbClr val="7030A0"/>
-                                        </a:solidFill>
-                                        <a:latin typeface="Cambria Math" panose="02040503050406030204" pitchFamily="18" charset="0"/>
-                                      </a:rPr>
-                                    </m:ctrlPr>
-                                  </m:sSubPr>
-                                  <m:e>
-                                    <m:r>
-                                      <a:rPr lang="en-US" sz="2800" b="0" i="1">
-                                        <a:solidFill>
-                                          <a:srgbClr val="7030A0"/>
-                                        </a:solidFill>
-                                        <a:latin typeface="Cambria Math" panose="02040503050406030204" pitchFamily="18" charset="0"/>
-                                      </a:rPr>
-                                      <m:t>𝑦</m:t>
-                                    </m:r>
-                                  </m:e>
-                                  <m:sub>
-                                    <m:r>
-                                      <a:rPr lang="en-US" sz="2800" b="0" i="1">
-                                        <a:solidFill>
-                                          <a:srgbClr val="7030A0"/>
-                                        </a:solidFill>
-                                        <a:latin typeface="Cambria Math" panose="02040503050406030204" pitchFamily="18" charset="0"/>
-                                      </a:rPr>
-                                      <m:t>𝑖</m:t>
-                                    </m:r>
-                                  </m:sub>
-                                </m:sSub>
-                              </m:e>
-                            </m:mr>
-                            <m:mr>
-                              <m:e>
-                                <m:r>
-                                  <a:rPr lang="en-US" sz="2800" b="0" i="1" smtClean="0">
-                                    <a:solidFill>
-                                      <a:srgbClr val="7030A0"/>
-                                    </a:solidFill>
-                                    <a:latin typeface="Cambria Math" panose="02040503050406030204" pitchFamily="18" charset="0"/>
-                                  </a:rPr>
-                                  <m:t>…</m:t>
-                                </m:r>
-                              </m:e>
-                            </m:mr>
-                            <m:mr>
-                              <m:e>
-                                <m:r>
-                                  <a:rPr lang="en-US" sz="2800" b="0" i="1">
-                                    <a:solidFill>
-                                      <a:srgbClr val="7030A0"/>
-                                    </a:solidFill>
-                                    <a:latin typeface="Cambria Math" panose="02040503050406030204" pitchFamily="18" charset="0"/>
-                                  </a:rPr>
-                                  <m:t>𝑓</m:t>
-                                </m:r>
-                                <m:d>
-                                  <m:dPr>
-                                    <m:ctrlPr>
-                                      <a:rPr lang="en-US" sz="2800" b="0" i="1">
-                                        <a:solidFill>
-                                          <a:srgbClr val="7030A0"/>
-                                        </a:solidFill>
-                                        <a:latin typeface="Cambria Math" panose="02040503050406030204" pitchFamily="18" charset="0"/>
-                                      </a:rPr>
-                                    </m:ctrlPr>
-                                  </m:dPr>
-                                  <m:e>
-                                    <m:sSub>
-                                      <m:sSubPr>
-                                        <m:ctrlPr>
-                                          <a:rPr lang="en-US" sz="2800" b="0" i="1">
-                                            <a:solidFill>
-                                              <a:srgbClr val="7030A0"/>
-                                            </a:solidFill>
-                                            <a:latin typeface="Cambria Math" panose="02040503050406030204" pitchFamily="18" charset="0"/>
-                                          </a:rPr>
-                                        </m:ctrlPr>
-                                      </m:sSubPr>
-                                      <m:e>
-                                        <m:r>
-                                          <a:rPr lang="en-US" sz="2800" b="0" i="1">
-                                            <a:solidFill>
-                                              <a:srgbClr val="7030A0"/>
-                                            </a:solidFill>
-                                            <a:latin typeface="Cambria Math" panose="02040503050406030204" pitchFamily="18" charset="0"/>
-                                          </a:rPr>
-                                          <m:t>𝑧</m:t>
-                                        </m:r>
-                                      </m:e>
-                                      <m:sub>
-                                        <m:r>
-                                          <a:rPr lang="en-US" sz="2800" b="0" i="1" smtClean="0">
-                                            <a:solidFill>
-                                              <a:srgbClr val="7030A0"/>
-                                            </a:solidFill>
-                                            <a:latin typeface="Cambria Math" panose="02040503050406030204" pitchFamily="18" charset="0"/>
-                                          </a:rPr>
-                                          <m:t>𝑁</m:t>
-                                        </m:r>
-                                      </m:sub>
-                                    </m:sSub>
-                                  </m:e>
-                                </m:d>
-                                <m:r>
-                                  <a:rPr lang="en-US" sz="2800" b="0" i="1">
-                                    <a:solidFill>
-                                      <a:srgbClr val="7030A0"/>
-                                    </a:solidFill>
-                                    <a:latin typeface="Cambria Math" panose="02040503050406030204" pitchFamily="18" charset="0"/>
-                                  </a:rPr>
-                                  <m:t>−</m:t>
-                                </m:r>
-                                <m:sSub>
-                                  <m:sSubPr>
-                                    <m:ctrlPr>
-                                      <a:rPr lang="en-US" sz="2800" b="0" i="1">
-                                        <a:solidFill>
-                                          <a:srgbClr val="7030A0"/>
-                                        </a:solidFill>
-                                        <a:latin typeface="Cambria Math" panose="02040503050406030204" pitchFamily="18" charset="0"/>
-                                      </a:rPr>
-                                    </m:ctrlPr>
-                                  </m:sSubPr>
-                                  <m:e>
-                                    <m:r>
-                                      <a:rPr lang="en-US" sz="2800" b="0" i="1">
-                                        <a:solidFill>
-                                          <a:srgbClr val="7030A0"/>
-                                        </a:solidFill>
-                                        <a:latin typeface="Cambria Math" panose="02040503050406030204" pitchFamily="18" charset="0"/>
-                                      </a:rPr>
-                                      <m:t>𝑦</m:t>
-                                    </m:r>
-                                  </m:e>
-                                  <m:sub>
-                                    <m:r>
-                                      <a:rPr lang="en-US" sz="2800" b="0" i="1">
-                                        <a:solidFill>
-                                          <a:srgbClr val="7030A0"/>
-                                        </a:solidFill>
-                                        <a:latin typeface="Cambria Math" panose="02040503050406030204" pitchFamily="18" charset="0"/>
-                                      </a:rPr>
-                                      <m:t>𝑖</m:t>
-                                    </m:r>
-                                  </m:sub>
-                                </m:sSub>
-                              </m:e>
-                            </m:mr>
-                          </m:m>
-                        </m:e>
-                      </m:d>
-                    </m:oMath>
-                  </m:oMathPara>
-                </a14:m>
-                <a:endParaRPr lang="en-KW" sz="2800" dirty="0"/>
-              </a:p>
-              <a:p>
-                <a:pPr marL="0" indent="0">
-                  <a:buNone/>
-                </a:pPr>
-                <a:endParaRPr lang="en-KW" dirty="0"/>
-              </a:p>
-              <a:p>
-                <a:pPr marL="0" indent="0">
-                  <a:buNone/>
-                </a:pPr>
-                <a:r>
-                  <a:rPr lang="en-KW" sz="2800" dirty="0"/>
-                  <a:t>The chain rule makes it straightforward to compose complex computational units</a:t>
-                </a:r>
-              </a:p>
-            </p:txBody>
-          </p:sp>
-        </mc:Choice>
-        <mc:Fallback xmlns="">
-          <p:sp>
-            <p:nvSpPr>
-              <p:cNvPr id="5" name="Content Placeholder 4">
-                <a:extLst>
-                  <a:ext uri="{FF2B5EF4-FFF2-40B4-BE49-F238E27FC236}">
-                    <a16:creationId xmlns:a16="http://schemas.microsoft.com/office/drawing/2014/main" id="{B75581BD-AE10-AD73-4773-FA8A5C7ED9DB}"/>
-                  </a:ext>
-                </a:extLst>
-              </p:cNvPr>
-              <p:cNvSpPr txBox="1">
-                <a:spLocks noGrp="1" noRot="1" noChangeAspect="1" noMove="1" noResize="1" noEditPoints="1" noAdjustHandles="1" noChangeArrowheads="1" noChangeShapeType="1" noTextEdit="1"/>
-              </p:cNvSpPr>
-              <p:nvPr>
-                <p:ph idx="1"/>
-              </p:nvPr>
-            </p:nvSpPr>
-            <p:spPr>
-              <a:xfrm>
-                <a:off x="838200" y="1825625"/>
-                <a:ext cx="10515600" cy="3612784"/>
-              </a:xfrm>
-              <a:prstGeom prst="rect">
-                <a:avLst/>
-              </a:prstGeom>
-              <a:blipFill>
-                <a:blip r:embed="rId2"/>
-                <a:stretch>
-                  <a:fillRect l="-1206" t="-2797" b="-3846"/>
-                </a:stretch>
-              </a:blipFill>
-            </p:spPr>
-            <p:txBody>
-              <a:bodyPr/>
-              <a:lstStyle/>
-              <a:p>
-                <a:r>
-                  <a:rPr lang="en-KW">
-                    <a:noFill/>
-                  </a:rPr>
-                  <a:t> </a:t>
-                </a:r>
-              </a:p>
-            </p:txBody>
-          </p:sp>
-        </mc:Fallback>
-      </mc:AlternateContent>
+              <a:rPr lang="en-KW" dirty="0">
+                <a:solidFill>
+                  <a:srgbClr val="7030A0"/>
+                </a:solidFill>
+              </a:rPr>
+              <a:t>Efficient but not guaranteed to be optimal</a:t>
+            </a:r>
+          </a:p>
+        </p:txBody>
+      </p:sp>
+      <p:sp>
+        <p:nvSpPr>
+          <p:cNvPr id="4" name="Rectangle 3">
+            <a:extLst>
+              <a:ext uri="{FF2B5EF4-FFF2-40B4-BE49-F238E27FC236}">
+                <a16:creationId xmlns:a16="http://schemas.microsoft.com/office/drawing/2014/main" id="{EC4A96EA-30EE-B338-2A4D-7ED0C764D4E9}"/>
+              </a:ext>
+            </a:extLst>
+          </p:cNvPr>
+          <p:cNvSpPr/>
+          <p:nvPr/>
+        </p:nvSpPr>
+        <p:spPr>
+          <a:xfrm>
+            <a:off x="1253838" y="2778703"/>
+            <a:ext cx="976748" cy="636876"/>
+          </a:xfrm>
+          <a:prstGeom prst="rect">
+            <a:avLst/>
+          </a:prstGeom>
+          <a:solidFill>
+            <a:schemeClr val="bg1"/>
+          </a:solidFill>
+          <a:ln>
+            <a:solidFill>
+              <a:schemeClr val="tx1"/>
+            </a:solidFill>
+          </a:ln>
+        </p:spPr>
+        <p:style>
+          <a:lnRef idx="2">
+            <a:schemeClr val="accent1">
+              <a:shade val="15000"/>
+            </a:schemeClr>
+          </a:lnRef>
+          <a:fillRef idx="1">
+            <a:schemeClr val="accent1"/>
+          </a:fillRef>
+          <a:effectRef idx="0">
+            <a:schemeClr val="accent1"/>
+          </a:effectRef>
+          <a:fontRef idx="minor">
+            <a:schemeClr val="lt1"/>
+          </a:fontRef>
+        </p:style>
+        <p:txBody>
+          <a:bodyPr rtlCol="0" anchor="ctr"/>
+          <a:lstStyle/>
+          <a:p>
+            <a:pPr algn="ctr"/>
+            <a:r>
+              <a:rPr lang="en-KW" dirty="0">
+                <a:solidFill>
+                  <a:schemeClr val="tx1"/>
+                </a:solidFill>
+              </a:rPr>
+              <a:t>F1</a:t>
+            </a:r>
+          </a:p>
+        </p:txBody>
+      </p:sp>
+      <p:sp>
+        <p:nvSpPr>
+          <p:cNvPr id="10" name="Rectangle 9">
+            <a:extLst>
+              <a:ext uri="{FF2B5EF4-FFF2-40B4-BE49-F238E27FC236}">
+                <a16:creationId xmlns:a16="http://schemas.microsoft.com/office/drawing/2014/main" id="{FBB90997-6535-7955-24D5-E5A7F4E15075}"/>
+              </a:ext>
+            </a:extLst>
+          </p:cNvPr>
+          <p:cNvSpPr/>
+          <p:nvPr/>
+        </p:nvSpPr>
+        <p:spPr>
+          <a:xfrm>
+            <a:off x="2947555" y="1677267"/>
+            <a:ext cx="1517073" cy="636876"/>
+          </a:xfrm>
+          <a:prstGeom prst="rect">
+            <a:avLst/>
+          </a:prstGeom>
+          <a:solidFill>
+            <a:schemeClr val="bg1"/>
+          </a:solidFill>
+          <a:ln>
+            <a:solidFill>
+              <a:schemeClr val="tx1"/>
+            </a:solidFill>
+          </a:ln>
+        </p:spPr>
+        <p:style>
+          <a:lnRef idx="2">
+            <a:schemeClr val="accent1">
+              <a:shade val="15000"/>
+            </a:schemeClr>
+          </a:lnRef>
+          <a:fillRef idx="1">
+            <a:schemeClr val="accent1"/>
+          </a:fillRef>
+          <a:effectRef idx="0">
+            <a:schemeClr val="accent1"/>
+          </a:effectRef>
+          <a:fontRef idx="minor">
+            <a:schemeClr val="lt1"/>
+          </a:fontRef>
+        </p:style>
+        <p:txBody>
+          <a:bodyPr rtlCol="0" anchor="ctr"/>
+          <a:lstStyle/>
+          <a:p>
+            <a:pPr algn="ctr"/>
+            <a:r>
+              <a:rPr lang="en-KW" dirty="0">
+                <a:solidFill>
+                  <a:schemeClr val="tx1"/>
+                </a:solidFill>
+              </a:rPr>
+              <a:t>Empty Set</a:t>
+            </a:r>
+          </a:p>
+        </p:txBody>
+      </p:sp>
+      <p:sp>
+        <p:nvSpPr>
+          <p:cNvPr id="13" name="Rectangle 12">
+            <a:extLst>
+              <a:ext uri="{FF2B5EF4-FFF2-40B4-BE49-F238E27FC236}">
+                <a16:creationId xmlns:a16="http://schemas.microsoft.com/office/drawing/2014/main" id="{996D445C-1CF2-007F-D812-ECBE38EA4480}"/>
+              </a:ext>
+            </a:extLst>
+          </p:cNvPr>
+          <p:cNvSpPr/>
+          <p:nvPr/>
+        </p:nvSpPr>
+        <p:spPr>
+          <a:xfrm>
+            <a:off x="2258299" y="2778703"/>
+            <a:ext cx="976748" cy="636876"/>
+          </a:xfrm>
+          <a:prstGeom prst="rect">
+            <a:avLst/>
+          </a:prstGeom>
+          <a:solidFill>
+            <a:schemeClr val="bg1"/>
+          </a:solidFill>
+          <a:ln>
+            <a:solidFill>
+              <a:schemeClr val="tx1"/>
+            </a:solidFill>
+          </a:ln>
+        </p:spPr>
+        <p:style>
+          <a:lnRef idx="2">
+            <a:schemeClr val="accent1">
+              <a:shade val="15000"/>
+            </a:schemeClr>
+          </a:lnRef>
+          <a:fillRef idx="1">
+            <a:schemeClr val="accent1"/>
+          </a:fillRef>
+          <a:effectRef idx="0">
+            <a:schemeClr val="accent1"/>
+          </a:effectRef>
+          <a:fontRef idx="minor">
+            <a:schemeClr val="lt1"/>
+          </a:fontRef>
+        </p:style>
+        <p:txBody>
+          <a:bodyPr rtlCol="0" anchor="ctr"/>
+          <a:lstStyle/>
+          <a:p>
+            <a:pPr algn="ctr"/>
+            <a:r>
+              <a:rPr lang="en-KW" dirty="0">
+                <a:solidFill>
+                  <a:schemeClr val="tx1"/>
+                </a:solidFill>
+              </a:rPr>
+              <a:t>F2</a:t>
+            </a:r>
+          </a:p>
+        </p:txBody>
+      </p:sp>
+      <p:sp>
+        <p:nvSpPr>
+          <p:cNvPr id="14" name="Rectangle 13">
+            <a:extLst>
+              <a:ext uri="{FF2B5EF4-FFF2-40B4-BE49-F238E27FC236}">
+                <a16:creationId xmlns:a16="http://schemas.microsoft.com/office/drawing/2014/main" id="{279DBF00-FF83-88E3-9FEF-5A4CD9740D6B}"/>
+              </a:ext>
+            </a:extLst>
+          </p:cNvPr>
+          <p:cNvSpPr/>
+          <p:nvPr/>
+        </p:nvSpPr>
+        <p:spPr>
+          <a:xfrm>
+            <a:off x="3262760" y="2778703"/>
+            <a:ext cx="976748" cy="636876"/>
+          </a:xfrm>
+          <a:prstGeom prst="rect">
+            <a:avLst/>
+          </a:prstGeom>
+          <a:solidFill>
+            <a:srgbClr val="FFC000"/>
+          </a:solidFill>
+          <a:ln>
+            <a:solidFill>
+              <a:schemeClr val="tx1"/>
+            </a:solidFill>
+          </a:ln>
+        </p:spPr>
+        <p:style>
+          <a:lnRef idx="2">
+            <a:schemeClr val="accent1">
+              <a:shade val="15000"/>
+            </a:schemeClr>
+          </a:lnRef>
+          <a:fillRef idx="1">
+            <a:schemeClr val="accent1"/>
+          </a:fillRef>
+          <a:effectRef idx="0">
+            <a:schemeClr val="accent1"/>
+          </a:effectRef>
+          <a:fontRef idx="minor">
+            <a:schemeClr val="lt1"/>
+          </a:fontRef>
+        </p:style>
+        <p:txBody>
+          <a:bodyPr rtlCol="0" anchor="ctr"/>
+          <a:lstStyle/>
+          <a:p>
+            <a:pPr algn="ctr"/>
+            <a:r>
+              <a:rPr lang="en-KW" b="1" dirty="0">
+                <a:solidFill>
+                  <a:srgbClr val="7030A0"/>
+                </a:solidFill>
+              </a:rPr>
+              <a:t>F3</a:t>
+            </a:r>
+          </a:p>
+        </p:txBody>
+      </p:sp>
+      <p:sp>
+        <p:nvSpPr>
+          <p:cNvPr id="15" name="Rectangle 14">
+            <a:extLst>
+              <a:ext uri="{FF2B5EF4-FFF2-40B4-BE49-F238E27FC236}">
+                <a16:creationId xmlns:a16="http://schemas.microsoft.com/office/drawing/2014/main" id="{977BB27A-1061-379E-3815-8613C071F4B5}"/>
+              </a:ext>
+            </a:extLst>
+          </p:cNvPr>
+          <p:cNvSpPr/>
+          <p:nvPr/>
+        </p:nvSpPr>
+        <p:spPr>
+          <a:xfrm>
+            <a:off x="4267221" y="2778703"/>
+            <a:ext cx="976748" cy="636876"/>
+          </a:xfrm>
+          <a:prstGeom prst="rect">
+            <a:avLst/>
+          </a:prstGeom>
+          <a:solidFill>
+            <a:schemeClr val="bg1"/>
+          </a:solidFill>
+          <a:ln>
+            <a:solidFill>
+              <a:schemeClr val="tx1"/>
+            </a:solidFill>
+          </a:ln>
+        </p:spPr>
+        <p:style>
+          <a:lnRef idx="2">
+            <a:schemeClr val="accent1">
+              <a:shade val="15000"/>
+            </a:schemeClr>
+          </a:lnRef>
+          <a:fillRef idx="1">
+            <a:schemeClr val="accent1"/>
+          </a:fillRef>
+          <a:effectRef idx="0">
+            <a:schemeClr val="accent1"/>
+          </a:effectRef>
+          <a:fontRef idx="minor">
+            <a:schemeClr val="lt1"/>
+          </a:fontRef>
+        </p:style>
+        <p:txBody>
+          <a:bodyPr rtlCol="0" anchor="ctr"/>
+          <a:lstStyle/>
+          <a:p>
+            <a:pPr algn="ctr"/>
+            <a:r>
+              <a:rPr lang="en-KW" dirty="0">
+                <a:solidFill>
+                  <a:schemeClr val="tx1"/>
+                </a:solidFill>
+              </a:rPr>
+              <a:t>F4</a:t>
+            </a:r>
+          </a:p>
+        </p:txBody>
+      </p:sp>
+      <p:sp>
+        <p:nvSpPr>
+          <p:cNvPr id="16" name="Rectangle 15">
+            <a:extLst>
+              <a:ext uri="{FF2B5EF4-FFF2-40B4-BE49-F238E27FC236}">
+                <a16:creationId xmlns:a16="http://schemas.microsoft.com/office/drawing/2014/main" id="{0FA07765-AF16-A694-99EB-A516109C7810}"/>
+              </a:ext>
+            </a:extLst>
+          </p:cNvPr>
+          <p:cNvSpPr/>
+          <p:nvPr/>
+        </p:nvSpPr>
+        <p:spPr>
+          <a:xfrm>
+            <a:off x="5271682" y="2778703"/>
+            <a:ext cx="976748" cy="636876"/>
+          </a:xfrm>
+          <a:prstGeom prst="rect">
+            <a:avLst/>
+          </a:prstGeom>
+          <a:solidFill>
+            <a:schemeClr val="bg1"/>
+          </a:solidFill>
+          <a:ln>
+            <a:solidFill>
+              <a:schemeClr val="tx1"/>
+            </a:solidFill>
+          </a:ln>
+        </p:spPr>
+        <p:style>
+          <a:lnRef idx="2">
+            <a:schemeClr val="accent1">
+              <a:shade val="15000"/>
+            </a:schemeClr>
+          </a:lnRef>
+          <a:fillRef idx="1">
+            <a:schemeClr val="accent1"/>
+          </a:fillRef>
+          <a:effectRef idx="0">
+            <a:schemeClr val="accent1"/>
+          </a:effectRef>
+          <a:fontRef idx="minor">
+            <a:schemeClr val="lt1"/>
+          </a:fontRef>
+        </p:style>
+        <p:txBody>
+          <a:bodyPr rtlCol="0" anchor="ctr"/>
+          <a:lstStyle/>
+          <a:p>
+            <a:pPr algn="ctr"/>
+            <a:r>
+              <a:rPr lang="en-KW" dirty="0">
+                <a:solidFill>
+                  <a:schemeClr val="tx1"/>
+                </a:solidFill>
+              </a:rPr>
+              <a:t>F5</a:t>
+            </a:r>
+          </a:p>
+        </p:txBody>
+      </p:sp>
+      <p:sp>
+        <p:nvSpPr>
+          <p:cNvPr id="17" name="Rectangle 16">
+            <a:extLst>
+              <a:ext uri="{FF2B5EF4-FFF2-40B4-BE49-F238E27FC236}">
+                <a16:creationId xmlns:a16="http://schemas.microsoft.com/office/drawing/2014/main" id="{3F98F579-F76D-159D-20FB-625B77F21B5B}"/>
+              </a:ext>
+            </a:extLst>
+          </p:cNvPr>
+          <p:cNvSpPr/>
+          <p:nvPr/>
+        </p:nvSpPr>
+        <p:spPr>
+          <a:xfrm>
+            <a:off x="1738761" y="3987873"/>
+            <a:ext cx="976748" cy="636876"/>
+          </a:xfrm>
+          <a:prstGeom prst="rect">
+            <a:avLst/>
+          </a:prstGeom>
+          <a:solidFill>
+            <a:schemeClr val="bg1"/>
+          </a:solidFill>
+          <a:ln>
+            <a:solidFill>
+              <a:schemeClr val="tx1"/>
+            </a:solidFill>
+          </a:ln>
+        </p:spPr>
+        <p:style>
+          <a:lnRef idx="2">
+            <a:schemeClr val="accent1">
+              <a:shade val="15000"/>
+            </a:schemeClr>
+          </a:lnRef>
+          <a:fillRef idx="1">
+            <a:schemeClr val="accent1"/>
+          </a:fillRef>
+          <a:effectRef idx="0">
+            <a:schemeClr val="accent1"/>
+          </a:effectRef>
+          <a:fontRef idx="minor">
+            <a:schemeClr val="lt1"/>
+          </a:fontRef>
+        </p:style>
+        <p:txBody>
+          <a:bodyPr rtlCol="0" anchor="ctr"/>
+          <a:lstStyle/>
+          <a:p>
+            <a:pPr algn="ctr"/>
+            <a:r>
+              <a:rPr lang="en-KW" dirty="0">
+                <a:solidFill>
+                  <a:schemeClr val="tx1"/>
+                </a:solidFill>
+              </a:rPr>
+              <a:t>F1</a:t>
+            </a:r>
+          </a:p>
+        </p:txBody>
+      </p:sp>
+      <p:sp>
+        <p:nvSpPr>
+          <p:cNvPr id="18" name="Rectangle 17">
+            <a:extLst>
+              <a:ext uri="{FF2B5EF4-FFF2-40B4-BE49-F238E27FC236}">
+                <a16:creationId xmlns:a16="http://schemas.microsoft.com/office/drawing/2014/main" id="{1619EC05-C702-DEDF-4FF4-2EE411EFB7C6}"/>
+              </a:ext>
+            </a:extLst>
+          </p:cNvPr>
+          <p:cNvSpPr/>
+          <p:nvPr/>
+        </p:nvSpPr>
+        <p:spPr>
+          <a:xfrm>
+            <a:off x="2746673" y="3987873"/>
+            <a:ext cx="976748" cy="636876"/>
+          </a:xfrm>
+          <a:prstGeom prst="rect">
+            <a:avLst/>
+          </a:prstGeom>
+          <a:solidFill>
+            <a:srgbClr val="FFC000"/>
+          </a:solidFill>
+          <a:ln>
+            <a:solidFill>
+              <a:schemeClr val="tx1"/>
+            </a:solidFill>
+          </a:ln>
+        </p:spPr>
+        <p:style>
+          <a:lnRef idx="2">
+            <a:schemeClr val="accent1">
+              <a:shade val="15000"/>
+            </a:schemeClr>
+          </a:lnRef>
+          <a:fillRef idx="1">
+            <a:schemeClr val="accent1"/>
+          </a:fillRef>
+          <a:effectRef idx="0">
+            <a:schemeClr val="accent1"/>
+          </a:effectRef>
+          <a:fontRef idx="minor">
+            <a:schemeClr val="lt1"/>
+          </a:fontRef>
+        </p:style>
+        <p:txBody>
+          <a:bodyPr rtlCol="0" anchor="ctr"/>
+          <a:lstStyle/>
+          <a:p>
+            <a:pPr algn="ctr"/>
+            <a:r>
+              <a:rPr lang="en-KW" b="1" dirty="0">
+                <a:solidFill>
+                  <a:srgbClr val="7030A0"/>
+                </a:solidFill>
+              </a:rPr>
+              <a:t>F2</a:t>
+            </a:r>
+          </a:p>
+        </p:txBody>
+      </p:sp>
+      <p:sp>
+        <p:nvSpPr>
+          <p:cNvPr id="19" name="Rectangle 18">
+            <a:extLst>
+              <a:ext uri="{FF2B5EF4-FFF2-40B4-BE49-F238E27FC236}">
+                <a16:creationId xmlns:a16="http://schemas.microsoft.com/office/drawing/2014/main" id="{A579824C-04C1-940B-FD1D-23DB5A87B0A9}"/>
+              </a:ext>
+            </a:extLst>
+          </p:cNvPr>
+          <p:cNvSpPr/>
+          <p:nvPr/>
+        </p:nvSpPr>
+        <p:spPr>
+          <a:xfrm>
+            <a:off x="3754585" y="3987873"/>
+            <a:ext cx="976748" cy="636876"/>
+          </a:xfrm>
+          <a:prstGeom prst="rect">
+            <a:avLst/>
+          </a:prstGeom>
+          <a:solidFill>
+            <a:schemeClr val="bg1"/>
+          </a:solidFill>
+          <a:ln>
+            <a:solidFill>
+              <a:schemeClr val="tx1"/>
+            </a:solidFill>
+          </a:ln>
+        </p:spPr>
+        <p:style>
+          <a:lnRef idx="2">
+            <a:schemeClr val="accent1">
+              <a:shade val="15000"/>
+            </a:schemeClr>
+          </a:lnRef>
+          <a:fillRef idx="1">
+            <a:schemeClr val="accent1"/>
+          </a:fillRef>
+          <a:effectRef idx="0">
+            <a:schemeClr val="accent1"/>
+          </a:effectRef>
+          <a:fontRef idx="minor">
+            <a:schemeClr val="lt1"/>
+          </a:fontRef>
+        </p:style>
+        <p:txBody>
+          <a:bodyPr rtlCol="0" anchor="ctr"/>
+          <a:lstStyle/>
+          <a:p>
+            <a:pPr algn="ctr"/>
+            <a:r>
+              <a:rPr lang="en-KW" dirty="0">
+                <a:solidFill>
+                  <a:schemeClr val="tx1"/>
+                </a:solidFill>
+              </a:rPr>
+              <a:t>F4</a:t>
+            </a:r>
+          </a:p>
+        </p:txBody>
+      </p:sp>
+      <p:sp>
+        <p:nvSpPr>
+          <p:cNvPr id="20" name="Rectangle 19">
+            <a:extLst>
+              <a:ext uri="{FF2B5EF4-FFF2-40B4-BE49-F238E27FC236}">
+                <a16:creationId xmlns:a16="http://schemas.microsoft.com/office/drawing/2014/main" id="{59BB3CEF-310F-98FD-4F0A-3F298CB266EF}"/>
+              </a:ext>
+            </a:extLst>
+          </p:cNvPr>
+          <p:cNvSpPr/>
+          <p:nvPr/>
+        </p:nvSpPr>
+        <p:spPr>
+          <a:xfrm>
+            <a:off x="4759046" y="3987873"/>
+            <a:ext cx="976748" cy="636876"/>
+          </a:xfrm>
+          <a:prstGeom prst="rect">
+            <a:avLst/>
+          </a:prstGeom>
+          <a:solidFill>
+            <a:schemeClr val="bg1"/>
+          </a:solidFill>
+          <a:ln>
+            <a:solidFill>
+              <a:schemeClr val="tx1"/>
+            </a:solidFill>
+          </a:ln>
+        </p:spPr>
+        <p:style>
+          <a:lnRef idx="2">
+            <a:schemeClr val="accent1">
+              <a:shade val="15000"/>
+            </a:schemeClr>
+          </a:lnRef>
+          <a:fillRef idx="1">
+            <a:schemeClr val="accent1"/>
+          </a:fillRef>
+          <a:effectRef idx="0">
+            <a:schemeClr val="accent1"/>
+          </a:effectRef>
+          <a:fontRef idx="minor">
+            <a:schemeClr val="lt1"/>
+          </a:fontRef>
+        </p:style>
+        <p:txBody>
+          <a:bodyPr rtlCol="0" anchor="ctr"/>
+          <a:lstStyle/>
+          <a:p>
+            <a:pPr algn="ctr"/>
+            <a:r>
+              <a:rPr lang="en-KW" dirty="0">
+                <a:solidFill>
+                  <a:schemeClr val="tx1"/>
+                </a:solidFill>
+              </a:rPr>
+              <a:t>F5</a:t>
+            </a:r>
+          </a:p>
+        </p:txBody>
+      </p:sp>
+      <p:sp>
+        <p:nvSpPr>
+          <p:cNvPr id="21" name="Rectangle 20">
+            <a:extLst>
+              <a:ext uri="{FF2B5EF4-FFF2-40B4-BE49-F238E27FC236}">
+                <a16:creationId xmlns:a16="http://schemas.microsoft.com/office/drawing/2014/main" id="{B6A3E850-BDF8-9223-D231-436E2E5B03AA}"/>
+              </a:ext>
+            </a:extLst>
+          </p:cNvPr>
+          <p:cNvSpPr/>
+          <p:nvPr/>
+        </p:nvSpPr>
+        <p:spPr>
+          <a:xfrm>
+            <a:off x="1742212" y="5407747"/>
+            <a:ext cx="976748" cy="636876"/>
+          </a:xfrm>
+          <a:prstGeom prst="rect">
+            <a:avLst/>
+          </a:prstGeom>
+          <a:solidFill>
+            <a:schemeClr val="bg1"/>
+          </a:solidFill>
+          <a:ln>
+            <a:solidFill>
+              <a:schemeClr val="tx1"/>
+            </a:solidFill>
+          </a:ln>
+        </p:spPr>
+        <p:style>
+          <a:lnRef idx="2">
+            <a:schemeClr val="accent1">
+              <a:shade val="15000"/>
+            </a:schemeClr>
+          </a:lnRef>
+          <a:fillRef idx="1">
+            <a:schemeClr val="accent1"/>
+          </a:fillRef>
+          <a:effectRef idx="0">
+            <a:schemeClr val="accent1"/>
+          </a:effectRef>
+          <a:fontRef idx="minor">
+            <a:schemeClr val="lt1"/>
+          </a:fontRef>
+        </p:style>
+        <p:txBody>
+          <a:bodyPr rtlCol="0" anchor="ctr"/>
+          <a:lstStyle/>
+          <a:p>
+            <a:pPr algn="ctr"/>
+            <a:r>
+              <a:rPr lang="en-KW" dirty="0">
+                <a:solidFill>
+                  <a:schemeClr val="tx1"/>
+                </a:solidFill>
+              </a:rPr>
+              <a:t>F1</a:t>
+            </a:r>
+          </a:p>
+        </p:txBody>
+      </p:sp>
+      <p:sp>
+        <p:nvSpPr>
+          <p:cNvPr id="22" name="Rectangle 21">
+            <a:extLst>
+              <a:ext uri="{FF2B5EF4-FFF2-40B4-BE49-F238E27FC236}">
+                <a16:creationId xmlns:a16="http://schemas.microsoft.com/office/drawing/2014/main" id="{278726CB-36EF-9AE2-4C6B-C29E08A1F47E}"/>
+              </a:ext>
+            </a:extLst>
+          </p:cNvPr>
+          <p:cNvSpPr/>
+          <p:nvPr/>
+        </p:nvSpPr>
+        <p:spPr>
+          <a:xfrm>
+            <a:off x="2746673" y="5407747"/>
+            <a:ext cx="976748" cy="636876"/>
+          </a:xfrm>
+          <a:prstGeom prst="rect">
+            <a:avLst/>
+          </a:prstGeom>
+          <a:solidFill>
+            <a:schemeClr val="bg1"/>
+          </a:solidFill>
+          <a:ln>
+            <a:solidFill>
+              <a:schemeClr val="tx1"/>
+            </a:solidFill>
+          </a:ln>
+        </p:spPr>
+        <p:style>
+          <a:lnRef idx="2">
+            <a:schemeClr val="accent1">
+              <a:shade val="15000"/>
+            </a:schemeClr>
+          </a:lnRef>
+          <a:fillRef idx="1">
+            <a:schemeClr val="accent1"/>
+          </a:fillRef>
+          <a:effectRef idx="0">
+            <a:schemeClr val="accent1"/>
+          </a:effectRef>
+          <a:fontRef idx="minor">
+            <a:schemeClr val="lt1"/>
+          </a:fontRef>
+        </p:style>
+        <p:txBody>
+          <a:bodyPr rtlCol="0" anchor="ctr"/>
+          <a:lstStyle/>
+          <a:p>
+            <a:pPr algn="ctr"/>
+            <a:r>
+              <a:rPr lang="en-KW" dirty="0">
+                <a:solidFill>
+                  <a:schemeClr val="tx1"/>
+                </a:solidFill>
+              </a:rPr>
+              <a:t>F4</a:t>
+            </a:r>
+          </a:p>
+        </p:txBody>
+      </p:sp>
+      <p:sp>
+        <p:nvSpPr>
+          <p:cNvPr id="23" name="Rectangle 22">
+            <a:extLst>
+              <a:ext uri="{FF2B5EF4-FFF2-40B4-BE49-F238E27FC236}">
+                <a16:creationId xmlns:a16="http://schemas.microsoft.com/office/drawing/2014/main" id="{9E960BBB-DE16-D311-8B2D-FBEFDB982032}"/>
+              </a:ext>
+            </a:extLst>
+          </p:cNvPr>
+          <p:cNvSpPr/>
+          <p:nvPr/>
+        </p:nvSpPr>
+        <p:spPr>
+          <a:xfrm>
+            <a:off x="3751134" y="5407747"/>
+            <a:ext cx="976748" cy="636876"/>
+          </a:xfrm>
+          <a:prstGeom prst="rect">
+            <a:avLst/>
+          </a:prstGeom>
+          <a:solidFill>
+            <a:schemeClr val="bg1"/>
+          </a:solidFill>
+          <a:ln>
+            <a:solidFill>
+              <a:schemeClr val="tx1"/>
+            </a:solidFill>
+          </a:ln>
+        </p:spPr>
+        <p:style>
+          <a:lnRef idx="2">
+            <a:schemeClr val="accent1">
+              <a:shade val="15000"/>
+            </a:schemeClr>
+          </a:lnRef>
+          <a:fillRef idx="1">
+            <a:schemeClr val="accent1"/>
+          </a:fillRef>
+          <a:effectRef idx="0">
+            <a:schemeClr val="accent1"/>
+          </a:effectRef>
+          <a:fontRef idx="minor">
+            <a:schemeClr val="lt1"/>
+          </a:fontRef>
+        </p:style>
+        <p:txBody>
+          <a:bodyPr rtlCol="0" anchor="ctr"/>
+          <a:lstStyle/>
+          <a:p>
+            <a:pPr algn="ctr"/>
+            <a:r>
+              <a:rPr lang="en-KW" dirty="0">
+                <a:solidFill>
+                  <a:schemeClr val="tx1"/>
+                </a:solidFill>
+              </a:rPr>
+              <a:t>F5</a:t>
+            </a:r>
+          </a:p>
+        </p:txBody>
+      </p:sp>
+      <p:cxnSp>
+        <p:nvCxnSpPr>
+          <p:cNvPr id="25" name="Straight Arrow Connector 24">
+            <a:extLst>
+              <a:ext uri="{FF2B5EF4-FFF2-40B4-BE49-F238E27FC236}">
+                <a16:creationId xmlns:a16="http://schemas.microsoft.com/office/drawing/2014/main" id="{1D4BC54F-C40D-367A-E857-117DA43DDEF2}"/>
+              </a:ext>
+            </a:extLst>
+          </p:cNvPr>
+          <p:cNvCxnSpPr>
+            <a:stCxn id="10" idx="2"/>
+            <a:endCxn id="4" idx="0"/>
+          </p:cNvCxnSpPr>
+          <p:nvPr/>
+        </p:nvCxnSpPr>
+        <p:spPr>
+          <a:xfrm flipH="1">
+            <a:off x="1742212" y="2314143"/>
+            <a:ext cx="1963880" cy="464560"/>
+          </a:xfrm>
+          <a:prstGeom prst="straightConnector1">
+            <a:avLst/>
+          </a:prstGeom>
+          <a:ln w="38100">
+            <a:solidFill>
+              <a:schemeClr val="tx1"/>
+            </a:solidFill>
+            <a:tailEnd type="triangle"/>
+          </a:ln>
+        </p:spPr>
+        <p:style>
+          <a:lnRef idx="2">
+            <a:schemeClr val="accent1"/>
+          </a:lnRef>
+          <a:fillRef idx="0">
+            <a:schemeClr val="accent1"/>
+          </a:fillRef>
+          <a:effectRef idx="1">
+            <a:schemeClr val="accent1"/>
+          </a:effectRef>
+          <a:fontRef idx="minor">
+            <a:schemeClr val="tx1"/>
+          </a:fontRef>
+        </p:style>
+      </p:cxnSp>
+      <p:cxnSp>
+        <p:nvCxnSpPr>
+          <p:cNvPr id="26" name="Straight Arrow Connector 25">
+            <a:extLst>
+              <a:ext uri="{FF2B5EF4-FFF2-40B4-BE49-F238E27FC236}">
+                <a16:creationId xmlns:a16="http://schemas.microsoft.com/office/drawing/2014/main" id="{E312214C-F4EA-F719-57F3-EC157E809C39}"/>
+              </a:ext>
+            </a:extLst>
+          </p:cNvPr>
+          <p:cNvCxnSpPr>
+            <a:cxnSpLocks/>
+            <a:stCxn id="10" idx="2"/>
+            <a:endCxn id="13" idx="0"/>
+          </p:cNvCxnSpPr>
+          <p:nvPr/>
+        </p:nvCxnSpPr>
+        <p:spPr>
+          <a:xfrm flipH="1">
+            <a:off x="2746673" y="2314143"/>
+            <a:ext cx="959419" cy="464560"/>
+          </a:xfrm>
+          <a:prstGeom prst="straightConnector1">
+            <a:avLst/>
+          </a:prstGeom>
+          <a:ln w="38100">
+            <a:solidFill>
+              <a:schemeClr val="tx1"/>
+            </a:solidFill>
+            <a:tailEnd type="triangle"/>
+          </a:ln>
+        </p:spPr>
+        <p:style>
+          <a:lnRef idx="2">
+            <a:schemeClr val="accent1"/>
+          </a:lnRef>
+          <a:fillRef idx="0">
+            <a:schemeClr val="accent1"/>
+          </a:fillRef>
+          <a:effectRef idx="1">
+            <a:schemeClr val="accent1"/>
+          </a:effectRef>
+          <a:fontRef idx="minor">
+            <a:schemeClr val="tx1"/>
+          </a:fontRef>
+        </p:style>
+      </p:cxnSp>
+      <p:cxnSp>
+        <p:nvCxnSpPr>
+          <p:cNvPr id="29" name="Straight Arrow Connector 28">
+            <a:extLst>
+              <a:ext uri="{FF2B5EF4-FFF2-40B4-BE49-F238E27FC236}">
+                <a16:creationId xmlns:a16="http://schemas.microsoft.com/office/drawing/2014/main" id="{63DD231A-6553-F4D8-40D0-30E75F8E2712}"/>
+              </a:ext>
+            </a:extLst>
+          </p:cNvPr>
+          <p:cNvCxnSpPr>
+            <a:cxnSpLocks/>
+            <a:stCxn id="10" idx="2"/>
+            <a:endCxn id="14" idx="0"/>
+          </p:cNvCxnSpPr>
+          <p:nvPr/>
+        </p:nvCxnSpPr>
+        <p:spPr>
+          <a:xfrm>
+            <a:off x="3706092" y="2314143"/>
+            <a:ext cx="45042" cy="464560"/>
+          </a:xfrm>
+          <a:prstGeom prst="straightConnector1">
+            <a:avLst/>
+          </a:prstGeom>
+          <a:ln w="38100">
+            <a:solidFill>
+              <a:schemeClr val="tx1"/>
+            </a:solidFill>
+            <a:tailEnd type="triangle"/>
+          </a:ln>
+        </p:spPr>
+        <p:style>
+          <a:lnRef idx="2">
+            <a:schemeClr val="accent1"/>
+          </a:lnRef>
+          <a:fillRef idx="0">
+            <a:schemeClr val="accent1"/>
+          </a:fillRef>
+          <a:effectRef idx="1">
+            <a:schemeClr val="accent1"/>
+          </a:effectRef>
+          <a:fontRef idx="minor">
+            <a:schemeClr val="tx1"/>
+          </a:fontRef>
+        </p:style>
+      </p:cxnSp>
+      <p:cxnSp>
+        <p:nvCxnSpPr>
+          <p:cNvPr id="32" name="Straight Arrow Connector 31">
+            <a:extLst>
+              <a:ext uri="{FF2B5EF4-FFF2-40B4-BE49-F238E27FC236}">
+                <a16:creationId xmlns:a16="http://schemas.microsoft.com/office/drawing/2014/main" id="{A0C0F395-3C50-938F-DD64-8005A159697D}"/>
+              </a:ext>
+            </a:extLst>
+          </p:cNvPr>
+          <p:cNvCxnSpPr>
+            <a:cxnSpLocks/>
+            <a:stCxn id="10" idx="2"/>
+            <a:endCxn id="15" idx="0"/>
+          </p:cNvCxnSpPr>
+          <p:nvPr/>
+        </p:nvCxnSpPr>
+        <p:spPr>
+          <a:xfrm>
+            <a:off x="3706092" y="2314143"/>
+            <a:ext cx="1049503" cy="464560"/>
+          </a:xfrm>
+          <a:prstGeom prst="straightConnector1">
+            <a:avLst/>
+          </a:prstGeom>
+          <a:ln w="38100">
+            <a:solidFill>
+              <a:schemeClr val="tx1"/>
+            </a:solidFill>
+            <a:tailEnd type="triangle"/>
+          </a:ln>
+        </p:spPr>
+        <p:style>
+          <a:lnRef idx="2">
+            <a:schemeClr val="accent1"/>
+          </a:lnRef>
+          <a:fillRef idx="0">
+            <a:schemeClr val="accent1"/>
+          </a:fillRef>
+          <a:effectRef idx="1">
+            <a:schemeClr val="accent1"/>
+          </a:effectRef>
+          <a:fontRef idx="minor">
+            <a:schemeClr val="tx1"/>
+          </a:fontRef>
+        </p:style>
+      </p:cxnSp>
+      <p:cxnSp>
+        <p:nvCxnSpPr>
+          <p:cNvPr id="35" name="Straight Arrow Connector 34">
+            <a:extLst>
+              <a:ext uri="{FF2B5EF4-FFF2-40B4-BE49-F238E27FC236}">
+                <a16:creationId xmlns:a16="http://schemas.microsoft.com/office/drawing/2014/main" id="{03B9F698-6E2C-A991-C4F0-19C70A804ADC}"/>
+              </a:ext>
+            </a:extLst>
+          </p:cNvPr>
+          <p:cNvCxnSpPr>
+            <a:cxnSpLocks/>
+            <a:stCxn id="10" idx="2"/>
+            <a:endCxn id="16" idx="0"/>
+          </p:cNvCxnSpPr>
+          <p:nvPr/>
+        </p:nvCxnSpPr>
+        <p:spPr>
+          <a:xfrm>
+            <a:off x="3706092" y="2314143"/>
+            <a:ext cx="2053964" cy="464560"/>
+          </a:xfrm>
+          <a:prstGeom prst="straightConnector1">
+            <a:avLst/>
+          </a:prstGeom>
+          <a:ln w="38100">
+            <a:solidFill>
+              <a:schemeClr val="tx1"/>
+            </a:solidFill>
+            <a:tailEnd type="triangle"/>
+          </a:ln>
+        </p:spPr>
+        <p:style>
+          <a:lnRef idx="2">
+            <a:schemeClr val="accent1"/>
+          </a:lnRef>
+          <a:fillRef idx="0">
+            <a:schemeClr val="accent1"/>
+          </a:fillRef>
+          <a:effectRef idx="1">
+            <a:schemeClr val="accent1"/>
+          </a:effectRef>
+          <a:fontRef idx="minor">
+            <a:schemeClr val="tx1"/>
+          </a:fontRef>
+        </p:style>
+      </p:cxnSp>
+      <p:cxnSp>
+        <p:nvCxnSpPr>
+          <p:cNvPr id="38" name="Straight Arrow Connector 37">
+            <a:extLst>
+              <a:ext uri="{FF2B5EF4-FFF2-40B4-BE49-F238E27FC236}">
+                <a16:creationId xmlns:a16="http://schemas.microsoft.com/office/drawing/2014/main" id="{A2C50E83-3D3C-C90C-B42E-536E97DAA50B}"/>
+              </a:ext>
+            </a:extLst>
+          </p:cNvPr>
+          <p:cNvCxnSpPr>
+            <a:cxnSpLocks/>
+            <a:stCxn id="14" idx="2"/>
+            <a:endCxn id="17" idx="0"/>
+          </p:cNvCxnSpPr>
+          <p:nvPr/>
+        </p:nvCxnSpPr>
+        <p:spPr>
+          <a:xfrm flipH="1">
+            <a:off x="2227135" y="3415579"/>
+            <a:ext cx="1523999" cy="572294"/>
+          </a:xfrm>
+          <a:prstGeom prst="straightConnector1">
+            <a:avLst/>
+          </a:prstGeom>
+          <a:ln w="38100">
+            <a:solidFill>
+              <a:schemeClr val="tx1"/>
+            </a:solidFill>
+            <a:tailEnd type="triangle"/>
+          </a:ln>
+        </p:spPr>
+        <p:style>
+          <a:lnRef idx="2">
+            <a:schemeClr val="accent1"/>
+          </a:lnRef>
+          <a:fillRef idx="0">
+            <a:schemeClr val="accent1"/>
+          </a:fillRef>
+          <a:effectRef idx="1">
+            <a:schemeClr val="accent1"/>
+          </a:effectRef>
+          <a:fontRef idx="minor">
+            <a:schemeClr val="tx1"/>
+          </a:fontRef>
+        </p:style>
+      </p:cxnSp>
+      <p:cxnSp>
+        <p:nvCxnSpPr>
+          <p:cNvPr id="41" name="Straight Arrow Connector 40">
+            <a:extLst>
+              <a:ext uri="{FF2B5EF4-FFF2-40B4-BE49-F238E27FC236}">
+                <a16:creationId xmlns:a16="http://schemas.microsoft.com/office/drawing/2014/main" id="{225BB89F-8E39-E715-C425-08B607639C1C}"/>
+              </a:ext>
+            </a:extLst>
+          </p:cNvPr>
+          <p:cNvCxnSpPr>
+            <a:cxnSpLocks/>
+            <a:stCxn id="14" idx="2"/>
+            <a:endCxn id="18" idx="0"/>
+          </p:cNvCxnSpPr>
+          <p:nvPr/>
+        </p:nvCxnSpPr>
+        <p:spPr>
+          <a:xfrm flipH="1">
+            <a:off x="3235047" y="3415579"/>
+            <a:ext cx="516087" cy="572294"/>
+          </a:xfrm>
+          <a:prstGeom prst="straightConnector1">
+            <a:avLst/>
+          </a:prstGeom>
+          <a:ln w="38100">
+            <a:solidFill>
+              <a:schemeClr val="tx1"/>
+            </a:solidFill>
+            <a:tailEnd type="triangle"/>
+          </a:ln>
+        </p:spPr>
+        <p:style>
+          <a:lnRef idx="2">
+            <a:schemeClr val="accent1"/>
+          </a:lnRef>
+          <a:fillRef idx="0">
+            <a:schemeClr val="accent1"/>
+          </a:fillRef>
+          <a:effectRef idx="1">
+            <a:schemeClr val="accent1"/>
+          </a:effectRef>
+          <a:fontRef idx="minor">
+            <a:schemeClr val="tx1"/>
+          </a:fontRef>
+        </p:style>
+      </p:cxnSp>
+      <p:cxnSp>
+        <p:nvCxnSpPr>
+          <p:cNvPr id="44" name="Straight Arrow Connector 43">
+            <a:extLst>
+              <a:ext uri="{FF2B5EF4-FFF2-40B4-BE49-F238E27FC236}">
+                <a16:creationId xmlns:a16="http://schemas.microsoft.com/office/drawing/2014/main" id="{3941C04F-F195-87F8-E356-DD9B7EC96275}"/>
+              </a:ext>
+            </a:extLst>
+          </p:cNvPr>
+          <p:cNvCxnSpPr>
+            <a:cxnSpLocks/>
+            <a:stCxn id="14" idx="2"/>
+            <a:endCxn id="19" idx="0"/>
+          </p:cNvCxnSpPr>
+          <p:nvPr/>
+        </p:nvCxnSpPr>
+        <p:spPr>
+          <a:xfrm>
+            <a:off x="3751134" y="3415579"/>
+            <a:ext cx="491825" cy="572294"/>
+          </a:xfrm>
+          <a:prstGeom prst="straightConnector1">
+            <a:avLst/>
+          </a:prstGeom>
+          <a:ln w="38100">
+            <a:solidFill>
+              <a:schemeClr val="tx1"/>
+            </a:solidFill>
+            <a:tailEnd type="triangle"/>
+          </a:ln>
+        </p:spPr>
+        <p:style>
+          <a:lnRef idx="2">
+            <a:schemeClr val="accent1"/>
+          </a:lnRef>
+          <a:fillRef idx="0">
+            <a:schemeClr val="accent1"/>
+          </a:fillRef>
+          <a:effectRef idx="1">
+            <a:schemeClr val="accent1"/>
+          </a:effectRef>
+          <a:fontRef idx="minor">
+            <a:schemeClr val="tx1"/>
+          </a:fontRef>
+        </p:style>
+      </p:cxnSp>
+      <p:cxnSp>
+        <p:nvCxnSpPr>
+          <p:cNvPr id="47" name="Straight Arrow Connector 46">
+            <a:extLst>
+              <a:ext uri="{FF2B5EF4-FFF2-40B4-BE49-F238E27FC236}">
+                <a16:creationId xmlns:a16="http://schemas.microsoft.com/office/drawing/2014/main" id="{7F3938B3-EA91-FB85-A7B5-58B3278BE0B6}"/>
+              </a:ext>
+            </a:extLst>
+          </p:cNvPr>
+          <p:cNvCxnSpPr>
+            <a:cxnSpLocks/>
+            <a:stCxn id="14" idx="2"/>
+            <a:endCxn id="20" idx="0"/>
+          </p:cNvCxnSpPr>
+          <p:nvPr/>
+        </p:nvCxnSpPr>
+        <p:spPr>
+          <a:xfrm>
+            <a:off x="3751134" y="3415579"/>
+            <a:ext cx="1496286" cy="572294"/>
+          </a:xfrm>
+          <a:prstGeom prst="straightConnector1">
+            <a:avLst/>
+          </a:prstGeom>
+          <a:ln w="38100">
+            <a:solidFill>
+              <a:schemeClr val="tx1"/>
+            </a:solidFill>
+            <a:tailEnd type="triangle"/>
+          </a:ln>
+        </p:spPr>
+        <p:style>
+          <a:lnRef idx="2">
+            <a:schemeClr val="accent1"/>
+          </a:lnRef>
+          <a:fillRef idx="0">
+            <a:schemeClr val="accent1"/>
+          </a:fillRef>
+          <a:effectRef idx="1">
+            <a:schemeClr val="accent1"/>
+          </a:effectRef>
+          <a:fontRef idx="minor">
+            <a:schemeClr val="tx1"/>
+          </a:fontRef>
+        </p:style>
+      </p:cxnSp>
+      <p:cxnSp>
+        <p:nvCxnSpPr>
+          <p:cNvPr id="50" name="Straight Arrow Connector 49">
+            <a:extLst>
+              <a:ext uri="{FF2B5EF4-FFF2-40B4-BE49-F238E27FC236}">
+                <a16:creationId xmlns:a16="http://schemas.microsoft.com/office/drawing/2014/main" id="{D5644C88-1BE0-8F92-581B-08E73CE1C121}"/>
+              </a:ext>
+            </a:extLst>
+          </p:cNvPr>
+          <p:cNvCxnSpPr>
+            <a:cxnSpLocks/>
+            <a:stCxn id="18" idx="2"/>
+            <a:endCxn id="21" idx="0"/>
+          </p:cNvCxnSpPr>
+          <p:nvPr/>
+        </p:nvCxnSpPr>
+        <p:spPr>
+          <a:xfrm flipH="1">
+            <a:off x="2230586" y="4624749"/>
+            <a:ext cx="1004461" cy="782998"/>
+          </a:xfrm>
+          <a:prstGeom prst="straightConnector1">
+            <a:avLst/>
+          </a:prstGeom>
+          <a:ln w="38100">
+            <a:solidFill>
+              <a:schemeClr val="tx1"/>
+            </a:solidFill>
+            <a:tailEnd type="triangle"/>
+          </a:ln>
+        </p:spPr>
+        <p:style>
+          <a:lnRef idx="2">
+            <a:schemeClr val="accent1"/>
+          </a:lnRef>
+          <a:fillRef idx="0">
+            <a:schemeClr val="accent1"/>
+          </a:fillRef>
+          <a:effectRef idx="1">
+            <a:schemeClr val="accent1"/>
+          </a:effectRef>
+          <a:fontRef idx="minor">
+            <a:schemeClr val="tx1"/>
+          </a:fontRef>
+        </p:style>
+      </p:cxnSp>
+      <p:cxnSp>
+        <p:nvCxnSpPr>
+          <p:cNvPr id="53" name="Straight Arrow Connector 52">
+            <a:extLst>
+              <a:ext uri="{FF2B5EF4-FFF2-40B4-BE49-F238E27FC236}">
+                <a16:creationId xmlns:a16="http://schemas.microsoft.com/office/drawing/2014/main" id="{7FCC22CC-0E7F-9EFB-DA18-9C1ADADDA368}"/>
+              </a:ext>
+            </a:extLst>
+          </p:cNvPr>
+          <p:cNvCxnSpPr>
+            <a:cxnSpLocks/>
+            <a:stCxn id="18" idx="2"/>
+            <a:endCxn id="22" idx="0"/>
+          </p:cNvCxnSpPr>
+          <p:nvPr/>
+        </p:nvCxnSpPr>
+        <p:spPr>
+          <a:xfrm>
+            <a:off x="3235047" y="4624749"/>
+            <a:ext cx="0" cy="782998"/>
+          </a:xfrm>
+          <a:prstGeom prst="straightConnector1">
+            <a:avLst/>
+          </a:prstGeom>
+          <a:ln w="38100">
+            <a:solidFill>
+              <a:schemeClr val="tx1"/>
+            </a:solidFill>
+            <a:tailEnd type="triangle"/>
+          </a:ln>
+        </p:spPr>
+        <p:style>
+          <a:lnRef idx="2">
+            <a:schemeClr val="accent1"/>
+          </a:lnRef>
+          <a:fillRef idx="0">
+            <a:schemeClr val="accent1"/>
+          </a:fillRef>
+          <a:effectRef idx="1">
+            <a:schemeClr val="accent1"/>
+          </a:effectRef>
+          <a:fontRef idx="minor">
+            <a:schemeClr val="tx1"/>
+          </a:fontRef>
+        </p:style>
+      </p:cxnSp>
+      <p:cxnSp>
+        <p:nvCxnSpPr>
+          <p:cNvPr id="56" name="Straight Arrow Connector 55">
+            <a:extLst>
+              <a:ext uri="{FF2B5EF4-FFF2-40B4-BE49-F238E27FC236}">
+                <a16:creationId xmlns:a16="http://schemas.microsoft.com/office/drawing/2014/main" id="{3415BA5D-3E7F-71CA-CF36-D5026ED10DA3}"/>
+              </a:ext>
+            </a:extLst>
+          </p:cNvPr>
+          <p:cNvCxnSpPr>
+            <a:cxnSpLocks/>
+            <a:stCxn id="18" idx="2"/>
+            <a:endCxn id="23" idx="0"/>
+          </p:cNvCxnSpPr>
+          <p:nvPr/>
+        </p:nvCxnSpPr>
+        <p:spPr>
+          <a:xfrm>
+            <a:off x="3235047" y="4624749"/>
+            <a:ext cx="1004461" cy="782998"/>
+          </a:xfrm>
+          <a:prstGeom prst="straightConnector1">
+            <a:avLst/>
+          </a:prstGeom>
+          <a:ln w="38100">
+            <a:solidFill>
+              <a:schemeClr val="tx1"/>
+            </a:solidFill>
+            <a:tailEnd type="triangle"/>
+          </a:ln>
+        </p:spPr>
+        <p:style>
+          <a:lnRef idx="2">
+            <a:schemeClr val="accent1"/>
+          </a:lnRef>
+          <a:fillRef idx="0">
+            <a:schemeClr val="accent1"/>
+          </a:fillRef>
+          <a:effectRef idx="1">
+            <a:schemeClr val="accent1"/>
+          </a:effectRef>
+          <a:fontRef idx="minor">
+            <a:schemeClr val="tx1"/>
+          </a:fontRef>
+        </p:style>
+      </p:cxnSp>
+      <p:sp>
+        <p:nvSpPr>
+          <p:cNvPr id="59" name="Rectangle 58">
+            <a:extLst>
+              <a:ext uri="{FF2B5EF4-FFF2-40B4-BE49-F238E27FC236}">
+                <a16:creationId xmlns:a16="http://schemas.microsoft.com/office/drawing/2014/main" id="{892BE6B5-63A9-AFD4-BA14-46F97E62741A}"/>
+              </a:ext>
+            </a:extLst>
+          </p:cNvPr>
+          <p:cNvSpPr/>
+          <p:nvPr/>
+        </p:nvSpPr>
+        <p:spPr>
+          <a:xfrm>
+            <a:off x="256321" y="2778703"/>
+            <a:ext cx="848598" cy="666641"/>
+          </a:xfrm>
+          <a:prstGeom prst="rect">
+            <a:avLst/>
+          </a:prstGeom>
+          <a:solidFill>
+            <a:schemeClr val="bg1"/>
+          </a:solidFill>
+          <a:ln>
+            <a:noFill/>
+          </a:ln>
+        </p:spPr>
+        <p:style>
+          <a:lnRef idx="2">
+            <a:schemeClr val="accent1">
+              <a:shade val="15000"/>
+            </a:schemeClr>
+          </a:lnRef>
+          <a:fillRef idx="1">
+            <a:schemeClr val="accent1"/>
+          </a:fillRef>
+          <a:effectRef idx="0">
+            <a:schemeClr val="accent1"/>
+          </a:effectRef>
+          <a:fontRef idx="minor">
+            <a:schemeClr val="lt1"/>
+          </a:fontRef>
+        </p:style>
+        <p:txBody>
+          <a:bodyPr rtlCol="0" anchor="ctr"/>
+          <a:lstStyle/>
+          <a:p>
+            <a:pPr algn="ctr"/>
+            <a:r>
+              <a:rPr lang="en-KW" b="1" dirty="0">
+                <a:solidFill>
+                  <a:schemeClr val="tx1"/>
+                </a:solidFill>
+              </a:rPr>
+              <a:t>Step 1</a:t>
+            </a:r>
+          </a:p>
+        </p:txBody>
+      </p:sp>
+      <p:sp>
+        <p:nvSpPr>
+          <p:cNvPr id="60" name="Rectangle 59">
+            <a:extLst>
+              <a:ext uri="{FF2B5EF4-FFF2-40B4-BE49-F238E27FC236}">
+                <a16:creationId xmlns:a16="http://schemas.microsoft.com/office/drawing/2014/main" id="{5AEE14EF-AC1B-EDC1-922D-AACB05E38645}"/>
+              </a:ext>
+            </a:extLst>
+          </p:cNvPr>
+          <p:cNvSpPr/>
+          <p:nvPr/>
+        </p:nvSpPr>
+        <p:spPr>
+          <a:xfrm>
+            <a:off x="256321" y="3972990"/>
+            <a:ext cx="848598" cy="666641"/>
+          </a:xfrm>
+          <a:prstGeom prst="rect">
+            <a:avLst/>
+          </a:prstGeom>
+          <a:solidFill>
+            <a:schemeClr val="bg1"/>
+          </a:solidFill>
+          <a:ln>
+            <a:noFill/>
+          </a:ln>
+        </p:spPr>
+        <p:style>
+          <a:lnRef idx="2">
+            <a:schemeClr val="accent1">
+              <a:shade val="15000"/>
+            </a:schemeClr>
+          </a:lnRef>
+          <a:fillRef idx="1">
+            <a:schemeClr val="accent1"/>
+          </a:fillRef>
+          <a:effectRef idx="0">
+            <a:schemeClr val="accent1"/>
+          </a:effectRef>
+          <a:fontRef idx="minor">
+            <a:schemeClr val="lt1"/>
+          </a:fontRef>
+        </p:style>
+        <p:txBody>
+          <a:bodyPr rtlCol="0" anchor="ctr"/>
+          <a:lstStyle/>
+          <a:p>
+            <a:pPr algn="ctr"/>
+            <a:r>
+              <a:rPr lang="en-KW" b="1" dirty="0">
+                <a:solidFill>
+                  <a:schemeClr val="tx1"/>
+                </a:solidFill>
+              </a:rPr>
+              <a:t>Step 2</a:t>
+            </a:r>
+          </a:p>
+        </p:txBody>
+      </p:sp>
+      <p:sp>
+        <p:nvSpPr>
+          <p:cNvPr id="61" name="Rectangle 60">
+            <a:extLst>
+              <a:ext uri="{FF2B5EF4-FFF2-40B4-BE49-F238E27FC236}">
+                <a16:creationId xmlns:a16="http://schemas.microsoft.com/office/drawing/2014/main" id="{4EF64234-1D45-BD22-46D7-470946A0562F}"/>
+              </a:ext>
+            </a:extLst>
+          </p:cNvPr>
+          <p:cNvSpPr/>
+          <p:nvPr/>
+        </p:nvSpPr>
+        <p:spPr>
+          <a:xfrm>
+            <a:off x="256321" y="5392864"/>
+            <a:ext cx="848598" cy="666641"/>
+          </a:xfrm>
+          <a:prstGeom prst="rect">
+            <a:avLst/>
+          </a:prstGeom>
+          <a:solidFill>
+            <a:schemeClr val="bg1"/>
+          </a:solidFill>
+          <a:ln>
+            <a:noFill/>
+          </a:ln>
+        </p:spPr>
+        <p:style>
+          <a:lnRef idx="2">
+            <a:schemeClr val="accent1">
+              <a:shade val="15000"/>
+            </a:schemeClr>
+          </a:lnRef>
+          <a:fillRef idx="1">
+            <a:schemeClr val="accent1"/>
+          </a:fillRef>
+          <a:effectRef idx="0">
+            <a:schemeClr val="accent1"/>
+          </a:effectRef>
+          <a:fontRef idx="minor">
+            <a:schemeClr val="lt1"/>
+          </a:fontRef>
+        </p:style>
+        <p:txBody>
+          <a:bodyPr rtlCol="0" anchor="ctr"/>
+          <a:lstStyle/>
+          <a:p>
+            <a:pPr algn="ctr"/>
+            <a:r>
+              <a:rPr lang="en-KW" b="1" dirty="0">
+                <a:solidFill>
+                  <a:schemeClr val="tx1"/>
+                </a:solidFill>
+              </a:rPr>
+              <a:t>Step 3</a:t>
+            </a:r>
+          </a:p>
+        </p:txBody>
+      </p:sp>
+      <p:sp>
+        <p:nvSpPr>
+          <p:cNvPr id="62" name="Rectangle 61">
+            <a:extLst>
+              <a:ext uri="{FF2B5EF4-FFF2-40B4-BE49-F238E27FC236}">
+                <a16:creationId xmlns:a16="http://schemas.microsoft.com/office/drawing/2014/main" id="{6C400375-BD3E-D1F4-0DF6-B8B7AB46FA9C}"/>
+              </a:ext>
+            </a:extLst>
+          </p:cNvPr>
+          <p:cNvSpPr/>
+          <p:nvPr/>
+        </p:nvSpPr>
+        <p:spPr>
+          <a:xfrm>
+            <a:off x="3723421" y="6074385"/>
+            <a:ext cx="2306797" cy="666641"/>
+          </a:xfrm>
+          <a:prstGeom prst="rect">
+            <a:avLst/>
+          </a:prstGeom>
+          <a:solidFill>
+            <a:srgbClr val="7030A0"/>
+          </a:solidFill>
+          <a:ln>
+            <a:noFill/>
+          </a:ln>
+        </p:spPr>
+        <p:style>
+          <a:lnRef idx="2">
+            <a:schemeClr val="accent1">
+              <a:shade val="15000"/>
+            </a:schemeClr>
+          </a:lnRef>
+          <a:fillRef idx="1">
+            <a:schemeClr val="accent1"/>
+          </a:fillRef>
+          <a:effectRef idx="0">
+            <a:schemeClr val="accent1"/>
+          </a:effectRef>
+          <a:fontRef idx="minor">
+            <a:schemeClr val="lt1"/>
+          </a:fontRef>
+        </p:style>
+        <p:txBody>
+          <a:bodyPr rtlCol="0" anchor="ctr"/>
+          <a:lstStyle/>
+          <a:p>
+            <a:pPr algn="ctr"/>
+            <a:r>
+              <a:rPr lang="en-KW" sz="2000" b="1" dirty="0">
+                <a:solidFill>
+                  <a:srgbClr val="FFC000"/>
+                </a:solidFill>
+              </a:rPr>
+              <a:t>Best : F3 and F2</a:t>
+            </a:r>
+          </a:p>
+        </p:txBody>
+      </p:sp>
+      <p:sp>
+        <p:nvSpPr>
+          <p:cNvPr id="63" name="Rectangle 62">
+            <a:extLst>
+              <a:ext uri="{FF2B5EF4-FFF2-40B4-BE49-F238E27FC236}">
+                <a16:creationId xmlns:a16="http://schemas.microsoft.com/office/drawing/2014/main" id="{95D995CE-EEBE-4687-B159-DEA469D918D4}"/>
+              </a:ext>
+            </a:extLst>
+          </p:cNvPr>
+          <p:cNvSpPr/>
+          <p:nvPr/>
+        </p:nvSpPr>
+        <p:spPr>
+          <a:xfrm>
+            <a:off x="1049458" y="6059504"/>
+            <a:ext cx="2857513" cy="666641"/>
+          </a:xfrm>
+          <a:prstGeom prst="rect">
+            <a:avLst/>
+          </a:prstGeom>
+          <a:noFill/>
+          <a:ln>
+            <a:noFill/>
+          </a:ln>
+        </p:spPr>
+        <p:style>
+          <a:lnRef idx="2">
+            <a:schemeClr val="accent1">
+              <a:shade val="15000"/>
+            </a:schemeClr>
+          </a:lnRef>
+          <a:fillRef idx="1">
+            <a:schemeClr val="accent1"/>
+          </a:fillRef>
+          <a:effectRef idx="0">
+            <a:schemeClr val="accent1"/>
+          </a:effectRef>
+          <a:fontRef idx="minor">
+            <a:schemeClr val="lt1"/>
+          </a:fontRef>
+        </p:style>
+        <p:txBody>
+          <a:bodyPr rtlCol="0" anchor="ctr"/>
+          <a:lstStyle/>
+          <a:p>
+            <a:pPr algn="ctr"/>
+            <a:r>
+              <a:rPr lang="en-KW" b="1" dirty="0">
+                <a:solidFill>
+                  <a:srgbClr val="FF0000"/>
+                </a:solidFill>
+              </a:rPr>
+              <a:t>No feature improves sufficiently, STOP</a:t>
+            </a:r>
+          </a:p>
+        </p:txBody>
+      </p:sp>
     </p:spTree>
     <p:extLst>
       <p:ext uri="{BB962C8B-B14F-4D97-AF65-F5344CB8AC3E}">
-        <p14:creationId xmlns:p14="http://schemas.microsoft.com/office/powerpoint/2010/main" val="391694674"/>
+        <p14:creationId xmlns:p14="http://schemas.microsoft.com/office/powerpoint/2010/main" val="2128619605"/>
       </p:ext>
     </p:extLst>
   </p:cSld>
@@ -6522,7 +7053,7 @@
           <p:cNvPr id="2" name="Title 1">
             <a:extLst>
               <a:ext uri="{FF2B5EF4-FFF2-40B4-BE49-F238E27FC236}">
-                <a16:creationId xmlns:a16="http://schemas.microsoft.com/office/drawing/2014/main" id="{513647AB-3DFA-9AF3-E2F2-37B5B39173F7}"/>
+                <a16:creationId xmlns:a16="http://schemas.microsoft.com/office/drawing/2014/main" id="{ACE44C16-DC3F-5798-3C47-03C80B89CFB0}"/>
               </a:ext>
             </a:extLst>
           </p:cNvPr>
@@ -6540,7 +7071,7 @@
           <a:p>
             <a:r>
               <a:rPr lang="en-KW" dirty="0"/>
-              <a:t>Cautionary Note</a:t>
+              <a:t>Unifying Both Approaches</a:t>
             </a:r>
           </a:p>
         </p:txBody>
@@ -6550,7 +7081,7 @@
           <p:cNvPr id="3" name="Content Placeholder 2">
             <a:extLst>
               <a:ext uri="{FF2B5EF4-FFF2-40B4-BE49-F238E27FC236}">
-                <a16:creationId xmlns:a16="http://schemas.microsoft.com/office/drawing/2014/main" id="{9923D214-29D9-45B4-8DFC-D64924DA09B3}"/>
+                <a16:creationId xmlns:a16="http://schemas.microsoft.com/office/drawing/2014/main" id="{CF0B2DEE-041E-ACC7-C589-7CB3F9743AB9}"/>
               </a:ext>
             </a:extLst>
           </p:cNvPr>
@@ -6561,69 +7092,838 @@
             <p:ph idx="1"/>
           </p:nvPr>
         </p:nvSpPr>
-        <p:spPr/>
+        <p:spPr>
+          <a:xfrm>
+            <a:off x="838200" y="4488873"/>
+            <a:ext cx="10515600" cy="1688090"/>
+          </a:xfrm>
+        </p:spPr>
         <p:txBody>
           <a:bodyPr/>
           <a:lstStyle/>
           <a:p>
-            <a:pPr marL="0" indent="0">
-              <a:buNone/>
-            </a:pPr>
+            <a:r>
+              <a:rPr lang="en-KW" dirty="0"/>
+              <a:t>Brute Force would enumerate all possible candidates </a:t>
+            </a:r>
+          </a:p>
+          <a:p>
+            <a:r>
+              <a:rPr lang="en-KW" dirty="0"/>
+              <a:t>Greedy would select according to previous slide</a:t>
+            </a:r>
+          </a:p>
+          <a:p>
+            <a:endParaRPr lang="en-KW" dirty="0"/>
+          </a:p>
+        </p:txBody>
+      </p:sp>
+      <p:sp>
+        <p:nvSpPr>
+          <p:cNvPr id="34" name="Rectangle 33">
+            <a:extLst>
+              <a:ext uri="{FF2B5EF4-FFF2-40B4-BE49-F238E27FC236}">
+                <a16:creationId xmlns:a16="http://schemas.microsoft.com/office/drawing/2014/main" id="{8AD253F6-67EA-57B3-9384-D323D056D51C}"/>
+              </a:ext>
+            </a:extLst>
+          </p:cNvPr>
+          <p:cNvSpPr/>
+          <p:nvPr/>
+        </p:nvSpPr>
+        <p:spPr>
+          <a:xfrm>
+            <a:off x="5261909" y="2278825"/>
+            <a:ext cx="2034886" cy="697205"/>
+          </a:xfrm>
+          <a:prstGeom prst="rect">
+            <a:avLst/>
+          </a:prstGeom>
+          <a:solidFill>
+            <a:schemeClr val="bg1"/>
+          </a:solidFill>
+          <a:ln w="38100">
+            <a:solidFill>
+              <a:schemeClr val="tx1"/>
+            </a:solidFill>
+          </a:ln>
+        </p:spPr>
+        <p:style>
+          <a:lnRef idx="2">
+            <a:schemeClr val="accent1">
+              <a:shade val="15000"/>
+            </a:schemeClr>
+          </a:lnRef>
+          <a:fillRef idx="1">
+            <a:schemeClr val="accent1"/>
+          </a:fillRef>
+          <a:effectRef idx="0">
+            <a:schemeClr val="accent1"/>
+          </a:effectRef>
+          <a:fontRef idx="minor">
+            <a:schemeClr val="lt1"/>
+          </a:fontRef>
+        </p:style>
+        <p:txBody>
+          <a:bodyPr rtlCol="0" anchor="ctr"/>
+          <a:lstStyle/>
+          <a:p>
+            <a:pPr algn="ctr"/>
+            <a:r>
+              <a:rPr lang="en-KW" b="1" dirty="0">
+                <a:solidFill>
+                  <a:schemeClr val="tx1"/>
+                </a:solidFill>
+              </a:rPr>
+              <a:t>Evaluate</a:t>
+            </a:r>
+          </a:p>
+        </p:txBody>
+      </p:sp>
+      <p:sp>
+        <p:nvSpPr>
+          <p:cNvPr id="35" name="Diamond 34">
+            <a:extLst>
+              <a:ext uri="{FF2B5EF4-FFF2-40B4-BE49-F238E27FC236}">
+                <a16:creationId xmlns:a16="http://schemas.microsoft.com/office/drawing/2014/main" id="{3B5CA891-ECC5-33FF-E74A-BAD1D21C9333}"/>
+              </a:ext>
+            </a:extLst>
+          </p:cNvPr>
+          <p:cNvSpPr/>
+          <p:nvPr/>
+        </p:nvSpPr>
+        <p:spPr>
+          <a:xfrm>
+            <a:off x="7777667" y="2129992"/>
+            <a:ext cx="2802081" cy="993556"/>
+          </a:xfrm>
+          <a:prstGeom prst="diamond">
+            <a:avLst/>
+          </a:prstGeom>
+          <a:solidFill>
+            <a:schemeClr val="bg1"/>
+          </a:solidFill>
+          <a:ln w="28575">
+            <a:solidFill>
+              <a:schemeClr val="tx1"/>
+            </a:solidFill>
+          </a:ln>
+        </p:spPr>
+        <p:style>
+          <a:lnRef idx="2">
+            <a:schemeClr val="accent1">
+              <a:shade val="15000"/>
+            </a:schemeClr>
+          </a:lnRef>
+          <a:fillRef idx="1">
+            <a:schemeClr val="accent1"/>
+          </a:fillRef>
+          <a:effectRef idx="0">
+            <a:schemeClr val="accent1"/>
+          </a:effectRef>
+          <a:fontRef idx="minor">
+            <a:schemeClr val="lt1"/>
+          </a:fontRef>
+        </p:style>
+        <p:txBody>
+          <a:bodyPr rtlCol="0" anchor="ctr"/>
+          <a:lstStyle/>
+          <a:p>
+            <a:pPr algn="ctr"/>
+            <a:r>
+              <a:rPr lang="en-KW" b="1" dirty="0">
+                <a:solidFill>
+                  <a:schemeClr val="tx1"/>
+                </a:solidFill>
+              </a:rPr>
+              <a:t>New Best Score?</a:t>
+            </a:r>
+          </a:p>
+        </p:txBody>
+      </p:sp>
+      <p:sp>
+        <p:nvSpPr>
+          <p:cNvPr id="36" name="Rectangle 35">
+            <a:extLst>
+              <a:ext uri="{FF2B5EF4-FFF2-40B4-BE49-F238E27FC236}">
+                <a16:creationId xmlns:a16="http://schemas.microsoft.com/office/drawing/2014/main" id="{7AB7104E-52DB-DBEB-7735-F0944F909E9C}"/>
+              </a:ext>
+            </a:extLst>
+          </p:cNvPr>
+          <p:cNvSpPr/>
+          <p:nvPr/>
+        </p:nvSpPr>
+        <p:spPr>
+          <a:xfrm>
+            <a:off x="2173357" y="3463528"/>
+            <a:ext cx="1679863" cy="697204"/>
+          </a:xfrm>
+          <a:prstGeom prst="rect">
+            <a:avLst/>
+          </a:prstGeom>
+          <a:solidFill>
+            <a:schemeClr val="bg1"/>
+          </a:solidFill>
+          <a:ln w="28575">
+            <a:solidFill>
+              <a:schemeClr val="tx1"/>
+            </a:solidFill>
+          </a:ln>
+        </p:spPr>
+        <p:style>
+          <a:lnRef idx="2">
+            <a:schemeClr val="accent1">
+              <a:shade val="15000"/>
+            </a:schemeClr>
+          </a:lnRef>
+          <a:fillRef idx="1">
+            <a:schemeClr val="accent1"/>
+          </a:fillRef>
+          <a:effectRef idx="0">
+            <a:schemeClr val="accent1"/>
+          </a:effectRef>
+          <a:fontRef idx="minor">
+            <a:schemeClr val="lt1"/>
+          </a:fontRef>
+        </p:style>
+        <p:txBody>
+          <a:bodyPr rtlCol="0" anchor="ctr"/>
+          <a:lstStyle/>
+          <a:p>
+            <a:pPr algn="ctr"/>
             <a:r>
               <a:rPr lang="en-KW" dirty="0">
                 <a:solidFill>
-                  <a:srgbClr val="FF0000"/>
+                  <a:schemeClr val="tx1"/>
                 </a:solidFill>
               </a:rPr>
-              <a:t>In our exponentiated multivariate model, training will diverge </a:t>
-            </a:r>
-            <a:r>
-              <a:rPr lang="en-US" dirty="0">
+              <a:t>Stop</a:t>
+            </a:r>
+          </a:p>
+        </p:txBody>
+      </p:sp>
+      <p:sp>
+        <p:nvSpPr>
+          <p:cNvPr id="37" name="Diamond 36">
+            <a:extLst>
+              <a:ext uri="{FF2B5EF4-FFF2-40B4-BE49-F238E27FC236}">
+                <a16:creationId xmlns:a16="http://schemas.microsoft.com/office/drawing/2014/main" id="{C3B98F17-4736-7F3A-5429-E0A2A02EA979}"/>
+              </a:ext>
+            </a:extLst>
+          </p:cNvPr>
+          <p:cNvSpPr/>
+          <p:nvPr/>
+        </p:nvSpPr>
+        <p:spPr>
+          <a:xfrm>
+            <a:off x="1612249" y="2129991"/>
+            <a:ext cx="2802081" cy="993557"/>
+          </a:xfrm>
+          <a:prstGeom prst="diamond">
+            <a:avLst/>
+          </a:prstGeom>
+          <a:solidFill>
+            <a:srgbClr val="00B0F0"/>
+          </a:solidFill>
+          <a:ln w="28575">
+            <a:solidFill>
+              <a:schemeClr val="tx1"/>
+            </a:solidFill>
+          </a:ln>
+        </p:spPr>
+        <p:style>
+          <a:lnRef idx="2">
+            <a:schemeClr val="accent1">
+              <a:shade val="15000"/>
+            </a:schemeClr>
+          </a:lnRef>
+          <a:fillRef idx="1">
+            <a:schemeClr val="accent1"/>
+          </a:fillRef>
+          <a:effectRef idx="0">
+            <a:schemeClr val="accent1"/>
+          </a:effectRef>
+          <a:fontRef idx="minor">
+            <a:schemeClr val="lt1"/>
+          </a:fontRef>
+        </p:style>
+        <p:txBody>
+          <a:bodyPr rtlCol="0" anchor="ctr"/>
+          <a:lstStyle/>
+          <a:p>
+            <a:pPr algn="ctr"/>
+            <a:r>
+              <a:rPr lang="en-KW" b="1" dirty="0">
                 <a:solidFill>
-                  <a:srgbClr val="FF0000"/>
+                  <a:schemeClr val="tx1"/>
                 </a:solidFill>
               </a:rPr>
-              <a:t>if we just z-score the inputs</a:t>
-            </a:r>
-          </a:p>
-          <a:p>
-            <a:pPr marL="0" indent="0">
-              <a:buNone/>
-            </a:pPr>
-            <a:endParaRPr lang="en-US" dirty="0">
-              <a:solidFill>
-                <a:srgbClr val="FF0000"/>
-              </a:solidFill>
-            </a:endParaRPr>
-          </a:p>
-          <a:p>
-            <a:r>
-              <a:rPr lang="en-US" dirty="0"/>
-              <a:t>This is because the gradient involves an exponential function which quickly blows up</a:t>
-            </a:r>
-          </a:p>
-          <a:p>
-            <a:r>
-              <a:rPr lang="en-US" dirty="0"/>
-              <a:t>Small learning rates won’t fix it as they don’t converge quickly</a:t>
-            </a:r>
-          </a:p>
-          <a:p>
-            <a:r>
-              <a:rPr lang="en-US" dirty="0">
+              <a:t>Next candidate?</a:t>
+            </a:r>
+          </a:p>
+        </p:txBody>
+      </p:sp>
+      <p:cxnSp>
+        <p:nvCxnSpPr>
+          <p:cNvPr id="38" name="Straight Arrow Connector 37">
+            <a:extLst>
+              <a:ext uri="{FF2B5EF4-FFF2-40B4-BE49-F238E27FC236}">
+                <a16:creationId xmlns:a16="http://schemas.microsoft.com/office/drawing/2014/main" id="{859D6E78-3906-CEF2-3BD6-92768E9D2CE8}"/>
+              </a:ext>
+            </a:extLst>
+          </p:cNvPr>
+          <p:cNvCxnSpPr>
+            <a:cxnSpLocks/>
+            <a:stCxn id="37" idx="3"/>
+            <a:endCxn id="34" idx="1"/>
+          </p:cNvCxnSpPr>
+          <p:nvPr/>
+        </p:nvCxnSpPr>
+        <p:spPr>
+          <a:xfrm>
+            <a:off x="4414330" y="2626770"/>
+            <a:ext cx="847579" cy="658"/>
+          </a:xfrm>
+          <a:prstGeom prst="straightConnector1">
+            <a:avLst/>
+          </a:prstGeom>
+          <a:ln w="38100">
+            <a:solidFill>
+              <a:schemeClr val="tx1"/>
+            </a:solidFill>
+            <a:tailEnd type="triangle"/>
+          </a:ln>
+        </p:spPr>
+        <p:style>
+          <a:lnRef idx="2">
+            <a:schemeClr val="accent1"/>
+          </a:lnRef>
+          <a:fillRef idx="0">
+            <a:schemeClr val="accent1"/>
+          </a:fillRef>
+          <a:effectRef idx="1">
+            <a:schemeClr val="accent1"/>
+          </a:effectRef>
+          <a:fontRef idx="minor">
+            <a:schemeClr val="tx1"/>
+          </a:fontRef>
+        </p:style>
+      </p:cxnSp>
+      <p:cxnSp>
+        <p:nvCxnSpPr>
+          <p:cNvPr id="39" name="Straight Arrow Connector 38">
+            <a:extLst>
+              <a:ext uri="{FF2B5EF4-FFF2-40B4-BE49-F238E27FC236}">
+                <a16:creationId xmlns:a16="http://schemas.microsoft.com/office/drawing/2014/main" id="{FD9492AA-3C07-8651-EB85-44DD4F4E3C1F}"/>
+              </a:ext>
+            </a:extLst>
+          </p:cNvPr>
+          <p:cNvCxnSpPr>
+            <a:cxnSpLocks/>
+            <a:stCxn id="34" idx="3"/>
+            <a:endCxn id="35" idx="1"/>
+          </p:cNvCxnSpPr>
+          <p:nvPr/>
+        </p:nvCxnSpPr>
+        <p:spPr>
+          <a:xfrm flipV="1">
+            <a:off x="7296795" y="2626770"/>
+            <a:ext cx="480872" cy="658"/>
+          </a:xfrm>
+          <a:prstGeom prst="straightConnector1">
+            <a:avLst/>
+          </a:prstGeom>
+          <a:ln w="38100">
+            <a:solidFill>
+              <a:schemeClr val="tx1"/>
+            </a:solidFill>
+            <a:tailEnd type="triangle"/>
+          </a:ln>
+        </p:spPr>
+        <p:style>
+          <a:lnRef idx="2">
+            <a:schemeClr val="accent1"/>
+          </a:lnRef>
+          <a:fillRef idx="0">
+            <a:schemeClr val="accent1"/>
+          </a:fillRef>
+          <a:effectRef idx="1">
+            <a:schemeClr val="accent1"/>
+          </a:effectRef>
+          <a:fontRef idx="minor">
+            <a:schemeClr val="tx1"/>
+          </a:fontRef>
+        </p:style>
+      </p:cxnSp>
+      <p:cxnSp>
+        <p:nvCxnSpPr>
+          <p:cNvPr id="40" name="Straight Arrow Connector 18">
+            <a:extLst>
+              <a:ext uri="{FF2B5EF4-FFF2-40B4-BE49-F238E27FC236}">
+                <a16:creationId xmlns:a16="http://schemas.microsoft.com/office/drawing/2014/main" id="{025C1614-F83F-D98C-1AEF-5D7CE541EF81}"/>
+              </a:ext>
+            </a:extLst>
+          </p:cNvPr>
+          <p:cNvCxnSpPr>
+            <a:cxnSpLocks/>
+            <a:stCxn id="35" idx="2"/>
+            <a:endCxn id="42" idx="3"/>
+          </p:cNvCxnSpPr>
+          <p:nvPr/>
+        </p:nvCxnSpPr>
+        <p:spPr>
+          <a:xfrm rot="5400000">
+            <a:off x="7988909" y="2431433"/>
+            <a:ext cx="497684" cy="1881914"/>
+          </a:xfrm>
+          <a:prstGeom prst="bentConnector2">
+            <a:avLst/>
+          </a:prstGeom>
+          <a:ln w="38100">
+            <a:solidFill>
+              <a:schemeClr val="tx1"/>
+            </a:solidFill>
+            <a:tailEnd type="triangle"/>
+          </a:ln>
+        </p:spPr>
+        <p:style>
+          <a:lnRef idx="2">
+            <a:schemeClr val="accent1"/>
+          </a:lnRef>
+          <a:fillRef idx="0">
+            <a:schemeClr val="accent1"/>
+          </a:fillRef>
+          <a:effectRef idx="1">
+            <a:schemeClr val="accent1"/>
+          </a:effectRef>
+          <a:fontRef idx="minor">
+            <a:schemeClr val="tx1"/>
+          </a:fontRef>
+        </p:style>
+      </p:cxnSp>
+      <p:cxnSp>
+        <p:nvCxnSpPr>
+          <p:cNvPr id="41" name="Straight Arrow Connector 18">
+            <a:extLst>
+              <a:ext uri="{FF2B5EF4-FFF2-40B4-BE49-F238E27FC236}">
+                <a16:creationId xmlns:a16="http://schemas.microsoft.com/office/drawing/2014/main" id="{D0701A0E-5C02-74EB-D18B-224C096734C0}"/>
+              </a:ext>
+            </a:extLst>
+          </p:cNvPr>
+          <p:cNvCxnSpPr>
+            <a:cxnSpLocks/>
+            <a:stCxn id="35" idx="0"/>
+            <a:endCxn id="37" idx="0"/>
+          </p:cNvCxnSpPr>
+          <p:nvPr/>
+        </p:nvCxnSpPr>
+        <p:spPr>
+          <a:xfrm rot="16200000" flipV="1">
+            <a:off x="6095999" y="-952717"/>
+            <a:ext cx="1" cy="6165418"/>
+          </a:xfrm>
+          <a:prstGeom prst="bentConnector3">
+            <a:avLst>
+              <a:gd name="adj1" fmla="val 22860100000"/>
+            </a:avLst>
+          </a:prstGeom>
+          <a:ln w="38100">
+            <a:solidFill>
+              <a:schemeClr val="tx1"/>
+            </a:solidFill>
+            <a:tailEnd type="triangle"/>
+          </a:ln>
+        </p:spPr>
+        <p:style>
+          <a:lnRef idx="2">
+            <a:schemeClr val="accent1"/>
+          </a:lnRef>
+          <a:fillRef idx="0">
+            <a:schemeClr val="accent1"/>
+          </a:fillRef>
+          <a:effectRef idx="1">
+            <a:schemeClr val="accent1"/>
+          </a:effectRef>
+          <a:fontRef idx="minor">
+            <a:schemeClr val="tx1"/>
+          </a:fontRef>
+        </p:style>
+      </p:cxnSp>
+      <p:sp>
+        <p:nvSpPr>
+          <p:cNvPr id="42" name="Rectangle 41">
+            <a:extLst>
+              <a:ext uri="{FF2B5EF4-FFF2-40B4-BE49-F238E27FC236}">
+                <a16:creationId xmlns:a16="http://schemas.microsoft.com/office/drawing/2014/main" id="{93886828-C9A0-BB0D-AD58-1225796E6A27}"/>
+              </a:ext>
+            </a:extLst>
+          </p:cNvPr>
+          <p:cNvSpPr/>
+          <p:nvPr/>
+        </p:nvSpPr>
+        <p:spPr>
+          <a:xfrm>
+            <a:off x="5261909" y="3272630"/>
+            <a:ext cx="2034885" cy="697204"/>
+          </a:xfrm>
+          <a:prstGeom prst="rect">
+            <a:avLst/>
+          </a:prstGeom>
+          <a:solidFill>
+            <a:schemeClr val="bg1"/>
+          </a:solidFill>
+          <a:ln w="38100">
+            <a:solidFill>
+              <a:schemeClr val="tx1"/>
+            </a:solidFill>
+          </a:ln>
+        </p:spPr>
+        <p:style>
+          <a:lnRef idx="2">
+            <a:schemeClr val="accent1">
+              <a:shade val="15000"/>
+            </a:schemeClr>
+          </a:lnRef>
+          <a:fillRef idx="1">
+            <a:schemeClr val="accent1"/>
+          </a:fillRef>
+          <a:effectRef idx="0">
+            <a:schemeClr val="accent1"/>
+          </a:effectRef>
+          <a:fontRef idx="minor">
+            <a:schemeClr val="lt1"/>
+          </a:fontRef>
+        </p:style>
+        <p:txBody>
+          <a:bodyPr rtlCol="0" anchor="ctr"/>
+          <a:lstStyle/>
+          <a:p>
+            <a:pPr algn="ctr"/>
+            <a:r>
+              <a:rPr lang="en-KW" b="1" dirty="0">
                 <a:solidFill>
-                  <a:srgbClr val="00B0F0"/>
+                  <a:schemeClr val="tx1"/>
                 </a:solidFill>
               </a:rPr>
-              <a:t>Solution: </a:t>
-            </a:r>
-            <a:r>
-              <a:rPr lang="en-US" dirty="0"/>
-              <a:t>scale the inputs to have 0.1 standard deviation</a:t>
-            </a:r>
-            <a:r>
-              <a:rPr lang="en-KW" dirty="0"/>
-              <a:t> </a:t>
+              <a:t>Set Feature Set as New Best</a:t>
+            </a:r>
+          </a:p>
+        </p:txBody>
+      </p:sp>
+      <p:cxnSp>
+        <p:nvCxnSpPr>
+          <p:cNvPr id="43" name="Straight Arrow Connector 18">
+            <a:extLst>
+              <a:ext uri="{FF2B5EF4-FFF2-40B4-BE49-F238E27FC236}">
+                <a16:creationId xmlns:a16="http://schemas.microsoft.com/office/drawing/2014/main" id="{6826C64B-C07F-92C4-23C8-C311A3C83AD0}"/>
+              </a:ext>
+            </a:extLst>
+          </p:cNvPr>
+          <p:cNvCxnSpPr>
+            <a:cxnSpLocks/>
+            <a:stCxn id="42" idx="1"/>
+          </p:cNvCxnSpPr>
+          <p:nvPr/>
+        </p:nvCxnSpPr>
+        <p:spPr>
+          <a:xfrm rot="10800000">
+            <a:off x="4781043" y="1929662"/>
+            <a:ext cx="480866" cy="1691570"/>
+          </a:xfrm>
+          <a:prstGeom prst="bentConnector2">
+            <a:avLst/>
+          </a:prstGeom>
+          <a:ln w="38100">
+            <a:solidFill>
+              <a:schemeClr val="tx1"/>
+            </a:solidFill>
+            <a:tailEnd type="triangle"/>
+          </a:ln>
+        </p:spPr>
+        <p:style>
+          <a:lnRef idx="2">
+            <a:schemeClr val="accent1"/>
+          </a:lnRef>
+          <a:fillRef idx="0">
+            <a:schemeClr val="accent1"/>
+          </a:fillRef>
+          <a:effectRef idx="1">
+            <a:schemeClr val="accent1"/>
+          </a:effectRef>
+          <a:fontRef idx="minor">
+            <a:schemeClr val="tx1"/>
+          </a:fontRef>
+        </p:style>
+      </p:cxnSp>
+      <p:cxnSp>
+        <p:nvCxnSpPr>
+          <p:cNvPr id="44" name="Straight Arrow Connector 43">
+            <a:extLst>
+              <a:ext uri="{FF2B5EF4-FFF2-40B4-BE49-F238E27FC236}">
+                <a16:creationId xmlns:a16="http://schemas.microsoft.com/office/drawing/2014/main" id="{B008A0CD-3EFE-8D3E-35A7-F9BBAEF9B0B2}"/>
+              </a:ext>
+            </a:extLst>
+          </p:cNvPr>
+          <p:cNvCxnSpPr>
+            <a:cxnSpLocks/>
+            <a:stCxn id="37" idx="2"/>
+            <a:endCxn id="36" idx="0"/>
+          </p:cNvCxnSpPr>
+          <p:nvPr/>
+        </p:nvCxnSpPr>
+        <p:spPr>
+          <a:xfrm flipH="1">
+            <a:off x="3013289" y="3123548"/>
+            <a:ext cx="1" cy="339980"/>
+          </a:xfrm>
+          <a:prstGeom prst="straightConnector1">
+            <a:avLst/>
+          </a:prstGeom>
+          <a:ln w="38100">
+            <a:solidFill>
+              <a:schemeClr val="tx1"/>
+            </a:solidFill>
+            <a:tailEnd type="triangle"/>
+          </a:ln>
+        </p:spPr>
+        <p:style>
+          <a:lnRef idx="2">
+            <a:schemeClr val="accent1"/>
+          </a:lnRef>
+          <a:fillRef idx="0">
+            <a:schemeClr val="accent1"/>
+          </a:fillRef>
+          <a:effectRef idx="1">
+            <a:schemeClr val="accent1"/>
+          </a:effectRef>
+          <a:fontRef idx="minor">
+            <a:schemeClr val="tx1"/>
+          </a:fontRef>
+        </p:style>
+      </p:cxnSp>
+      <p:sp>
+        <p:nvSpPr>
+          <p:cNvPr id="45" name="Rectangle 44">
+            <a:extLst>
+              <a:ext uri="{FF2B5EF4-FFF2-40B4-BE49-F238E27FC236}">
+                <a16:creationId xmlns:a16="http://schemas.microsoft.com/office/drawing/2014/main" id="{CB72D75A-1813-A3B4-87C3-FF912922BD6F}"/>
+              </a:ext>
+            </a:extLst>
+          </p:cNvPr>
+          <p:cNvSpPr/>
+          <p:nvPr/>
+        </p:nvSpPr>
+        <p:spPr>
+          <a:xfrm>
+            <a:off x="8410637" y="3169010"/>
+            <a:ext cx="1094513" cy="589036"/>
+          </a:xfrm>
+          <a:prstGeom prst="rect">
+            <a:avLst/>
+          </a:prstGeom>
+          <a:noFill/>
+          <a:ln>
+            <a:noFill/>
+          </a:ln>
+        </p:spPr>
+        <p:style>
+          <a:lnRef idx="2">
+            <a:schemeClr val="accent1">
+              <a:shade val="15000"/>
+            </a:schemeClr>
+          </a:lnRef>
+          <a:fillRef idx="1">
+            <a:schemeClr val="accent1"/>
+          </a:fillRef>
+          <a:effectRef idx="0">
+            <a:schemeClr val="accent1"/>
+          </a:effectRef>
+          <a:fontRef idx="minor">
+            <a:schemeClr val="lt1"/>
+          </a:fontRef>
+        </p:style>
+        <p:txBody>
+          <a:bodyPr rtlCol="0" anchor="ctr"/>
+          <a:lstStyle/>
+          <a:p>
+            <a:pPr algn="ctr"/>
+            <a:r>
+              <a:rPr lang="en-KW" dirty="0">
+                <a:solidFill>
+                  <a:schemeClr val="tx1"/>
+                </a:solidFill>
+              </a:rPr>
+              <a:t>Yes</a:t>
+            </a:r>
+          </a:p>
+        </p:txBody>
+      </p:sp>
+      <p:sp>
+        <p:nvSpPr>
+          <p:cNvPr id="46" name="Rectangle 45">
+            <a:extLst>
+              <a:ext uri="{FF2B5EF4-FFF2-40B4-BE49-F238E27FC236}">
+                <a16:creationId xmlns:a16="http://schemas.microsoft.com/office/drawing/2014/main" id="{2D18A3D0-4151-8C2A-1BE1-1B79A6F131C7}"/>
+              </a:ext>
+            </a:extLst>
+          </p:cNvPr>
+          <p:cNvSpPr/>
+          <p:nvPr/>
+        </p:nvSpPr>
+        <p:spPr>
+          <a:xfrm>
+            <a:off x="8410638" y="1449366"/>
+            <a:ext cx="1094513" cy="589036"/>
+          </a:xfrm>
+          <a:prstGeom prst="rect">
+            <a:avLst/>
+          </a:prstGeom>
+          <a:noFill/>
+          <a:ln>
+            <a:noFill/>
+          </a:ln>
+        </p:spPr>
+        <p:style>
+          <a:lnRef idx="2">
+            <a:schemeClr val="accent1">
+              <a:shade val="15000"/>
+            </a:schemeClr>
+          </a:lnRef>
+          <a:fillRef idx="1">
+            <a:schemeClr val="accent1"/>
+          </a:fillRef>
+          <a:effectRef idx="0">
+            <a:schemeClr val="accent1"/>
+          </a:effectRef>
+          <a:fontRef idx="minor">
+            <a:schemeClr val="lt1"/>
+          </a:fontRef>
+        </p:style>
+        <p:txBody>
+          <a:bodyPr rtlCol="0" anchor="ctr"/>
+          <a:lstStyle/>
+          <a:p>
+            <a:pPr algn="ctr"/>
+            <a:r>
+              <a:rPr lang="en-KW" dirty="0">
+                <a:solidFill>
+                  <a:schemeClr val="tx1"/>
+                </a:solidFill>
+              </a:rPr>
+              <a:t>No</a:t>
+            </a:r>
+          </a:p>
+        </p:txBody>
+      </p:sp>
+      <p:sp>
+        <p:nvSpPr>
+          <p:cNvPr id="47" name="Rectangle 46">
+            <a:extLst>
+              <a:ext uri="{FF2B5EF4-FFF2-40B4-BE49-F238E27FC236}">
+                <a16:creationId xmlns:a16="http://schemas.microsoft.com/office/drawing/2014/main" id="{296E21E5-C3AB-AAFB-4BB3-741BEC72EC35}"/>
+              </a:ext>
+            </a:extLst>
+          </p:cNvPr>
+          <p:cNvSpPr/>
+          <p:nvPr/>
+        </p:nvSpPr>
+        <p:spPr>
+          <a:xfrm>
+            <a:off x="1994246" y="2973966"/>
+            <a:ext cx="1094513" cy="589036"/>
+          </a:xfrm>
+          <a:prstGeom prst="rect">
+            <a:avLst/>
+          </a:prstGeom>
+          <a:noFill/>
+          <a:ln>
+            <a:noFill/>
+          </a:ln>
+        </p:spPr>
+        <p:style>
+          <a:lnRef idx="2">
+            <a:schemeClr val="accent1">
+              <a:shade val="15000"/>
+            </a:schemeClr>
+          </a:lnRef>
+          <a:fillRef idx="1">
+            <a:schemeClr val="accent1"/>
+          </a:fillRef>
+          <a:effectRef idx="0">
+            <a:schemeClr val="accent1"/>
+          </a:effectRef>
+          <a:fontRef idx="minor">
+            <a:schemeClr val="lt1"/>
+          </a:fontRef>
+        </p:style>
+        <p:txBody>
+          <a:bodyPr rtlCol="0" anchor="ctr"/>
+          <a:lstStyle/>
+          <a:p>
+            <a:pPr algn="ctr"/>
+            <a:r>
+              <a:rPr lang="en-KW" dirty="0">
+                <a:solidFill>
+                  <a:schemeClr val="tx1"/>
+                </a:solidFill>
+              </a:rPr>
+              <a:t>No</a:t>
+            </a:r>
+          </a:p>
+        </p:txBody>
+      </p:sp>
+      <p:sp>
+        <p:nvSpPr>
+          <p:cNvPr id="48" name="Rectangle 47">
+            <a:extLst>
+              <a:ext uri="{FF2B5EF4-FFF2-40B4-BE49-F238E27FC236}">
+                <a16:creationId xmlns:a16="http://schemas.microsoft.com/office/drawing/2014/main" id="{84C69D89-5203-BBA1-E3D4-9DBA7509EF32}"/>
+              </a:ext>
+            </a:extLst>
+          </p:cNvPr>
+          <p:cNvSpPr/>
+          <p:nvPr/>
+        </p:nvSpPr>
+        <p:spPr>
+          <a:xfrm>
+            <a:off x="3979931" y="2155977"/>
+            <a:ext cx="1094513" cy="589036"/>
+          </a:xfrm>
+          <a:prstGeom prst="rect">
+            <a:avLst/>
+          </a:prstGeom>
+          <a:noFill/>
+          <a:ln>
+            <a:noFill/>
+          </a:ln>
+        </p:spPr>
+        <p:style>
+          <a:lnRef idx="2">
+            <a:schemeClr val="accent1">
+              <a:shade val="15000"/>
+            </a:schemeClr>
+          </a:lnRef>
+          <a:fillRef idx="1">
+            <a:schemeClr val="accent1"/>
+          </a:fillRef>
+          <a:effectRef idx="0">
+            <a:schemeClr val="accent1"/>
+          </a:effectRef>
+          <a:fontRef idx="minor">
+            <a:schemeClr val="lt1"/>
+          </a:fontRef>
+        </p:style>
+        <p:txBody>
+          <a:bodyPr rtlCol="0" anchor="ctr"/>
+          <a:lstStyle/>
+          <a:p>
+            <a:pPr algn="ctr"/>
+            <a:r>
+              <a:rPr lang="en-KW" dirty="0">
+                <a:solidFill>
+                  <a:schemeClr val="tx1"/>
+                </a:solidFill>
+              </a:rPr>
+              <a:t>Yes</a:t>
             </a:r>
           </a:p>
         </p:txBody>
@@ -6631,7 +7931,7 @@
     </p:spTree>
     <p:extLst>
       <p:ext uri="{BB962C8B-B14F-4D97-AF65-F5344CB8AC3E}">
-        <p14:creationId xmlns:p14="http://schemas.microsoft.com/office/powerpoint/2010/main" val="3801740244"/>
+        <p14:creationId xmlns:p14="http://schemas.microsoft.com/office/powerpoint/2010/main" val="1514416271"/>
       </p:ext>
     </p:extLst>
   </p:cSld>
@@ -6642,6 +7942,1794 @@
 </file>
 
 <file path=ppt/slides/slide6.xml><?xml version="1.0" encoding="utf-8"?>
+<p:sld xmlns:a="http://schemas.openxmlformats.org/drawingml/2006/main" xmlns:r="http://schemas.openxmlformats.org/officeDocument/2006/relationships" xmlns:p="http://schemas.openxmlformats.org/presentationml/2006/main">
+  <p:cSld>
+    <p:spTree>
+      <p:nvGrpSpPr>
+        <p:cNvPr id="1" name="">
+          <a:extLst>
+            <a:ext uri="{FF2B5EF4-FFF2-40B4-BE49-F238E27FC236}">
+              <a16:creationId xmlns:a16="http://schemas.microsoft.com/office/drawing/2014/main" id="{613BA085-C9A7-D264-7B9F-1CE5B7B49049}"/>
+            </a:ext>
+          </a:extLst>
+        </p:cNvPr>
+        <p:cNvGrpSpPr/>
+        <p:nvPr/>
+      </p:nvGrpSpPr>
+      <p:grpSpPr>
+        <a:xfrm>
+          <a:off x="0" y="0"/>
+          <a:ext cx="0" cy="0"/>
+          <a:chOff x="0" y="0"/>
+          <a:chExt cx="0" cy="0"/>
+        </a:xfrm>
+      </p:grpSpPr>
+      <p:sp>
+        <p:nvSpPr>
+          <p:cNvPr id="2" name="Title 1">
+            <a:extLst>
+              <a:ext uri="{FF2B5EF4-FFF2-40B4-BE49-F238E27FC236}">
+                <a16:creationId xmlns:a16="http://schemas.microsoft.com/office/drawing/2014/main" id="{ACA99BF9-DB83-99C4-1698-4C6BCD46FBF8}"/>
+              </a:ext>
+            </a:extLst>
+          </p:cNvPr>
+          <p:cNvSpPr>
+            <a:spLocks noGrp="1"/>
+          </p:cNvSpPr>
+          <p:nvPr>
+            <p:ph type="title"/>
+          </p:nvPr>
+        </p:nvSpPr>
+        <p:spPr/>
+        <p:txBody>
+          <a:bodyPr/>
+          <a:lstStyle/>
+          <a:p>
+            <a:r>
+              <a:rPr lang="en-KW" dirty="0"/>
+              <a:t>But, How to Evaluate a Feature Set?</a:t>
+            </a:r>
+          </a:p>
+        </p:txBody>
+      </p:sp>
+      <p:sp>
+        <p:nvSpPr>
+          <p:cNvPr id="34" name="Rectangle 33">
+            <a:extLst>
+              <a:ext uri="{FF2B5EF4-FFF2-40B4-BE49-F238E27FC236}">
+                <a16:creationId xmlns:a16="http://schemas.microsoft.com/office/drawing/2014/main" id="{45D18363-2314-2700-8C59-6BDE4A271009}"/>
+              </a:ext>
+            </a:extLst>
+          </p:cNvPr>
+          <p:cNvSpPr/>
+          <p:nvPr/>
+        </p:nvSpPr>
+        <p:spPr>
+          <a:xfrm>
+            <a:off x="5261909" y="2278825"/>
+            <a:ext cx="2034886" cy="697205"/>
+          </a:xfrm>
+          <a:prstGeom prst="rect">
+            <a:avLst/>
+          </a:prstGeom>
+          <a:solidFill>
+            <a:srgbClr val="7030A0"/>
+          </a:solidFill>
+          <a:ln w="38100">
+            <a:solidFill>
+              <a:schemeClr val="tx1"/>
+            </a:solidFill>
+          </a:ln>
+        </p:spPr>
+        <p:style>
+          <a:lnRef idx="2">
+            <a:schemeClr val="accent1">
+              <a:shade val="15000"/>
+            </a:schemeClr>
+          </a:lnRef>
+          <a:fillRef idx="1">
+            <a:schemeClr val="accent1"/>
+          </a:fillRef>
+          <a:effectRef idx="0">
+            <a:schemeClr val="accent1"/>
+          </a:effectRef>
+          <a:fontRef idx="minor">
+            <a:schemeClr val="lt1"/>
+          </a:fontRef>
+        </p:style>
+        <p:txBody>
+          <a:bodyPr rtlCol="0" anchor="ctr"/>
+          <a:lstStyle/>
+          <a:p>
+            <a:pPr algn="ctr"/>
+            <a:r>
+              <a:rPr lang="en-KW" b="1" dirty="0">
+                <a:solidFill>
+                  <a:schemeClr val="bg1"/>
+                </a:solidFill>
+              </a:rPr>
+              <a:t>Get MSE from Cross Validation</a:t>
+            </a:r>
+          </a:p>
+        </p:txBody>
+      </p:sp>
+      <p:sp>
+        <p:nvSpPr>
+          <p:cNvPr id="35" name="Diamond 34">
+            <a:extLst>
+              <a:ext uri="{FF2B5EF4-FFF2-40B4-BE49-F238E27FC236}">
+                <a16:creationId xmlns:a16="http://schemas.microsoft.com/office/drawing/2014/main" id="{56BF3275-D055-2363-C522-6C4F89F463A9}"/>
+              </a:ext>
+            </a:extLst>
+          </p:cNvPr>
+          <p:cNvSpPr/>
+          <p:nvPr/>
+        </p:nvSpPr>
+        <p:spPr>
+          <a:xfrm>
+            <a:off x="7777667" y="2129992"/>
+            <a:ext cx="2802081" cy="993556"/>
+          </a:xfrm>
+          <a:prstGeom prst="diamond">
+            <a:avLst/>
+          </a:prstGeom>
+          <a:solidFill>
+            <a:schemeClr val="bg1"/>
+          </a:solidFill>
+          <a:ln w="28575">
+            <a:solidFill>
+              <a:schemeClr val="tx1"/>
+            </a:solidFill>
+          </a:ln>
+        </p:spPr>
+        <p:style>
+          <a:lnRef idx="2">
+            <a:schemeClr val="accent1">
+              <a:shade val="15000"/>
+            </a:schemeClr>
+          </a:lnRef>
+          <a:fillRef idx="1">
+            <a:schemeClr val="accent1"/>
+          </a:fillRef>
+          <a:effectRef idx="0">
+            <a:schemeClr val="accent1"/>
+          </a:effectRef>
+          <a:fontRef idx="minor">
+            <a:schemeClr val="lt1"/>
+          </a:fontRef>
+        </p:style>
+        <p:txBody>
+          <a:bodyPr rtlCol="0" anchor="ctr"/>
+          <a:lstStyle/>
+          <a:p>
+            <a:pPr algn="ctr"/>
+            <a:r>
+              <a:rPr lang="en-KW" b="1" dirty="0">
+                <a:solidFill>
+                  <a:schemeClr val="tx1"/>
+                </a:solidFill>
+              </a:rPr>
+              <a:t>New Best Score?</a:t>
+            </a:r>
+          </a:p>
+        </p:txBody>
+      </p:sp>
+      <p:sp>
+        <p:nvSpPr>
+          <p:cNvPr id="36" name="Rectangle 35">
+            <a:extLst>
+              <a:ext uri="{FF2B5EF4-FFF2-40B4-BE49-F238E27FC236}">
+                <a16:creationId xmlns:a16="http://schemas.microsoft.com/office/drawing/2014/main" id="{44ED23D3-442C-881F-4FF8-70CFA3F69A89}"/>
+              </a:ext>
+            </a:extLst>
+          </p:cNvPr>
+          <p:cNvSpPr/>
+          <p:nvPr/>
+        </p:nvSpPr>
+        <p:spPr>
+          <a:xfrm>
+            <a:off x="2173357" y="3463528"/>
+            <a:ext cx="1679863" cy="697204"/>
+          </a:xfrm>
+          <a:prstGeom prst="rect">
+            <a:avLst/>
+          </a:prstGeom>
+          <a:solidFill>
+            <a:schemeClr val="bg1"/>
+          </a:solidFill>
+          <a:ln w="28575">
+            <a:solidFill>
+              <a:schemeClr val="tx1"/>
+            </a:solidFill>
+          </a:ln>
+        </p:spPr>
+        <p:style>
+          <a:lnRef idx="2">
+            <a:schemeClr val="accent1">
+              <a:shade val="15000"/>
+            </a:schemeClr>
+          </a:lnRef>
+          <a:fillRef idx="1">
+            <a:schemeClr val="accent1"/>
+          </a:fillRef>
+          <a:effectRef idx="0">
+            <a:schemeClr val="accent1"/>
+          </a:effectRef>
+          <a:fontRef idx="minor">
+            <a:schemeClr val="lt1"/>
+          </a:fontRef>
+        </p:style>
+        <p:txBody>
+          <a:bodyPr rtlCol="0" anchor="ctr"/>
+          <a:lstStyle/>
+          <a:p>
+            <a:pPr algn="ctr"/>
+            <a:r>
+              <a:rPr lang="en-KW" dirty="0">
+                <a:solidFill>
+                  <a:schemeClr val="tx1"/>
+                </a:solidFill>
+              </a:rPr>
+              <a:t>Stop</a:t>
+            </a:r>
+          </a:p>
+        </p:txBody>
+      </p:sp>
+      <p:sp>
+        <p:nvSpPr>
+          <p:cNvPr id="37" name="Diamond 36">
+            <a:extLst>
+              <a:ext uri="{FF2B5EF4-FFF2-40B4-BE49-F238E27FC236}">
+                <a16:creationId xmlns:a16="http://schemas.microsoft.com/office/drawing/2014/main" id="{E6B96793-858E-AED4-9FAA-771F9C13EDE1}"/>
+              </a:ext>
+            </a:extLst>
+          </p:cNvPr>
+          <p:cNvSpPr/>
+          <p:nvPr/>
+        </p:nvSpPr>
+        <p:spPr>
+          <a:xfrm>
+            <a:off x="1612249" y="2129991"/>
+            <a:ext cx="2802081" cy="993557"/>
+          </a:xfrm>
+          <a:prstGeom prst="diamond">
+            <a:avLst/>
+          </a:prstGeom>
+          <a:solidFill>
+            <a:srgbClr val="00B0F0"/>
+          </a:solidFill>
+          <a:ln w="28575">
+            <a:solidFill>
+              <a:schemeClr val="tx1"/>
+            </a:solidFill>
+          </a:ln>
+        </p:spPr>
+        <p:style>
+          <a:lnRef idx="2">
+            <a:schemeClr val="accent1">
+              <a:shade val="15000"/>
+            </a:schemeClr>
+          </a:lnRef>
+          <a:fillRef idx="1">
+            <a:schemeClr val="accent1"/>
+          </a:fillRef>
+          <a:effectRef idx="0">
+            <a:schemeClr val="accent1"/>
+          </a:effectRef>
+          <a:fontRef idx="minor">
+            <a:schemeClr val="lt1"/>
+          </a:fontRef>
+        </p:style>
+        <p:txBody>
+          <a:bodyPr rtlCol="0" anchor="ctr"/>
+          <a:lstStyle/>
+          <a:p>
+            <a:pPr algn="ctr"/>
+            <a:r>
+              <a:rPr lang="en-KW" b="1" dirty="0">
+                <a:solidFill>
+                  <a:schemeClr val="tx1"/>
+                </a:solidFill>
+              </a:rPr>
+              <a:t>Next candidate?</a:t>
+            </a:r>
+          </a:p>
+        </p:txBody>
+      </p:sp>
+      <p:cxnSp>
+        <p:nvCxnSpPr>
+          <p:cNvPr id="38" name="Straight Arrow Connector 37">
+            <a:extLst>
+              <a:ext uri="{FF2B5EF4-FFF2-40B4-BE49-F238E27FC236}">
+                <a16:creationId xmlns:a16="http://schemas.microsoft.com/office/drawing/2014/main" id="{A2773232-F02E-647C-7CC9-1628B5EAE48A}"/>
+              </a:ext>
+            </a:extLst>
+          </p:cNvPr>
+          <p:cNvCxnSpPr>
+            <a:cxnSpLocks/>
+            <a:stCxn id="37" idx="3"/>
+            <a:endCxn id="34" idx="1"/>
+          </p:cNvCxnSpPr>
+          <p:nvPr/>
+        </p:nvCxnSpPr>
+        <p:spPr>
+          <a:xfrm>
+            <a:off x="4414330" y="2626770"/>
+            <a:ext cx="847579" cy="658"/>
+          </a:xfrm>
+          <a:prstGeom prst="straightConnector1">
+            <a:avLst/>
+          </a:prstGeom>
+          <a:ln w="38100">
+            <a:solidFill>
+              <a:schemeClr val="tx1"/>
+            </a:solidFill>
+            <a:tailEnd type="triangle"/>
+          </a:ln>
+        </p:spPr>
+        <p:style>
+          <a:lnRef idx="2">
+            <a:schemeClr val="accent1"/>
+          </a:lnRef>
+          <a:fillRef idx="0">
+            <a:schemeClr val="accent1"/>
+          </a:fillRef>
+          <a:effectRef idx="1">
+            <a:schemeClr val="accent1"/>
+          </a:effectRef>
+          <a:fontRef idx="minor">
+            <a:schemeClr val="tx1"/>
+          </a:fontRef>
+        </p:style>
+      </p:cxnSp>
+      <p:cxnSp>
+        <p:nvCxnSpPr>
+          <p:cNvPr id="39" name="Straight Arrow Connector 38">
+            <a:extLst>
+              <a:ext uri="{FF2B5EF4-FFF2-40B4-BE49-F238E27FC236}">
+                <a16:creationId xmlns:a16="http://schemas.microsoft.com/office/drawing/2014/main" id="{C92DCA7E-5F7C-8A10-81EA-92053ADF8CFC}"/>
+              </a:ext>
+            </a:extLst>
+          </p:cNvPr>
+          <p:cNvCxnSpPr>
+            <a:cxnSpLocks/>
+            <a:stCxn id="34" idx="3"/>
+            <a:endCxn id="35" idx="1"/>
+          </p:cNvCxnSpPr>
+          <p:nvPr/>
+        </p:nvCxnSpPr>
+        <p:spPr>
+          <a:xfrm flipV="1">
+            <a:off x="7296795" y="2626770"/>
+            <a:ext cx="480872" cy="658"/>
+          </a:xfrm>
+          <a:prstGeom prst="straightConnector1">
+            <a:avLst/>
+          </a:prstGeom>
+          <a:ln w="38100">
+            <a:solidFill>
+              <a:schemeClr val="tx1"/>
+            </a:solidFill>
+            <a:tailEnd type="triangle"/>
+          </a:ln>
+        </p:spPr>
+        <p:style>
+          <a:lnRef idx="2">
+            <a:schemeClr val="accent1"/>
+          </a:lnRef>
+          <a:fillRef idx="0">
+            <a:schemeClr val="accent1"/>
+          </a:fillRef>
+          <a:effectRef idx="1">
+            <a:schemeClr val="accent1"/>
+          </a:effectRef>
+          <a:fontRef idx="minor">
+            <a:schemeClr val="tx1"/>
+          </a:fontRef>
+        </p:style>
+      </p:cxnSp>
+      <p:cxnSp>
+        <p:nvCxnSpPr>
+          <p:cNvPr id="40" name="Straight Arrow Connector 18">
+            <a:extLst>
+              <a:ext uri="{FF2B5EF4-FFF2-40B4-BE49-F238E27FC236}">
+                <a16:creationId xmlns:a16="http://schemas.microsoft.com/office/drawing/2014/main" id="{1FC8C91C-6B79-C6A0-66DE-CECB2D96C858}"/>
+              </a:ext>
+            </a:extLst>
+          </p:cNvPr>
+          <p:cNvCxnSpPr>
+            <a:cxnSpLocks/>
+            <a:stCxn id="35" idx="2"/>
+            <a:endCxn id="42" idx="3"/>
+          </p:cNvCxnSpPr>
+          <p:nvPr/>
+        </p:nvCxnSpPr>
+        <p:spPr>
+          <a:xfrm rot="5400000">
+            <a:off x="7988909" y="2431433"/>
+            <a:ext cx="497684" cy="1881914"/>
+          </a:xfrm>
+          <a:prstGeom prst="bentConnector2">
+            <a:avLst/>
+          </a:prstGeom>
+          <a:ln w="38100">
+            <a:solidFill>
+              <a:schemeClr val="tx1"/>
+            </a:solidFill>
+            <a:tailEnd type="triangle"/>
+          </a:ln>
+        </p:spPr>
+        <p:style>
+          <a:lnRef idx="2">
+            <a:schemeClr val="accent1"/>
+          </a:lnRef>
+          <a:fillRef idx="0">
+            <a:schemeClr val="accent1"/>
+          </a:fillRef>
+          <a:effectRef idx="1">
+            <a:schemeClr val="accent1"/>
+          </a:effectRef>
+          <a:fontRef idx="minor">
+            <a:schemeClr val="tx1"/>
+          </a:fontRef>
+        </p:style>
+      </p:cxnSp>
+      <p:cxnSp>
+        <p:nvCxnSpPr>
+          <p:cNvPr id="41" name="Straight Arrow Connector 18">
+            <a:extLst>
+              <a:ext uri="{FF2B5EF4-FFF2-40B4-BE49-F238E27FC236}">
+                <a16:creationId xmlns:a16="http://schemas.microsoft.com/office/drawing/2014/main" id="{67CEE997-6479-8CD0-335C-86D77616F4BF}"/>
+              </a:ext>
+            </a:extLst>
+          </p:cNvPr>
+          <p:cNvCxnSpPr>
+            <a:cxnSpLocks/>
+            <a:stCxn id="35" idx="0"/>
+            <a:endCxn id="37" idx="0"/>
+          </p:cNvCxnSpPr>
+          <p:nvPr/>
+        </p:nvCxnSpPr>
+        <p:spPr>
+          <a:xfrm rot="16200000" flipV="1">
+            <a:off x="6095999" y="-952717"/>
+            <a:ext cx="1" cy="6165418"/>
+          </a:xfrm>
+          <a:prstGeom prst="bentConnector3">
+            <a:avLst>
+              <a:gd name="adj1" fmla="val 22860100000"/>
+            </a:avLst>
+          </a:prstGeom>
+          <a:ln w="38100">
+            <a:solidFill>
+              <a:schemeClr val="tx1"/>
+            </a:solidFill>
+            <a:tailEnd type="triangle"/>
+          </a:ln>
+        </p:spPr>
+        <p:style>
+          <a:lnRef idx="2">
+            <a:schemeClr val="accent1"/>
+          </a:lnRef>
+          <a:fillRef idx="0">
+            <a:schemeClr val="accent1"/>
+          </a:fillRef>
+          <a:effectRef idx="1">
+            <a:schemeClr val="accent1"/>
+          </a:effectRef>
+          <a:fontRef idx="minor">
+            <a:schemeClr val="tx1"/>
+          </a:fontRef>
+        </p:style>
+      </p:cxnSp>
+      <p:sp>
+        <p:nvSpPr>
+          <p:cNvPr id="42" name="Rectangle 41">
+            <a:extLst>
+              <a:ext uri="{FF2B5EF4-FFF2-40B4-BE49-F238E27FC236}">
+                <a16:creationId xmlns:a16="http://schemas.microsoft.com/office/drawing/2014/main" id="{8A1BAB5E-F5DC-5BF3-E44B-F284C0D94E1C}"/>
+              </a:ext>
+            </a:extLst>
+          </p:cNvPr>
+          <p:cNvSpPr/>
+          <p:nvPr/>
+        </p:nvSpPr>
+        <p:spPr>
+          <a:xfrm>
+            <a:off x="5261909" y="3272630"/>
+            <a:ext cx="2034885" cy="697204"/>
+          </a:xfrm>
+          <a:prstGeom prst="rect">
+            <a:avLst/>
+          </a:prstGeom>
+          <a:solidFill>
+            <a:schemeClr val="bg1"/>
+          </a:solidFill>
+          <a:ln w="38100">
+            <a:solidFill>
+              <a:schemeClr val="tx1"/>
+            </a:solidFill>
+          </a:ln>
+        </p:spPr>
+        <p:style>
+          <a:lnRef idx="2">
+            <a:schemeClr val="accent1">
+              <a:shade val="15000"/>
+            </a:schemeClr>
+          </a:lnRef>
+          <a:fillRef idx="1">
+            <a:schemeClr val="accent1"/>
+          </a:fillRef>
+          <a:effectRef idx="0">
+            <a:schemeClr val="accent1"/>
+          </a:effectRef>
+          <a:fontRef idx="minor">
+            <a:schemeClr val="lt1"/>
+          </a:fontRef>
+        </p:style>
+        <p:txBody>
+          <a:bodyPr rtlCol="0" anchor="ctr"/>
+          <a:lstStyle/>
+          <a:p>
+            <a:pPr algn="ctr"/>
+            <a:r>
+              <a:rPr lang="en-KW" b="1" dirty="0">
+                <a:solidFill>
+                  <a:schemeClr val="tx1"/>
+                </a:solidFill>
+              </a:rPr>
+              <a:t>Set Feature Set as New Best</a:t>
+            </a:r>
+          </a:p>
+        </p:txBody>
+      </p:sp>
+      <p:cxnSp>
+        <p:nvCxnSpPr>
+          <p:cNvPr id="43" name="Straight Arrow Connector 18">
+            <a:extLst>
+              <a:ext uri="{FF2B5EF4-FFF2-40B4-BE49-F238E27FC236}">
+                <a16:creationId xmlns:a16="http://schemas.microsoft.com/office/drawing/2014/main" id="{94162732-8C07-4D12-0E66-D15A8ED198FB}"/>
+              </a:ext>
+            </a:extLst>
+          </p:cNvPr>
+          <p:cNvCxnSpPr>
+            <a:cxnSpLocks/>
+            <a:stCxn id="42" idx="1"/>
+          </p:cNvCxnSpPr>
+          <p:nvPr/>
+        </p:nvCxnSpPr>
+        <p:spPr>
+          <a:xfrm rot="10800000">
+            <a:off x="4781043" y="1929662"/>
+            <a:ext cx="480866" cy="1691570"/>
+          </a:xfrm>
+          <a:prstGeom prst="bentConnector2">
+            <a:avLst/>
+          </a:prstGeom>
+          <a:ln w="38100">
+            <a:solidFill>
+              <a:schemeClr val="tx1"/>
+            </a:solidFill>
+            <a:tailEnd type="triangle"/>
+          </a:ln>
+        </p:spPr>
+        <p:style>
+          <a:lnRef idx="2">
+            <a:schemeClr val="accent1"/>
+          </a:lnRef>
+          <a:fillRef idx="0">
+            <a:schemeClr val="accent1"/>
+          </a:fillRef>
+          <a:effectRef idx="1">
+            <a:schemeClr val="accent1"/>
+          </a:effectRef>
+          <a:fontRef idx="minor">
+            <a:schemeClr val="tx1"/>
+          </a:fontRef>
+        </p:style>
+      </p:cxnSp>
+      <p:cxnSp>
+        <p:nvCxnSpPr>
+          <p:cNvPr id="44" name="Straight Arrow Connector 43">
+            <a:extLst>
+              <a:ext uri="{FF2B5EF4-FFF2-40B4-BE49-F238E27FC236}">
+                <a16:creationId xmlns:a16="http://schemas.microsoft.com/office/drawing/2014/main" id="{4D6B8401-74FA-4F78-391D-981D41C3DAF8}"/>
+              </a:ext>
+            </a:extLst>
+          </p:cNvPr>
+          <p:cNvCxnSpPr>
+            <a:cxnSpLocks/>
+            <a:stCxn id="37" idx="2"/>
+            <a:endCxn id="36" idx="0"/>
+          </p:cNvCxnSpPr>
+          <p:nvPr/>
+        </p:nvCxnSpPr>
+        <p:spPr>
+          <a:xfrm flipH="1">
+            <a:off x="3013289" y="3123548"/>
+            <a:ext cx="1" cy="339980"/>
+          </a:xfrm>
+          <a:prstGeom prst="straightConnector1">
+            <a:avLst/>
+          </a:prstGeom>
+          <a:ln w="38100">
+            <a:solidFill>
+              <a:schemeClr val="tx1"/>
+            </a:solidFill>
+            <a:tailEnd type="triangle"/>
+          </a:ln>
+        </p:spPr>
+        <p:style>
+          <a:lnRef idx="2">
+            <a:schemeClr val="accent1"/>
+          </a:lnRef>
+          <a:fillRef idx="0">
+            <a:schemeClr val="accent1"/>
+          </a:fillRef>
+          <a:effectRef idx="1">
+            <a:schemeClr val="accent1"/>
+          </a:effectRef>
+          <a:fontRef idx="minor">
+            <a:schemeClr val="tx1"/>
+          </a:fontRef>
+        </p:style>
+      </p:cxnSp>
+      <p:sp>
+        <p:nvSpPr>
+          <p:cNvPr id="45" name="Rectangle 44">
+            <a:extLst>
+              <a:ext uri="{FF2B5EF4-FFF2-40B4-BE49-F238E27FC236}">
+                <a16:creationId xmlns:a16="http://schemas.microsoft.com/office/drawing/2014/main" id="{54A31302-B370-2307-8185-E997AEAA7423}"/>
+              </a:ext>
+            </a:extLst>
+          </p:cNvPr>
+          <p:cNvSpPr/>
+          <p:nvPr/>
+        </p:nvSpPr>
+        <p:spPr>
+          <a:xfrm>
+            <a:off x="8410637" y="3169010"/>
+            <a:ext cx="1094513" cy="589036"/>
+          </a:xfrm>
+          <a:prstGeom prst="rect">
+            <a:avLst/>
+          </a:prstGeom>
+          <a:noFill/>
+          <a:ln>
+            <a:noFill/>
+          </a:ln>
+        </p:spPr>
+        <p:style>
+          <a:lnRef idx="2">
+            <a:schemeClr val="accent1">
+              <a:shade val="15000"/>
+            </a:schemeClr>
+          </a:lnRef>
+          <a:fillRef idx="1">
+            <a:schemeClr val="accent1"/>
+          </a:fillRef>
+          <a:effectRef idx="0">
+            <a:schemeClr val="accent1"/>
+          </a:effectRef>
+          <a:fontRef idx="minor">
+            <a:schemeClr val="lt1"/>
+          </a:fontRef>
+        </p:style>
+        <p:txBody>
+          <a:bodyPr rtlCol="0" anchor="ctr"/>
+          <a:lstStyle/>
+          <a:p>
+            <a:pPr algn="ctr"/>
+            <a:r>
+              <a:rPr lang="en-KW" dirty="0">
+                <a:solidFill>
+                  <a:schemeClr val="tx1"/>
+                </a:solidFill>
+              </a:rPr>
+              <a:t>Yes</a:t>
+            </a:r>
+          </a:p>
+        </p:txBody>
+      </p:sp>
+      <p:sp>
+        <p:nvSpPr>
+          <p:cNvPr id="46" name="Rectangle 45">
+            <a:extLst>
+              <a:ext uri="{FF2B5EF4-FFF2-40B4-BE49-F238E27FC236}">
+                <a16:creationId xmlns:a16="http://schemas.microsoft.com/office/drawing/2014/main" id="{409D2654-B1AA-4FF5-1F5F-061A993E4569}"/>
+              </a:ext>
+            </a:extLst>
+          </p:cNvPr>
+          <p:cNvSpPr/>
+          <p:nvPr/>
+        </p:nvSpPr>
+        <p:spPr>
+          <a:xfrm>
+            <a:off x="8410638" y="1449366"/>
+            <a:ext cx="1094513" cy="589036"/>
+          </a:xfrm>
+          <a:prstGeom prst="rect">
+            <a:avLst/>
+          </a:prstGeom>
+          <a:noFill/>
+          <a:ln>
+            <a:noFill/>
+          </a:ln>
+        </p:spPr>
+        <p:style>
+          <a:lnRef idx="2">
+            <a:schemeClr val="accent1">
+              <a:shade val="15000"/>
+            </a:schemeClr>
+          </a:lnRef>
+          <a:fillRef idx="1">
+            <a:schemeClr val="accent1"/>
+          </a:fillRef>
+          <a:effectRef idx="0">
+            <a:schemeClr val="accent1"/>
+          </a:effectRef>
+          <a:fontRef idx="minor">
+            <a:schemeClr val="lt1"/>
+          </a:fontRef>
+        </p:style>
+        <p:txBody>
+          <a:bodyPr rtlCol="0" anchor="ctr"/>
+          <a:lstStyle/>
+          <a:p>
+            <a:pPr algn="ctr"/>
+            <a:r>
+              <a:rPr lang="en-KW" dirty="0">
+                <a:solidFill>
+                  <a:schemeClr val="tx1"/>
+                </a:solidFill>
+              </a:rPr>
+              <a:t>No</a:t>
+            </a:r>
+          </a:p>
+        </p:txBody>
+      </p:sp>
+      <p:sp>
+        <p:nvSpPr>
+          <p:cNvPr id="47" name="Rectangle 46">
+            <a:extLst>
+              <a:ext uri="{FF2B5EF4-FFF2-40B4-BE49-F238E27FC236}">
+                <a16:creationId xmlns:a16="http://schemas.microsoft.com/office/drawing/2014/main" id="{E5E3284E-4371-99D4-FE7B-B619AF7C1E9C}"/>
+              </a:ext>
+            </a:extLst>
+          </p:cNvPr>
+          <p:cNvSpPr/>
+          <p:nvPr/>
+        </p:nvSpPr>
+        <p:spPr>
+          <a:xfrm>
+            <a:off x="1994246" y="2973966"/>
+            <a:ext cx="1094513" cy="589036"/>
+          </a:xfrm>
+          <a:prstGeom prst="rect">
+            <a:avLst/>
+          </a:prstGeom>
+          <a:noFill/>
+          <a:ln>
+            <a:noFill/>
+          </a:ln>
+        </p:spPr>
+        <p:style>
+          <a:lnRef idx="2">
+            <a:schemeClr val="accent1">
+              <a:shade val="15000"/>
+            </a:schemeClr>
+          </a:lnRef>
+          <a:fillRef idx="1">
+            <a:schemeClr val="accent1"/>
+          </a:fillRef>
+          <a:effectRef idx="0">
+            <a:schemeClr val="accent1"/>
+          </a:effectRef>
+          <a:fontRef idx="minor">
+            <a:schemeClr val="lt1"/>
+          </a:fontRef>
+        </p:style>
+        <p:txBody>
+          <a:bodyPr rtlCol="0" anchor="ctr"/>
+          <a:lstStyle/>
+          <a:p>
+            <a:pPr algn="ctr"/>
+            <a:r>
+              <a:rPr lang="en-KW" dirty="0">
+                <a:solidFill>
+                  <a:schemeClr val="tx1"/>
+                </a:solidFill>
+              </a:rPr>
+              <a:t>No</a:t>
+            </a:r>
+          </a:p>
+        </p:txBody>
+      </p:sp>
+      <p:sp>
+        <p:nvSpPr>
+          <p:cNvPr id="48" name="Rectangle 47">
+            <a:extLst>
+              <a:ext uri="{FF2B5EF4-FFF2-40B4-BE49-F238E27FC236}">
+                <a16:creationId xmlns:a16="http://schemas.microsoft.com/office/drawing/2014/main" id="{7E89FB0B-ACE9-D848-E611-B523411D8A83}"/>
+              </a:ext>
+            </a:extLst>
+          </p:cNvPr>
+          <p:cNvSpPr/>
+          <p:nvPr/>
+        </p:nvSpPr>
+        <p:spPr>
+          <a:xfrm>
+            <a:off x="3979931" y="2155977"/>
+            <a:ext cx="1094513" cy="589036"/>
+          </a:xfrm>
+          <a:prstGeom prst="rect">
+            <a:avLst/>
+          </a:prstGeom>
+          <a:noFill/>
+          <a:ln>
+            <a:noFill/>
+          </a:ln>
+        </p:spPr>
+        <p:style>
+          <a:lnRef idx="2">
+            <a:schemeClr val="accent1">
+              <a:shade val="15000"/>
+            </a:schemeClr>
+          </a:lnRef>
+          <a:fillRef idx="1">
+            <a:schemeClr val="accent1"/>
+          </a:fillRef>
+          <a:effectRef idx="0">
+            <a:schemeClr val="accent1"/>
+          </a:effectRef>
+          <a:fontRef idx="minor">
+            <a:schemeClr val="lt1"/>
+          </a:fontRef>
+        </p:style>
+        <p:txBody>
+          <a:bodyPr rtlCol="0" anchor="ctr"/>
+          <a:lstStyle/>
+          <a:p>
+            <a:pPr algn="ctr"/>
+            <a:r>
+              <a:rPr lang="en-KW" dirty="0">
+                <a:solidFill>
+                  <a:schemeClr val="tx1"/>
+                </a:solidFill>
+              </a:rPr>
+              <a:t>Yes</a:t>
+            </a:r>
+          </a:p>
+        </p:txBody>
+      </p:sp>
+    </p:spTree>
+    <p:extLst>
+      <p:ext uri="{BB962C8B-B14F-4D97-AF65-F5344CB8AC3E}">
+        <p14:creationId xmlns:p14="http://schemas.microsoft.com/office/powerpoint/2010/main" val="2674898865"/>
+      </p:ext>
+    </p:extLst>
+  </p:cSld>
+  <p:clrMapOvr>
+    <a:masterClrMapping/>
+  </p:clrMapOvr>
+</p:sld>
+</file>
+
+<file path=ppt/slides/slide7.xml><?xml version="1.0" encoding="utf-8"?>
+<p:sld xmlns:a="http://schemas.openxmlformats.org/drawingml/2006/main" xmlns:r="http://schemas.openxmlformats.org/officeDocument/2006/relationships" xmlns:p="http://schemas.openxmlformats.org/presentationml/2006/main">
+  <p:cSld>
+    <p:spTree>
+      <p:nvGrpSpPr>
+        <p:cNvPr id="1" name="">
+          <a:extLst>
+            <a:ext uri="{FF2B5EF4-FFF2-40B4-BE49-F238E27FC236}">
+              <a16:creationId xmlns:a16="http://schemas.microsoft.com/office/drawing/2014/main" id="{C8AAA780-83D2-195E-C398-DCE97EB026B8}"/>
+            </a:ext>
+          </a:extLst>
+        </p:cNvPr>
+        <p:cNvGrpSpPr/>
+        <p:nvPr/>
+      </p:nvGrpSpPr>
+      <p:grpSpPr>
+        <a:xfrm>
+          <a:off x="0" y="0"/>
+          <a:ext cx="0" cy="0"/>
+          <a:chOff x="0" y="0"/>
+          <a:chExt cx="0" cy="0"/>
+        </a:xfrm>
+      </p:grpSpPr>
+      <p:sp>
+        <p:nvSpPr>
+          <p:cNvPr id="2" name="Title 1">
+            <a:extLst>
+              <a:ext uri="{FF2B5EF4-FFF2-40B4-BE49-F238E27FC236}">
+                <a16:creationId xmlns:a16="http://schemas.microsoft.com/office/drawing/2014/main" id="{AE3604B1-FDE2-4785-B4F8-4AB53C8015AF}"/>
+              </a:ext>
+            </a:extLst>
+          </p:cNvPr>
+          <p:cNvSpPr>
+            <a:spLocks noGrp="1"/>
+          </p:cNvSpPr>
+          <p:nvPr>
+            <p:ph type="title"/>
+          </p:nvPr>
+        </p:nvSpPr>
+        <p:spPr/>
+        <p:txBody>
+          <a:bodyPr/>
+          <a:lstStyle/>
+          <a:p>
+            <a:r>
+              <a:rPr lang="en-KW" dirty="0"/>
+              <a:t>But, How to Evaluate a Feature Set?</a:t>
+            </a:r>
+          </a:p>
+        </p:txBody>
+      </p:sp>
+      <p:sp>
+        <p:nvSpPr>
+          <p:cNvPr id="34" name="Rectangle 33">
+            <a:extLst>
+              <a:ext uri="{FF2B5EF4-FFF2-40B4-BE49-F238E27FC236}">
+                <a16:creationId xmlns:a16="http://schemas.microsoft.com/office/drawing/2014/main" id="{342CBDE7-6BCB-9949-6A82-D289022EB5DB}"/>
+              </a:ext>
+            </a:extLst>
+          </p:cNvPr>
+          <p:cNvSpPr/>
+          <p:nvPr/>
+        </p:nvSpPr>
+        <p:spPr>
+          <a:xfrm>
+            <a:off x="5261909" y="2278825"/>
+            <a:ext cx="2034886" cy="697205"/>
+          </a:xfrm>
+          <a:prstGeom prst="rect">
+            <a:avLst/>
+          </a:prstGeom>
+          <a:solidFill>
+            <a:srgbClr val="7030A0"/>
+          </a:solidFill>
+          <a:ln w="38100">
+            <a:solidFill>
+              <a:schemeClr val="tx1"/>
+            </a:solidFill>
+          </a:ln>
+        </p:spPr>
+        <p:style>
+          <a:lnRef idx="2">
+            <a:schemeClr val="accent1">
+              <a:shade val="15000"/>
+            </a:schemeClr>
+          </a:lnRef>
+          <a:fillRef idx="1">
+            <a:schemeClr val="accent1"/>
+          </a:fillRef>
+          <a:effectRef idx="0">
+            <a:schemeClr val="accent1"/>
+          </a:effectRef>
+          <a:fontRef idx="minor">
+            <a:schemeClr val="lt1"/>
+          </a:fontRef>
+        </p:style>
+        <p:txBody>
+          <a:bodyPr rtlCol="0" anchor="ctr"/>
+          <a:lstStyle/>
+          <a:p>
+            <a:pPr algn="ctr"/>
+            <a:r>
+              <a:rPr lang="en-KW" b="1" dirty="0">
+                <a:solidFill>
+                  <a:schemeClr val="bg1"/>
+                </a:solidFill>
+              </a:rPr>
+              <a:t>Get MSE from Cross Validation</a:t>
+            </a:r>
+          </a:p>
+        </p:txBody>
+      </p:sp>
+      <p:sp>
+        <p:nvSpPr>
+          <p:cNvPr id="35" name="Diamond 34">
+            <a:extLst>
+              <a:ext uri="{FF2B5EF4-FFF2-40B4-BE49-F238E27FC236}">
+                <a16:creationId xmlns:a16="http://schemas.microsoft.com/office/drawing/2014/main" id="{BD613012-465E-3229-D866-42DF7D0C34AB}"/>
+              </a:ext>
+            </a:extLst>
+          </p:cNvPr>
+          <p:cNvSpPr/>
+          <p:nvPr/>
+        </p:nvSpPr>
+        <p:spPr>
+          <a:xfrm>
+            <a:off x="7777667" y="2129992"/>
+            <a:ext cx="2802081" cy="993556"/>
+          </a:xfrm>
+          <a:prstGeom prst="diamond">
+            <a:avLst/>
+          </a:prstGeom>
+          <a:solidFill>
+            <a:schemeClr val="bg1"/>
+          </a:solidFill>
+          <a:ln w="28575">
+            <a:solidFill>
+              <a:srgbClr val="FF0000"/>
+            </a:solidFill>
+          </a:ln>
+        </p:spPr>
+        <p:style>
+          <a:lnRef idx="2">
+            <a:schemeClr val="accent1">
+              <a:shade val="15000"/>
+            </a:schemeClr>
+          </a:lnRef>
+          <a:fillRef idx="1">
+            <a:schemeClr val="accent1"/>
+          </a:fillRef>
+          <a:effectRef idx="0">
+            <a:schemeClr val="accent1"/>
+          </a:effectRef>
+          <a:fontRef idx="minor">
+            <a:schemeClr val="lt1"/>
+          </a:fontRef>
+        </p:style>
+        <p:txBody>
+          <a:bodyPr rtlCol="0" anchor="ctr"/>
+          <a:lstStyle/>
+          <a:p>
+            <a:pPr algn="ctr"/>
+            <a:r>
+              <a:rPr lang="en-KW" b="1" dirty="0">
+                <a:solidFill>
+                  <a:schemeClr val="tx1"/>
+                </a:solidFill>
+              </a:rPr>
+              <a:t>New Best Score?</a:t>
+            </a:r>
+          </a:p>
+        </p:txBody>
+      </p:sp>
+      <p:sp>
+        <p:nvSpPr>
+          <p:cNvPr id="36" name="Rectangle 35">
+            <a:extLst>
+              <a:ext uri="{FF2B5EF4-FFF2-40B4-BE49-F238E27FC236}">
+                <a16:creationId xmlns:a16="http://schemas.microsoft.com/office/drawing/2014/main" id="{6BC8F558-018E-7CB4-B8F8-3D1D561D854F}"/>
+              </a:ext>
+            </a:extLst>
+          </p:cNvPr>
+          <p:cNvSpPr/>
+          <p:nvPr/>
+        </p:nvSpPr>
+        <p:spPr>
+          <a:xfrm>
+            <a:off x="2173357" y="3463528"/>
+            <a:ext cx="1679863" cy="697204"/>
+          </a:xfrm>
+          <a:prstGeom prst="rect">
+            <a:avLst/>
+          </a:prstGeom>
+          <a:solidFill>
+            <a:schemeClr val="bg1"/>
+          </a:solidFill>
+          <a:ln w="28575">
+            <a:solidFill>
+              <a:schemeClr val="tx1"/>
+            </a:solidFill>
+          </a:ln>
+        </p:spPr>
+        <p:style>
+          <a:lnRef idx="2">
+            <a:schemeClr val="accent1">
+              <a:shade val="15000"/>
+            </a:schemeClr>
+          </a:lnRef>
+          <a:fillRef idx="1">
+            <a:schemeClr val="accent1"/>
+          </a:fillRef>
+          <a:effectRef idx="0">
+            <a:schemeClr val="accent1"/>
+          </a:effectRef>
+          <a:fontRef idx="minor">
+            <a:schemeClr val="lt1"/>
+          </a:fontRef>
+        </p:style>
+        <p:txBody>
+          <a:bodyPr rtlCol="0" anchor="ctr"/>
+          <a:lstStyle/>
+          <a:p>
+            <a:pPr algn="ctr"/>
+            <a:r>
+              <a:rPr lang="en-KW" dirty="0">
+                <a:solidFill>
+                  <a:schemeClr val="tx1"/>
+                </a:solidFill>
+              </a:rPr>
+              <a:t>Stop</a:t>
+            </a:r>
+          </a:p>
+        </p:txBody>
+      </p:sp>
+      <p:sp>
+        <p:nvSpPr>
+          <p:cNvPr id="37" name="Diamond 36">
+            <a:extLst>
+              <a:ext uri="{FF2B5EF4-FFF2-40B4-BE49-F238E27FC236}">
+                <a16:creationId xmlns:a16="http://schemas.microsoft.com/office/drawing/2014/main" id="{CCDD9FC5-4044-9BB5-05C3-A6F3E9233EF4}"/>
+              </a:ext>
+            </a:extLst>
+          </p:cNvPr>
+          <p:cNvSpPr/>
+          <p:nvPr/>
+        </p:nvSpPr>
+        <p:spPr>
+          <a:xfrm>
+            <a:off x="1612249" y="2129991"/>
+            <a:ext cx="2802081" cy="993557"/>
+          </a:xfrm>
+          <a:prstGeom prst="diamond">
+            <a:avLst/>
+          </a:prstGeom>
+          <a:solidFill>
+            <a:srgbClr val="00B0F0"/>
+          </a:solidFill>
+          <a:ln w="28575">
+            <a:solidFill>
+              <a:schemeClr val="tx1"/>
+            </a:solidFill>
+          </a:ln>
+        </p:spPr>
+        <p:style>
+          <a:lnRef idx="2">
+            <a:schemeClr val="accent1">
+              <a:shade val="15000"/>
+            </a:schemeClr>
+          </a:lnRef>
+          <a:fillRef idx="1">
+            <a:schemeClr val="accent1"/>
+          </a:fillRef>
+          <a:effectRef idx="0">
+            <a:schemeClr val="accent1"/>
+          </a:effectRef>
+          <a:fontRef idx="minor">
+            <a:schemeClr val="lt1"/>
+          </a:fontRef>
+        </p:style>
+        <p:txBody>
+          <a:bodyPr rtlCol="0" anchor="ctr"/>
+          <a:lstStyle/>
+          <a:p>
+            <a:pPr algn="ctr"/>
+            <a:r>
+              <a:rPr lang="en-KW" b="1" dirty="0">
+                <a:solidFill>
+                  <a:schemeClr val="tx1"/>
+                </a:solidFill>
+              </a:rPr>
+              <a:t>Next candidate?</a:t>
+            </a:r>
+          </a:p>
+        </p:txBody>
+      </p:sp>
+      <p:cxnSp>
+        <p:nvCxnSpPr>
+          <p:cNvPr id="38" name="Straight Arrow Connector 37">
+            <a:extLst>
+              <a:ext uri="{FF2B5EF4-FFF2-40B4-BE49-F238E27FC236}">
+                <a16:creationId xmlns:a16="http://schemas.microsoft.com/office/drawing/2014/main" id="{AE0F5C52-1FCF-171C-4F95-15D200135CA8}"/>
+              </a:ext>
+            </a:extLst>
+          </p:cNvPr>
+          <p:cNvCxnSpPr>
+            <a:cxnSpLocks/>
+            <a:stCxn id="37" idx="3"/>
+            <a:endCxn id="34" idx="1"/>
+          </p:cNvCxnSpPr>
+          <p:nvPr/>
+        </p:nvCxnSpPr>
+        <p:spPr>
+          <a:xfrm>
+            <a:off x="4414330" y="2626770"/>
+            <a:ext cx="847579" cy="658"/>
+          </a:xfrm>
+          <a:prstGeom prst="straightConnector1">
+            <a:avLst/>
+          </a:prstGeom>
+          <a:ln w="38100">
+            <a:solidFill>
+              <a:schemeClr val="tx1"/>
+            </a:solidFill>
+            <a:tailEnd type="triangle"/>
+          </a:ln>
+        </p:spPr>
+        <p:style>
+          <a:lnRef idx="2">
+            <a:schemeClr val="accent1"/>
+          </a:lnRef>
+          <a:fillRef idx="0">
+            <a:schemeClr val="accent1"/>
+          </a:fillRef>
+          <a:effectRef idx="1">
+            <a:schemeClr val="accent1"/>
+          </a:effectRef>
+          <a:fontRef idx="minor">
+            <a:schemeClr val="tx1"/>
+          </a:fontRef>
+        </p:style>
+      </p:cxnSp>
+      <p:cxnSp>
+        <p:nvCxnSpPr>
+          <p:cNvPr id="39" name="Straight Arrow Connector 38">
+            <a:extLst>
+              <a:ext uri="{FF2B5EF4-FFF2-40B4-BE49-F238E27FC236}">
+                <a16:creationId xmlns:a16="http://schemas.microsoft.com/office/drawing/2014/main" id="{908FFA53-1735-4887-85C9-54541DE32231}"/>
+              </a:ext>
+            </a:extLst>
+          </p:cNvPr>
+          <p:cNvCxnSpPr>
+            <a:cxnSpLocks/>
+            <a:stCxn id="34" idx="3"/>
+            <a:endCxn id="35" idx="1"/>
+          </p:cNvCxnSpPr>
+          <p:nvPr/>
+        </p:nvCxnSpPr>
+        <p:spPr>
+          <a:xfrm flipV="1">
+            <a:off x="7296795" y="2626770"/>
+            <a:ext cx="480872" cy="658"/>
+          </a:xfrm>
+          <a:prstGeom prst="straightConnector1">
+            <a:avLst/>
+          </a:prstGeom>
+          <a:ln w="38100">
+            <a:solidFill>
+              <a:schemeClr val="tx1"/>
+            </a:solidFill>
+            <a:tailEnd type="triangle"/>
+          </a:ln>
+        </p:spPr>
+        <p:style>
+          <a:lnRef idx="2">
+            <a:schemeClr val="accent1"/>
+          </a:lnRef>
+          <a:fillRef idx="0">
+            <a:schemeClr val="accent1"/>
+          </a:fillRef>
+          <a:effectRef idx="1">
+            <a:schemeClr val="accent1"/>
+          </a:effectRef>
+          <a:fontRef idx="minor">
+            <a:schemeClr val="tx1"/>
+          </a:fontRef>
+        </p:style>
+      </p:cxnSp>
+      <p:cxnSp>
+        <p:nvCxnSpPr>
+          <p:cNvPr id="40" name="Straight Arrow Connector 18">
+            <a:extLst>
+              <a:ext uri="{FF2B5EF4-FFF2-40B4-BE49-F238E27FC236}">
+                <a16:creationId xmlns:a16="http://schemas.microsoft.com/office/drawing/2014/main" id="{340CEF16-1CD6-3D85-6211-DD64246DE047}"/>
+              </a:ext>
+            </a:extLst>
+          </p:cNvPr>
+          <p:cNvCxnSpPr>
+            <a:cxnSpLocks/>
+            <a:stCxn id="35" idx="2"/>
+            <a:endCxn id="42" idx="3"/>
+          </p:cNvCxnSpPr>
+          <p:nvPr/>
+        </p:nvCxnSpPr>
+        <p:spPr>
+          <a:xfrm rot="5400000">
+            <a:off x="7988909" y="2431433"/>
+            <a:ext cx="497684" cy="1881914"/>
+          </a:xfrm>
+          <a:prstGeom prst="bentConnector2">
+            <a:avLst/>
+          </a:prstGeom>
+          <a:ln w="38100">
+            <a:solidFill>
+              <a:srgbClr val="FF0000"/>
+            </a:solidFill>
+            <a:tailEnd type="triangle"/>
+          </a:ln>
+        </p:spPr>
+        <p:style>
+          <a:lnRef idx="2">
+            <a:schemeClr val="accent1"/>
+          </a:lnRef>
+          <a:fillRef idx="0">
+            <a:schemeClr val="accent1"/>
+          </a:fillRef>
+          <a:effectRef idx="1">
+            <a:schemeClr val="accent1"/>
+          </a:effectRef>
+          <a:fontRef idx="minor">
+            <a:schemeClr val="tx1"/>
+          </a:fontRef>
+        </p:style>
+      </p:cxnSp>
+      <p:cxnSp>
+        <p:nvCxnSpPr>
+          <p:cNvPr id="41" name="Straight Arrow Connector 18">
+            <a:extLst>
+              <a:ext uri="{FF2B5EF4-FFF2-40B4-BE49-F238E27FC236}">
+                <a16:creationId xmlns:a16="http://schemas.microsoft.com/office/drawing/2014/main" id="{EC8FE049-D09E-691C-3242-A63DF5E7D7DC}"/>
+              </a:ext>
+            </a:extLst>
+          </p:cNvPr>
+          <p:cNvCxnSpPr>
+            <a:cxnSpLocks/>
+            <a:stCxn id="35" idx="0"/>
+            <a:endCxn id="37" idx="0"/>
+          </p:cNvCxnSpPr>
+          <p:nvPr/>
+        </p:nvCxnSpPr>
+        <p:spPr>
+          <a:xfrm rot="16200000" flipV="1">
+            <a:off x="6095999" y="-952717"/>
+            <a:ext cx="1" cy="6165418"/>
+          </a:xfrm>
+          <a:prstGeom prst="bentConnector3">
+            <a:avLst>
+              <a:gd name="adj1" fmla="val 22860100000"/>
+            </a:avLst>
+          </a:prstGeom>
+          <a:ln w="38100">
+            <a:solidFill>
+              <a:srgbClr val="FF0000"/>
+            </a:solidFill>
+            <a:tailEnd type="triangle"/>
+          </a:ln>
+        </p:spPr>
+        <p:style>
+          <a:lnRef idx="2">
+            <a:schemeClr val="accent1"/>
+          </a:lnRef>
+          <a:fillRef idx="0">
+            <a:schemeClr val="accent1"/>
+          </a:fillRef>
+          <a:effectRef idx="1">
+            <a:schemeClr val="accent1"/>
+          </a:effectRef>
+          <a:fontRef idx="minor">
+            <a:schemeClr val="tx1"/>
+          </a:fontRef>
+        </p:style>
+      </p:cxnSp>
+      <p:sp>
+        <p:nvSpPr>
+          <p:cNvPr id="42" name="Rectangle 41">
+            <a:extLst>
+              <a:ext uri="{FF2B5EF4-FFF2-40B4-BE49-F238E27FC236}">
+                <a16:creationId xmlns:a16="http://schemas.microsoft.com/office/drawing/2014/main" id="{D43B9B7C-63D5-466B-97B2-DFF04EDEA229}"/>
+              </a:ext>
+            </a:extLst>
+          </p:cNvPr>
+          <p:cNvSpPr/>
+          <p:nvPr/>
+        </p:nvSpPr>
+        <p:spPr>
+          <a:xfrm>
+            <a:off x="5261909" y="3272630"/>
+            <a:ext cx="2034885" cy="697204"/>
+          </a:xfrm>
+          <a:prstGeom prst="rect">
+            <a:avLst/>
+          </a:prstGeom>
+          <a:solidFill>
+            <a:schemeClr val="bg1"/>
+          </a:solidFill>
+          <a:ln w="38100">
+            <a:solidFill>
+              <a:srgbClr val="FF0000"/>
+            </a:solidFill>
+          </a:ln>
+        </p:spPr>
+        <p:style>
+          <a:lnRef idx="2">
+            <a:schemeClr val="accent1">
+              <a:shade val="15000"/>
+            </a:schemeClr>
+          </a:lnRef>
+          <a:fillRef idx="1">
+            <a:schemeClr val="accent1"/>
+          </a:fillRef>
+          <a:effectRef idx="0">
+            <a:schemeClr val="accent1"/>
+          </a:effectRef>
+          <a:fontRef idx="minor">
+            <a:schemeClr val="lt1"/>
+          </a:fontRef>
+        </p:style>
+        <p:txBody>
+          <a:bodyPr rtlCol="0" anchor="ctr"/>
+          <a:lstStyle/>
+          <a:p>
+            <a:pPr algn="ctr"/>
+            <a:r>
+              <a:rPr lang="en-KW" b="1" dirty="0">
+                <a:solidFill>
+                  <a:schemeClr val="tx1"/>
+                </a:solidFill>
+              </a:rPr>
+              <a:t>Set Feature Set as New Best</a:t>
+            </a:r>
+          </a:p>
+        </p:txBody>
+      </p:sp>
+      <p:cxnSp>
+        <p:nvCxnSpPr>
+          <p:cNvPr id="43" name="Straight Arrow Connector 18">
+            <a:extLst>
+              <a:ext uri="{FF2B5EF4-FFF2-40B4-BE49-F238E27FC236}">
+                <a16:creationId xmlns:a16="http://schemas.microsoft.com/office/drawing/2014/main" id="{939D0B0E-29AC-034E-960C-EFA1B485CB6A}"/>
+              </a:ext>
+            </a:extLst>
+          </p:cNvPr>
+          <p:cNvCxnSpPr>
+            <a:cxnSpLocks/>
+            <a:stCxn id="42" idx="1"/>
+          </p:cNvCxnSpPr>
+          <p:nvPr/>
+        </p:nvCxnSpPr>
+        <p:spPr>
+          <a:xfrm rot="10800000">
+            <a:off x="4781043" y="1929662"/>
+            <a:ext cx="480866" cy="1691570"/>
+          </a:xfrm>
+          <a:prstGeom prst="bentConnector2">
+            <a:avLst/>
+          </a:prstGeom>
+          <a:ln w="38100">
+            <a:solidFill>
+              <a:srgbClr val="FF0000"/>
+            </a:solidFill>
+            <a:tailEnd type="triangle"/>
+          </a:ln>
+        </p:spPr>
+        <p:style>
+          <a:lnRef idx="2">
+            <a:schemeClr val="accent1"/>
+          </a:lnRef>
+          <a:fillRef idx="0">
+            <a:schemeClr val="accent1"/>
+          </a:fillRef>
+          <a:effectRef idx="1">
+            <a:schemeClr val="accent1"/>
+          </a:effectRef>
+          <a:fontRef idx="minor">
+            <a:schemeClr val="tx1"/>
+          </a:fontRef>
+        </p:style>
+      </p:cxnSp>
+      <p:cxnSp>
+        <p:nvCxnSpPr>
+          <p:cNvPr id="44" name="Straight Arrow Connector 43">
+            <a:extLst>
+              <a:ext uri="{FF2B5EF4-FFF2-40B4-BE49-F238E27FC236}">
+                <a16:creationId xmlns:a16="http://schemas.microsoft.com/office/drawing/2014/main" id="{5B655417-5BC3-5CF1-9951-960B64CDD560}"/>
+              </a:ext>
+            </a:extLst>
+          </p:cNvPr>
+          <p:cNvCxnSpPr>
+            <a:cxnSpLocks/>
+            <a:stCxn id="37" idx="2"/>
+            <a:endCxn id="36" idx="0"/>
+          </p:cNvCxnSpPr>
+          <p:nvPr/>
+        </p:nvCxnSpPr>
+        <p:spPr>
+          <a:xfrm flipH="1">
+            <a:off x="3013289" y="3123548"/>
+            <a:ext cx="1" cy="339980"/>
+          </a:xfrm>
+          <a:prstGeom prst="straightConnector1">
+            <a:avLst/>
+          </a:prstGeom>
+          <a:ln w="38100">
+            <a:solidFill>
+              <a:schemeClr val="tx1"/>
+            </a:solidFill>
+            <a:tailEnd type="triangle"/>
+          </a:ln>
+        </p:spPr>
+        <p:style>
+          <a:lnRef idx="2">
+            <a:schemeClr val="accent1"/>
+          </a:lnRef>
+          <a:fillRef idx="0">
+            <a:schemeClr val="accent1"/>
+          </a:fillRef>
+          <a:effectRef idx="1">
+            <a:schemeClr val="accent1"/>
+          </a:effectRef>
+          <a:fontRef idx="minor">
+            <a:schemeClr val="tx1"/>
+          </a:fontRef>
+        </p:style>
+      </p:cxnSp>
+      <p:sp>
+        <p:nvSpPr>
+          <p:cNvPr id="45" name="Rectangle 44">
+            <a:extLst>
+              <a:ext uri="{FF2B5EF4-FFF2-40B4-BE49-F238E27FC236}">
+                <a16:creationId xmlns:a16="http://schemas.microsoft.com/office/drawing/2014/main" id="{1C53C138-9382-BD3F-7812-31410154C442}"/>
+              </a:ext>
+            </a:extLst>
+          </p:cNvPr>
+          <p:cNvSpPr/>
+          <p:nvPr/>
+        </p:nvSpPr>
+        <p:spPr>
+          <a:xfrm>
+            <a:off x="8410637" y="3169010"/>
+            <a:ext cx="1094513" cy="589036"/>
+          </a:xfrm>
+          <a:prstGeom prst="rect">
+            <a:avLst/>
+          </a:prstGeom>
+          <a:noFill/>
+          <a:ln>
+            <a:noFill/>
+          </a:ln>
+        </p:spPr>
+        <p:style>
+          <a:lnRef idx="2">
+            <a:schemeClr val="accent1">
+              <a:shade val="15000"/>
+            </a:schemeClr>
+          </a:lnRef>
+          <a:fillRef idx="1">
+            <a:schemeClr val="accent1"/>
+          </a:fillRef>
+          <a:effectRef idx="0">
+            <a:schemeClr val="accent1"/>
+          </a:effectRef>
+          <a:fontRef idx="minor">
+            <a:schemeClr val="lt1"/>
+          </a:fontRef>
+        </p:style>
+        <p:txBody>
+          <a:bodyPr rtlCol="0" anchor="ctr"/>
+          <a:lstStyle/>
+          <a:p>
+            <a:pPr algn="ctr"/>
+            <a:r>
+              <a:rPr lang="en-KW" dirty="0">
+                <a:solidFill>
+                  <a:schemeClr val="tx1"/>
+                </a:solidFill>
+              </a:rPr>
+              <a:t>Yes</a:t>
+            </a:r>
+          </a:p>
+        </p:txBody>
+      </p:sp>
+      <p:sp>
+        <p:nvSpPr>
+          <p:cNvPr id="46" name="Rectangle 45">
+            <a:extLst>
+              <a:ext uri="{FF2B5EF4-FFF2-40B4-BE49-F238E27FC236}">
+                <a16:creationId xmlns:a16="http://schemas.microsoft.com/office/drawing/2014/main" id="{1FF7367D-343D-D945-B270-3CB5F7618953}"/>
+              </a:ext>
+            </a:extLst>
+          </p:cNvPr>
+          <p:cNvSpPr/>
+          <p:nvPr/>
+        </p:nvSpPr>
+        <p:spPr>
+          <a:xfrm>
+            <a:off x="8410638" y="1449366"/>
+            <a:ext cx="1094513" cy="589036"/>
+          </a:xfrm>
+          <a:prstGeom prst="rect">
+            <a:avLst/>
+          </a:prstGeom>
+          <a:noFill/>
+          <a:ln>
+            <a:noFill/>
+          </a:ln>
+        </p:spPr>
+        <p:style>
+          <a:lnRef idx="2">
+            <a:schemeClr val="accent1">
+              <a:shade val="15000"/>
+            </a:schemeClr>
+          </a:lnRef>
+          <a:fillRef idx="1">
+            <a:schemeClr val="accent1"/>
+          </a:fillRef>
+          <a:effectRef idx="0">
+            <a:schemeClr val="accent1"/>
+          </a:effectRef>
+          <a:fontRef idx="minor">
+            <a:schemeClr val="lt1"/>
+          </a:fontRef>
+        </p:style>
+        <p:txBody>
+          <a:bodyPr rtlCol="0" anchor="ctr"/>
+          <a:lstStyle/>
+          <a:p>
+            <a:pPr algn="ctr"/>
+            <a:r>
+              <a:rPr lang="en-KW" dirty="0">
+                <a:solidFill>
+                  <a:schemeClr val="tx1"/>
+                </a:solidFill>
+              </a:rPr>
+              <a:t>No</a:t>
+            </a:r>
+          </a:p>
+        </p:txBody>
+      </p:sp>
+      <p:sp>
+        <p:nvSpPr>
+          <p:cNvPr id="47" name="Rectangle 46">
+            <a:extLst>
+              <a:ext uri="{FF2B5EF4-FFF2-40B4-BE49-F238E27FC236}">
+                <a16:creationId xmlns:a16="http://schemas.microsoft.com/office/drawing/2014/main" id="{27BCE35C-9D08-3B42-BDD6-E9C54C8A2EE0}"/>
+              </a:ext>
+            </a:extLst>
+          </p:cNvPr>
+          <p:cNvSpPr/>
+          <p:nvPr/>
+        </p:nvSpPr>
+        <p:spPr>
+          <a:xfrm>
+            <a:off x="1994246" y="2973966"/>
+            <a:ext cx="1094513" cy="589036"/>
+          </a:xfrm>
+          <a:prstGeom prst="rect">
+            <a:avLst/>
+          </a:prstGeom>
+          <a:noFill/>
+          <a:ln>
+            <a:noFill/>
+          </a:ln>
+        </p:spPr>
+        <p:style>
+          <a:lnRef idx="2">
+            <a:schemeClr val="accent1">
+              <a:shade val="15000"/>
+            </a:schemeClr>
+          </a:lnRef>
+          <a:fillRef idx="1">
+            <a:schemeClr val="accent1"/>
+          </a:fillRef>
+          <a:effectRef idx="0">
+            <a:schemeClr val="accent1"/>
+          </a:effectRef>
+          <a:fontRef idx="minor">
+            <a:schemeClr val="lt1"/>
+          </a:fontRef>
+        </p:style>
+        <p:txBody>
+          <a:bodyPr rtlCol="0" anchor="ctr"/>
+          <a:lstStyle/>
+          <a:p>
+            <a:pPr algn="ctr"/>
+            <a:r>
+              <a:rPr lang="en-KW" dirty="0">
+                <a:solidFill>
+                  <a:schemeClr val="tx1"/>
+                </a:solidFill>
+              </a:rPr>
+              <a:t>No</a:t>
+            </a:r>
+          </a:p>
+        </p:txBody>
+      </p:sp>
+      <p:sp>
+        <p:nvSpPr>
+          <p:cNvPr id="48" name="Rectangle 47">
+            <a:extLst>
+              <a:ext uri="{FF2B5EF4-FFF2-40B4-BE49-F238E27FC236}">
+                <a16:creationId xmlns:a16="http://schemas.microsoft.com/office/drawing/2014/main" id="{4DA14615-931F-1F01-225E-B60097841E3E}"/>
+              </a:ext>
+            </a:extLst>
+          </p:cNvPr>
+          <p:cNvSpPr/>
+          <p:nvPr/>
+        </p:nvSpPr>
+        <p:spPr>
+          <a:xfrm>
+            <a:off x="3979931" y="2155977"/>
+            <a:ext cx="1094513" cy="589036"/>
+          </a:xfrm>
+          <a:prstGeom prst="rect">
+            <a:avLst/>
+          </a:prstGeom>
+          <a:noFill/>
+          <a:ln>
+            <a:noFill/>
+          </a:ln>
+        </p:spPr>
+        <p:style>
+          <a:lnRef idx="2">
+            <a:schemeClr val="accent1">
+              <a:shade val="15000"/>
+            </a:schemeClr>
+          </a:lnRef>
+          <a:fillRef idx="1">
+            <a:schemeClr val="accent1"/>
+          </a:fillRef>
+          <a:effectRef idx="0">
+            <a:schemeClr val="accent1"/>
+          </a:effectRef>
+          <a:fontRef idx="minor">
+            <a:schemeClr val="lt1"/>
+          </a:fontRef>
+        </p:style>
+        <p:txBody>
+          <a:bodyPr rtlCol="0" anchor="ctr"/>
+          <a:lstStyle/>
+          <a:p>
+            <a:pPr algn="ctr"/>
+            <a:r>
+              <a:rPr lang="en-KW" dirty="0">
+                <a:solidFill>
+                  <a:schemeClr val="tx1"/>
+                </a:solidFill>
+              </a:rPr>
+              <a:t>Yes</a:t>
+            </a:r>
+          </a:p>
+        </p:txBody>
+      </p:sp>
+      <p:sp>
+        <p:nvSpPr>
+          <p:cNvPr id="7" name="Content Placeholder 6">
+            <a:extLst>
+              <a:ext uri="{FF2B5EF4-FFF2-40B4-BE49-F238E27FC236}">
+                <a16:creationId xmlns:a16="http://schemas.microsoft.com/office/drawing/2014/main" id="{82CEDA57-843A-3E86-AD43-C3C44A40FE2D}"/>
+              </a:ext>
+            </a:extLst>
+          </p:cNvPr>
+          <p:cNvSpPr>
+            <a:spLocks noGrp="1"/>
+          </p:cNvSpPr>
+          <p:nvPr>
+            <p:ph idx="1"/>
+          </p:nvPr>
+        </p:nvSpPr>
+        <p:spPr>
+          <a:xfrm>
+            <a:off x="838200" y="4851399"/>
+            <a:ext cx="10515600" cy="1325564"/>
+          </a:xfrm>
+        </p:spPr>
+        <p:txBody>
+          <a:bodyPr/>
+          <a:lstStyle/>
+          <a:p>
+            <a:pPr marL="0" indent="0">
+              <a:buNone/>
+            </a:pPr>
+            <a:r>
+              <a:rPr lang="en-KW" dirty="0">
+                <a:solidFill>
+                  <a:srgbClr val="FF0000"/>
+                </a:solidFill>
+              </a:rPr>
+              <a:t>Bad Idea! we are peaking at the average CV scores to pick the best feature (like cheating on an exam!)</a:t>
+            </a:r>
+          </a:p>
+        </p:txBody>
+      </p:sp>
+    </p:spTree>
+    <p:extLst>
+      <p:ext uri="{BB962C8B-B14F-4D97-AF65-F5344CB8AC3E}">
+        <p14:creationId xmlns:p14="http://schemas.microsoft.com/office/powerpoint/2010/main" val="3397025812"/>
+      </p:ext>
+    </p:extLst>
+  </p:cSld>
+  <p:clrMapOvr>
+    <a:masterClrMapping/>
+  </p:clrMapOvr>
+</p:sld>
+</file>
+
+<file path=ppt/slides/slide8.xml><?xml version="1.0" encoding="utf-8"?>
 <p:sld xmlns:a="http://schemas.openxmlformats.org/drawingml/2006/main" xmlns:r="http://schemas.openxmlformats.org/officeDocument/2006/relationships" xmlns:p="http://schemas.openxmlformats.org/presentationml/2006/main">
   <p:cSld>
     <p:spTree>
@@ -6663,7 +9751,7 @@
           <p:cNvPr id="2" name="Title 1">
             <a:extLst>
               <a:ext uri="{FF2B5EF4-FFF2-40B4-BE49-F238E27FC236}">
-                <a16:creationId xmlns:a16="http://schemas.microsoft.com/office/drawing/2014/main" id="{6ED6C579-3AE1-385E-B13A-F32CA337EF0B}"/>
+                <a16:creationId xmlns:a16="http://schemas.microsoft.com/office/drawing/2014/main" id="{113C7F81-3AE4-ABAC-3069-15C58C29BD18}"/>
               </a:ext>
             </a:extLst>
           </p:cNvPr>
@@ -6681,7 +9769,7 @@
           <a:p>
             <a:r>
               <a:rPr lang="en-KW" dirty="0"/>
-              <a:t>Coding</a:t>
+              <a:t>Correct Approach</a:t>
             </a:r>
           </a:p>
         </p:txBody>
@@ -6691,7 +9779,7 @@
           <p:cNvPr id="3" name="Content Placeholder 2">
             <a:extLst>
               <a:ext uri="{FF2B5EF4-FFF2-40B4-BE49-F238E27FC236}">
-                <a16:creationId xmlns:a16="http://schemas.microsoft.com/office/drawing/2014/main" id="{D2AAE37E-50B3-DD2F-83D9-D2C97D23793D}"/>
+                <a16:creationId xmlns:a16="http://schemas.microsoft.com/office/drawing/2014/main" id="{7947B2F2-6103-5E1C-5C9D-90954E2AA68F}"/>
               </a:ext>
             </a:extLst>
           </p:cNvPr>
@@ -6702,31 +9790,649 @@
             <p:ph idx="1"/>
           </p:nvPr>
         </p:nvSpPr>
-        <p:spPr/>
+        <p:spPr>
+          <a:xfrm>
+            <a:off x="838200" y="1825626"/>
+            <a:ext cx="10515600" cy="848302"/>
+          </a:xfrm>
+        </p:spPr>
         <p:txBody>
           <a:bodyPr/>
           <a:lstStyle/>
           <a:p>
+            <a:pPr marL="0" indent="0">
+              <a:buNone/>
+            </a:pPr>
             <a:r>
               <a:rPr lang="en-KW" dirty="0"/>
-              <a:t>Implement gradient descent for non-linear model</a:t>
-            </a:r>
-          </a:p>
-          <a:p>
+              <a:t>Feature selection must be done on the training set only</a:t>
+            </a:r>
+          </a:p>
+          <a:p>
+            <a:pPr marL="457200" lvl="1" indent="0">
+              <a:buNone/>
+            </a:pPr>
+            <a:endParaRPr lang="en-KW" dirty="0"/>
+          </a:p>
+        </p:txBody>
+      </p:sp>
+      <p:sp>
+        <p:nvSpPr>
+          <p:cNvPr id="5" name="Rectangle 4">
+            <a:extLst>
+              <a:ext uri="{FF2B5EF4-FFF2-40B4-BE49-F238E27FC236}">
+                <a16:creationId xmlns:a16="http://schemas.microsoft.com/office/drawing/2014/main" id="{283EDF27-58A1-112C-279D-92300C039C48}"/>
+              </a:ext>
+            </a:extLst>
+          </p:cNvPr>
+          <p:cNvSpPr/>
+          <p:nvPr/>
+        </p:nvSpPr>
+        <p:spPr>
+          <a:xfrm>
+            <a:off x="1699940" y="2778019"/>
+            <a:ext cx="2870649" cy="1018557"/>
+          </a:xfrm>
+          <a:prstGeom prst="rect">
+            <a:avLst/>
+          </a:prstGeom>
+          <a:solidFill>
+            <a:schemeClr val="bg1"/>
+          </a:solidFill>
+          <a:ln w="38100">
+            <a:solidFill>
+              <a:schemeClr val="tx1"/>
+            </a:solidFill>
+          </a:ln>
+        </p:spPr>
+        <p:style>
+          <a:lnRef idx="2">
+            <a:schemeClr val="accent1">
+              <a:shade val="15000"/>
+            </a:schemeClr>
+          </a:lnRef>
+          <a:fillRef idx="1">
+            <a:schemeClr val="accent1"/>
+          </a:fillRef>
+          <a:effectRef idx="0">
+            <a:schemeClr val="accent1"/>
+          </a:effectRef>
+          <a:fontRef idx="minor">
+            <a:schemeClr val="lt1"/>
+          </a:fontRef>
+        </p:style>
+        <p:txBody>
+          <a:bodyPr rtlCol="0" anchor="ctr"/>
+          <a:lstStyle/>
+          <a:p>
+            <a:pPr algn="ctr"/>
+            <a:r>
+              <a:rPr lang="en-KW" b="1" dirty="0">
+                <a:solidFill>
+                  <a:schemeClr val="tx1"/>
+                </a:solidFill>
+              </a:rPr>
+              <a:t>Select best model</a:t>
+            </a:r>
+          </a:p>
+          <a:p>
+            <a:pPr algn="ctr"/>
+            <a:r>
+              <a:rPr lang="en-KW" b="1" dirty="0">
+                <a:solidFill>
+                  <a:schemeClr val="tx1"/>
+                </a:solidFill>
+              </a:rPr>
+              <a:t>based on the training Set</a:t>
+            </a:r>
+          </a:p>
+          <a:p>
+            <a:pPr algn="ctr"/>
+            <a:r>
+              <a:rPr lang="en-KW" b="1" dirty="0">
+                <a:solidFill>
+                  <a:schemeClr val="tx1"/>
+                </a:solidFill>
+              </a:rPr>
+              <a:t>(inner loop) </a:t>
+            </a:r>
+          </a:p>
+        </p:txBody>
+      </p:sp>
+      <p:sp>
+        <p:nvSpPr>
+          <p:cNvPr id="6" name="Rectangle 5">
+            <a:extLst>
+              <a:ext uri="{FF2B5EF4-FFF2-40B4-BE49-F238E27FC236}">
+                <a16:creationId xmlns:a16="http://schemas.microsoft.com/office/drawing/2014/main" id="{777C9837-F0E1-4956-691F-4D87AC9438AE}"/>
+              </a:ext>
+            </a:extLst>
+          </p:cNvPr>
+          <p:cNvSpPr/>
+          <p:nvPr/>
+        </p:nvSpPr>
+        <p:spPr>
+          <a:xfrm>
+            <a:off x="5284099" y="2778019"/>
+            <a:ext cx="1978502" cy="1018557"/>
+          </a:xfrm>
+          <a:prstGeom prst="rect">
+            <a:avLst/>
+          </a:prstGeom>
+          <a:solidFill>
+            <a:schemeClr val="bg1"/>
+          </a:solidFill>
+          <a:ln w="38100">
+            <a:solidFill>
+              <a:schemeClr val="tx1"/>
+            </a:solidFill>
+          </a:ln>
+        </p:spPr>
+        <p:style>
+          <a:lnRef idx="2">
+            <a:schemeClr val="accent1">
+              <a:shade val="15000"/>
+            </a:schemeClr>
+          </a:lnRef>
+          <a:fillRef idx="1">
+            <a:schemeClr val="accent1"/>
+          </a:fillRef>
+          <a:effectRef idx="0">
+            <a:schemeClr val="accent1"/>
+          </a:effectRef>
+          <a:fontRef idx="minor">
+            <a:schemeClr val="lt1"/>
+          </a:fontRef>
+        </p:style>
+        <p:txBody>
+          <a:bodyPr rtlCol="0" anchor="ctr"/>
+          <a:lstStyle/>
+          <a:p>
+            <a:pPr algn="ctr"/>
+            <a:r>
+              <a:rPr lang="en-KW" b="1" dirty="0">
+                <a:solidFill>
+                  <a:schemeClr val="tx1"/>
+                </a:solidFill>
+              </a:rPr>
+              <a:t>Train best model on training set</a:t>
+            </a:r>
+          </a:p>
+        </p:txBody>
+      </p:sp>
+      <p:sp>
+        <p:nvSpPr>
+          <p:cNvPr id="7" name="Rectangle 6">
+            <a:extLst>
+              <a:ext uri="{FF2B5EF4-FFF2-40B4-BE49-F238E27FC236}">
+                <a16:creationId xmlns:a16="http://schemas.microsoft.com/office/drawing/2014/main" id="{80F6BE6F-F3E3-43B6-FBB6-F8E2169F1281}"/>
+              </a:ext>
+            </a:extLst>
+          </p:cNvPr>
+          <p:cNvSpPr/>
+          <p:nvPr/>
+        </p:nvSpPr>
+        <p:spPr>
+          <a:xfrm>
+            <a:off x="7976111" y="2778018"/>
+            <a:ext cx="1778959" cy="1018557"/>
+          </a:xfrm>
+          <a:prstGeom prst="rect">
+            <a:avLst/>
+          </a:prstGeom>
+          <a:solidFill>
+            <a:schemeClr val="bg1"/>
+          </a:solidFill>
+          <a:ln w="38100">
+            <a:solidFill>
+              <a:schemeClr val="tx1"/>
+            </a:solidFill>
+          </a:ln>
+        </p:spPr>
+        <p:style>
+          <a:lnRef idx="2">
+            <a:schemeClr val="accent1">
+              <a:shade val="15000"/>
+            </a:schemeClr>
+          </a:lnRef>
+          <a:fillRef idx="1">
+            <a:schemeClr val="accent1"/>
+          </a:fillRef>
+          <a:effectRef idx="0">
+            <a:schemeClr val="accent1"/>
+          </a:effectRef>
+          <a:fontRef idx="minor">
+            <a:schemeClr val="lt1"/>
+          </a:fontRef>
+        </p:style>
+        <p:txBody>
+          <a:bodyPr rtlCol="0" anchor="ctr"/>
+          <a:lstStyle/>
+          <a:p>
+            <a:pPr algn="ctr"/>
+            <a:r>
+              <a:rPr lang="en-KW" b="1" dirty="0">
+                <a:solidFill>
+                  <a:schemeClr val="tx1"/>
+                </a:solidFill>
+              </a:rPr>
+              <a:t>Evaluate best model on the test set</a:t>
+            </a:r>
+          </a:p>
+        </p:txBody>
+      </p:sp>
+      <p:cxnSp>
+        <p:nvCxnSpPr>
+          <p:cNvPr id="9" name="Straight Arrow Connector 8">
+            <a:extLst>
+              <a:ext uri="{FF2B5EF4-FFF2-40B4-BE49-F238E27FC236}">
+                <a16:creationId xmlns:a16="http://schemas.microsoft.com/office/drawing/2014/main" id="{5EC0F0BC-CCB8-1B18-2BD3-335B2C9AD1F3}"/>
+              </a:ext>
+            </a:extLst>
+          </p:cNvPr>
+          <p:cNvCxnSpPr>
+            <a:stCxn id="5" idx="3"/>
+            <a:endCxn id="6" idx="1"/>
+          </p:cNvCxnSpPr>
+          <p:nvPr/>
+        </p:nvCxnSpPr>
+        <p:spPr>
+          <a:xfrm>
+            <a:off x="4570589" y="3287298"/>
+            <a:ext cx="713510" cy="0"/>
+          </a:xfrm>
+          <a:prstGeom prst="straightConnector1">
+            <a:avLst/>
+          </a:prstGeom>
+          <a:ln w="38100">
+            <a:solidFill>
+              <a:schemeClr val="tx1"/>
+            </a:solidFill>
+            <a:tailEnd type="triangle"/>
+          </a:ln>
+        </p:spPr>
+        <p:style>
+          <a:lnRef idx="2">
+            <a:schemeClr val="accent1"/>
+          </a:lnRef>
+          <a:fillRef idx="0">
+            <a:schemeClr val="accent1"/>
+          </a:fillRef>
+          <a:effectRef idx="1">
+            <a:schemeClr val="accent1"/>
+          </a:effectRef>
+          <a:fontRef idx="minor">
+            <a:schemeClr val="tx1"/>
+          </a:fontRef>
+        </p:style>
+      </p:cxnSp>
+      <p:cxnSp>
+        <p:nvCxnSpPr>
+          <p:cNvPr id="10" name="Straight Arrow Connector 9">
+            <a:extLst>
+              <a:ext uri="{FF2B5EF4-FFF2-40B4-BE49-F238E27FC236}">
+                <a16:creationId xmlns:a16="http://schemas.microsoft.com/office/drawing/2014/main" id="{68A4DD3A-5B9C-B03A-0BF1-F8898453F119}"/>
+              </a:ext>
+            </a:extLst>
+          </p:cNvPr>
+          <p:cNvCxnSpPr>
+            <a:cxnSpLocks/>
+            <a:stCxn id="6" idx="3"/>
+            <a:endCxn id="7" idx="1"/>
+          </p:cNvCxnSpPr>
+          <p:nvPr/>
+        </p:nvCxnSpPr>
+        <p:spPr>
+          <a:xfrm flipV="1">
+            <a:off x="7262601" y="3287297"/>
+            <a:ext cx="713510" cy="1"/>
+          </a:xfrm>
+          <a:prstGeom prst="straightConnector1">
+            <a:avLst/>
+          </a:prstGeom>
+          <a:ln w="38100">
+            <a:solidFill>
+              <a:schemeClr val="tx1"/>
+            </a:solidFill>
+            <a:tailEnd type="triangle"/>
+          </a:ln>
+        </p:spPr>
+        <p:style>
+          <a:lnRef idx="2">
+            <a:schemeClr val="accent1"/>
+          </a:lnRef>
+          <a:fillRef idx="0">
+            <a:schemeClr val="accent1"/>
+          </a:fillRef>
+          <a:effectRef idx="1">
+            <a:schemeClr val="accent1"/>
+          </a:effectRef>
+          <a:fontRef idx="minor">
+            <a:schemeClr val="tx1"/>
+          </a:fontRef>
+        </p:style>
+      </p:cxnSp>
+      <p:cxnSp>
+        <p:nvCxnSpPr>
+          <p:cNvPr id="13" name="Straight Arrow Connector 12">
+            <a:extLst>
+              <a:ext uri="{FF2B5EF4-FFF2-40B4-BE49-F238E27FC236}">
+                <a16:creationId xmlns:a16="http://schemas.microsoft.com/office/drawing/2014/main" id="{17300285-B369-2CC3-7A70-3C42BEC0CB1C}"/>
+              </a:ext>
+            </a:extLst>
+          </p:cNvPr>
+          <p:cNvCxnSpPr>
+            <a:cxnSpLocks/>
+            <a:stCxn id="7" idx="3"/>
+            <a:endCxn id="5" idx="1"/>
+          </p:cNvCxnSpPr>
+          <p:nvPr/>
+        </p:nvCxnSpPr>
+        <p:spPr>
+          <a:xfrm flipH="1">
+            <a:off x="1699940" y="3287297"/>
+            <a:ext cx="8055130" cy="1"/>
+          </a:xfrm>
+          <a:prstGeom prst="bentConnector5">
+            <a:avLst>
+              <a:gd name="adj1" fmla="val -2838"/>
+              <a:gd name="adj2" fmla="val 73787900000"/>
+              <a:gd name="adj3" fmla="val 102838"/>
+            </a:avLst>
+          </a:prstGeom>
+          <a:ln w="38100">
+            <a:solidFill>
+              <a:schemeClr val="tx1"/>
+            </a:solidFill>
+            <a:tailEnd type="triangle"/>
+          </a:ln>
+        </p:spPr>
+        <p:style>
+          <a:lnRef idx="2">
+            <a:schemeClr val="accent1"/>
+          </a:lnRef>
+          <a:fillRef idx="0">
+            <a:schemeClr val="accent1"/>
+          </a:fillRef>
+          <a:effectRef idx="1">
+            <a:schemeClr val="accent1"/>
+          </a:effectRef>
+          <a:fontRef idx="minor">
+            <a:schemeClr val="tx1"/>
+          </a:fontRef>
+        </p:style>
+      </p:cxnSp>
+      <p:sp>
+        <p:nvSpPr>
+          <p:cNvPr id="17" name="Rectangle 16">
+            <a:extLst>
+              <a:ext uri="{FF2B5EF4-FFF2-40B4-BE49-F238E27FC236}">
+                <a16:creationId xmlns:a16="http://schemas.microsoft.com/office/drawing/2014/main" id="{A8A070BB-2CC4-9117-01FC-585EFB8C4CCA}"/>
+              </a:ext>
+            </a:extLst>
+          </p:cNvPr>
+          <p:cNvSpPr/>
+          <p:nvPr/>
+        </p:nvSpPr>
+        <p:spPr>
+          <a:xfrm>
+            <a:off x="4570589" y="3921451"/>
+            <a:ext cx="3345875" cy="589036"/>
+          </a:xfrm>
+          <a:prstGeom prst="rect">
+            <a:avLst/>
+          </a:prstGeom>
+          <a:noFill/>
+          <a:ln>
+            <a:noFill/>
+          </a:ln>
+        </p:spPr>
+        <p:style>
+          <a:lnRef idx="2">
+            <a:schemeClr val="accent1">
+              <a:shade val="15000"/>
+            </a:schemeClr>
+          </a:lnRef>
+          <a:fillRef idx="1">
+            <a:schemeClr val="accent1"/>
+          </a:fillRef>
+          <a:effectRef idx="0">
+            <a:schemeClr val="accent1"/>
+          </a:effectRef>
+          <a:fontRef idx="minor">
+            <a:schemeClr val="lt1"/>
+          </a:fontRef>
+        </p:style>
+        <p:txBody>
+          <a:bodyPr rtlCol="0" anchor="ctr"/>
+          <a:lstStyle/>
+          <a:p>
+            <a:pPr algn="ctr"/>
+            <a:r>
+              <a:rPr lang="en-KW" dirty="0">
+                <a:solidFill>
+                  <a:schemeClr val="tx1"/>
+                </a:solidFill>
+              </a:rPr>
+              <a:t>Next Training and Testing Sets </a:t>
+            </a:r>
+          </a:p>
+        </p:txBody>
+      </p:sp>
+      <p:sp>
+        <p:nvSpPr>
+          <p:cNvPr id="18" name="Content Placeholder 2">
+            <a:extLst>
+              <a:ext uri="{FF2B5EF4-FFF2-40B4-BE49-F238E27FC236}">
+                <a16:creationId xmlns:a16="http://schemas.microsoft.com/office/drawing/2014/main" id="{F6E4CC1E-B6B4-6520-A914-208FD1B4C712}"/>
+              </a:ext>
+            </a:extLst>
+          </p:cNvPr>
+          <p:cNvSpPr txBox="1">
+            <a:spLocks/>
+          </p:cNvSpPr>
+          <p:nvPr/>
+        </p:nvSpPr>
+        <p:spPr>
+          <a:xfrm>
+            <a:off x="838200" y="4675911"/>
+            <a:ext cx="10515600" cy="1544757"/>
+          </a:xfrm>
+          <a:prstGeom prst="rect">
+            <a:avLst/>
+          </a:prstGeom>
+        </p:spPr>
+        <p:txBody>
+          <a:bodyPr vert="horz" lIns="91440" tIns="45720" rIns="91440" bIns="45720" rtlCol="0">
+            <a:normAutofit/>
+          </a:bodyPr>
+          <a:lstStyle>
+            <a:lvl1pPr marL="228600" indent="-228600" algn="l" defTabSz="914400" rtl="0" eaLnBrk="1" latinLnBrk="0" hangingPunct="1">
+              <a:lnSpc>
+                <a:spcPct val="90000"/>
+              </a:lnSpc>
+              <a:spcBef>
+                <a:spcPts val="1000"/>
+              </a:spcBef>
+              <a:buFont typeface="Arial" panose="020B0604020202020204" pitchFamily="34" charset="0"/>
+              <a:buChar char="•"/>
+              <a:defRPr sz="2800" b="1" kern="1200">
+                <a:solidFill>
+                  <a:srgbClr val="0070C0"/>
+                </a:solidFill>
+                <a:latin typeface="+mn-lt"/>
+                <a:ea typeface="+mn-ea"/>
+                <a:cs typeface="+mn-cs"/>
+              </a:defRPr>
+            </a:lvl1pPr>
+            <a:lvl2pPr marL="685800" indent="-228600" algn="l" defTabSz="914400" rtl="0" eaLnBrk="1" latinLnBrk="0" hangingPunct="1">
+              <a:lnSpc>
+                <a:spcPct val="90000"/>
+              </a:lnSpc>
+              <a:spcBef>
+                <a:spcPts val="500"/>
+              </a:spcBef>
+              <a:buFont typeface="Arial" panose="020B0604020202020204" pitchFamily="34" charset="0"/>
+              <a:buChar char="•"/>
+              <a:defRPr sz="2400" b="1" kern="1200">
+                <a:solidFill>
+                  <a:srgbClr val="7030A0"/>
+                </a:solidFill>
+                <a:latin typeface="+mn-lt"/>
+                <a:ea typeface="+mn-ea"/>
+                <a:cs typeface="+mn-cs"/>
+              </a:defRPr>
+            </a:lvl2pPr>
+            <a:lvl3pPr marL="1143000" indent="-228600" algn="l" defTabSz="914400" rtl="0" eaLnBrk="1" latinLnBrk="0" hangingPunct="1">
+              <a:lnSpc>
+                <a:spcPct val="90000"/>
+              </a:lnSpc>
+              <a:spcBef>
+                <a:spcPts val="500"/>
+              </a:spcBef>
+              <a:buFont typeface="Arial" panose="020B0604020202020204" pitchFamily="34" charset="0"/>
+              <a:buChar char="•"/>
+              <a:defRPr sz="2000" kern="1200">
+                <a:solidFill>
+                  <a:schemeClr val="tx1"/>
+                </a:solidFill>
+                <a:latin typeface="+mn-lt"/>
+                <a:ea typeface="+mn-ea"/>
+                <a:cs typeface="+mn-cs"/>
+              </a:defRPr>
+            </a:lvl3pPr>
+            <a:lvl4pPr marL="1600200" indent="-228600" algn="l" defTabSz="914400" rtl="0" eaLnBrk="1" latinLnBrk="0" hangingPunct="1">
+              <a:lnSpc>
+                <a:spcPct val="90000"/>
+              </a:lnSpc>
+              <a:spcBef>
+                <a:spcPts val="500"/>
+              </a:spcBef>
+              <a:buFont typeface="Arial" panose="020B0604020202020204" pitchFamily="34" charset="0"/>
+              <a:buChar char="•"/>
+              <a:defRPr sz="1800" kern="1200">
+                <a:solidFill>
+                  <a:schemeClr val="tx1"/>
+                </a:solidFill>
+                <a:latin typeface="+mn-lt"/>
+                <a:ea typeface="+mn-ea"/>
+                <a:cs typeface="+mn-cs"/>
+              </a:defRPr>
+            </a:lvl4pPr>
+            <a:lvl5pPr marL="2057400" indent="-228600" algn="l" defTabSz="914400" rtl="0" eaLnBrk="1" latinLnBrk="0" hangingPunct="1">
+              <a:lnSpc>
+                <a:spcPct val="90000"/>
+              </a:lnSpc>
+              <a:spcBef>
+                <a:spcPts val="500"/>
+              </a:spcBef>
+              <a:buFont typeface="Arial" panose="020B0604020202020204" pitchFamily="34" charset="0"/>
+              <a:buChar char="•"/>
+              <a:defRPr sz="1800" kern="1200">
+                <a:solidFill>
+                  <a:schemeClr val="tx1"/>
+                </a:solidFill>
+                <a:latin typeface="+mn-lt"/>
+                <a:ea typeface="+mn-ea"/>
+                <a:cs typeface="+mn-cs"/>
+              </a:defRPr>
+            </a:lvl5pPr>
+            <a:lvl6pPr marL="2514600" indent="-228600" algn="l" defTabSz="914400" rtl="0" eaLnBrk="1" latinLnBrk="0" hangingPunct="1">
+              <a:lnSpc>
+                <a:spcPct val="90000"/>
+              </a:lnSpc>
+              <a:spcBef>
+                <a:spcPts val="500"/>
+              </a:spcBef>
+              <a:buFont typeface="Arial" panose="020B0604020202020204" pitchFamily="34" charset="0"/>
+              <a:buChar char="•"/>
+              <a:defRPr sz="1800" kern="1200">
+                <a:solidFill>
+                  <a:schemeClr val="tx1"/>
+                </a:solidFill>
+                <a:latin typeface="+mn-lt"/>
+                <a:ea typeface="+mn-ea"/>
+                <a:cs typeface="+mn-cs"/>
+              </a:defRPr>
+            </a:lvl6pPr>
+            <a:lvl7pPr marL="2971800" indent="-228600" algn="l" defTabSz="914400" rtl="0" eaLnBrk="1" latinLnBrk="0" hangingPunct="1">
+              <a:lnSpc>
+                <a:spcPct val="90000"/>
+              </a:lnSpc>
+              <a:spcBef>
+                <a:spcPts val="500"/>
+              </a:spcBef>
+              <a:buFont typeface="Arial" panose="020B0604020202020204" pitchFamily="34" charset="0"/>
+              <a:buChar char="•"/>
+              <a:defRPr sz="1800" kern="1200">
+                <a:solidFill>
+                  <a:schemeClr val="tx1"/>
+                </a:solidFill>
+                <a:latin typeface="+mn-lt"/>
+                <a:ea typeface="+mn-ea"/>
+                <a:cs typeface="+mn-cs"/>
+              </a:defRPr>
+            </a:lvl7pPr>
+            <a:lvl8pPr marL="3429000" indent="-228600" algn="l" defTabSz="914400" rtl="0" eaLnBrk="1" latinLnBrk="0" hangingPunct="1">
+              <a:lnSpc>
+                <a:spcPct val="90000"/>
+              </a:lnSpc>
+              <a:spcBef>
+                <a:spcPts val="500"/>
+              </a:spcBef>
+              <a:buFont typeface="Arial" panose="020B0604020202020204" pitchFamily="34" charset="0"/>
+              <a:buChar char="•"/>
+              <a:defRPr sz="1800" kern="1200">
+                <a:solidFill>
+                  <a:schemeClr val="tx1"/>
+                </a:solidFill>
+                <a:latin typeface="+mn-lt"/>
+                <a:ea typeface="+mn-ea"/>
+                <a:cs typeface="+mn-cs"/>
+              </a:defRPr>
+            </a:lvl8pPr>
+            <a:lvl9pPr marL="3886200" indent="-228600" algn="l" defTabSz="914400" rtl="0" eaLnBrk="1" latinLnBrk="0" hangingPunct="1">
+              <a:lnSpc>
+                <a:spcPct val="90000"/>
+              </a:lnSpc>
+              <a:spcBef>
+                <a:spcPts val="500"/>
+              </a:spcBef>
+              <a:buFont typeface="Arial" panose="020B0604020202020204" pitchFamily="34" charset="0"/>
+              <a:buChar char="•"/>
+              <a:defRPr sz="1800" kern="1200">
+                <a:solidFill>
+                  <a:schemeClr val="tx1"/>
+                </a:solidFill>
+                <a:latin typeface="+mn-lt"/>
+                <a:ea typeface="+mn-ea"/>
+                <a:cs typeface="+mn-cs"/>
+              </a:defRPr>
+            </a:lvl9pPr>
+          </a:lstStyle>
+          <a:p>
+            <a:pPr marL="0" indent="0">
+              <a:buFont typeface="Arial" panose="020B0604020202020204" pitchFamily="34" charset="0"/>
+              <a:buNone/>
+            </a:pPr>
             <a:r>
               <a:rPr lang="en-KW" dirty="0"/>
-              <a:t>Optimize model with gradient descent</a:t>
-            </a:r>
-          </a:p>
-          <a:p>
-            <a:r>
-              <a:rPr lang="en-KW" dirty="0"/>
-              <a:t>Plot </a:t>
-            </a:r>
-            <a:r>
-              <a:rPr lang="en-KW"/>
-              <a:t>the model fit</a:t>
-            </a:r>
+              <a:t>Selection step can done on the training set using the approach in the previous slide </a:t>
+            </a:r>
+            <a:r>
+              <a:rPr lang="en-KW" dirty="0">
+                <a:solidFill>
+                  <a:srgbClr val="7030A0"/>
+                </a:solidFill>
+              </a:rPr>
+              <a:t>=&gt; this is called nested cross validation</a:t>
+            </a:r>
+          </a:p>
+          <a:p>
+            <a:pPr marL="457200" lvl="1" indent="0">
+              <a:buFont typeface="Arial" panose="020B0604020202020204" pitchFamily="34" charset="0"/>
+              <a:buNone/>
+            </a:pPr>
             <a:endParaRPr lang="en-KW" dirty="0"/>
           </a:p>
         </p:txBody>
@@ -6734,7 +10440,150 @@
     </p:spTree>
     <p:extLst>
       <p:ext uri="{BB962C8B-B14F-4D97-AF65-F5344CB8AC3E}">
-        <p14:creationId xmlns:p14="http://schemas.microsoft.com/office/powerpoint/2010/main" val="1760064608"/>
+        <p14:creationId xmlns:p14="http://schemas.microsoft.com/office/powerpoint/2010/main" val="2239492756"/>
+      </p:ext>
+    </p:extLst>
+  </p:cSld>
+  <p:clrMapOvr>
+    <a:masterClrMapping/>
+  </p:clrMapOvr>
+</p:sld>
+</file>
+
+<file path=ppt/slides/slide9.xml><?xml version="1.0" encoding="utf-8"?>
+<p:sld xmlns:a="http://schemas.openxmlformats.org/drawingml/2006/main" xmlns:r="http://schemas.openxmlformats.org/officeDocument/2006/relationships" xmlns:p="http://schemas.openxmlformats.org/presentationml/2006/main">
+  <p:cSld>
+    <p:spTree>
+      <p:nvGrpSpPr>
+        <p:cNvPr id="1" name=""/>
+        <p:cNvGrpSpPr/>
+        <p:nvPr/>
+      </p:nvGrpSpPr>
+      <p:grpSpPr>
+        <a:xfrm>
+          <a:off x="0" y="0"/>
+          <a:ext cx="0" cy="0"/>
+          <a:chOff x="0" y="0"/>
+          <a:chExt cx="0" cy="0"/>
+        </a:xfrm>
+      </p:grpSpPr>
+      <p:sp>
+        <p:nvSpPr>
+          <p:cNvPr id="2" name="Title 1">
+            <a:extLst>
+              <a:ext uri="{FF2B5EF4-FFF2-40B4-BE49-F238E27FC236}">
+                <a16:creationId xmlns:a16="http://schemas.microsoft.com/office/drawing/2014/main" id="{D17D7F47-FD4D-5ABE-9E45-8413640DFD39}"/>
+              </a:ext>
+            </a:extLst>
+          </p:cNvPr>
+          <p:cNvSpPr>
+            <a:spLocks noGrp="1"/>
+          </p:cNvSpPr>
+          <p:nvPr>
+            <p:ph type="title"/>
+          </p:nvPr>
+        </p:nvSpPr>
+        <p:spPr/>
+        <p:txBody>
+          <a:bodyPr/>
+          <a:lstStyle/>
+          <a:p>
+            <a:r>
+              <a:rPr lang="en-KW" dirty="0"/>
+              <a:t>But I Want ONE Feature Set!</a:t>
+            </a:r>
+          </a:p>
+        </p:txBody>
+      </p:sp>
+      <p:sp>
+        <p:nvSpPr>
+          <p:cNvPr id="3" name="Content Placeholder 2">
+            <a:extLst>
+              <a:ext uri="{FF2B5EF4-FFF2-40B4-BE49-F238E27FC236}">
+                <a16:creationId xmlns:a16="http://schemas.microsoft.com/office/drawing/2014/main" id="{1DEDB435-CF48-9AD8-FDF2-F1822B308570}"/>
+              </a:ext>
+            </a:extLst>
+          </p:cNvPr>
+          <p:cNvSpPr>
+            <a:spLocks noGrp="1"/>
+          </p:cNvSpPr>
+          <p:nvPr>
+            <p:ph idx="1"/>
+          </p:nvPr>
+        </p:nvSpPr>
+        <p:spPr/>
+        <p:txBody>
+          <a:bodyPr>
+            <a:normAutofit/>
+          </a:bodyPr>
+          <a:lstStyle/>
+          <a:p>
+            <a:pPr marL="0" indent="0">
+              <a:buNone/>
+            </a:pPr>
+            <a:r>
+              <a:rPr lang="en-KW" dirty="0">
+                <a:solidFill>
+                  <a:srgbClr val="FF0000"/>
+                </a:solidFill>
+              </a:rPr>
+              <a:t>Nested CV yields 5 feature sets, one per training/testing fold, which one to pick?</a:t>
+            </a:r>
+            <a:endParaRPr lang="en-KW" dirty="0"/>
+          </a:p>
+          <a:p>
+            <a:pPr marL="514350" indent="-514350">
+              <a:buFont typeface="+mj-lt"/>
+              <a:buAutoNum type="arabicPeriod"/>
+            </a:pPr>
+            <a:r>
+              <a:rPr lang="en-KW" dirty="0"/>
+              <a:t>Evaluate using nested CV</a:t>
+            </a:r>
+          </a:p>
+          <a:p>
+            <a:pPr marL="514350" indent="-514350">
+              <a:buFont typeface="+mj-lt"/>
+              <a:buAutoNum type="arabicPeriod"/>
+            </a:pPr>
+            <a:r>
+              <a:rPr lang="en-KW" dirty="0"/>
+              <a:t>If average MSE is good, run the feature selection process on the whole dataset</a:t>
+            </a:r>
+          </a:p>
+          <a:p>
+            <a:pPr marL="514350" indent="-514350">
+              <a:buFont typeface="+mj-lt"/>
+              <a:buAutoNum type="arabicPeriod"/>
+            </a:pPr>
+            <a:r>
+              <a:rPr lang="en-KW" dirty="0"/>
+              <a:t>You will get one feature set as the outcome of this process</a:t>
+            </a:r>
+          </a:p>
+          <a:p>
+            <a:pPr marL="0" indent="0">
+              <a:buNone/>
+            </a:pPr>
+            <a:r>
+              <a:rPr lang="en-KW" dirty="0">
+                <a:solidFill>
+                  <a:srgbClr val="00B0F0"/>
+                </a:solidFill>
+              </a:rPr>
+              <a:t>Why? </a:t>
+            </a:r>
+            <a:r>
+              <a:rPr lang="en-KW" dirty="0"/>
+              <a:t>nested CV is used to show that model+feature selection can generalize well, so we can trust the selected features</a:t>
+            </a:r>
+          </a:p>
+        </p:txBody>
+      </p:sp>
+    </p:spTree>
+    <p:extLst>
+      <p:ext uri="{BB962C8B-B14F-4D97-AF65-F5344CB8AC3E}">
+        <p14:creationId xmlns:p14="http://schemas.microsoft.com/office/powerpoint/2010/main" val="318343775"/>
       </p:ext>
     </p:extLst>
   </p:cSld>

--- a/slides/block6.pptx
+++ b/slides/block6.pptx
@@ -208,7 +208,7 @@
           <a:p>
             <a:fld id="{3F5DAF9C-BFBB-7344-81B1-BA27AD60250B}" type="datetimeFigureOut">
               <a:rPr lang="en-KW" smtClean="0"/>
-              <a:t>07/10/2025</a:t>
+              <a:t>21/10/2025</a:t>
             </a:fld>
             <a:endParaRPr lang="en-KW"/>
           </a:p>
@@ -625,7 +625,7 @@
           <a:p>
             <a:fld id="{AB78BAB4-45D1-EE48-BF00-BF3F291908FD}" type="datetimeFigureOut">
               <a:rPr lang="en-KW" smtClean="0"/>
-              <a:t>07/10/2025</a:t>
+              <a:t>21/10/2025</a:t>
             </a:fld>
             <a:endParaRPr lang="en-KW"/>
           </a:p>
@@ -825,7 +825,7 @@
           <a:p>
             <a:fld id="{AB78BAB4-45D1-EE48-BF00-BF3F291908FD}" type="datetimeFigureOut">
               <a:rPr lang="en-KW" smtClean="0"/>
-              <a:t>07/10/2025</a:t>
+              <a:t>21/10/2025</a:t>
             </a:fld>
             <a:endParaRPr lang="en-KW"/>
           </a:p>
@@ -1035,7 +1035,7 @@
           <a:p>
             <a:fld id="{AB78BAB4-45D1-EE48-BF00-BF3F291908FD}" type="datetimeFigureOut">
               <a:rPr lang="en-KW" smtClean="0"/>
-              <a:t>07/10/2025</a:t>
+              <a:t>21/10/2025</a:t>
             </a:fld>
             <a:endParaRPr lang="en-KW"/>
           </a:p>
@@ -1258,7 +1258,7 @@
           <a:p>
             <a:fld id="{AB78BAB4-45D1-EE48-BF00-BF3F291908FD}" type="datetimeFigureOut">
               <a:rPr lang="en-KW" smtClean="0"/>
-              <a:t>07/10/2025</a:t>
+              <a:t>21/10/2025</a:t>
             </a:fld>
             <a:endParaRPr lang="en-KW"/>
           </a:p>
@@ -1534,7 +1534,7 @@
           <a:p>
             <a:fld id="{AB78BAB4-45D1-EE48-BF00-BF3F291908FD}" type="datetimeFigureOut">
               <a:rPr lang="en-KW" smtClean="0"/>
-              <a:t>07/10/2025</a:t>
+              <a:t>21/10/2025</a:t>
             </a:fld>
             <a:endParaRPr lang="en-KW"/>
           </a:p>
@@ -1846,7 +1846,7 @@
           <a:p>
             <a:fld id="{AB78BAB4-45D1-EE48-BF00-BF3F291908FD}" type="datetimeFigureOut">
               <a:rPr lang="en-KW" smtClean="0"/>
-              <a:t>07/10/2025</a:t>
+              <a:t>21/10/2025</a:t>
             </a:fld>
             <a:endParaRPr lang="en-KW"/>
           </a:p>
@@ -2277,7 +2277,7 @@
           <a:p>
             <a:fld id="{AB78BAB4-45D1-EE48-BF00-BF3F291908FD}" type="datetimeFigureOut">
               <a:rPr lang="en-KW" smtClean="0"/>
-              <a:t>07/10/2025</a:t>
+              <a:t>21/10/2025</a:t>
             </a:fld>
             <a:endParaRPr lang="en-KW"/>
           </a:p>
@@ -2419,7 +2419,7 @@
           <a:p>
             <a:fld id="{AB78BAB4-45D1-EE48-BF00-BF3F291908FD}" type="datetimeFigureOut">
               <a:rPr lang="en-KW" smtClean="0"/>
-              <a:t>07/10/2025</a:t>
+              <a:t>21/10/2025</a:t>
             </a:fld>
             <a:endParaRPr lang="en-KW"/>
           </a:p>
@@ -2532,7 +2532,7 @@
           <a:p>
             <a:fld id="{AB78BAB4-45D1-EE48-BF00-BF3F291908FD}" type="datetimeFigureOut">
               <a:rPr lang="en-KW" smtClean="0"/>
-              <a:t>07/10/2025</a:t>
+              <a:t>21/10/2025</a:t>
             </a:fld>
             <a:endParaRPr lang="en-KW"/>
           </a:p>
@@ -2845,7 +2845,7 @@
           <a:p>
             <a:fld id="{AB78BAB4-45D1-EE48-BF00-BF3F291908FD}" type="datetimeFigureOut">
               <a:rPr lang="en-KW" smtClean="0"/>
-              <a:t>07/10/2025</a:t>
+              <a:t>21/10/2025</a:t>
             </a:fld>
             <a:endParaRPr lang="en-KW"/>
           </a:p>
@@ -3134,7 +3134,7 @@
           <a:p>
             <a:fld id="{AB78BAB4-45D1-EE48-BF00-BF3F291908FD}" type="datetimeFigureOut">
               <a:rPr lang="en-KW" smtClean="0"/>
-              <a:t>07/10/2025</a:t>
+              <a:t>21/10/2025</a:t>
             </a:fld>
             <a:endParaRPr lang="en-KW"/>
           </a:p>
@@ -3377,7 +3377,7 @@
           <a:p>
             <a:fld id="{AB78BAB4-45D1-EE48-BF00-BF3F291908FD}" type="datetimeFigureOut">
               <a:rPr lang="en-KW" smtClean="0"/>
-              <a:t>07/10/2025</a:t>
+              <a:t>21/10/2025</a:t>
             </a:fld>
             <a:endParaRPr lang="en-KW"/>
           </a:p>
@@ -3914,8 +3914,8 @@
           </a:p>
         </p:txBody>
       </p:sp>
-      <mc:AlternateContent xmlns:mc="http://schemas.openxmlformats.org/markup-compatibility/2006">
-        <mc:Choice xmlns:a14="http://schemas.microsoft.com/office/drawing/2010/main" Requires="a14">
+      <mc:AlternateContent xmlns:mc="http://schemas.openxmlformats.org/markup-compatibility/2006" xmlns:a14="http://schemas.microsoft.com/office/drawing/2010/main">
+        <mc:Choice Requires="a14">
           <p:sp>
             <p:nvSpPr>
               <p:cNvPr id="3" name="Content Placeholder 2">
@@ -4095,7 +4095,7 @@
             </p:txBody>
           </p:sp>
         </mc:Choice>
-        <mc:Fallback>
+        <mc:Fallback xmlns="">
           <p:sp>
             <p:nvSpPr>
               <p:cNvPr id="3" name="Content Placeholder 2">
@@ -4149,6 +4149,325 @@
   <p:clrMapOvr>
     <a:masterClrMapping/>
   </p:clrMapOvr>
+  <p:timing>
+    <p:tnLst>
+      <p:par>
+        <p:cTn id="1" dur="indefinite" restart="never" nodeType="tmRoot">
+          <p:childTnLst>
+            <p:seq concurrent="1" nextAc="seek">
+              <p:cTn id="2" dur="indefinite" nodeType="mainSeq">
+                <p:childTnLst>
+                  <p:par>
+                    <p:cTn id="3" fill="hold">
+                      <p:stCondLst>
+                        <p:cond delay="indefinite"/>
+                      </p:stCondLst>
+                      <p:childTnLst>
+                        <p:par>
+                          <p:cTn id="4" fill="hold">
+                            <p:stCondLst>
+                              <p:cond delay="0"/>
+                            </p:stCondLst>
+                            <p:childTnLst>
+                              <p:par>
+                                <p:cTn id="5" presetID="1" presetClass="entr" presetSubtype="0" fill="hold" nodeType="clickEffect">
+                                  <p:stCondLst>
+                                    <p:cond delay="0"/>
+                                  </p:stCondLst>
+                                  <p:childTnLst>
+                                    <p:set>
+                                      <p:cBhvr>
+                                        <p:cTn id="6" dur="1" fill="hold">
+                                          <p:stCondLst>
+                                            <p:cond delay="0"/>
+                                          </p:stCondLst>
+                                        </p:cTn>
+                                        <p:tgtEl>
+                                          <p:spTgt spid="3">
+                                            <p:txEl>
+                                              <p:pRg st="0" end="0"/>
+                                            </p:txEl>
+                                          </p:spTgt>
+                                        </p:tgtEl>
+                                        <p:attrNameLst>
+                                          <p:attrName>style.visibility</p:attrName>
+                                        </p:attrNameLst>
+                                      </p:cBhvr>
+                                      <p:to>
+                                        <p:strVal val="visible"/>
+                                      </p:to>
+                                    </p:set>
+                                  </p:childTnLst>
+                                </p:cTn>
+                              </p:par>
+                            </p:childTnLst>
+                          </p:cTn>
+                        </p:par>
+                      </p:childTnLst>
+                    </p:cTn>
+                  </p:par>
+                  <p:par>
+                    <p:cTn id="7" fill="hold">
+                      <p:stCondLst>
+                        <p:cond delay="indefinite"/>
+                      </p:stCondLst>
+                      <p:childTnLst>
+                        <p:par>
+                          <p:cTn id="8" fill="hold">
+                            <p:stCondLst>
+                              <p:cond delay="0"/>
+                            </p:stCondLst>
+                            <p:childTnLst>
+                              <p:par>
+                                <p:cTn id="9" presetID="1" presetClass="entr" presetSubtype="0" fill="hold" nodeType="clickEffect">
+                                  <p:stCondLst>
+                                    <p:cond delay="0"/>
+                                  </p:stCondLst>
+                                  <p:childTnLst>
+                                    <p:set>
+                                      <p:cBhvr>
+                                        <p:cTn id="10" dur="1" fill="hold">
+                                          <p:stCondLst>
+                                            <p:cond delay="0"/>
+                                          </p:stCondLst>
+                                        </p:cTn>
+                                        <p:tgtEl>
+                                          <p:spTgt spid="3">
+                                            <p:txEl>
+                                              <p:pRg st="1" end="1"/>
+                                            </p:txEl>
+                                          </p:spTgt>
+                                        </p:tgtEl>
+                                        <p:attrNameLst>
+                                          <p:attrName>style.visibility</p:attrName>
+                                        </p:attrNameLst>
+                                      </p:cBhvr>
+                                      <p:to>
+                                        <p:strVal val="visible"/>
+                                      </p:to>
+                                    </p:set>
+                                  </p:childTnLst>
+                                </p:cTn>
+                              </p:par>
+                              <p:par>
+                                <p:cTn id="11" presetID="1" presetClass="entr" presetSubtype="0" fill="hold" nodeType="withEffect">
+                                  <p:stCondLst>
+                                    <p:cond delay="0"/>
+                                  </p:stCondLst>
+                                  <p:childTnLst>
+                                    <p:set>
+                                      <p:cBhvr>
+                                        <p:cTn id="12" dur="1" fill="hold">
+                                          <p:stCondLst>
+                                            <p:cond delay="0"/>
+                                          </p:stCondLst>
+                                        </p:cTn>
+                                        <p:tgtEl>
+                                          <p:spTgt spid="3">
+                                            <p:txEl>
+                                              <p:pRg st="2" end="2"/>
+                                            </p:txEl>
+                                          </p:spTgt>
+                                        </p:tgtEl>
+                                        <p:attrNameLst>
+                                          <p:attrName>style.visibility</p:attrName>
+                                        </p:attrNameLst>
+                                      </p:cBhvr>
+                                      <p:to>
+                                        <p:strVal val="visible"/>
+                                      </p:to>
+                                    </p:set>
+                                  </p:childTnLst>
+                                </p:cTn>
+                              </p:par>
+                            </p:childTnLst>
+                          </p:cTn>
+                        </p:par>
+                      </p:childTnLst>
+                    </p:cTn>
+                  </p:par>
+                  <p:par>
+                    <p:cTn id="13" fill="hold">
+                      <p:stCondLst>
+                        <p:cond delay="indefinite"/>
+                      </p:stCondLst>
+                      <p:childTnLst>
+                        <p:par>
+                          <p:cTn id="14" fill="hold">
+                            <p:stCondLst>
+                              <p:cond delay="0"/>
+                            </p:stCondLst>
+                            <p:childTnLst>
+                              <p:par>
+                                <p:cTn id="15" presetID="1" presetClass="entr" presetSubtype="0" fill="hold" nodeType="clickEffect">
+                                  <p:stCondLst>
+                                    <p:cond delay="0"/>
+                                  </p:stCondLst>
+                                  <p:childTnLst>
+                                    <p:set>
+                                      <p:cBhvr>
+                                        <p:cTn id="16" dur="1" fill="hold">
+                                          <p:stCondLst>
+                                            <p:cond delay="0"/>
+                                          </p:stCondLst>
+                                        </p:cTn>
+                                        <p:tgtEl>
+                                          <p:spTgt spid="3">
+                                            <p:txEl>
+                                              <p:pRg st="3" end="3"/>
+                                            </p:txEl>
+                                          </p:spTgt>
+                                        </p:tgtEl>
+                                        <p:attrNameLst>
+                                          <p:attrName>style.visibility</p:attrName>
+                                        </p:attrNameLst>
+                                      </p:cBhvr>
+                                      <p:to>
+                                        <p:strVal val="visible"/>
+                                      </p:to>
+                                    </p:set>
+                                  </p:childTnLst>
+                                </p:cTn>
+                              </p:par>
+                            </p:childTnLst>
+                          </p:cTn>
+                        </p:par>
+                      </p:childTnLst>
+                    </p:cTn>
+                  </p:par>
+                  <p:par>
+                    <p:cTn id="17" fill="hold">
+                      <p:stCondLst>
+                        <p:cond delay="indefinite"/>
+                      </p:stCondLst>
+                      <p:childTnLst>
+                        <p:par>
+                          <p:cTn id="18" fill="hold">
+                            <p:stCondLst>
+                              <p:cond delay="0"/>
+                            </p:stCondLst>
+                            <p:childTnLst>
+                              <p:par>
+                                <p:cTn id="19" presetID="1" presetClass="entr" presetSubtype="0" fill="hold" nodeType="clickEffect">
+                                  <p:stCondLst>
+                                    <p:cond delay="0"/>
+                                  </p:stCondLst>
+                                  <p:childTnLst>
+                                    <p:set>
+                                      <p:cBhvr>
+                                        <p:cTn id="20" dur="1" fill="hold">
+                                          <p:stCondLst>
+                                            <p:cond delay="0"/>
+                                          </p:stCondLst>
+                                        </p:cTn>
+                                        <p:tgtEl>
+                                          <p:spTgt spid="3">
+                                            <p:txEl>
+                                              <p:pRg st="4" end="4"/>
+                                            </p:txEl>
+                                          </p:spTgt>
+                                        </p:tgtEl>
+                                        <p:attrNameLst>
+                                          <p:attrName>style.visibility</p:attrName>
+                                        </p:attrNameLst>
+                                      </p:cBhvr>
+                                      <p:to>
+                                        <p:strVal val="visible"/>
+                                      </p:to>
+                                    </p:set>
+                                  </p:childTnLst>
+                                </p:cTn>
+                              </p:par>
+                              <p:par>
+                                <p:cTn id="21" presetID="1" presetClass="entr" presetSubtype="0" fill="hold" nodeType="withEffect">
+                                  <p:stCondLst>
+                                    <p:cond delay="0"/>
+                                  </p:stCondLst>
+                                  <p:childTnLst>
+                                    <p:set>
+                                      <p:cBhvr>
+                                        <p:cTn id="22" dur="1" fill="hold">
+                                          <p:stCondLst>
+                                            <p:cond delay="0"/>
+                                          </p:stCondLst>
+                                        </p:cTn>
+                                        <p:tgtEl>
+                                          <p:spTgt spid="3">
+                                            <p:txEl>
+                                              <p:pRg st="5" end="5"/>
+                                            </p:txEl>
+                                          </p:spTgt>
+                                        </p:tgtEl>
+                                        <p:attrNameLst>
+                                          <p:attrName>style.visibility</p:attrName>
+                                        </p:attrNameLst>
+                                      </p:cBhvr>
+                                      <p:to>
+                                        <p:strVal val="visible"/>
+                                      </p:to>
+                                    </p:set>
+                                  </p:childTnLst>
+                                </p:cTn>
+                              </p:par>
+                              <p:par>
+                                <p:cTn id="23" presetID="1" presetClass="entr" presetSubtype="0" fill="hold" nodeType="withEffect">
+                                  <p:stCondLst>
+                                    <p:cond delay="0"/>
+                                  </p:stCondLst>
+                                  <p:childTnLst>
+                                    <p:set>
+                                      <p:cBhvr>
+                                        <p:cTn id="24" dur="1" fill="hold">
+                                          <p:stCondLst>
+                                            <p:cond delay="0"/>
+                                          </p:stCondLst>
+                                        </p:cTn>
+                                        <p:tgtEl>
+                                          <p:spTgt spid="3">
+                                            <p:txEl>
+                                              <p:pRg st="6" end="6"/>
+                                            </p:txEl>
+                                          </p:spTgt>
+                                        </p:tgtEl>
+                                        <p:attrNameLst>
+                                          <p:attrName>style.visibility</p:attrName>
+                                        </p:attrNameLst>
+                                      </p:cBhvr>
+                                      <p:to>
+                                        <p:strVal val="visible"/>
+                                      </p:to>
+                                    </p:set>
+                                  </p:childTnLst>
+                                </p:cTn>
+                              </p:par>
+                            </p:childTnLst>
+                          </p:cTn>
+                        </p:par>
+                      </p:childTnLst>
+                    </p:cTn>
+                  </p:par>
+                </p:childTnLst>
+              </p:cTn>
+              <p:prevCondLst>
+                <p:cond evt="onPrev" delay="0">
+                  <p:tgtEl>
+                    <p:sldTgt/>
+                  </p:tgtEl>
+                </p:cond>
+              </p:prevCondLst>
+              <p:nextCondLst>
+                <p:cond evt="onNext" delay="0">
+                  <p:tgtEl>
+                    <p:sldTgt/>
+                  </p:tgtEl>
+                </p:cond>
+              </p:nextCondLst>
+            </p:seq>
+          </p:childTnLst>
+        </p:cTn>
+      </p:par>
+    </p:tnLst>
+  </p:timing>
 </p:sld>
 </file>
 
@@ -4586,6 +4905,382 @@
   <p:clrMapOvr>
     <a:masterClrMapping/>
   </p:clrMapOvr>
+  <p:timing>
+    <p:tnLst>
+      <p:par>
+        <p:cTn id="1" dur="indefinite" restart="never" nodeType="tmRoot">
+          <p:childTnLst>
+            <p:seq concurrent="1" nextAc="seek">
+              <p:cTn id="2" dur="indefinite" nodeType="mainSeq">
+                <p:childTnLst>
+                  <p:par>
+                    <p:cTn id="3" fill="hold">
+                      <p:stCondLst>
+                        <p:cond delay="indefinite"/>
+                      </p:stCondLst>
+                      <p:childTnLst>
+                        <p:par>
+                          <p:cTn id="4" fill="hold">
+                            <p:stCondLst>
+                              <p:cond delay="0"/>
+                            </p:stCondLst>
+                            <p:childTnLst>
+                              <p:par>
+                                <p:cTn id="5" presetID="1" presetClass="entr" presetSubtype="0" fill="hold" grpId="0" nodeType="clickEffect">
+                                  <p:stCondLst>
+                                    <p:cond delay="0"/>
+                                  </p:stCondLst>
+                                  <p:childTnLst>
+                                    <p:set>
+                                      <p:cBhvr>
+                                        <p:cTn id="6" dur="1" fill="hold">
+                                          <p:stCondLst>
+                                            <p:cond delay="0"/>
+                                          </p:stCondLst>
+                                        </p:cTn>
+                                        <p:tgtEl>
+                                          <p:spTgt spid="6">
+                                            <p:txEl>
+                                              <p:pRg st="0" end="0"/>
+                                            </p:txEl>
+                                          </p:spTgt>
+                                        </p:tgtEl>
+                                        <p:attrNameLst>
+                                          <p:attrName>style.visibility</p:attrName>
+                                        </p:attrNameLst>
+                                      </p:cBhvr>
+                                      <p:to>
+                                        <p:strVal val="visible"/>
+                                      </p:to>
+                                    </p:set>
+                                  </p:childTnLst>
+                                </p:cTn>
+                              </p:par>
+                            </p:childTnLst>
+                          </p:cTn>
+                        </p:par>
+                      </p:childTnLst>
+                    </p:cTn>
+                  </p:par>
+                  <p:par>
+                    <p:cTn id="7" fill="hold">
+                      <p:stCondLst>
+                        <p:cond delay="indefinite"/>
+                      </p:stCondLst>
+                      <p:childTnLst>
+                        <p:par>
+                          <p:cTn id="8" fill="hold">
+                            <p:stCondLst>
+                              <p:cond delay="0"/>
+                            </p:stCondLst>
+                            <p:childTnLst>
+                              <p:par>
+                                <p:cTn id="9" presetID="1" presetClass="entr" presetSubtype="0" fill="hold" grpId="0" nodeType="clickEffect">
+                                  <p:stCondLst>
+                                    <p:cond delay="0"/>
+                                  </p:stCondLst>
+                                  <p:childTnLst>
+                                    <p:set>
+                                      <p:cBhvr>
+                                        <p:cTn id="10" dur="1" fill="hold">
+                                          <p:stCondLst>
+                                            <p:cond delay="0"/>
+                                          </p:stCondLst>
+                                        </p:cTn>
+                                        <p:tgtEl>
+                                          <p:spTgt spid="6">
+                                            <p:txEl>
+                                              <p:pRg st="1" end="1"/>
+                                            </p:txEl>
+                                          </p:spTgt>
+                                        </p:tgtEl>
+                                        <p:attrNameLst>
+                                          <p:attrName>style.visibility</p:attrName>
+                                        </p:attrNameLst>
+                                      </p:cBhvr>
+                                      <p:to>
+                                        <p:strVal val="visible"/>
+                                      </p:to>
+                                    </p:set>
+                                  </p:childTnLst>
+                                </p:cTn>
+                              </p:par>
+                            </p:childTnLst>
+                          </p:cTn>
+                        </p:par>
+                      </p:childTnLst>
+                    </p:cTn>
+                  </p:par>
+                  <p:par>
+                    <p:cTn id="11" fill="hold">
+                      <p:stCondLst>
+                        <p:cond delay="indefinite"/>
+                      </p:stCondLst>
+                      <p:childTnLst>
+                        <p:par>
+                          <p:cTn id="12" fill="hold">
+                            <p:stCondLst>
+                              <p:cond delay="0"/>
+                            </p:stCondLst>
+                            <p:childTnLst>
+                              <p:par>
+                                <p:cTn id="13" presetID="1" presetClass="entr" presetSubtype="0" fill="hold" grpId="0" nodeType="clickEffect">
+                                  <p:stCondLst>
+                                    <p:cond delay="0"/>
+                                  </p:stCondLst>
+                                  <p:childTnLst>
+                                    <p:set>
+                                      <p:cBhvr>
+                                        <p:cTn id="14" dur="1" fill="hold">
+                                          <p:stCondLst>
+                                            <p:cond delay="0"/>
+                                          </p:stCondLst>
+                                        </p:cTn>
+                                        <p:tgtEl>
+                                          <p:spTgt spid="6">
+                                            <p:txEl>
+                                              <p:pRg st="2" end="2"/>
+                                            </p:txEl>
+                                          </p:spTgt>
+                                        </p:tgtEl>
+                                        <p:attrNameLst>
+                                          <p:attrName>style.visibility</p:attrName>
+                                        </p:attrNameLst>
+                                      </p:cBhvr>
+                                      <p:to>
+                                        <p:strVal val="visible"/>
+                                      </p:to>
+                                    </p:set>
+                                  </p:childTnLst>
+                                </p:cTn>
+                              </p:par>
+                            </p:childTnLst>
+                          </p:cTn>
+                        </p:par>
+                      </p:childTnLst>
+                    </p:cTn>
+                  </p:par>
+                  <p:par>
+                    <p:cTn id="15" fill="hold">
+                      <p:stCondLst>
+                        <p:cond delay="indefinite"/>
+                      </p:stCondLst>
+                      <p:childTnLst>
+                        <p:par>
+                          <p:cTn id="16" fill="hold">
+                            <p:stCondLst>
+                              <p:cond delay="0"/>
+                            </p:stCondLst>
+                            <p:childTnLst>
+                              <p:par>
+                                <p:cTn id="17" presetID="1" presetClass="entr" presetSubtype="0" fill="hold" grpId="0" nodeType="clickEffect">
+                                  <p:stCondLst>
+                                    <p:cond delay="0"/>
+                                  </p:stCondLst>
+                                  <p:childTnLst>
+                                    <p:set>
+                                      <p:cBhvr>
+                                        <p:cTn id="18" dur="1" fill="hold">
+                                          <p:stCondLst>
+                                            <p:cond delay="0"/>
+                                          </p:stCondLst>
+                                        </p:cTn>
+                                        <p:tgtEl>
+                                          <p:spTgt spid="6">
+                                            <p:txEl>
+                                              <p:pRg st="3" end="3"/>
+                                            </p:txEl>
+                                          </p:spTgt>
+                                        </p:tgtEl>
+                                        <p:attrNameLst>
+                                          <p:attrName>style.visibility</p:attrName>
+                                        </p:attrNameLst>
+                                      </p:cBhvr>
+                                      <p:to>
+                                        <p:strVal val="visible"/>
+                                      </p:to>
+                                    </p:set>
+                                  </p:childTnLst>
+                                </p:cTn>
+                              </p:par>
+                            </p:childTnLst>
+                          </p:cTn>
+                        </p:par>
+                      </p:childTnLst>
+                    </p:cTn>
+                  </p:par>
+                  <p:par>
+                    <p:cTn id="19" fill="hold">
+                      <p:stCondLst>
+                        <p:cond delay="indefinite"/>
+                      </p:stCondLst>
+                      <p:childTnLst>
+                        <p:par>
+                          <p:cTn id="20" fill="hold">
+                            <p:stCondLst>
+                              <p:cond delay="0"/>
+                            </p:stCondLst>
+                            <p:childTnLst>
+                              <p:par>
+                                <p:cTn id="21" presetID="1" presetClass="entr" presetSubtype="0" fill="hold" grpId="0" nodeType="clickEffect">
+                                  <p:stCondLst>
+                                    <p:cond delay="0"/>
+                                  </p:stCondLst>
+                                  <p:childTnLst>
+                                    <p:set>
+                                      <p:cBhvr>
+                                        <p:cTn id="22" dur="1" fill="hold">
+                                          <p:stCondLst>
+                                            <p:cond delay="0"/>
+                                          </p:stCondLst>
+                                        </p:cTn>
+                                        <p:tgtEl>
+                                          <p:spTgt spid="6">
+                                            <p:txEl>
+                                              <p:pRg st="5" end="5"/>
+                                            </p:txEl>
+                                          </p:spTgt>
+                                        </p:tgtEl>
+                                        <p:attrNameLst>
+                                          <p:attrName>style.visibility</p:attrName>
+                                        </p:attrNameLst>
+                                      </p:cBhvr>
+                                      <p:to>
+                                        <p:strVal val="visible"/>
+                                      </p:to>
+                                    </p:set>
+                                  </p:childTnLst>
+                                </p:cTn>
+                              </p:par>
+                            </p:childTnLst>
+                          </p:cTn>
+                        </p:par>
+                      </p:childTnLst>
+                    </p:cTn>
+                  </p:par>
+                  <p:par>
+                    <p:cTn id="23" fill="hold">
+                      <p:stCondLst>
+                        <p:cond delay="indefinite"/>
+                      </p:stCondLst>
+                      <p:childTnLst>
+                        <p:par>
+                          <p:cTn id="24" fill="hold">
+                            <p:stCondLst>
+                              <p:cond delay="0"/>
+                            </p:stCondLst>
+                            <p:childTnLst>
+                              <p:par>
+                                <p:cTn id="25" presetID="1" presetClass="entr" presetSubtype="0" fill="hold" grpId="0" nodeType="clickEffect">
+                                  <p:stCondLst>
+                                    <p:cond delay="0"/>
+                                  </p:stCondLst>
+                                  <p:childTnLst>
+                                    <p:set>
+                                      <p:cBhvr>
+                                        <p:cTn id="26" dur="1" fill="hold">
+                                          <p:stCondLst>
+                                            <p:cond delay="0"/>
+                                          </p:stCondLst>
+                                        </p:cTn>
+                                        <p:tgtEl>
+                                          <p:spTgt spid="6">
+                                            <p:txEl>
+                                              <p:pRg st="6" end="6"/>
+                                            </p:txEl>
+                                          </p:spTgt>
+                                        </p:tgtEl>
+                                        <p:attrNameLst>
+                                          <p:attrName>style.visibility</p:attrName>
+                                        </p:attrNameLst>
+                                      </p:cBhvr>
+                                      <p:to>
+                                        <p:strVal val="visible"/>
+                                      </p:to>
+                                    </p:set>
+                                  </p:childTnLst>
+                                </p:cTn>
+                              </p:par>
+                            </p:childTnLst>
+                          </p:cTn>
+                        </p:par>
+                      </p:childTnLst>
+                    </p:cTn>
+                  </p:par>
+                  <p:par>
+                    <p:cTn id="27" fill="hold">
+                      <p:stCondLst>
+                        <p:cond delay="indefinite"/>
+                      </p:stCondLst>
+                      <p:childTnLst>
+                        <p:par>
+                          <p:cTn id="28" fill="hold">
+                            <p:stCondLst>
+                              <p:cond delay="0"/>
+                            </p:stCondLst>
+                            <p:childTnLst>
+                              <p:par>
+                                <p:cTn id="29" presetID="1" presetClass="entr" presetSubtype="0" fill="hold" grpId="0" nodeType="clickEffect">
+                                  <p:stCondLst>
+                                    <p:cond delay="0"/>
+                                  </p:stCondLst>
+                                  <p:childTnLst>
+                                    <p:set>
+                                      <p:cBhvr>
+                                        <p:cTn id="30" dur="1" fill="hold">
+                                          <p:stCondLst>
+                                            <p:cond delay="0"/>
+                                          </p:stCondLst>
+                                        </p:cTn>
+                                        <p:tgtEl>
+                                          <p:spTgt spid="6">
+                                            <p:txEl>
+                                              <p:pRg st="7" end="7"/>
+                                            </p:txEl>
+                                          </p:spTgt>
+                                        </p:tgtEl>
+                                        <p:attrNameLst>
+                                          <p:attrName>style.visibility</p:attrName>
+                                        </p:attrNameLst>
+                                      </p:cBhvr>
+                                      <p:to>
+                                        <p:strVal val="visible"/>
+                                      </p:to>
+                                    </p:set>
+                                  </p:childTnLst>
+                                </p:cTn>
+                              </p:par>
+                            </p:childTnLst>
+                          </p:cTn>
+                        </p:par>
+                      </p:childTnLst>
+                    </p:cTn>
+                  </p:par>
+                </p:childTnLst>
+              </p:cTn>
+              <p:prevCondLst>
+                <p:cond evt="onPrev" delay="0">
+                  <p:tgtEl>
+                    <p:sldTgt/>
+                  </p:tgtEl>
+                </p:cond>
+              </p:prevCondLst>
+              <p:nextCondLst>
+                <p:cond evt="onNext" delay="0">
+                  <p:tgtEl>
+                    <p:sldTgt/>
+                  </p:tgtEl>
+                </p:cond>
+              </p:nextCondLst>
+            </p:seq>
+          </p:childTnLst>
+        </p:cTn>
+      </p:par>
+    </p:tnLst>
+    <p:bldLst>
+      <p:bldP spid="6" grpId="0" uiExpand="1" build="p"/>
+    </p:bldLst>
+  </p:timing>
 </p:sld>
 </file>
 
@@ -5256,6 +5951,329 @@
   <p:clrMapOvr>
     <a:masterClrMapping/>
   </p:clrMapOvr>
+  <p:timing>
+    <p:tnLst>
+      <p:par>
+        <p:cTn id="1" dur="indefinite" restart="never" nodeType="tmRoot">
+          <p:childTnLst>
+            <p:seq concurrent="1" nextAc="seek">
+              <p:cTn id="2" dur="indefinite" nodeType="mainSeq">
+                <p:childTnLst>
+                  <p:par>
+                    <p:cTn id="3" fill="hold">
+                      <p:stCondLst>
+                        <p:cond delay="indefinite"/>
+                      </p:stCondLst>
+                      <p:childTnLst>
+                        <p:par>
+                          <p:cTn id="4" fill="hold">
+                            <p:stCondLst>
+                              <p:cond delay="0"/>
+                            </p:stCondLst>
+                            <p:childTnLst>
+                              <p:par>
+                                <p:cTn id="5" presetID="1" presetClass="entr" presetSubtype="0" fill="hold" grpId="0" nodeType="clickEffect">
+                                  <p:stCondLst>
+                                    <p:cond delay="0"/>
+                                  </p:stCondLst>
+                                  <p:childTnLst>
+                                    <p:set>
+                                      <p:cBhvr>
+                                        <p:cTn id="6" dur="1" fill="hold">
+                                          <p:stCondLst>
+                                            <p:cond delay="0"/>
+                                          </p:stCondLst>
+                                        </p:cTn>
+                                        <p:tgtEl>
+                                          <p:spTgt spid="3">
+                                            <p:txEl>
+                                              <p:pRg st="0" end="0"/>
+                                            </p:txEl>
+                                          </p:spTgt>
+                                        </p:tgtEl>
+                                        <p:attrNameLst>
+                                          <p:attrName>style.visibility</p:attrName>
+                                        </p:attrNameLst>
+                                      </p:cBhvr>
+                                      <p:to>
+                                        <p:strVal val="visible"/>
+                                      </p:to>
+                                    </p:set>
+                                  </p:childTnLst>
+                                </p:cTn>
+                              </p:par>
+                            </p:childTnLst>
+                          </p:cTn>
+                        </p:par>
+                      </p:childTnLst>
+                    </p:cTn>
+                  </p:par>
+                  <p:par>
+                    <p:cTn id="7" fill="hold">
+                      <p:stCondLst>
+                        <p:cond delay="indefinite"/>
+                      </p:stCondLst>
+                      <p:childTnLst>
+                        <p:par>
+                          <p:cTn id="8" fill="hold">
+                            <p:stCondLst>
+                              <p:cond delay="0"/>
+                            </p:stCondLst>
+                            <p:childTnLst>
+                              <p:par>
+                                <p:cTn id="9" presetID="1" presetClass="entr" presetSubtype="0" fill="hold" nodeType="clickEffect">
+                                  <p:stCondLst>
+                                    <p:cond delay="0"/>
+                                  </p:stCondLst>
+                                  <p:childTnLst>
+                                    <p:set>
+                                      <p:cBhvr>
+                                        <p:cTn id="10" dur="1" fill="hold">
+                                          <p:stCondLst>
+                                            <p:cond delay="0"/>
+                                          </p:stCondLst>
+                                        </p:cTn>
+                                        <p:tgtEl>
+                                          <p:spTgt spid="7"/>
+                                        </p:tgtEl>
+                                        <p:attrNameLst>
+                                          <p:attrName>style.visibility</p:attrName>
+                                        </p:attrNameLst>
+                                      </p:cBhvr>
+                                      <p:to>
+                                        <p:strVal val="visible"/>
+                                      </p:to>
+                                    </p:set>
+                                  </p:childTnLst>
+                                </p:cTn>
+                              </p:par>
+                            </p:childTnLst>
+                          </p:cTn>
+                        </p:par>
+                      </p:childTnLst>
+                    </p:cTn>
+                  </p:par>
+                  <p:par>
+                    <p:cTn id="11" fill="hold">
+                      <p:stCondLst>
+                        <p:cond delay="indefinite"/>
+                      </p:stCondLst>
+                      <p:childTnLst>
+                        <p:par>
+                          <p:cTn id="12" fill="hold">
+                            <p:stCondLst>
+                              <p:cond delay="0"/>
+                            </p:stCondLst>
+                            <p:childTnLst>
+                              <p:par>
+                                <p:cTn id="13" presetID="1" presetClass="entr" presetSubtype="0" fill="hold" grpId="0" nodeType="clickEffect">
+                                  <p:stCondLst>
+                                    <p:cond delay="0"/>
+                                  </p:stCondLst>
+                                  <p:childTnLst>
+                                    <p:set>
+                                      <p:cBhvr>
+                                        <p:cTn id="14" dur="1" fill="hold">
+                                          <p:stCondLst>
+                                            <p:cond delay="0"/>
+                                          </p:stCondLst>
+                                        </p:cTn>
+                                        <p:tgtEl>
+                                          <p:spTgt spid="3">
+                                            <p:txEl>
+                                              <p:pRg st="1" end="1"/>
+                                            </p:txEl>
+                                          </p:spTgt>
+                                        </p:tgtEl>
+                                        <p:attrNameLst>
+                                          <p:attrName>style.visibility</p:attrName>
+                                        </p:attrNameLst>
+                                      </p:cBhvr>
+                                      <p:to>
+                                        <p:strVal val="visible"/>
+                                      </p:to>
+                                    </p:set>
+                                  </p:childTnLst>
+                                </p:cTn>
+                              </p:par>
+                            </p:childTnLst>
+                          </p:cTn>
+                        </p:par>
+                      </p:childTnLst>
+                    </p:cTn>
+                  </p:par>
+                  <p:par>
+                    <p:cTn id="15" fill="hold">
+                      <p:stCondLst>
+                        <p:cond delay="indefinite"/>
+                      </p:stCondLst>
+                      <p:childTnLst>
+                        <p:par>
+                          <p:cTn id="16" fill="hold">
+                            <p:stCondLst>
+                              <p:cond delay="0"/>
+                            </p:stCondLst>
+                            <p:childTnLst>
+                              <p:par>
+                                <p:cTn id="17" presetID="1" presetClass="entr" presetSubtype="0" fill="hold" grpId="0" nodeType="clickEffect">
+                                  <p:stCondLst>
+                                    <p:cond delay="0"/>
+                                  </p:stCondLst>
+                                  <p:childTnLst>
+                                    <p:set>
+                                      <p:cBhvr>
+                                        <p:cTn id="18" dur="1" fill="hold">
+                                          <p:stCondLst>
+                                            <p:cond delay="0"/>
+                                          </p:stCondLst>
+                                        </p:cTn>
+                                        <p:tgtEl>
+                                          <p:spTgt spid="3">
+                                            <p:txEl>
+                                              <p:pRg st="2" end="2"/>
+                                            </p:txEl>
+                                          </p:spTgt>
+                                        </p:tgtEl>
+                                        <p:attrNameLst>
+                                          <p:attrName>style.visibility</p:attrName>
+                                        </p:attrNameLst>
+                                      </p:cBhvr>
+                                      <p:to>
+                                        <p:strVal val="visible"/>
+                                      </p:to>
+                                    </p:set>
+                                  </p:childTnLst>
+                                </p:cTn>
+                              </p:par>
+                            </p:childTnLst>
+                          </p:cTn>
+                        </p:par>
+                      </p:childTnLst>
+                    </p:cTn>
+                  </p:par>
+                  <p:par>
+                    <p:cTn id="19" fill="hold">
+                      <p:stCondLst>
+                        <p:cond delay="indefinite"/>
+                      </p:stCondLst>
+                      <p:childTnLst>
+                        <p:par>
+                          <p:cTn id="20" fill="hold">
+                            <p:stCondLst>
+                              <p:cond delay="0"/>
+                            </p:stCondLst>
+                            <p:childTnLst>
+                              <p:par>
+                                <p:cTn id="21" presetID="1" presetClass="entr" presetSubtype="0" fill="hold" grpId="0" nodeType="clickEffect">
+                                  <p:stCondLst>
+                                    <p:cond delay="0"/>
+                                  </p:stCondLst>
+                                  <p:childTnLst>
+                                    <p:set>
+                                      <p:cBhvr>
+                                        <p:cTn id="22" dur="1" fill="hold">
+                                          <p:stCondLst>
+                                            <p:cond delay="0"/>
+                                          </p:stCondLst>
+                                        </p:cTn>
+                                        <p:tgtEl>
+                                          <p:spTgt spid="3">
+                                            <p:txEl>
+                                              <p:pRg st="3" end="3"/>
+                                            </p:txEl>
+                                          </p:spTgt>
+                                        </p:tgtEl>
+                                        <p:attrNameLst>
+                                          <p:attrName>style.visibility</p:attrName>
+                                        </p:attrNameLst>
+                                      </p:cBhvr>
+                                      <p:to>
+                                        <p:strVal val="visible"/>
+                                      </p:to>
+                                    </p:set>
+                                  </p:childTnLst>
+                                </p:cTn>
+                              </p:par>
+                            </p:childTnLst>
+                          </p:cTn>
+                        </p:par>
+                      </p:childTnLst>
+                    </p:cTn>
+                  </p:par>
+                  <p:par>
+                    <p:cTn id="23" fill="hold">
+                      <p:stCondLst>
+                        <p:cond delay="indefinite"/>
+                      </p:stCondLst>
+                      <p:childTnLst>
+                        <p:par>
+                          <p:cTn id="24" fill="hold">
+                            <p:stCondLst>
+                              <p:cond delay="0"/>
+                            </p:stCondLst>
+                            <p:childTnLst>
+                              <p:par>
+                                <p:cTn id="25" presetID="1" presetClass="entr" presetSubtype="0" fill="hold" grpId="0" nodeType="clickEffect">
+                                  <p:stCondLst>
+                                    <p:cond delay="0"/>
+                                  </p:stCondLst>
+                                  <p:childTnLst>
+                                    <p:set>
+                                      <p:cBhvr>
+                                        <p:cTn id="26" dur="1" fill="hold">
+                                          <p:stCondLst>
+                                            <p:cond delay="0"/>
+                                          </p:stCondLst>
+                                        </p:cTn>
+                                        <p:tgtEl>
+                                          <p:spTgt spid="3">
+                                            <p:txEl>
+                                              <p:pRg st="4" end="4"/>
+                                            </p:txEl>
+                                          </p:spTgt>
+                                        </p:tgtEl>
+                                        <p:attrNameLst>
+                                          <p:attrName>style.visibility</p:attrName>
+                                        </p:attrNameLst>
+                                      </p:cBhvr>
+                                      <p:to>
+                                        <p:strVal val="visible"/>
+                                      </p:to>
+                                    </p:set>
+                                  </p:childTnLst>
+                                </p:cTn>
+                              </p:par>
+                            </p:childTnLst>
+                          </p:cTn>
+                        </p:par>
+                      </p:childTnLst>
+                    </p:cTn>
+                  </p:par>
+                </p:childTnLst>
+              </p:cTn>
+              <p:prevCondLst>
+                <p:cond evt="onPrev" delay="0">
+                  <p:tgtEl>
+                    <p:sldTgt/>
+                  </p:tgtEl>
+                </p:cond>
+              </p:prevCondLst>
+              <p:nextCondLst>
+                <p:cond evt="onNext" delay="0">
+                  <p:tgtEl>
+                    <p:sldTgt/>
+                  </p:tgtEl>
+                </p:cond>
+              </p:nextCondLst>
+            </p:seq>
+          </p:childTnLst>
+        </p:cTn>
+      </p:par>
+    </p:tnLst>
+    <p:bldLst>
+      <p:bldP spid="3" grpId="0" uiExpand="1" build="p"/>
+    </p:bldLst>
+  </p:timing>
 </p:sld>
 </file>
 
@@ -5322,8 +6340,8 @@
         </p:nvSpPr>
         <p:spPr>
           <a:xfrm>
-            <a:off x="6431946" y="1825625"/>
-            <a:ext cx="4921853" cy="4667250"/>
+            <a:off x="6431946" y="3445343"/>
+            <a:ext cx="4921853" cy="3047531"/>
           </a:xfrm>
         </p:spPr>
         <p:txBody>
@@ -5332,42 +6350,7 @@
           </a:bodyPr>
           <a:lstStyle/>
           <a:p>
-            <a:pPr marL="514350" indent="-514350">
-              <a:buFont typeface="+mj-lt"/>
-              <a:buAutoNum type="arabicPeriod"/>
-            </a:pPr>
-            <a:r>
-              <a:rPr lang="en-KW" dirty="0"/>
-              <a:t>Pick the best feature</a:t>
-            </a:r>
-          </a:p>
-          <a:p>
-            <a:pPr marL="514350" indent="-514350">
-              <a:buFont typeface="+mj-lt"/>
-              <a:buAutoNum type="arabicPeriod"/>
-            </a:pPr>
-            <a:r>
-              <a:rPr lang="en-KW" dirty="0"/>
-              <a:t>Given the picked feature, pick the best remaining feature that improves by at least x% </a:t>
-            </a:r>
-          </a:p>
-          <a:p>
-            <a:pPr marL="514350" indent="-514350">
-              <a:buFont typeface="+mj-lt"/>
-              <a:buAutoNum type="arabicPeriod"/>
-            </a:pPr>
-            <a:r>
-              <a:rPr lang="en-KW" dirty="0"/>
-              <a:t>Repeat until there are no features to add</a:t>
-            </a:r>
-            <a:endParaRPr lang="en-KW" dirty="0">
-              <a:solidFill>
-                <a:srgbClr val="7030A0"/>
-              </a:solidFill>
-            </a:endParaRPr>
-          </a:p>
-          <a:p>
-            <a:pPr marL="0" indent="0">
+            <a:pPr marL="0" indent="0" algn="ctr">
               <a:buNone/>
             </a:pPr>
             <a:r>
@@ -5584,9 +6567,7 @@
           <a:prstGeom prst="rect">
             <a:avLst/>
           </a:prstGeom>
-          <a:solidFill>
-            <a:srgbClr val="FFC000"/>
-          </a:solidFill>
+          <a:noFill/>
           <a:ln>
             <a:solidFill>
               <a:schemeClr val="tx1"/>
@@ -5615,9 +6596,9 @@
           <a:p>
             <a:pPr algn="ctr"/>
             <a:r>
-              <a:rPr lang="en-KW" b="1" dirty="0">
+              <a:rPr lang="en-KW" dirty="0">
                 <a:solidFill>
-                  <a:srgbClr val="7030A0"/>
+                  <a:schemeClr val="tx1"/>
                 </a:solidFill>
               </a:rPr>
               <a:t>F3</a:t>
@@ -5828,9 +6809,7 @@
           <a:prstGeom prst="rect">
             <a:avLst/>
           </a:prstGeom>
-          <a:solidFill>
-            <a:srgbClr val="FFC000"/>
-          </a:solidFill>
+          <a:noFill/>
           <a:ln>
             <a:solidFill>
               <a:schemeClr val="tx1"/>
@@ -5859,9 +6838,9 @@
           <a:p>
             <a:pPr algn="ctr"/>
             <a:r>
-              <a:rPr lang="en-KW" b="1" dirty="0">
+              <a:rPr lang="en-KW" dirty="0">
                 <a:solidFill>
-                  <a:srgbClr val="7030A0"/>
+                  <a:schemeClr val="tx1"/>
                 </a:solidFill>
               </a:rPr>
               <a:t>F2</a:t>
@@ -7028,6 +8007,1024 @@
   <p:clrMapOvr>
     <a:masterClrMapping/>
   </p:clrMapOvr>
+  <p:timing>
+    <p:tnLst>
+      <p:par>
+        <p:cTn id="1" dur="indefinite" restart="never" nodeType="tmRoot">
+          <p:childTnLst>
+            <p:seq concurrent="1" nextAc="seek">
+              <p:cTn id="2" dur="indefinite" nodeType="mainSeq">
+                <p:childTnLst>
+                  <p:par>
+                    <p:cTn id="3" fill="hold">
+                      <p:stCondLst>
+                        <p:cond delay="indefinite"/>
+                      </p:stCondLst>
+                      <p:childTnLst>
+                        <p:par>
+                          <p:cTn id="4" fill="hold">
+                            <p:stCondLst>
+                              <p:cond delay="0"/>
+                            </p:stCondLst>
+                            <p:childTnLst>
+                              <p:par>
+                                <p:cTn id="5" presetID="1" presetClass="entr" presetSubtype="0" fill="hold" grpId="0" nodeType="clickEffect">
+                                  <p:stCondLst>
+                                    <p:cond delay="0"/>
+                                  </p:stCondLst>
+                                  <p:childTnLst>
+                                    <p:set>
+                                      <p:cBhvr>
+                                        <p:cTn id="6" dur="1" fill="hold">
+                                          <p:stCondLst>
+                                            <p:cond delay="0"/>
+                                          </p:stCondLst>
+                                        </p:cTn>
+                                        <p:tgtEl>
+                                          <p:spTgt spid="10"/>
+                                        </p:tgtEl>
+                                        <p:attrNameLst>
+                                          <p:attrName>style.visibility</p:attrName>
+                                        </p:attrNameLst>
+                                      </p:cBhvr>
+                                      <p:to>
+                                        <p:strVal val="visible"/>
+                                      </p:to>
+                                    </p:set>
+                                  </p:childTnLst>
+                                </p:cTn>
+                              </p:par>
+                            </p:childTnLst>
+                          </p:cTn>
+                        </p:par>
+                      </p:childTnLst>
+                    </p:cTn>
+                  </p:par>
+                  <p:par>
+                    <p:cTn id="7" fill="hold">
+                      <p:stCondLst>
+                        <p:cond delay="indefinite"/>
+                      </p:stCondLst>
+                      <p:childTnLst>
+                        <p:par>
+                          <p:cTn id="8" fill="hold">
+                            <p:stCondLst>
+                              <p:cond delay="0"/>
+                            </p:stCondLst>
+                            <p:childTnLst>
+                              <p:par>
+                                <p:cTn id="9" presetID="1" presetClass="entr" presetSubtype="0" fill="hold" nodeType="clickEffect">
+                                  <p:stCondLst>
+                                    <p:cond delay="0"/>
+                                  </p:stCondLst>
+                                  <p:childTnLst>
+                                    <p:set>
+                                      <p:cBhvr>
+                                        <p:cTn id="10" dur="1" fill="hold">
+                                          <p:stCondLst>
+                                            <p:cond delay="0"/>
+                                          </p:stCondLst>
+                                        </p:cTn>
+                                        <p:tgtEl>
+                                          <p:spTgt spid="35"/>
+                                        </p:tgtEl>
+                                        <p:attrNameLst>
+                                          <p:attrName>style.visibility</p:attrName>
+                                        </p:attrNameLst>
+                                      </p:cBhvr>
+                                      <p:to>
+                                        <p:strVal val="visible"/>
+                                      </p:to>
+                                    </p:set>
+                                  </p:childTnLst>
+                                </p:cTn>
+                              </p:par>
+                              <p:par>
+                                <p:cTn id="11" presetID="1" presetClass="entr" presetSubtype="0" fill="hold" nodeType="withEffect">
+                                  <p:stCondLst>
+                                    <p:cond delay="0"/>
+                                  </p:stCondLst>
+                                  <p:childTnLst>
+                                    <p:set>
+                                      <p:cBhvr>
+                                        <p:cTn id="12" dur="1" fill="hold">
+                                          <p:stCondLst>
+                                            <p:cond delay="0"/>
+                                          </p:stCondLst>
+                                        </p:cTn>
+                                        <p:tgtEl>
+                                          <p:spTgt spid="32"/>
+                                        </p:tgtEl>
+                                        <p:attrNameLst>
+                                          <p:attrName>style.visibility</p:attrName>
+                                        </p:attrNameLst>
+                                      </p:cBhvr>
+                                      <p:to>
+                                        <p:strVal val="visible"/>
+                                      </p:to>
+                                    </p:set>
+                                  </p:childTnLst>
+                                </p:cTn>
+                              </p:par>
+                              <p:par>
+                                <p:cTn id="13" presetID="1" presetClass="entr" presetSubtype="0" fill="hold" nodeType="withEffect">
+                                  <p:stCondLst>
+                                    <p:cond delay="0"/>
+                                  </p:stCondLst>
+                                  <p:childTnLst>
+                                    <p:set>
+                                      <p:cBhvr>
+                                        <p:cTn id="14" dur="1" fill="hold">
+                                          <p:stCondLst>
+                                            <p:cond delay="0"/>
+                                          </p:stCondLst>
+                                        </p:cTn>
+                                        <p:tgtEl>
+                                          <p:spTgt spid="29"/>
+                                        </p:tgtEl>
+                                        <p:attrNameLst>
+                                          <p:attrName>style.visibility</p:attrName>
+                                        </p:attrNameLst>
+                                      </p:cBhvr>
+                                      <p:to>
+                                        <p:strVal val="visible"/>
+                                      </p:to>
+                                    </p:set>
+                                  </p:childTnLst>
+                                </p:cTn>
+                              </p:par>
+                              <p:par>
+                                <p:cTn id="15" presetID="1" presetClass="entr" presetSubtype="0" fill="hold" nodeType="withEffect">
+                                  <p:stCondLst>
+                                    <p:cond delay="0"/>
+                                  </p:stCondLst>
+                                  <p:childTnLst>
+                                    <p:set>
+                                      <p:cBhvr>
+                                        <p:cTn id="16" dur="1" fill="hold">
+                                          <p:stCondLst>
+                                            <p:cond delay="0"/>
+                                          </p:stCondLst>
+                                        </p:cTn>
+                                        <p:tgtEl>
+                                          <p:spTgt spid="26"/>
+                                        </p:tgtEl>
+                                        <p:attrNameLst>
+                                          <p:attrName>style.visibility</p:attrName>
+                                        </p:attrNameLst>
+                                      </p:cBhvr>
+                                      <p:to>
+                                        <p:strVal val="visible"/>
+                                      </p:to>
+                                    </p:set>
+                                  </p:childTnLst>
+                                </p:cTn>
+                              </p:par>
+                              <p:par>
+                                <p:cTn id="17" presetID="1" presetClass="entr" presetSubtype="0" fill="hold" nodeType="withEffect">
+                                  <p:stCondLst>
+                                    <p:cond delay="0"/>
+                                  </p:stCondLst>
+                                  <p:childTnLst>
+                                    <p:set>
+                                      <p:cBhvr>
+                                        <p:cTn id="18" dur="1" fill="hold">
+                                          <p:stCondLst>
+                                            <p:cond delay="0"/>
+                                          </p:stCondLst>
+                                        </p:cTn>
+                                        <p:tgtEl>
+                                          <p:spTgt spid="25"/>
+                                        </p:tgtEl>
+                                        <p:attrNameLst>
+                                          <p:attrName>style.visibility</p:attrName>
+                                        </p:attrNameLst>
+                                      </p:cBhvr>
+                                      <p:to>
+                                        <p:strVal val="visible"/>
+                                      </p:to>
+                                    </p:set>
+                                  </p:childTnLst>
+                                </p:cTn>
+                              </p:par>
+                              <p:par>
+                                <p:cTn id="19" presetID="1" presetClass="entr" presetSubtype="0" fill="hold" grpId="0" nodeType="withEffect">
+                                  <p:stCondLst>
+                                    <p:cond delay="0"/>
+                                  </p:stCondLst>
+                                  <p:childTnLst>
+                                    <p:set>
+                                      <p:cBhvr>
+                                        <p:cTn id="20" dur="1" fill="hold">
+                                          <p:stCondLst>
+                                            <p:cond delay="0"/>
+                                          </p:stCondLst>
+                                        </p:cTn>
+                                        <p:tgtEl>
+                                          <p:spTgt spid="4"/>
+                                        </p:tgtEl>
+                                        <p:attrNameLst>
+                                          <p:attrName>style.visibility</p:attrName>
+                                        </p:attrNameLst>
+                                      </p:cBhvr>
+                                      <p:to>
+                                        <p:strVal val="visible"/>
+                                      </p:to>
+                                    </p:set>
+                                  </p:childTnLst>
+                                </p:cTn>
+                              </p:par>
+                              <p:par>
+                                <p:cTn id="21" presetID="1" presetClass="entr" presetSubtype="0" fill="hold" grpId="0" nodeType="withEffect">
+                                  <p:stCondLst>
+                                    <p:cond delay="0"/>
+                                  </p:stCondLst>
+                                  <p:childTnLst>
+                                    <p:set>
+                                      <p:cBhvr>
+                                        <p:cTn id="22" dur="1" fill="hold">
+                                          <p:stCondLst>
+                                            <p:cond delay="0"/>
+                                          </p:stCondLst>
+                                        </p:cTn>
+                                        <p:tgtEl>
+                                          <p:spTgt spid="13"/>
+                                        </p:tgtEl>
+                                        <p:attrNameLst>
+                                          <p:attrName>style.visibility</p:attrName>
+                                        </p:attrNameLst>
+                                      </p:cBhvr>
+                                      <p:to>
+                                        <p:strVal val="visible"/>
+                                      </p:to>
+                                    </p:set>
+                                  </p:childTnLst>
+                                </p:cTn>
+                              </p:par>
+                              <p:par>
+                                <p:cTn id="23" presetID="1" presetClass="entr" presetSubtype="0" fill="hold" grpId="0" nodeType="withEffect">
+                                  <p:stCondLst>
+                                    <p:cond delay="0"/>
+                                  </p:stCondLst>
+                                  <p:childTnLst>
+                                    <p:set>
+                                      <p:cBhvr>
+                                        <p:cTn id="24" dur="1" fill="hold">
+                                          <p:stCondLst>
+                                            <p:cond delay="0"/>
+                                          </p:stCondLst>
+                                        </p:cTn>
+                                        <p:tgtEl>
+                                          <p:spTgt spid="14"/>
+                                        </p:tgtEl>
+                                        <p:attrNameLst>
+                                          <p:attrName>style.visibility</p:attrName>
+                                        </p:attrNameLst>
+                                      </p:cBhvr>
+                                      <p:to>
+                                        <p:strVal val="visible"/>
+                                      </p:to>
+                                    </p:set>
+                                  </p:childTnLst>
+                                </p:cTn>
+                              </p:par>
+                              <p:par>
+                                <p:cTn id="25" presetID="1" presetClass="entr" presetSubtype="0" fill="hold" grpId="0" nodeType="withEffect">
+                                  <p:stCondLst>
+                                    <p:cond delay="0"/>
+                                  </p:stCondLst>
+                                  <p:childTnLst>
+                                    <p:set>
+                                      <p:cBhvr>
+                                        <p:cTn id="26" dur="1" fill="hold">
+                                          <p:stCondLst>
+                                            <p:cond delay="0"/>
+                                          </p:stCondLst>
+                                        </p:cTn>
+                                        <p:tgtEl>
+                                          <p:spTgt spid="15"/>
+                                        </p:tgtEl>
+                                        <p:attrNameLst>
+                                          <p:attrName>style.visibility</p:attrName>
+                                        </p:attrNameLst>
+                                      </p:cBhvr>
+                                      <p:to>
+                                        <p:strVal val="visible"/>
+                                      </p:to>
+                                    </p:set>
+                                  </p:childTnLst>
+                                </p:cTn>
+                              </p:par>
+                              <p:par>
+                                <p:cTn id="27" presetID="1" presetClass="entr" presetSubtype="0" fill="hold" grpId="0" nodeType="withEffect">
+                                  <p:stCondLst>
+                                    <p:cond delay="0"/>
+                                  </p:stCondLst>
+                                  <p:childTnLst>
+                                    <p:set>
+                                      <p:cBhvr>
+                                        <p:cTn id="28" dur="1" fill="hold">
+                                          <p:stCondLst>
+                                            <p:cond delay="0"/>
+                                          </p:stCondLst>
+                                        </p:cTn>
+                                        <p:tgtEl>
+                                          <p:spTgt spid="16"/>
+                                        </p:tgtEl>
+                                        <p:attrNameLst>
+                                          <p:attrName>style.visibility</p:attrName>
+                                        </p:attrNameLst>
+                                      </p:cBhvr>
+                                      <p:to>
+                                        <p:strVal val="visible"/>
+                                      </p:to>
+                                    </p:set>
+                                  </p:childTnLst>
+                                </p:cTn>
+                              </p:par>
+                              <p:par>
+                                <p:cTn id="29" presetID="1" presetClass="entr" presetSubtype="0" fill="hold" grpId="0" nodeType="withEffect">
+                                  <p:stCondLst>
+                                    <p:cond delay="0"/>
+                                  </p:stCondLst>
+                                  <p:childTnLst>
+                                    <p:set>
+                                      <p:cBhvr>
+                                        <p:cTn id="30" dur="1" fill="hold">
+                                          <p:stCondLst>
+                                            <p:cond delay="0"/>
+                                          </p:stCondLst>
+                                        </p:cTn>
+                                        <p:tgtEl>
+                                          <p:spTgt spid="59"/>
+                                        </p:tgtEl>
+                                        <p:attrNameLst>
+                                          <p:attrName>style.visibility</p:attrName>
+                                        </p:attrNameLst>
+                                      </p:cBhvr>
+                                      <p:to>
+                                        <p:strVal val="visible"/>
+                                      </p:to>
+                                    </p:set>
+                                  </p:childTnLst>
+                                </p:cTn>
+                              </p:par>
+                            </p:childTnLst>
+                          </p:cTn>
+                        </p:par>
+                      </p:childTnLst>
+                    </p:cTn>
+                  </p:par>
+                  <p:par>
+                    <p:cTn id="31" fill="hold">
+                      <p:stCondLst>
+                        <p:cond delay="indefinite"/>
+                      </p:stCondLst>
+                      <p:childTnLst>
+                        <p:par>
+                          <p:cTn id="32" fill="hold">
+                            <p:stCondLst>
+                              <p:cond delay="0"/>
+                            </p:stCondLst>
+                            <p:childTnLst>
+                              <p:par>
+                                <p:cTn id="33" presetID="1" presetClass="entr" presetSubtype="0" fill="hold" nodeType="clickEffect">
+                                  <p:stCondLst>
+                                    <p:cond delay="0"/>
+                                  </p:stCondLst>
+                                  <p:childTnLst>
+                                    <p:set>
+                                      <p:cBhvr>
+                                        <p:cTn id="34" dur="1" fill="hold">
+                                          <p:stCondLst>
+                                            <p:cond delay="0"/>
+                                          </p:stCondLst>
+                                        </p:cTn>
+                                        <p:tgtEl>
+                                          <p:spTgt spid="38"/>
+                                        </p:tgtEl>
+                                        <p:attrNameLst>
+                                          <p:attrName>style.visibility</p:attrName>
+                                        </p:attrNameLst>
+                                      </p:cBhvr>
+                                      <p:to>
+                                        <p:strVal val="visible"/>
+                                      </p:to>
+                                    </p:set>
+                                  </p:childTnLst>
+                                </p:cTn>
+                              </p:par>
+                              <p:par>
+                                <p:cTn id="35" presetID="1" presetClass="entr" presetSubtype="0" fill="hold" nodeType="withEffect">
+                                  <p:stCondLst>
+                                    <p:cond delay="0"/>
+                                  </p:stCondLst>
+                                  <p:childTnLst>
+                                    <p:set>
+                                      <p:cBhvr>
+                                        <p:cTn id="36" dur="1" fill="hold">
+                                          <p:stCondLst>
+                                            <p:cond delay="0"/>
+                                          </p:stCondLst>
+                                        </p:cTn>
+                                        <p:tgtEl>
+                                          <p:spTgt spid="41"/>
+                                        </p:tgtEl>
+                                        <p:attrNameLst>
+                                          <p:attrName>style.visibility</p:attrName>
+                                        </p:attrNameLst>
+                                      </p:cBhvr>
+                                      <p:to>
+                                        <p:strVal val="visible"/>
+                                      </p:to>
+                                    </p:set>
+                                  </p:childTnLst>
+                                </p:cTn>
+                              </p:par>
+                              <p:par>
+                                <p:cTn id="37" presetID="1" presetClass="entr" presetSubtype="0" fill="hold" nodeType="withEffect">
+                                  <p:stCondLst>
+                                    <p:cond delay="0"/>
+                                  </p:stCondLst>
+                                  <p:childTnLst>
+                                    <p:set>
+                                      <p:cBhvr>
+                                        <p:cTn id="38" dur="1" fill="hold">
+                                          <p:stCondLst>
+                                            <p:cond delay="0"/>
+                                          </p:stCondLst>
+                                        </p:cTn>
+                                        <p:tgtEl>
+                                          <p:spTgt spid="44"/>
+                                        </p:tgtEl>
+                                        <p:attrNameLst>
+                                          <p:attrName>style.visibility</p:attrName>
+                                        </p:attrNameLst>
+                                      </p:cBhvr>
+                                      <p:to>
+                                        <p:strVal val="visible"/>
+                                      </p:to>
+                                    </p:set>
+                                  </p:childTnLst>
+                                </p:cTn>
+                              </p:par>
+                              <p:par>
+                                <p:cTn id="39" presetID="1" presetClass="entr" presetSubtype="0" fill="hold" nodeType="withEffect">
+                                  <p:stCondLst>
+                                    <p:cond delay="0"/>
+                                  </p:stCondLst>
+                                  <p:childTnLst>
+                                    <p:set>
+                                      <p:cBhvr>
+                                        <p:cTn id="40" dur="1" fill="hold">
+                                          <p:stCondLst>
+                                            <p:cond delay="0"/>
+                                          </p:stCondLst>
+                                        </p:cTn>
+                                        <p:tgtEl>
+                                          <p:spTgt spid="47"/>
+                                        </p:tgtEl>
+                                        <p:attrNameLst>
+                                          <p:attrName>style.visibility</p:attrName>
+                                        </p:attrNameLst>
+                                      </p:cBhvr>
+                                      <p:to>
+                                        <p:strVal val="visible"/>
+                                      </p:to>
+                                    </p:set>
+                                  </p:childTnLst>
+                                </p:cTn>
+                              </p:par>
+                              <p:par>
+                                <p:cTn id="41" presetID="1" presetClass="entr" presetSubtype="0" fill="hold" grpId="0" nodeType="withEffect">
+                                  <p:stCondLst>
+                                    <p:cond delay="0"/>
+                                  </p:stCondLst>
+                                  <p:childTnLst>
+                                    <p:set>
+                                      <p:cBhvr>
+                                        <p:cTn id="42" dur="1" fill="hold">
+                                          <p:stCondLst>
+                                            <p:cond delay="0"/>
+                                          </p:stCondLst>
+                                        </p:cTn>
+                                        <p:tgtEl>
+                                          <p:spTgt spid="60"/>
+                                        </p:tgtEl>
+                                        <p:attrNameLst>
+                                          <p:attrName>style.visibility</p:attrName>
+                                        </p:attrNameLst>
+                                      </p:cBhvr>
+                                      <p:to>
+                                        <p:strVal val="visible"/>
+                                      </p:to>
+                                    </p:set>
+                                  </p:childTnLst>
+                                </p:cTn>
+                              </p:par>
+                              <p:par>
+                                <p:cTn id="43" presetID="1" presetClass="entr" presetSubtype="0" fill="hold" grpId="0" nodeType="withEffect">
+                                  <p:stCondLst>
+                                    <p:cond delay="0"/>
+                                  </p:stCondLst>
+                                  <p:childTnLst>
+                                    <p:set>
+                                      <p:cBhvr>
+                                        <p:cTn id="44" dur="1" fill="hold">
+                                          <p:stCondLst>
+                                            <p:cond delay="0"/>
+                                          </p:stCondLst>
+                                        </p:cTn>
+                                        <p:tgtEl>
+                                          <p:spTgt spid="17"/>
+                                        </p:tgtEl>
+                                        <p:attrNameLst>
+                                          <p:attrName>style.visibility</p:attrName>
+                                        </p:attrNameLst>
+                                      </p:cBhvr>
+                                      <p:to>
+                                        <p:strVal val="visible"/>
+                                      </p:to>
+                                    </p:set>
+                                  </p:childTnLst>
+                                </p:cTn>
+                              </p:par>
+                              <p:par>
+                                <p:cTn id="45" presetID="1" presetClass="entr" presetSubtype="0" fill="hold" grpId="0" nodeType="withEffect">
+                                  <p:stCondLst>
+                                    <p:cond delay="0"/>
+                                  </p:stCondLst>
+                                  <p:childTnLst>
+                                    <p:set>
+                                      <p:cBhvr>
+                                        <p:cTn id="46" dur="1" fill="hold">
+                                          <p:stCondLst>
+                                            <p:cond delay="0"/>
+                                          </p:stCondLst>
+                                        </p:cTn>
+                                        <p:tgtEl>
+                                          <p:spTgt spid="18"/>
+                                        </p:tgtEl>
+                                        <p:attrNameLst>
+                                          <p:attrName>style.visibility</p:attrName>
+                                        </p:attrNameLst>
+                                      </p:cBhvr>
+                                      <p:to>
+                                        <p:strVal val="visible"/>
+                                      </p:to>
+                                    </p:set>
+                                  </p:childTnLst>
+                                </p:cTn>
+                              </p:par>
+                              <p:par>
+                                <p:cTn id="47" presetID="1" presetClass="entr" presetSubtype="0" fill="hold" grpId="0" nodeType="withEffect">
+                                  <p:stCondLst>
+                                    <p:cond delay="0"/>
+                                  </p:stCondLst>
+                                  <p:childTnLst>
+                                    <p:set>
+                                      <p:cBhvr>
+                                        <p:cTn id="48" dur="1" fill="hold">
+                                          <p:stCondLst>
+                                            <p:cond delay="0"/>
+                                          </p:stCondLst>
+                                        </p:cTn>
+                                        <p:tgtEl>
+                                          <p:spTgt spid="19"/>
+                                        </p:tgtEl>
+                                        <p:attrNameLst>
+                                          <p:attrName>style.visibility</p:attrName>
+                                        </p:attrNameLst>
+                                      </p:cBhvr>
+                                      <p:to>
+                                        <p:strVal val="visible"/>
+                                      </p:to>
+                                    </p:set>
+                                  </p:childTnLst>
+                                </p:cTn>
+                              </p:par>
+                              <p:par>
+                                <p:cTn id="49" presetID="1" presetClass="entr" presetSubtype="0" fill="hold" grpId="0" nodeType="withEffect">
+                                  <p:stCondLst>
+                                    <p:cond delay="0"/>
+                                  </p:stCondLst>
+                                  <p:childTnLst>
+                                    <p:set>
+                                      <p:cBhvr>
+                                        <p:cTn id="50" dur="1" fill="hold">
+                                          <p:stCondLst>
+                                            <p:cond delay="0"/>
+                                          </p:stCondLst>
+                                        </p:cTn>
+                                        <p:tgtEl>
+                                          <p:spTgt spid="20"/>
+                                        </p:tgtEl>
+                                        <p:attrNameLst>
+                                          <p:attrName>style.visibility</p:attrName>
+                                        </p:attrNameLst>
+                                      </p:cBhvr>
+                                      <p:to>
+                                        <p:strVal val="visible"/>
+                                      </p:to>
+                                    </p:set>
+                                  </p:childTnLst>
+                                </p:cTn>
+                              </p:par>
+                            </p:childTnLst>
+                          </p:cTn>
+                        </p:par>
+                      </p:childTnLst>
+                    </p:cTn>
+                  </p:par>
+                  <p:par>
+                    <p:cTn id="51" fill="hold">
+                      <p:stCondLst>
+                        <p:cond delay="indefinite"/>
+                      </p:stCondLst>
+                      <p:childTnLst>
+                        <p:par>
+                          <p:cTn id="52" fill="hold">
+                            <p:stCondLst>
+                              <p:cond delay="0"/>
+                            </p:stCondLst>
+                            <p:childTnLst>
+                              <p:par>
+                                <p:cTn id="53" presetID="1" presetClass="entr" presetSubtype="0" fill="hold" nodeType="clickEffect">
+                                  <p:stCondLst>
+                                    <p:cond delay="0"/>
+                                  </p:stCondLst>
+                                  <p:childTnLst>
+                                    <p:set>
+                                      <p:cBhvr>
+                                        <p:cTn id="54" dur="1" fill="hold">
+                                          <p:stCondLst>
+                                            <p:cond delay="0"/>
+                                          </p:stCondLst>
+                                        </p:cTn>
+                                        <p:tgtEl>
+                                          <p:spTgt spid="50"/>
+                                        </p:tgtEl>
+                                        <p:attrNameLst>
+                                          <p:attrName>style.visibility</p:attrName>
+                                        </p:attrNameLst>
+                                      </p:cBhvr>
+                                      <p:to>
+                                        <p:strVal val="visible"/>
+                                      </p:to>
+                                    </p:set>
+                                  </p:childTnLst>
+                                </p:cTn>
+                              </p:par>
+                              <p:par>
+                                <p:cTn id="55" presetID="1" presetClass="entr" presetSubtype="0" fill="hold" nodeType="withEffect">
+                                  <p:stCondLst>
+                                    <p:cond delay="0"/>
+                                  </p:stCondLst>
+                                  <p:childTnLst>
+                                    <p:set>
+                                      <p:cBhvr>
+                                        <p:cTn id="56" dur="1" fill="hold">
+                                          <p:stCondLst>
+                                            <p:cond delay="0"/>
+                                          </p:stCondLst>
+                                        </p:cTn>
+                                        <p:tgtEl>
+                                          <p:spTgt spid="53"/>
+                                        </p:tgtEl>
+                                        <p:attrNameLst>
+                                          <p:attrName>style.visibility</p:attrName>
+                                        </p:attrNameLst>
+                                      </p:cBhvr>
+                                      <p:to>
+                                        <p:strVal val="visible"/>
+                                      </p:to>
+                                    </p:set>
+                                  </p:childTnLst>
+                                </p:cTn>
+                              </p:par>
+                              <p:par>
+                                <p:cTn id="57" presetID="1" presetClass="entr" presetSubtype="0" fill="hold" nodeType="withEffect">
+                                  <p:stCondLst>
+                                    <p:cond delay="0"/>
+                                  </p:stCondLst>
+                                  <p:childTnLst>
+                                    <p:set>
+                                      <p:cBhvr>
+                                        <p:cTn id="58" dur="1" fill="hold">
+                                          <p:stCondLst>
+                                            <p:cond delay="0"/>
+                                          </p:stCondLst>
+                                        </p:cTn>
+                                        <p:tgtEl>
+                                          <p:spTgt spid="56"/>
+                                        </p:tgtEl>
+                                        <p:attrNameLst>
+                                          <p:attrName>style.visibility</p:attrName>
+                                        </p:attrNameLst>
+                                      </p:cBhvr>
+                                      <p:to>
+                                        <p:strVal val="visible"/>
+                                      </p:to>
+                                    </p:set>
+                                  </p:childTnLst>
+                                </p:cTn>
+                              </p:par>
+                              <p:par>
+                                <p:cTn id="59" presetID="1" presetClass="entr" presetSubtype="0" fill="hold" grpId="0" nodeType="withEffect">
+                                  <p:stCondLst>
+                                    <p:cond delay="0"/>
+                                  </p:stCondLst>
+                                  <p:childTnLst>
+                                    <p:set>
+                                      <p:cBhvr>
+                                        <p:cTn id="60" dur="1" fill="hold">
+                                          <p:stCondLst>
+                                            <p:cond delay="0"/>
+                                          </p:stCondLst>
+                                        </p:cTn>
+                                        <p:tgtEl>
+                                          <p:spTgt spid="21"/>
+                                        </p:tgtEl>
+                                        <p:attrNameLst>
+                                          <p:attrName>style.visibility</p:attrName>
+                                        </p:attrNameLst>
+                                      </p:cBhvr>
+                                      <p:to>
+                                        <p:strVal val="visible"/>
+                                      </p:to>
+                                    </p:set>
+                                  </p:childTnLst>
+                                </p:cTn>
+                              </p:par>
+                              <p:par>
+                                <p:cTn id="61" presetID="1" presetClass="entr" presetSubtype="0" fill="hold" grpId="0" nodeType="withEffect">
+                                  <p:stCondLst>
+                                    <p:cond delay="0"/>
+                                  </p:stCondLst>
+                                  <p:childTnLst>
+                                    <p:set>
+                                      <p:cBhvr>
+                                        <p:cTn id="62" dur="1" fill="hold">
+                                          <p:stCondLst>
+                                            <p:cond delay="0"/>
+                                          </p:stCondLst>
+                                        </p:cTn>
+                                        <p:tgtEl>
+                                          <p:spTgt spid="22"/>
+                                        </p:tgtEl>
+                                        <p:attrNameLst>
+                                          <p:attrName>style.visibility</p:attrName>
+                                        </p:attrNameLst>
+                                      </p:cBhvr>
+                                      <p:to>
+                                        <p:strVal val="visible"/>
+                                      </p:to>
+                                    </p:set>
+                                  </p:childTnLst>
+                                </p:cTn>
+                              </p:par>
+                              <p:par>
+                                <p:cTn id="63" presetID="1" presetClass="entr" presetSubtype="0" fill="hold" grpId="0" nodeType="withEffect">
+                                  <p:stCondLst>
+                                    <p:cond delay="0"/>
+                                  </p:stCondLst>
+                                  <p:childTnLst>
+                                    <p:set>
+                                      <p:cBhvr>
+                                        <p:cTn id="64" dur="1" fill="hold">
+                                          <p:stCondLst>
+                                            <p:cond delay="0"/>
+                                          </p:stCondLst>
+                                        </p:cTn>
+                                        <p:tgtEl>
+                                          <p:spTgt spid="23"/>
+                                        </p:tgtEl>
+                                        <p:attrNameLst>
+                                          <p:attrName>style.visibility</p:attrName>
+                                        </p:attrNameLst>
+                                      </p:cBhvr>
+                                      <p:to>
+                                        <p:strVal val="visible"/>
+                                      </p:to>
+                                    </p:set>
+                                  </p:childTnLst>
+                                </p:cTn>
+                              </p:par>
+                              <p:par>
+                                <p:cTn id="65" presetID="1" presetClass="entr" presetSubtype="0" fill="hold" grpId="0" nodeType="withEffect">
+                                  <p:stCondLst>
+                                    <p:cond delay="0"/>
+                                  </p:stCondLst>
+                                  <p:childTnLst>
+                                    <p:set>
+                                      <p:cBhvr>
+                                        <p:cTn id="66" dur="1" fill="hold">
+                                          <p:stCondLst>
+                                            <p:cond delay="0"/>
+                                          </p:stCondLst>
+                                        </p:cTn>
+                                        <p:tgtEl>
+                                          <p:spTgt spid="61"/>
+                                        </p:tgtEl>
+                                        <p:attrNameLst>
+                                          <p:attrName>style.visibility</p:attrName>
+                                        </p:attrNameLst>
+                                      </p:cBhvr>
+                                      <p:to>
+                                        <p:strVal val="visible"/>
+                                      </p:to>
+                                    </p:set>
+                                  </p:childTnLst>
+                                </p:cTn>
+                              </p:par>
+                            </p:childTnLst>
+                          </p:cTn>
+                        </p:par>
+                      </p:childTnLst>
+                    </p:cTn>
+                  </p:par>
+                  <p:par>
+                    <p:cTn id="67" fill="hold">
+                      <p:stCondLst>
+                        <p:cond delay="indefinite"/>
+                      </p:stCondLst>
+                      <p:childTnLst>
+                        <p:par>
+                          <p:cTn id="68" fill="hold">
+                            <p:stCondLst>
+                              <p:cond delay="0"/>
+                            </p:stCondLst>
+                            <p:childTnLst>
+                              <p:par>
+                                <p:cTn id="69" presetID="1" presetClass="entr" presetSubtype="0" fill="hold" grpId="0" nodeType="clickEffect">
+                                  <p:stCondLst>
+                                    <p:cond delay="0"/>
+                                  </p:stCondLst>
+                                  <p:childTnLst>
+                                    <p:set>
+                                      <p:cBhvr>
+                                        <p:cTn id="70" dur="1" fill="hold">
+                                          <p:stCondLst>
+                                            <p:cond delay="0"/>
+                                          </p:stCondLst>
+                                        </p:cTn>
+                                        <p:tgtEl>
+                                          <p:spTgt spid="63"/>
+                                        </p:tgtEl>
+                                        <p:attrNameLst>
+                                          <p:attrName>style.visibility</p:attrName>
+                                        </p:attrNameLst>
+                                      </p:cBhvr>
+                                      <p:to>
+                                        <p:strVal val="visible"/>
+                                      </p:to>
+                                    </p:set>
+                                  </p:childTnLst>
+                                </p:cTn>
+                              </p:par>
+                            </p:childTnLst>
+                          </p:cTn>
+                        </p:par>
+                      </p:childTnLst>
+                    </p:cTn>
+                  </p:par>
+                  <p:par>
+                    <p:cTn id="71" fill="hold">
+                      <p:stCondLst>
+                        <p:cond delay="indefinite"/>
+                      </p:stCondLst>
+                      <p:childTnLst>
+                        <p:par>
+                          <p:cTn id="72" fill="hold">
+                            <p:stCondLst>
+                              <p:cond delay="0"/>
+                            </p:stCondLst>
+                            <p:childTnLst>
+                              <p:par>
+                                <p:cTn id="73" presetID="1" presetClass="entr" presetSubtype="0" fill="hold" grpId="0" nodeType="clickEffect">
+                                  <p:stCondLst>
+                                    <p:cond delay="0"/>
+                                  </p:stCondLst>
+                                  <p:childTnLst>
+                                    <p:set>
+                                      <p:cBhvr>
+                                        <p:cTn id="74" dur="1" fill="hold">
+                                          <p:stCondLst>
+                                            <p:cond delay="0"/>
+                                          </p:stCondLst>
+                                        </p:cTn>
+                                        <p:tgtEl>
+                                          <p:spTgt spid="62"/>
+                                        </p:tgtEl>
+                                        <p:attrNameLst>
+                                          <p:attrName>style.visibility</p:attrName>
+                                        </p:attrNameLst>
+                                      </p:cBhvr>
+                                      <p:to>
+                                        <p:strVal val="visible"/>
+                                      </p:to>
+                                    </p:set>
+                                  </p:childTnLst>
+                                </p:cTn>
+                              </p:par>
+                            </p:childTnLst>
+                          </p:cTn>
+                        </p:par>
+                      </p:childTnLst>
+                    </p:cTn>
+                  </p:par>
+                  <p:par>
+                    <p:cTn id="75" fill="hold">
+                      <p:stCondLst>
+                        <p:cond delay="indefinite"/>
+                      </p:stCondLst>
+                      <p:childTnLst>
+                        <p:par>
+                          <p:cTn id="76" fill="hold">
+                            <p:stCondLst>
+                              <p:cond delay="0"/>
+                            </p:stCondLst>
+                            <p:childTnLst>
+                              <p:par>
+                                <p:cTn id="77" presetID="1" presetClass="entr" presetSubtype="0" fill="hold" grpId="0" nodeType="clickEffect">
+                                  <p:stCondLst>
+                                    <p:cond delay="0"/>
+                                  </p:stCondLst>
+                                  <p:childTnLst>
+                                    <p:set>
+                                      <p:cBhvr>
+                                        <p:cTn id="78" dur="1" fill="hold">
+                                          <p:stCondLst>
+                                            <p:cond delay="0"/>
+                                          </p:stCondLst>
+                                        </p:cTn>
+                                        <p:tgtEl>
+                                          <p:spTgt spid="3">
+                                            <p:txEl>
+                                              <p:pRg st="0" end="0"/>
+                                            </p:txEl>
+                                          </p:spTgt>
+                                        </p:tgtEl>
+                                        <p:attrNameLst>
+                                          <p:attrName>style.visibility</p:attrName>
+                                        </p:attrNameLst>
+                                      </p:cBhvr>
+                                      <p:to>
+                                        <p:strVal val="visible"/>
+                                      </p:to>
+                                    </p:set>
+                                  </p:childTnLst>
+                                </p:cTn>
+                              </p:par>
+                            </p:childTnLst>
+                          </p:cTn>
+                        </p:par>
+                      </p:childTnLst>
+                    </p:cTn>
+                  </p:par>
+                </p:childTnLst>
+              </p:cTn>
+              <p:prevCondLst>
+                <p:cond evt="onPrev" delay="0">
+                  <p:tgtEl>
+                    <p:sldTgt/>
+                  </p:tgtEl>
+                </p:cond>
+              </p:prevCondLst>
+              <p:nextCondLst>
+                <p:cond evt="onNext" delay="0">
+                  <p:tgtEl>
+                    <p:sldTgt/>
+                  </p:tgtEl>
+                </p:cond>
+              </p:nextCondLst>
+            </p:seq>
+          </p:childTnLst>
+        </p:cTn>
+      </p:par>
+    </p:tnLst>
+    <p:bldLst>
+      <p:bldP spid="3" grpId="0" build="p"/>
+      <p:bldP spid="4" grpId="0" animBg="1"/>
+      <p:bldP spid="10" grpId="0" animBg="1"/>
+      <p:bldP spid="13" grpId="0" animBg="1"/>
+      <p:bldP spid="14" grpId="0" animBg="1"/>
+      <p:bldP spid="15" grpId="0" animBg="1"/>
+      <p:bldP spid="16" grpId="0" animBg="1"/>
+      <p:bldP spid="17" grpId="0" animBg="1"/>
+      <p:bldP spid="18" grpId="0" animBg="1"/>
+      <p:bldP spid="19" grpId="0" animBg="1"/>
+      <p:bldP spid="20" grpId="0" animBg="1"/>
+      <p:bldP spid="21" grpId="0" animBg="1"/>
+      <p:bldP spid="22" grpId="0" animBg="1"/>
+      <p:bldP spid="23" grpId="0" animBg="1"/>
+      <p:bldP spid="59" grpId="0" animBg="1"/>
+      <p:bldP spid="60" grpId="0" animBg="1"/>
+      <p:bldP spid="61" grpId="0" animBg="1"/>
+      <p:bldP spid="62" grpId="0" animBg="1"/>
+      <p:bldP spid="63" grpId="0"/>
+    </p:bldLst>
+  </p:timing>
 </p:sld>
 </file>
 
@@ -7938,6 +9935,677 @@
   <p:clrMapOvr>
     <a:masterClrMapping/>
   </p:clrMapOvr>
+  <p:timing>
+    <p:tnLst>
+      <p:par>
+        <p:cTn id="1" dur="indefinite" restart="never" nodeType="tmRoot">
+          <p:childTnLst>
+            <p:seq concurrent="1" nextAc="seek">
+              <p:cTn id="2" dur="indefinite" nodeType="mainSeq">
+                <p:childTnLst>
+                  <p:par>
+                    <p:cTn id="3" fill="hold">
+                      <p:stCondLst>
+                        <p:cond delay="indefinite"/>
+                      </p:stCondLst>
+                      <p:childTnLst>
+                        <p:par>
+                          <p:cTn id="4" fill="hold">
+                            <p:stCondLst>
+                              <p:cond delay="0"/>
+                            </p:stCondLst>
+                            <p:childTnLst>
+                              <p:par>
+                                <p:cTn id="5" presetID="1" presetClass="entr" presetSubtype="0" fill="hold" grpId="0" nodeType="clickEffect">
+                                  <p:stCondLst>
+                                    <p:cond delay="0"/>
+                                  </p:stCondLst>
+                                  <p:childTnLst>
+                                    <p:set>
+                                      <p:cBhvr>
+                                        <p:cTn id="6" dur="1" fill="hold">
+                                          <p:stCondLst>
+                                            <p:cond delay="0"/>
+                                          </p:stCondLst>
+                                        </p:cTn>
+                                        <p:tgtEl>
+                                          <p:spTgt spid="37"/>
+                                        </p:tgtEl>
+                                        <p:attrNameLst>
+                                          <p:attrName>style.visibility</p:attrName>
+                                        </p:attrNameLst>
+                                      </p:cBhvr>
+                                      <p:to>
+                                        <p:strVal val="visible"/>
+                                      </p:to>
+                                    </p:set>
+                                  </p:childTnLst>
+                                </p:cTn>
+                              </p:par>
+                            </p:childTnLst>
+                          </p:cTn>
+                        </p:par>
+                      </p:childTnLst>
+                    </p:cTn>
+                  </p:par>
+                  <p:par>
+                    <p:cTn id="7" fill="hold">
+                      <p:stCondLst>
+                        <p:cond delay="indefinite"/>
+                      </p:stCondLst>
+                      <p:childTnLst>
+                        <p:par>
+                          <p:cTn id="8" fill="hold">
+                            <p:stCondLst>
+                              <p:cond delay="0"/>
+                            </p:stCondLst>
+                            <p:childTnLst>
+                              <p:par>
+                                <p:cTn id="9" presetID="1" presetClass="entr" presetSubtype="0" fill="hold" grpId="0" nodeType="clickEffect">
+                                  <p:stCondLst>
+                                    <p:cond delay="0"/>
+                                  </p:stCondLst>
+                                  <p:childTnLst>
+                                    <p:set>
+                                      <p:cBhvr>
+                                        <p:cTn id="10" dur="1" fill="hold">
+                                          <p:stCondLst>
+                                            <p:cond delay="0"/>
+                                          </p:stCondLst>
+                                        </p:cTn>
+                                        <p:tgtEl>
+                                          <p:spTgt spid="48"/>
+                                        </p:tgtEl>
+                                        <p:attrNameLst>
+                                          <p:attrName>style.visibility</p:attrName>
+                                        </p:attrNameLst>
+                                      </p:cBhvr>
+                                      <p:to>
+                                        <p:strVal val="visible"/>
+                                      </p:to>
+                                    </p:set>
+                                  </p:childTnLst>
+                                </p:cTn>
+                              </p:par>
+                              <p:par>
+                                <p:cTn id="11" presetID="1" presetClass="entr" presetSubtype="0" fill="hold" nodeType="withEffect">
+                                  <p:stCondLst>
+                                    <p:cond delay="0"/>
+                                  </p:stCondLst>
+                                  <p:childTnLst>
+                                    <p:set>
+                                      <p:cBhvr>
+                                        <p:cTn id="12" dur="1" fill="hold">
+                                          <p:stCondLst>
+                                            <p:cond delay="0"/>
+                                          </p:stCondLst>
+                                        </p:cTn>
+                                        <p:tgtEl>
+                                          <p:spTgt spid="38"/>
+                                        </p:tgtEl>
+                                        <p:attrNameLst>
+                                          <p:attrName>style.visibility</p:attrName>
+                                        </p:attrNameLst>
+                                      </p:cBhvr>
+                                      <p:to>
+                                        <p:strVal val="visible"/>
+                                      </p:to>
+                                    </p:set>
+                                  </p:childTnLst>
+                                </p:cTn>
+                              </p:par>
+                              <p:par>
+                                <p:cTn id="13" presetID="1" presetClass="entr" presetSubtype="0" fill="hold" grpId="0" nodeType="withEffect">
+                                  <p:stCondLst>
+                                    <p:cond delay="0"/>
+                                  </p:stCondLst>
+                                  <p:childTnLst>
+                                    <p:set>
+                                      <p:cBhvr>
+                                        <p:cTn id="14" dur="1" fill="hold">
+                                          <p:stCondLst>
+                                            <p:cond delay="0"/>
+                                          </p:stCondLst>
+                                        </p:cTn>
+                                        <p:tgtEl>
+                                          <p:spTgt spid="34"/>
+                                        </p:tgtEl>
+                                        <p:attrNameLst>
+                                          <p:attrName>style.visibility</p:attrName>
+                                        </p:attrNameLst>
+                                      </p:cBhvr>
+                                      <p:to>
+                                        <p:strVal val="visible"/>
+                                      </p:to>
+                                    </p:set>
+                                  </p:childTnLst>
+                                </p:cTn>
+                              </p:par>
+                            </p:childTnLst>
+                          </p:cTn>
+                        </p:par>
+                      </p:childTnLst>
+                    </p:cTn>
+                  </p:par>
+                  <p:par>
+                    <p:cTn id="15" fill="hold">
+                      <p:stCondLst>
+                        <p:cond delay="indefinite"/>
+                      </p:stCondLst>
+                      <p:childTnLst>
+                        <p:par>
+                          <p:cTn id="16" fill="hold">
+                            <p:stCondLst>
+                              <p:cond delay="0"/>
+                            </p:stCondLst>
+                            <p:childTnLst>
+                              <p:par>
+                                <p:cTn id="17" presetID="1" presetClass="entr" presetSubtype="0" fill="hold" nodeType="clickEffect">
+                                  <p:stCondLst>
+                                    <p:cond delay="0"/>
+                                  </p:stCondLst>
+                                  <p:childTnLst>
+                                    <p:set>
+                                      <p:cBhvr>
+                                        <p:cTn id="18" dur="1" fill="hold">
+                                          <p:stCondLst>
+                                            <p:cond delay="0"/>
+                                          </p:stCondLst>
+                                        </p:cTn>
+                                        <p:tgtEl>
+                                          <p:spTgt spid="39"/>
+                                        </p:tgtEl>
+                                        <p:attrNameLst>
+                                          <p:attrName>style.visibility</p:attrName>
+                                        </p:attrNameLst>
+                                      </p:cBhvr>
+                                      <p:to>
+                                        <p:strVal val="visible"/>
+                                      </p:to>
+                                    </p:set>
+                                  </p:childTnLst>
+                                </p:cTn>
+                              </p:par>
+                              <p:par>
+                                <p:cTn id="19" presetID="1" presetClass="entr" presetSubtype="0" fill="hold" grpId="0" nodeType="withEffect">
+                                  <p:stCondLst>
+                                    <p:cond delay="0"/>
+                                  </p:stCondLst>
+                                  <p:childTnLst>
+                                    <p:set>
+                                      <p:cBhvr>
+                                        <p:cTn id="20" dur="1" fill="hold">
+                                          <p:stCondLst>
+                                            <p:cond delay="0"/>
+                                          </p:stCondLst>
+                                        </p:cTn>
+                                        <p:tgtEl>
+                                          <p:spTgt spid="35"/>
+                                        </p:tgtEl>
+                                        <p:attrNameLst>
+                                          <p:attrName>style.visibility</p:attrName>
+                                        </p:attrNameLst>
+                                      </p:cBhvr>
+                                      <p:to>
+                                        <p:strVal val="visible"/>
+                                      </p:to>
+                                    </p:set>
+                                  </p:childTnLst>
+                                </p:cTn>
+                              </p:par>
+                            </p:childTnLst>
+                          </p:cTn>
+                        </p:par>
+                      </p:childTnLst>
+                    </p:cTn>
+                  </p:par>
+                  <p:par>
+                    <p:cTn id="21" fill="hold">
+                      <p:stCondLst>
+                        <p:cond delay="indefinite"/>
+                      </p:stCondLst>
+                      <p:childTnLst>
+                        <p:par>
+                          <p:cTn id="22" fill="hold">
+                            <p:stCondLst>
+                              <p:cond delay="0"/>
+                            </p:stCondLst>
+                            <p:childTnLst>
+                              <p:par>
+                                <p:cTn id="23" presetID="1" presetClass="entr" presetSubtype="0" fill="hold" nodeType="clickEffect">
+                                  <p:stCondLst>
+                                    <p:cond delay="0"/>
+                                  </p:stCondLst>
+                                  <p:childTnLst>
+                                    <p:set>
+                                      <p:cBhvr>
+                                        <p:cTn id="24" dur="1" fill="hold">
+                                          <p:stCondLst>
+                                            <p:cond delay="0"/>
+                                          </p:stCondLst>
+                                        </p:cTn>
+                                        <p:tgtEl>
+                                          <p:spTgt spid="41"/>
+                                        </p:tgtEl>
+                                        <p:attrNameLst>
+                                          <p:attrName>style.visibility</p:attrName>
+                                        </p:attrNameLst>
+                                      </p:cBhvr>
+                                      <p:to>
+                                        <p:strVal val="visible"/>
+                                      </p:to>
+                                    </p:set>
+                                  </p:childTnLst>
+                                </p:cTn>
+                              </p:par>
+                              <p:par>
+                                <p:cTn id="25" presetID="1" presetClass="entr" presetSubtype="0" fill="hold" grpId="0" nodeType="withEffect">
+                                  <p:stCondLst>
+                                    <p:cond delay="0"/>
+                                  </p:stCondLst>
+                                  <p:childTnLst>
+                                    <p:set>
+                                      <p:cBhvr>
+                                        <p:cTn id="26" dur="1" fill="hold">
+                                          <p:stCondLst>
+                                            <p:cond delay="0"/>
+                                          </p:stCondLst>
+                                        </p:cTn>
+                                        <p:tgtEl>
+                                          <p:spTgt spid="46"/>
+                                        </p:tgtEl>
+                                        <p:attrNameLst>
+                                          <p:attrName>style.visibility</p:attrName>
+                                        </p:attrNameLst>
+                                      </p:cBhvr>
+                                      <p:to>
+                                        <p:strVal val="visible"/>
+                                      </p:to>
+                                    </p:set>
+                                  </p:childTnLst>
+                                </p:cTn>
+                              </p:par>
+                            </p:childTnLst>
+                          </p:cTn>
+                        </p:par>
+                      </p:childTnLst>
+                    </p:cTn>
+                  </p:par>
+                  <p:par>
+                    <p:cTn id="27" fill="hold">
+                      <p:stCondLst>
+                        <p:cond delay="indefinite"/>
+                      </p:stCondLst>
+                      <p:childTnLst>
+                        <p:par>
+                          <p:cTn id="28" fill="hold">
+                            <p:stCondLst>
+                              <p:cond delay="0"/>
+                            </p:stCondLst>
+                            <p:childTnLst>
+                              <p:par>
+                                <p:cTn id="29" presetID="1" presetClass="entr" presetSubtype="0" fill="hold" nodeType="clickEffect">
+                                  <p:stCondLst>
+                                    <p:cond delay="0"/>
+                                  </p:stCondLst>
+                                  <p:childTnLst>
+                                    <p:set>
+                                      <p:cBhvr>
+                                        <p:cTn id="30" dur="1" fill="hold">
+                                          <p:stCondLst>
+                                            <p:cond delay="0"/>
+                                          </p:stCondLst>
+                                        </p:cTn>
+                                        <p:tgtEl>
+                                          <p:spTgt spid="40"/>
+                                        </p:tgtEl>
+                                        <p:attrNameLst>
+                                          <p:attrName>style.visibility</p:attrName>
+                                        </p:attrNameLst>
+                                      </p:cBhvr>
+                                      <p:to>
+                                        <p:strVal val="visible"/>
+                                      </p:to>
+                                    </p:set>
+                                  </p:childTnLst>
+                                </p:cTn>
+                              </p:par>
+                              <p:par>
+                                <p:cTn id="31" presetID="1" presetClass="entr" presetSubtype="0" fill="hold" grpId="0" nodeType="withEffect">
+                                  <p:stCondLst>
+                                    <p:cond delay="0"/>
+                                  </p:stCondLst>
+                                  <p:childTnLst>
+                                    <p:set>
+                                      <p:cBhvr>
+                                        <p:cTn id="32" dur="1" fill="hold">
+                                          <p:stCondLst>
+                                            <p:cond delay="0"/>
+                                          </p:stCondLst>
+                                        </p:cTn>
+                                        <p:tgtEl>
+                                          <p:spTgt spid="45"/>
+                                        </p:tgtEl>
+                                        <p:attrNameLst>
+                                          <p:attrName>style.visibility</p:attrName>
+                                        </p:attrNameLst>
+                                      </p:cBhvr>
+                                      <p:to>
+                                        <p:strVal val="visible"/>
+                                      </p:to>
+                                    </p:set>
+                                  </p:childTnLst>
+                                </p:cTn>
+                              </p:par>
+                              <p:par>
+                                <p:cTn id="33" presetID="1" presetClass="entr" presetSubtype="0" fill="hold" grpId="0" nodeType="withEffect">
+                                  <p:stCondLst>
+                                    <p:cond delay="0"/>
+                                  </p:stCondLst>
+                                  <p:childTnLst>
+                                    <p:set>
+                                      <p:cBhvr>
+                                        <p:cTn id="34" dur="1" fill="hold">
+                                          <p:stCondLst>
+                                            <p:cond delay="0"/>
+                                          </p:stCondLst>
+                                        </p:cTn>
+                                        <p:tgtEl>
+                                          <p:spTgt spid="42"/>
+                                        </p:tgtEl>
+                                        <p:attrNameLst>
+                                          <p:attrName>style.visibility</p:attrName>
+                                        </p:attrNameLst>
+                                      </p:cBhvr>
+                                      <p:to>
+                                        <p:strVal val="visible"/>
+                                      </p:to>
+                                    </p:set>
+                                  </p:childTnLst>
+                                </p:cTn>
+                              </p:par>
+                            </p:childTnLst>
+                          </p:cTn>
+                        </p:par>
+                      </p:childTnLst>
+                    </p:cTn>
+                  </p:par>
+                  <p:par>
+                    <p:cTn id="35" fill="hold">
+                      <p:stCondLst>
+                        <p:cond delay="indefinite"/>
+                      </p:stCondLst>
+                      <p:childTnLst>
+                        <p:par>
+                          <p:cTn id="36" fill="hold">
+                            <p:stCondLst>
+                              <p:cond delay="0"/>
+                            </p:stCondLst>
+                            <p:childTnLst>
+                              <p:par>
+                                <p:cTn id="37" presetID="1" presetClass="entr" presetSubtype="0" fill="hold" nodeType="clickEffect">
+                                  <p:stCondLst>
+                                    <p:cond delay="0"/>
+                                  </p:stCondLst>
+                                  <p:childTnLst>
+                                    <p:set>
+                                      <p:cBhvr>
+                                        <p:cTn id="38" dur="1" fill="hold">
+                                          <p:stCondLst>
+                                            <p:cond delay="0"/>
+                                          </p:stCondLst>
+                                        </p:cTn>
+                                        <p:tgtEl>
+                                          <p:spTgt spid="43"/>
+                                        </p:tgtEl>
+                                        <p:attrNameLst>
+                                          <p:attrName>style.visibility</p:attrName>
+                                        </p:attrNameLst>
+                                      </p:cBhvr>
+                                      <p:to>
+                                        <p:strVal val="visible"/>
+                                      </p:to>
+                                    </p:set>
+                                  </p:childTnLst>
+                                </p:cTn>
+                              </p:par>
+                            </p:childTnLst>
+                          </p:cTn>
+                        </p:par>
+                      </p:childTnLst>
+                    </p:cTn>
+                  </p:par>
+                  <p:par>
+                    <p:cTn id="39" fill="hold">
+                      <p:stCondLst>
+                        <p:cond delay="indefinite"/>
+                      </p:stCondLst>
+                      <p:childTnLst>
+                        <p:par>
+                          <p:cTn id="40" fill="hold">
+                            <p:stCondLst>
+                              <p:cond delay="0"/>
+                            </p:stCondLst>
+                            <p:childTnLst>
+                              <p:par>
+                                <p:cTn id="41" presetID="1" presetClass="entr" presetSubtype="0" fill="hold" nodeType="clickEffect">
+                                  <p:stCondLst>
+                                    <p:cond delay="0"/>
+                                  </p:stCondLst>
+                                  <p:childTnLst>
+                                    <p:set>
+                                      <p:cBhvr>
+                                        <p:cTn id="42" dur="1" fill="hold">
+                                          <p:stCondLst>
+                                            <p:cond delay="0"/>
+                                          </p:stCondLst>
+                                        </p:cTn>
+                                        <p:tgtEl>
+                                          <p:spTgt spid="44"/>
+                                        </p:tgtEl>
+                                        <p:attrNameLst>
+                                          <p:attrName>style.visibility</p:attrName>
+                                        </p:attrNameLst>
+                                      </p:cBhvr>
+                                      <p:to>
+                                        <p:strVal val="visible"/>
+                                      </p:to>
+                                    </p:set>
+                                  </p:childTnLst>
+                                </p:cTn>
+                              </p:par>
+                              <p:par>
+                                <p:cTn id="43" presetID="1" presetClass="entr" presetSubtype="0" fill="hold" grpId="0" nodeType="withEffect">
+                                  <p:stCondLst>
+                                    <p:cond delay="0"/>
+                                  </p:stCondLst>
+                                  <p:childTnLst>
+                                    <p:set>
+                                      <p:cBhvr>
+                                        <p:cTn id="44" dur="1" fill="hold">
+                                          <p:stCondLst>
+                                            <p:cond delay="0"/>
+                                          </p:stCondLst>
+                                        </p:cTn>
+                                        <p:tgtEl>
+                                          <p:spTgt spid="47"/>
+                                        </p:tgtEl>
+                                        <p:attrNameLst>
+                                          <p:attrName>style.visibility</p:attrName>
+                                        </p:attrNameLst>
+                                      </p:cBhvr>
+                                      <p:to>
+                                        <p:strVal val="visible"/>
+                                      </p:to>
+                                    </p:set>
+                                  </p:childTnLst>
+                                </p:cTn>
+                              </p:par>
+                              <p:par>
+                                <p:cTn id="45" presetID="1" presetClass="entr" presetSubtype="0" fill="hold" grpId="0" nodeType="withEffect">
+                                  <p:stCondLst>
+                                    <p:cond delay="0"/>
+                                  </p:stCondLst>
+                                  <p:childTnLst>
+                                    <p:set>
+                                      <p:cBhvr>
+                                        <p:cTn id="46" dur="1" fill="hold">
+                                          <p:stCondLst>
+                                            <p:cond delay="0"/>
+                                          </p:stCondLst>
+                                        </p:cTn>
+                                        <p:tgtEl>
+                                          <p:spTgt spid="36"/>
+                                        </p:tgtEl>
+                                        <p:attrNameLst>
+                                          <p:attrName>style.visibility</p:attrName>
+                                        </p:attrNameLst>
+                                      </p:cBhvr>
+                                      <p:to>
+                                        <p:strVal val="visible"/>
+                                      </p:to>
+                                    </p:set>
+                                  </p:childTnLst>
+                                </p:cTn>
+                              </p:par>
+                            </p:childTnLst>
+                          </p:cTn>
+                        </p:par>
+                      </p:childTnLst>
+                    </p:cTn>
+                  </p:par>
+                  <p:par>
+                    <p:cTn id="47" fill="hold">
+                      <p:stCondLst>
+                        <p:cond delay="indefinite"/>
+                      </p:stCondLst>
+                      <p:childTnLst>
+                        <p:par>
+                          <p:cTn id="48" fill="hold">
+                            <p:stCondLst>
+                              <p:cond delay="0"/>
+                            </p:stCondLst>
+                            <p:childTnLst>
+                              <p:par>
+                                <p:cTn id="49" presetID="1" presetClass="entr" presetSubtype="0" fill="hold" grpId="0" nodeType="clickEffect">
+                                  <p:stCondLst>
+                                    <p:cond delay="0"/>
+                                  </p:stCondLst>
+                                  <p:childTnLst>
+                                    <p:set>
+                                      <p:cBhvr>
+                                        <p:cTn id="50" dur="1" fill="hold">
+                                          <p:stCondLst>
+                                            <p:cond delay="0"/>
+                                          </p:stCondLst>
+                                        </p:cTn>
+                                        <p:tgtEl>
+                                          <p:spTgt spid="3">
+                                            <p:txEl>
+                                              <p:pRg st="0" end="0"/>
+                                            </p:txEl>
+                                          </p:spTgt>
+                                        </p:tgtEl>
+                                        <p:attrNameLst>
+                                          <p:attrName>style.visibility</p:attrName>
+                                        </p:attrNameLst>
+                                      </p:cBhvr>
+                                      <p:to>
+                                        <p:strVal val="visible"/>
+                                      </p:to>
+                                    </p:set>
+                                  </p:childTnLst>
+                                </p:cTn>
+                              </p:par>
+                            </p:childTnLst>
+                          </p:cTn>
+                        </p:par>
+                      </p:childTnLst>
+                    </p:cTn>
+                  </p:par>
+                  <p:par>
+                    <p:cTn id="51" fill="hold">
+                      <p:stCondLst>
+                        <p:cond delay="indefinite"/>
+                      </p:stCondLst>
+                      <p:childTnLst>
+                        <p:par>
+                          <p:cTn id="52" fill="hold">
+                            <p:stCondLst>
+                              <p:cond delay="0"/>
+                            </p:stCondLst>
+                            <p:childTnLst>
+                              <p:par>
+                                <p:cTn id="53" presetID="1" presetClass="entr" presetSubtype="0" fill="hold" grpId="0" nodeType="clickEffect">
+                                  <p:stCondLst>
+                                    <p:cond delay="0"/>
+                                  </p:stCondLst>
+                                  <p:childTnLst>
+                                    <p:set>
+                                      <p:cBhvr>
+                                        <p:cTn id="54" dur="1" fill="hold">
+                                          <p:stCondLst>
+                                            <p:cond delay="0"/>
+                                          </p:stCondLst>
+                                        </p:cTn>
+                                        <p:tgtEl>
+                                          <p:spTgt spid="3">
+                                            <p:txEl>
+                                              <p:pRg st="1" end="1"/>
+                                            </p:txEl>
+                                          </p:spTgt>
+                                        </p:tgtEl>
+                                        <p:attrNameLst>
+                                          <p:attrName>style.visibility</p:attrName>
+                                        </p:attrNameLst>
+                                      </p:cBhvr>
+                                      <p:to>
+                                        <p:strVal val="visible"/>
+                                      </p:to>
+                                    </p:set>
+                                  </p:childTnLst>
+                                </p:cTn>
+                              </p:par>
+                            </p:childTnLst>
+                          </p:cTn>
+                        </p:par>
+                      </p:childTnLst>
+                    </p:cTn>
+                  </p:par>
+                </p:childTnLst>
+              </p:cTn>
+              <p:prevCondLst>
+                <p:cond evt="onPrev" delay="0">
+                  <p:tgtEl>
+                    <p:sldTgt/>
+                  </p:tgtEl>
+                </p:cond>
+              </p:prevCondLst>
+              <p:nextCondLst>
+                <p:cond evt="onNext" delay="0">
+                  <p:tgtEl>
+                    <p:sldTgt/>
+                  </p:tgtEl>
+                </p:cond>
+              </p:nextCondLst>
+            </p:seq>
+          </p:childTnLst>
+        </p:cTn>
+      </p:par>
+    </p:tnLst>
+    <p:bldLst>
+      <p:bldP spid="3" grpId="0" build="p"/>
+      <p:bldP spid="34" grpId="0" animBg="1"/>
+      <p:bldP spid="35" grpId="0" animBg="1"/>
+      <p:bldP spid="36" grpId="0" animBg="1"/>
+      <p:bldP spid="37" grpId="0" animBg="1"/>
+      <p:bldP spid="42" grpId="0" animBg="1"/>
+      <p:bldP spid="45" grpId="0"/>
+      <p:bldP spid="46" grpId="0"/>
+      <p:bldP spid="47" grpId="0"/>
+      <p:bldP spid="48" grpId="0"/>
+    </p:bldLst>
+  </p:timing>
 </p:sld>
 </file>
 
@@ -10447,6 +13115,349 @@
   <p:clrMapOvr>
     <a:masterClrMapping/>
   </p:clrMapOvr>
+  <p:timing>
+    <p:tnLst>
+      <p:par>
+        <p:cTn id="1" dur="indefinite" restart="never" nodeType="tmRoot">
+          <p:childTnLst>
+            <p:seq concurrent="1" nextAc="seek">
+              <p:cTn id="2" dur="indefinite" nodeType="mainSeq">
+                <p:childTnLst>
+                  <p:par>
+                    <p:cTn id="3" fill="hold">
+                      <p:stCondLst>
+                        <p:cond delay="indefinite"/>
+                      </p:stCondLst>
+                      <p:childTnLst>
+                        <p:par>
+                          <p:cTn id="4" fill="hold">
+                            <p:stCondLst>
+                              <p:cond delay="0"/>
+                            </p:stCondLst>
+                            <p:childTnLst>
+                              <p:par>
+                                <p:cTn id="5" presetID="1" presetClass="entr" presetSubtype="0" fill="hold" grpId="0" nodeType="clickEffect">
+                                  <p:stCondLst>
+                                    <p:cond delay="0"/>
+                                  </p:stCondLst>
+                                  <p:childTnLst>
+                                    <p:set>
+                                      <p:cBhvr>
+                                        <p:cTn id="6" dur="1" fill="hold">
+                                          <p:stCondLst>
+                                            <p:cond delay="0"/>
+                                          </p:stCondLst>
+                                        </p:cTn>
+                                        <p:tgtEl>
+                                          <p:spTgt spid="5"/>
+                                        </p:tgtEl>
+                                        <p:attrNameLst>
+                                          <p:attrName>style.visibility</p:attrName>
+                                        </p:attrNameLst>
+                                      </p:cBhvr>
+                                      <p:to>
+                                        <p:strVal val="visible"/>
+                                      </p:to>
+                                    </p:set>
+                                  </p:childTnLst>
+                                </p:cTn>
+                              </p:par>
+                            </p:childTnLst>
+                          </p:cTn>
+                        </p:par>
+                      </p:childTnLst>
+                    </p:cTn>
+                  </p:par>
+                  <p:par>
+                    <p:cTn id="7" fill="hold">
+                      <p:stCondLst>
+                        <p:cond delay="indefinite"/>
+                      </p:stCondLst>
+                      <p:childTnLst>
+                        <p:par>
+                          <p:cTn id="8" fill="hold">
+                            <p:stCondLst>
+                              <p:cond delay="0"/>
+                            </p:stCondLst>
+                            <p:childTnLst>
+                              <p:par>
+                                <p:cTn id="9" presetID="1" presetClass="entr" presetSubtype="0" fill="hold" nodeType="clickEffect">
+                                  <p:stCondLst>
+                                    <p:cond delay="0"/>
+                                  </p:stCondLst>
+                                  <p:childTnLst>
+                                    <p:set>
+                                      <p:cBhvr>
+                                        <p:cTn id="10" dur="1" fill="hold">
+                                          <p:stCondLst>
+                                            <p:cond delay="0"/>
+                                          </p:stCondLst>
+                                        </p:cTn>
+                                        <p:tgtEl>
+                                          <p:spTgt spid="9"/>
+                                        </p:tgtEl>
+                                        <p:attrNameLst>
+                                          <p:attrName>style.visibility</p:attrName>
+                                        </p:attrNameLst>
+                                      </p:cBhvr>
+                                      <p:to>
+                                        <p:strVal val="visible"/>
+                                      </p:to>
+                                    </p:set>
+                                  </p:childTnLst>
+                                </p:cTn>
+                              </p:par>
+                              <p:par>
+                                <p:cTn id="11" presetID="1" presetClass="entr" presetSubtype="0" fill="hold" grpId="0" nodeType="withEffect">
+                                  <p:stCondLst>
+                                    <p:cond delay="0"/>
+                                  </p:stCondLst>
+                                  <p:childTnLst>
+                                    <p:set>
+                                      <p:cBhvr>
+                                        <p:cTn id="12" dur="1" fill="hold">
+                                          <p:stCondLst>
+                                            <p:cond delay="0"/>
+                                          </p:stCondLst>
+                                        </p:cTn>
+                                        <p:tgtEl>
+                                          <p:spTgt spid="6"/>
+                                        </p:tgtEl>
+                                        <p:attrNameLst>
+                                          <p:attrName>style.visibility</p:attrName>
+                                        </p:attrNameLst>
+                                      </p:cBhvr>
+                                      <p:to>
+                                        <p:strVal val="visible"/>
+                                      </p:to>
+                                    </p:set>
+                                  </p:childTnLst>
+                                </p:cTn>
+                              </p:par>
+                            </p:childTnLst>
+                          </p:cTn>
+                        </p:par>
+                      </p:childTnLst>
+                    </p:cTn>
+                  </p:par>
+                  <p:par>
+                    <p:cTn id="13" fill="hold">
+                      <p:stCondLst>
+                        <p:cond delay="indefinite"/>
+                      </p:stCondLst>
+                      <p:childTnLst>
+                        <p:par>
+                          <p:cTn id="14" fill="hold">
+                            <p:stCondLst>
+                              <p:cond delay="0"/>
+                            </p:stCondLst>
+                            <p:childTnLst>
+                              <p:par>
+                                <p:cTn id="15" presetID="1" presetClass="entr" presetSubtype="0" fill="hold" nodeType="clickEffect">
+                                  <p:stCondLst>
+                                    <p:cond delay="0"/>
+                                  </p:stCondLst>
+                                  <p:childTnLst>
+                                    <p:set>
+                                      <p:cBhvr>
+                                        <p:cTn id="16" dur="1" fill="hold">
+                                          <p:stCondLst>
+                                            <p:cond delay="0"/>
+                                          </p:stCondLst>
+                                        </p:cTn>
+                                        <p:tgtEl>
+                                          <p:spTgt spid="10"/>
+                                        </p:tgtEl>
+                                        <p:attrNameLst>
+                                          <p:attrName>style.visibility</p:attrName>
+                                        </p:attrNameLst>
+                                      </p:cBhvr>
+                                      <p:to>
+                                        <p:strVal val="visible"/>
+                                      </p:to>
+                                    </p:set>
+                                  </p:childTnLst>
+                                </p:cTn>
+                              </p:par>
+                              <p:par>
+                                <p:cTn id="17" presetID="1" presetClass="entr" presetSubtype="0" fill="hold" grpId="0" nodeType="withEffect">
+                                  <p:stCondLst>
+                                    <p:cond delay="0"/>
+                                  </p:stCondLst>
+                                  <p:childTnLst>
+                                    <p:set>
+                                      <p:cBhvr>
+                                        <p:cTn id="18" dur="1" fill="hold">
+                                          <p:stCondLst>
+                                            <p:cond delay="0"/>
+                                          </p:stCondLst>
+                                        </p:cTn>
+                                        <p:tgtEl>
+                                          <p:spTgt spid="7"/>
+                                        </p:tgtEl>
+                                        <p:attrNameLst>
+                                          <p:attrName>style.visibility</p:attrName>
+                                        </p:attrNameLst>
+                                      </p:cBhvr>
+                                      <p:to>
+                                        <p:strVal val="visible"/>
+                                      </p:to>
+                                    </p:set>
+                                  </p:childTnLst>
+                                </p:cTn>
+                              </p:par>
+                            </p:childTnLst>
+                          </p:cTn>
+                        </p:par>
+                      </p:childTnLst>
+                    </p:cTn>
+                  </p:par>
+                  <p:par>
+                    <p:cTn id="19" fill="hold">
+                      <p:stCondLst>
+                        <p:cond delay="indefinite"/>
+                      </p:stCondLst>
+                      <p:childTnLst>
+                        <p:par>
+                          <p:cTn id="20" fill="hold">
+                            <p:stCondLst>
+                              <p:cond delay="0"/>
+                            </p:stCondLst>
+                            <p:childTnLst>
+                              <p:par>
+                                <p:cTn id="21" presetID="1" presetClass="entr" presetSubtype="0" fill="hold" nodeType="clickEffect">
+                                  <p:stCondLst>
+                                    <p:cond delay="0"/>
+                                  </p:stCondLst>
+                                  <p:childTnLst>
+                                    <p:set>
+                                      <p:cBhvr>
+                                        <p:cTn id="22" dur="1" fill="hold">
+                                          <p:stCondLst>
+                                            <p:cond delay="0"/>
+                                          </p:stCondLst>
+                                        </p:cTn>
+                                        <p:tgtEl>
+                                          <p:spTgt spid="13"/>
+                                        </p:tgtEl>
+                                        <p:attrNameLst>
+                                          <p:attrName>style.visibility</p:attrName>
+                                        </p:attrNameLst>
+                                      </p:cBhvr>
+                                      <p:to>
+                                        <p:strVal val="visible"/>
+                                      </p:to>
+                                    </p:set>
+                                  </p:childTnLst>
+                                </p:cTn>
+                              </p:par>
+                              <p:par>
+                                <p:cTn id="23" presetID="1" presetClass="entr" presetSubtype="0" fill="hold" grpId="0" nodeType="withEffect">
+                                  <p:stCondLst>
+                                    <p:cond delay="0"/>
+                                  </p:stCondLst>
+                                  <p:childTnLst>
+                                    <p:set>
+                                      <p:cBhvr>
+                                        <p:cTn id="24" dur="1" fill="hold">
+                                          <p:stCondLst>
+                                            <p:cond delay="0"/>
+                                          </p:stCondLst>
+                                        </p:cTn>
+                                        <p:tgtEl>
+                                          <p:spTgt spid="17"/>
+                                        </p:tgtEl>
+                                        <p:attrNameLst>
+                                          <p:attrName>style.visibility</p:attrName>
+                                        </p:attrNameLst>
+                                      </p:cBhvr>
+                                      <p:to>
+                                        <p:strVal val="visible"/>
+                                      </p:to>
+                                    </p:set>
+                                  </p:childTnLst>
+                                </p:cTn>
+                              </p:par>
+                            </p:childTnLst>
+                          </p:cTn>
+                        </p:par>
+                      </p:childTnLst>
+                    </p:cTn>
+                  </p:par>
+                  <p:par>
+                    <p:cTn id="25" fill="hold">
+                      <p:stCondLst>
+                        <p:cond delay="indefinite"/>
+                      </p:stCondLst>
+                      <p:childTnLst>
+                        <p:par>
+                          <p:cTn id="26" fill="hold">
+                            <p:stCondLst>
+                              <p:cond delay="0"/>
+                            </p:stCondLst>
+                            <p:childTnLst>
+                              <p:par>
+                                <p:cTn id="27" presetID="1" presetClass="entr" presetSubtype="0" fill="hold" grpId="0" nodeType="clickEffect">
+                                  <p:stCondLst>
+                                    <p:cond delay="0"/>
+                                  </p:stCondLst>
+                                  <p:childTnLst>
+                                    <p:set>
+                                      <p:cBhvr>
+                                        <p:cTn id="28" dur="1" fill="hold">
+                                          <p:stCondLst>
+                                            <p:cond delay="0"/>
+                                          </p:stCondLst>
+                                        </p:cTn>
+                                        <p:tgtEl>
+                                          <p:spTgt spid="18"/>
+                                        </p:tgtEl>
+                                        <p:attrNameLst>
+                                          <p:attrName>style.visibility</p:attrName>
+                                        </p:attrNameLst>
+                                      </p:cBhvr>
+                                      <p:to>
+                                        <p:strVal val="visible"/>
+                                      </p:to>
+                                    </p:set>
+                                  </p:childTnLst>
+                                </p:cTn>
+                              </p:par>
+                            </p:childTnLst>
+                          </p:cTn>
+                        </p:par>
+                      </p:childTnLst>
+                    </p:cTn>
+                  </p:par>
+                </p:childTnLst>
+              </p:cTn>
+              <p:prevCondLst>
+                <p:cond evt="onPrev" delay="0">
+                  <p:tgtEl>
+                    <p:sldTgt/>
+                  </p:tgtEl>
+                </p:cond>
+              </p:prevCondLst>
+              <p:nextCondLst>
+                <p:cond evt="onNext" delay="0">
+                  <p:tgtEl>
+                    <p:sldTgt/>
+                  </p:tgtEl>
+                </p:cond>
+              </p:nextCondLst>
+            </p:seq>
+          </p:childTnLst>
+        </p:cTn>
+      </p:par>
+    </p:tnLst>
+    <p:bldLst>
+      <p:bldP spid="5" grpId="0" animBg="1"/>
+      <p:bldP spid="6" grpId="0" animBg="1"/>
+      <p:bldP spid="7" grpId="0" animBg="1"/>
+      <p:bldP spid="17" grpId="0"/>
+      <p:bldP spid="18" grpId="0"/>
+    </p:bldLst>
+  </p:timing>
 </p:sld>
 </file>
 
@@ -10575,7 +13586,19 @@
             </a:r>
             <a:r>
               <a:rPr lang="en-KW" dirty="0"/>
-              <a:t>nested CV is used to show that model+feature selection can generalize well, so we can trust the selected features</a:t>
+              <a:t>nested CV is used to show that </a:t>
+            </a:r>
+            <a:r>
+              <a:rPr lang="en-KW" dirty="0">
+                <a:solidFill>
+                  <a:srgbClr val="00B0F0"/>
+                </a:solidFill>
+              </a:rPr>
+              <a:t>model+feat</a:t>
+            </a:r>
+            <a:r>
+              <a:rPr lang="en-KW" dirty="0"/>
+              <a:t>ure selection can generalize well, so we can trust the selected features</a:t>
             </a:r>
           </a:p>
         </p:txBody>
@@ -10590,6 +13613,196 @@
   <p:clrMapOvr>
     <a:masterClrMapping/>
   </p:clrMapOvr>
+  <p:timing>
+    <p:tnLst>
+      <p:par>
+        <p:cTn id="1" dur="indefinite" restart="never" nodeType="tmRoot">
+          <p:childTnLst>
+            <p:seq concurrent="1" nextAc="seek">
+              <p:cTn id="2" dur="indefinite" nodeType="mainSeq">
+                <p:childTnLst>
+                  <p:par>
+                    <p:cTn id="3" fill="hold">
+                      <p:stCondLst>
+                        <p:cond delay="indefinite"/>
+                      </p:stCondLst>
+                      <p:childTnLst>
+                        <p:par>
+                          <p:cTn id="4" fill="hold">
+                            <p:stCondLst>
+                              <p:cond delay="0"/>
+                            </p:stCondLst>
+                            <p:childTnLst>
+                              <p:par>
+                                <p:cTn id="5" presetID="1" presetClass="entr" presetSubtype="0" fill="hold" nodeType="clickEffect">
+                                  <p:stCondLst>
+                                    <p:cond delay="0"/>
+                                  </p:stCondLst>
+                                  <p:childTnLst>
+                                    <p:set>
+                                      <p:cBhvr>
+                                        <p:cTn id="6" dur="1" fill="hold">
+                                          <p:stCondLst>
+                                            <p:cond delay="0"/>
+                                          </p:stCondLst>
+                                        </p:cTn>
+                                        <p:tgtEl>
+                                          <p:spTgt spid="3">
+                                            <p:txEl>
+                                              <p:pRg st="1" end="1"/>
+                                            </p:txEl>
+                                          </p:spTgt>
+                                        </p:tgtEl>
+                                        <p:attrNameLst>
+                                          <p:attrName>style.visibility</p:attrName>
+                                        </p:attrNameLst>
+                                      </p:cBhvr>
+                                      <p:to>
+                                        <p:strVal val="visible"/>
+                                      </p:to>
+                                    </p:set>
+                                  </p:childTnLst>
+                                </p:cTn>
+                              </p:par>
+                              <p:par>
+                                <p:cTn id="7" presetID="1" presetClass="entr" presetSubtype="0" fill="hold" nodeType="withEffect">
+                                  <p:stCondLst>
+                                    <p:cond delay="0"/>
+                                  </p:stCondLst>
+                                  <p:childTnLst>
+                                    <p:set>
+                                      <p:cBhvr>
+                                        <p:cTn id="8" dur="1" fill="hold">
+                                          <p:stCondLst>
+                                            <p:cond delay="0"/>
+                                          </p:stCondLst>
+                                        </p:cTn>
+                                        <p:tgtEl>
+                                          <p:spTgt spid="3">
+                                            <p:txEl>
+                                              <p:pRg st="2" end="2"/>
+                                            </p:txEl>
+                                          </p:spTgt>
+                                        </p:tgtEl>
+                                        <p:attrNameLst>
+                                          <p:attrName>style.visibility</p:attrName>
+                                        </p:attrNameLst>
+                                      </p:cBhvr>
+                                      <p:to>
+                                        <p:strVal val="visible"/>
+                                      </p:to>
+                                    </p:set>
+                                  </p:childTnLst>
+                                </p:cTn>
+                              </p:par>
+                              <p:par>
+                                <p:cTn id="9" presetID="1" presetClass="entr" presetSubtype="0" fill="hold" nodeType="withEffect">
+                                  <p:stCondLst>
+                                    <p:cond delay="0"/>
+                                  </p:stCondLst>
+                                  <p:childTnLst>
+                                    <p:set>
+                                      <p:cBhvr>
+                                        <p:cTn id="10" dur="1" fill="hold">
+                                          <p:stCondLst>
+                                            <p:cond delay="0"/>
+                                          </p:stCondLst>
+                                        </p:cTn>
+                                        <p:tgtEl>
+                                          <p:spTgt spid="3">
+                                            <p:txEl>
+                                              <p:pRg st="3" end="3"/>
+                                            </p:txEl>
+                                          </p:spTgt>
+                                        </p:tgtEl>
+                                        <p:attrNameLst>
+                                          <p:attrName>style.visibility</p:attrName>
+                                        </p:attrNameLst>
+                                      </p:cBhvr>
+                                      <p:to>
+                                        <p:strVal val="visible"/>
+                                      </p:to>
+                                    </p:set>
+                                  </p:childTnLst>
+                                </p:cTn>
+                              </p:par>
+                            </p:childTnLst>
+                          </p:cTn>
+                        </p:par>
+                      </p:childTnLst>
+                    </p:cTn>
+                  </p:par>
+                  <p:par>
+                    <p:cTn id="11" fill="hold">
+                      <p:stCondLst>
+                        <p:cond delay="indefinite"/>
+                      </p:stCondLst>
+                      <p:childTnLst>
+                        <p:par>
+                          <p:cTn id="12" fill="hold">
+                            <p:stCondLst>
+                              <p:cond delay="0"/>
+                            </p:stCondLst>
+                            <p:childTnLst>
+                              <p:par>
+                                <p:cTn id="13" presetID="1" presetClass="entr" presetSubtype="0" fill="hold" nodeType="clickEffect">
+                                  <p:stCondLst>
+                                    <p:cond delay="0"/>
+                                  </p:stCondLst>
+                                  <p:childTnLst>
+                                    <p:set>
+                                      <p:cBhvr>
+                                        <p:cTn id="14" dur="1" fill="hold">
+                                          <p:stCondLst>
+                                            <p:cond delay="0"/>
+                                          </p:stCondLst>
+                                        </p:cTn>
+                                        <p:tgtEl>
+                                          <p:spTgt spid="3">
+                                            <p:txEl>
+                                              <p:pRg st="4" end="4"/>
+                                            </p:txEl>
+                                          </p:spTgt>
+                                        </p:tgtEl>
+                                        <p:attrNameLst>
+                                          <p:attrName>style.visibility</p:attrName>
+                                        </p:attrNameLst>
+                                      </p:cBhvr>
+                                      <p:to>
+                                        <p:strVal val="visible"/>
+                                      </p:to>
+                                    </p:set>
+                                  </p:childTnLst>
+                                </p:cTn>
+                              </p:par>
+                            </p:childTnLst>
+                          </p:cTn>
+                        </p:par>
+                      </p:childTnLst>
+                    </p:cTn>
+                  </p:par>
+                </p:childTnLst>
+              </p:cTn>
+              <p:prevCondLst>
+                <p:cond evt="onPrev" delay="0">
+                  <p:tgtEl>
+                    <p:sldTgt/>
+                  </p:tgtEl>
+                </p:cond>
+              </p:prevCondLst>
+              <p:nextCondLst>
+                <p:cond evt="onNext" delay="0">
+                  <p:tgtEl>
+                    <p:sldTgt/>
+                  </p:tgtEl>
+                </p:cond>
+              </p:nextCondLst>
+            </p:seq>
+          </p:childTnLst>
+        </p:cTn>
+      </p:par>
+    </p:tnLst>
+  </p:timing>
 </p:sld>
 </file>
 
